--- a/Presentation.pptx
+++ b/Presentation.pptx
@@ -13,12 +13,15 @@
     <p:sldId id="263" r:id="rId7"/>
     <p:sldId id="264" r:id="rId8"/>
     <p:sldId id="260" r:id="rId9"/>
-    <p:sldId id="261" r:id="rId10"/>
-    <p:sldId id="262" r:id="rId11"/>
-    <p:sldId id="268" r:id="rId12"/>
-    <p:sldId id="269" r:id="rId13"/>
-    <p:sldId id="265" r:id="rId14"/>
-    <p:sldId id="266" r:id="rId15"/>
+    <p:sldId id="270" r:id="rId10"/>
+    <p:sldId id="271" r:id="rId11"/>
+    <p:sldId id="272" r:id="rId12"/>
+    <p:sldId id="261" r:id="rId13"/>
+    <p:sldId id="262" r:id="rId14"/>
+    <p:sldId id="268" r:id="rId15"/>
+    <p:sldId id="269" r:id="rId16"/>
+    <p:sldId id="265" r:id="rId17"/>
+    <p:sldId id="266" r:id="rId18"/>
   </p:sldIdLst>
   <p:sldSz cx="12192000" cy="6858000"/>
   <p:notesSz cx="6858000" cy="9144000"/>
@@ -167,7 +170,7 @@
           </a:lstStyle>
           <a:p>
             <a:r>
-              <a:rPr lang="en-US" smtClean="0"/>
+              <a:rPr lang="en-US"/>
               <a:t>Click to edit Master title style</a:t>
             </a:r>
             <a:endParaRPr lang="en-GB"/>
@@ -232,7 +235,7 @@
           </a:lstStyle>
           <a:p>
             <a:r>
-              <a:rPr lang="en-US" smtClean="0"/>
+              <a:rPr lang="en-US"/>
               <a:t>Click to edit Master subtitle style</a:t>
             </a:r>
             <a:endParaRPr lang="en-GB"/>
@@ -350,7 +353,7 @@
           <a:lstStyle/>
           <a:p>
             <a:r>
-              <a:rPr lang="en-US" smtClean="0"/>
+              <a:rPr lang="en-US"/>
               <a:t>Click to edit Master title style</a:t>
             </a:r>
             <a:endParaRPr lang="en-GB"/>
@@ -374,35 +377,35 @@
           <a:p>
             <a:pPr lvl="0"/>
             <a:r>
-              <a:rPr lang="en-US" smtClean="0"/>
+              <a:rPr lang="en-US"/>
               <a:t>Edit Master text styles</a:t>
             </a:r>
           </a:p>
           <a:p>
             <a:pPr lvl="1"/>
             <a:r>
-              <a:rPr lang="en-US" smtClean="0"/>
+              <a:rPr lang="en-US"/>
               <a:t>Second level</a:t>
             </a:r>
           </a:p>
           <a:p>
             <a:pPr lvl="2"/>
             <a:r>
-              <a:rPr lang="en-US" smtClean="0"/>
+              <a:rPr lang="en-US"/>
               <a:t>Third level</a:t>
             </a:r>
           </a:p>
           <a:p>
             <a:pPr lvl="3"/>
             <a:r>
-              <a:rPr lang="en-US" smtClean="0"/>
+              <a:rPr lang="en-US"/>
               <a:t>Fourth level</a:t>
             </a:r>
           </a:p>
           <a:p>
             <a:pPr lvl="4"/>
             <a:r>
-              <a:rPr lang="en-US" smtClean="0"/>
+              <a:rPr lang="en-US"/>
               <a:t>Fifth level</a:t>
             </a:r>
             <a:endParaRPr lang="en-GB"/>
@@ -525,7 +528,7 @@
           <a:lstStyle/>
           <a:p>
             <a:r>
-              <a:rPr lang="en-US" smtClean="0"/>
+              <a:rPr lang="en-US"/>
               <a:t>Click to edit Master title style</a:t>
             </a:r>
             <a:endParaRPr lang="en-GB"/>
@@ -554,35 +557,35 @@
           <a:p>
             <a:pPr lvl="0"/>
             <a:r>
-              <a:rPr lang="en-US" smtClean="0"/>
+              <a:rPr lang="en-US"/>
               <a:t>Edit Master text styles</a:t>
             </a:r>
           </a:p>
           <a:p>
             <a:pPr lvl="1"/>
             <a:r>
-              <a:rPr lang="en-US" smtClean="0"/>
+              <a:rPr lang="en-US"/>
               <a:t>Second level</a:t>
             </a:r>
           </a:p>
           <a:p>
             <a:pPr lvl="2"/>
             <a:r>
-              <a:rPr lang="en-US" smtClean="0"/>
+              <a:rPr lang="en-US"/>
               <a:t>Third level</a:t>
             </a:r>
           </a:p>
           <a:p>
             <a:pPr lvl="3"/>
             <a:r>
-              <a:rPr lang="en-US" smtClean="0"/>
+              <a:rPr lang="en-US"/>
               <a:t>Fourth level</a:t>
             </a:r>
           </a:p>
           <a:p>
             <a:pPr lvl="4"/>
             <a:r>
-              <a:rPr lang="en-US" smtClean="0"/>
+              <a:rPr lang="en-US"/>
               <a:t>Fifth level</a:t>
             </a:r>
             <a:endParaRPr lang="en-GB"/>
@@ -700,7 +703,7 @@
           <a:lstStyle/>
           <a:p>
             <a:r>
-              <a:rPr lang="en-US" smtClean="0"/>
+              <a:rPr lang="en-US"/>
               <a:t>Click to edit Master title style</a:t>
             </a:r>
             <a:endParaRPr lang="en-GB"/>
@@ -724,35 +727,35 @@
           <a:p>
             <a:pPr lvl="0"/>
             <a:r>
-              <a:rPr lang="en-US" smtClean="0"/>
+              <a:rPr lang="en-US"/>
               <a:t>Edit Master text styles</a:t>
             </a:r>
           </a:p>
           <a:p>
             <a:pPr lvl="1"/>
             <a:r>
-              <a:rPr lang="en-US" smtClean="0"/>
+              <a:rPr lang="en-US"/>
               <a:t>Second level</a:t>
             </a:r>
           </a:p>
           <a:p>
             <a:pPr lvl="2"/>
             <a:r>
-              <a:rPr lang="en-US" smtClean="0"/>
+              <a:rPr lang="en-US"/>
               <a:t>Third level</a:t>
             </a:r>
           </a:p>
           <a:p>
             <a:pPr lvl="3"/>
             <a:r>
-              <a:rPr lang="en-US" smtClean="0"/>
+              <a:rPr lang="en-US"/>
               <a:t>Fourth level</a:t>
             </a:r>
           </a:p>
           <a:p>
             <a:pPr lvl="4"/>
             <a:r>
-              <a:rPr lang="en-US" smtClean="0"/>
+              <a:rPr lang="en-US"/>
               <a:t>Fifth level</a:t>
             </a:r>
             <a:endParaRPr lang="en-GB"/>
@@ -879,7 +882,7 @@
           </a:lstStyle>
           <a:p>
             <a:r>
-              <a:rPr lang="en-US" smtClean="0"/>
+              <a:rPr lang="en-US"/>
               <a:t>Click to edit Master title style</a:t>
             </a:r>
             <a:endParaRPr lang="en-GB"/>
@@ -999,7 +1002,7 @@
           <a:p>
             <a:pPr lvl="0"/>
             <a:r>
-              <a:rPr lang="en-US" smtClean="0"/>
+              <a:rPr lang="en-US"/>
               <a:t>Edit Master text styles</a:t>
             </a:r>
           </a:p>
@@ -1116,7 +1119,7 @@
           <a:lstStyle/>
           <a:p>
             <a:r>
-              <a:rPr lang="en-US" smtClean="0"/>
+              <a:rPr lang="en-US"/>
               <a:t>Click to edit Master title style</a:t>
             </a:r>
             <a:endParaRPr lang="en-GB"/>
@@ -1145,35 +1148,35 @@
           <a:p>
             <a:pPr lvl="0"/>
             <a:r>
-              <a:rPr lang="en-US" smtClean="0"/>
+              <a:rPr lang="en-US"/>
               <a:t>Edit Master text styles</a:t>
             </a:r>
           </a:p>
           <a:p>
             <a:pPr lvl="1"/>
             <a:r>
-              <a:rPr lang="en-US" smtClean="0"/>
+              <a:rPr lang="en-US"/>
               <a:t>Second level</a:t>
             </a:r>
           </a:p>
           <a:p>
             <a:pPr lvl="2"/>
             <a:r>
-              <a:rPr lang="en-US" smtClean="0"/>
+              <a:rPr lang="en-US"/>
               <a:t>Third level</a:t>
             </a:r>
           </a:p>
           <a:p>
             <a:pPr lvl="3"/>
             <a:r>
-              <a:rPr lang="en-US" smtClean="0"/>
+              <a:rPr lang="en-US"/>
               <a:t>Fourth level</a:t>
             </a:r>
           </a:p>
           <a:p>
             <a:pPr lvl="4"/>
             <a:r>
-              <a:rPr lang="en-US" smtClean="0"/>
+              <a:rPr lang="en-US"/>
               <a:t>Fifth level</a:t>
             </a:r>
             <a:endParaRPr lang="en-GB"/>
@@ -1202,35 +1205,35 @@
           <a:p>
             <a:pPr lvl="0"/>
             <a:r>
-              <a:rPr lang="en-US" smtClean="0"/>
+              <a:rPr lang="en-US"/>
               <a:t>Edit Master text styles</a:t>
             </a:r>
           </a:p>
           <a:p>
             <a:pPr lvl="1"/>
             <a:r>
-              <a:rPr lang="en-US" smtClean="0"/>
+              <a:rPr lang="en-US"/>
               <a:t>Second level</a:t>
             </a:r>
           </a:p>
           <a:p>
             <a:pPr lvl="2"/>
             <a:r>
-              <a:rPr lang="en-US" smtClean="0"/>
+              <a:rPr lang="en-US"/>
               <a:t>Third level</a:t>
             </a:r>
           </a:p>
           <a:p>
             <a:pPr lvl="3"/>
             <a:r>
-              <a:rPr lang="en-US" smtClean="0"/>
+              <a:rPr lang="en-US"/>
               <a:t>Fourth level</a:t>
             </a:r>
           </a:p>
           <a:p>
             <a:pPr lvl="4"/>
             <a:r>
-              <a:rPr lang="en-US" smtClean="0"/>
+              <a:rPr lang="en-US"/>
               <a:t>Fifth level</a:t>
             </a:r>
             <a:endParaRPr lang="en-GB"/>
@@ -1353,7 +1356,7 @@
           <a:lstStyle/>
           <a:p>
             <a:r>
-              <a:rPr lang="en-US" smtClean="0"/>
+              <a:rPr lang="en-US"/>
               <a:t>Click to edit Master title style</a:t>
             </a:r>
             <a:endParaRPr lang="en-GB"/>
@@ -1419,7 +1422,7 @@
           <a:p>
             <a:pPr lvl="0"/>
             <a:r>
-              <a:rPr lang="en-US" smtClean="0"/>
+              <a:rPr lang="en-US"/>
               <a:t>Edit Master text styles</a:t>
             </a:r>
           </a:p>
@@ -1447,35 +1450,35 @@
           <a:p>
             <a:pPr lvl="0"/>
             <a:r>
-              <a:rPr lang="en-US" smtClean="0"/>
+              <a:rPr lang="en-US"/>
               <a:t>Edit Master text styles</a:t>
             </a:r>
           </a:p>
           <a:p>
             <a:pPr lvl="1"/>
             <a:r>
-              <a:rPr lang="en-US" smtClean="0"/>
+              <a:rPr lang="en-US"/>
               <a:t>Second level</a:t>
             </a:r>
           </a:p>
           <a:p>
             <a:pPr lvl="2"/>
             <a:r>
-              <a:rPr lang="en-US" smtClean="0"/>
+              <a:rPr lang="en-US"/>
               <a:t>Third level</a:t>
             </a:r>
           </a:p>
           <a:p>
             <a:pPr lvl="3"/>
             <a:r>
-              <a:rPr lang="en-US" smtClean="0"/>
+              <a:rPr lang="en-US"/>
               <a:t>Fourth level</a:t>
             </a:r>
           </a:p>
           <a:p>
             <a:pPr lvl="4"/>
             <a:r>
-              <a:rPr lang="en-US" smtClean="0"/>
+              <a:rPr lang="en-US"/>
               <a:t>Fifth level</a:t>
             </a:r>
             <a:endParaRPr lang="en-GB"/>
@@ -1541,7 +1544,7 @@
           <a:p>
             <a:pPr lvl="0"/>
             <a:r>
-              <a:rPr lang="en-US" smtClean="0"/>
+              <a:rPr lang="en-US"/>
               <a:t>Edit Master text styles</a:t>
             </a:r>
           </a:p>
@@ -1569,35 +1572,35 @@
           <a:p>
             <a:pPr lvl="0"/>
             <a:r>
-              <a:rPr lang="en-US" smtClean="0"/>
+              <a:rPr lang="en-US"/>
               <a:t>Edit Master text styles</a:t>
             </a:r>
           </a:p>
           <a:p>
             <a:pPr lvl="1"/>
             <a:r>
-              <a:rPr lang="en-US" smtClean="0"/>
+              <a:rPr lang="en-US"/>
               <a:t>Second level</a:t>
             </a:r>
           </a:p>
           <a:p>
             <a:pPr lvl="2"/>
             <a:r>
-              <a:rPr lang="en-US" smtClean="0"/>
+              <a:rPr lang="en-US"/>
               <a:t>Third level</a:t>
             </a:r>
           </a:p>
           <a:p>
             <a:pPr lvl="3"/>
             <a:r>
-              <a:rPr lang="en-US" smtClean="0"/>
+              <a:rPr lang="en-US"/>
               <a:t>Fourth level</a:t>
             </a:r>
           </a:p>
           <a:p>
             <a:pPr lvl="4"/>
             <a:r>
-              <a:rPr lang="en-US" smtClean="0"/>
+              <a:rPr lang="en-US"/>
               <a:t>Fifth level</a:t>
             </a:r>
             <a:endParaRPr lang="en-GB"/>
@@ -1715,7 +1718,7 @@
           <a:lstStyle/>
           <a:p>
             <a:r>
-              <a:rPr lang="en-US" smtClean="0"/>
+              <a:rPr lang="en-US"/>
               <a:t>Click to edit Master title style</a:t>
             </a:r>
             <a:endParaRPr lang="en-GB"/>
@@ -1937,7 +1940,7 @@
           </a:lstStyle>
           <a:p>
             <a:r>
-              <a:rPr lang="en-US" smtClean="0"/>
+              <a:rPr lang="en-US"/>
               <a:t>Click to edit Master title style</a:t>
             </a:r>
             <a:endParaRPr lang="en-GB"/>
@@ -1994,35 +1997,35 @@
           <a:p>
             <a:pPr lvl="0"/>
             <a:r>
-              <a:rPr lang="en-US" smtClean="0"/>
+              <a:rPr lang="en-US"/>
               <a:t>Edit Master text styles</a:t>
             </a:r>
           </a:p>
           <a:p>
             <a:pPr lvl="1"/>
             <a:r>
-              <a:rPr lang="en-US" smtClean="0"/>
+              <a:rPr lang="en-US"/>
               <a:t>Second level</a:t>
             </a:r>
           </a:p>
           <a:p>
             <a:pPr lvl="2"/>
             <a:r>
-              <a:rPr lang="en-US" smtClean="0"/>
+              <a:rPr lang="en-US"/>
               <a:t>Third level</a:t>
             </a:r>
           </a:p>
           <a:p>
             <a:pPr lvl="3"/>
             <a:r>
-              <a:rPr lang="en-US" smtClean="0"/>
+              <a:rPr lang="en-US"/>
               <a:t>Fourth level</a:t>
             </a:r>
           </a:p>
           <a:p>
             <a:pPr lvl="4"/>
             <a:r>
-              <a:rPr lang="en-US" smtClean="0"/>
+              <a:rPr lang="en-US"/>
               <a:t>Fifth level</a:t>
             </a:r>
             <a:endParaRPr lang="en-GB"/>
@@ -2088,7 +2091,7 @@
           <a:p>
             <a:pPr lvl="0"/>
             <a:r>
-              <a:rPr lang="en-US" smtClean="0"/>
+              <a:rPr lang="en-US"/>
               <a:t>Edit Master text styles</a:t>
             </a:r>
           </a:p>
@@ -2214,7 +2217,7 @@
           </a:lstStyle>
           <a:p>
             <a:r>
-              <a:rPr lang="en-US" smtClean="0"/>
+              <a:rPr lang="en-US"/>
               <a:t>Click to edit Master title style</a:t>
             </a:r>
             <a:endParaRPr lang="en-GB"/>
@@ -2341,7 +2344,7 @@
           <a:p>
             <a:pPr lvl="0"/>
             <a:r>
-              <a:rPr lang="en-US" smtClean="0"/>
+              <a:rPr lang="en-US"/>
               <a:t>Edit Master text styles</a:t>
             </a:r>
           </a:p>
@@ -2473,7 +2476,7 @@
           <a:lstStyle/>
           <a:p>
             <a:r>
-              <a:rPr lang="en-US" smtClean="0"/>
+              <a:rPr lang="en-US"/>
               <a:t>Click to edit Master title style</a:t>
             </a:r>
             <a:endParaRPr lang="en-GB"/>
@@ -2507,35 +2510,35 @@
           <a:p>
             <a:pPr lvl="0"/>
             <a:r>
-              <a:rPr lang="en-US" smtClean="0"/>
+              <a:rPr lang="en-US"/>
               <a:t>Edit Master text styles</a:t>
             </a:r>
           </a:p>
           <a:p>
             <a:pPr lvl="1"/>
             <a:r>
-              <a:rPr lang="en-US" smtClean="0"/>
+              <a:rPr lang="en-US"/>
               <a:t>Second level</a:t>
             </a:r>
           </a:p>
           <a:p>
             <a:pPr lvl="2"/>
             <a:r>
-              <a:rPr lang="en-US" smtClean="0"/>
+              <a:rPr lang="en-US"/>
               <a:t>Third level</a:t>
             </a:r>
           </a:p>
           <a:p>
             <a:pPr lvl="3"/>
             <a:r>
-              <a:rPr lang="en-US" smtClean="0"/>
+              <a:rPr lang="en-US"/>
               <a:t>Fourth level</a:t>
             </a:r>
           </a:p>
           <a:p>
             <a:pPr lvl="4"/>
             <a:r>
-              <a:rPr lang="en-US" smtClean="0"/>
+              <a:rPr lang="en-US"/>
               <a:t>Fifth level</a:t>
             </a:r>
             <a:endParaRPr lang="en-GB"/>
@@ -2998,10 +3001,9 @@
           <a:lstStyle/>
           <a:p>
             <a:r>
-              <a:rPr lang="en-GB" dirty="0" smtClean="0"/>
+              <a:rPr lang="en-GB" dirty="0"/>
               <a:t>Title</a:t>
             </a:r>
-            <a:endParaRPr lang="en-GB" dirty="0"/>
           </a:p>
         </p:txBody>
       </p:sp>
@@ -3070,97 +3072,45 @@
           <a:lstStyle/>
           <a:p>
             <a:r>
-              <a:rPr lang="en-GB" dirty="0" smtClean="0"/>
-              <a:t>Further Developments</a:t>
-            </a:r>
-            <a:endParaRPr lang="en-GB" dirty="0"/>
-          </a:p>
-        </p:txBody>
-      </p:sp>
-      <p:sp>
-        <p:nvSpPr>
-          <p:cNvPr id="3" name="Content Placeholder 2"/>
-          <p:cNvSpPr>
-            <a:spLocks noGrp="1"/>
-          </p:cNvSpPr>
+              <a:rPr lang="en-GB" dirty="0"/>
+              <a:t>Graphs for floor 1: varying absorber mass from 0.05kg to 0.2kg</a:t>
+            </a:r>
+          </a:p>
+        </p:txBody>
+      </p:sp>
+      <p:pic>
+        <p:nvPicPr>
+          <p:cNvPr id="10" name="Content Placeholder 9"/>
+          <p:cNvPicPr>
+            <a:picLocks noGrp="1" noChangeAspect="1"/>
+          </p:cNvPicPr>
           <p:nvPr>
             <p:ph idx="1"/>
           </p:nvPr>
-        </p:nvSpPr>
-        <p:spPr/>
-        <p:txBody>
-          <a:bodyPr>
-            <a:normAutofit fontScale="92500" lnSpcReduction="20000"/>
-          </a:bodyPr>
-          <a:lstStyle/>
-          <a:p>
-            <a:r>
-              <a:rPr lang="en-GB" dirty="0" smtClean="0"/>
-              <a:t>Check the impulse response for different floors/modes</a:t>
-            </a:r>
-          </a:p>
-          <a:p>
-            <a:r>
-              <a:rPr lang="en-GB" dirty="0" smtClean="0"/>
-              <a:t>Compare the efficiencies of putting absorber at different floors</a:t>
-            </a:r>
-          </a:p>
-          <a:p>
-            <a:r>
-              <a:rPr lang="en-GB" dirty="0" smtClean="0"/>
-              <a:t>Mass of absorber</a:t>
-            </a:r>
-          </a:p>
-          <a:p>
-            <a:r>
-              <a:rPr lang="en-GB" dirty="0" smtClean="0"/>
-              <a:t>Model </a:t>
-            </a:r>
-            <a:r>
-              <a:rPr lang="en-GB" dirty="0" err="1" smtClean="0"/>
-              <a:t>unsimplified</a:t>
-            </a:r>
-            <a:r>
-              <a:rPr lang="en-GB" dirty="0" smtClean="0"/>
-              <a:t> system – check the effects of having multiple absorbers</a:t>
-            </a:r>
-          </a:p>
-          <a:p>
-            <a:r>
-              <a:rPr lang="en-GB" dirty="0" smtClean="0"/>
-              <a:t>Numerical integration on system – 6 </a:t>
-            </a:r>
-            <a:r>
-              <a:rPr lang="en-GB" dirty="0" err="1" smtClean="0"/>
-              <a:t>dof</a:t>
-            </a:r>
-            <a:endParaRPr lang="en-GB" dirty="0" smtClean="0"/>
-          </a:p>
-          <a:p>
-            <a:r>
-              <a:rPr lang="en-GB" dirty="0" smtClean="0"/>
-              <a:t>Check relative amplitudes of peaks, are reduced peaks still greater than unreduced peaks of other modes/frequencies</a:t>
-            </a:r>
-          </a:p>
-          <a:p>
-            <a:r>
-              <a:rPr lang="en-GB" dirty="0" smtClean="0"/>
-              <a:t>Compare responses to range of frequencies – rather than having ‘impulse’ of single frequency, try step of all frequencies or some curve around natural frequency.</a:t>
-            </a:r>
-          </a:p>
-          <a:p>
-            <a:r>
-              <a:rPr lang="en-GB" dirty="0" smtClean="0"/>
-              <a:t>Given actual values of floor lambda for each floor and mode, put these in to give actual optimum values for the actual structure.</a:t>
-            </a:r>
-            <a:endParaRPr lang="en-GB" dirty="0"/>
-          </a:p>
-        </p:txBody>
-      </p:sp>
+        </p:nvPicPr>
+        <p:blipFill>
+          <a:blip r:embed="rId2">
+            <a:extLst>
+              <a:ext uri="{28A0092B-C50C-407E-A947-70E740481C1C}">
+                <a14:useLocalDpi xmlns:a14="http://schemas.microsoft.com/office/drawing/2010/main" val="0"/>
+              </a:ext>
+            </a:extLst>
+          </a:blip>
+          <a:stretch>
+            <a:fillRect/>
+          </a:stretch>
+        </p:blipFill>
+        <p:spPr>
+          <a:xfrm>
+            <a:off x="2520156" y="1690688"/>
+            <a:ext cx="7151688" cy="4351338"/>
+          </a:xfrm>
+        </p:spPr>
+      </p:pic>
     </p:spTree>
     <p:extLst>
       <p:ext uri="{BB962C8B-B14F-4D97-AF65-F5344CB8AC3E}">
-        <p14:creationId xmlns:p14="http://schemas.microsoft.com/office/powerpoint/2010/main" val="1122111330"/>
+        <p14:creationId xmlns:p14="http://schemas.microsoft.com/office/powerpoint/2010/main" val="2557143880"/>
       </p:ext>
     </p:extLst>
   </p:cSld>
@@ -3203,10 +3153,292 @@
           <a:lstStyle/>
           <a:p>
             <a:r>
-              <a:rPr lang="en-GB" dirty="0" smtClean="0"/>
+              <a:rPr lang="en-GB" dirty="0"/>
+              <a:t>Graphs for floor 1: varying absorber mass from 0.05kg to 0.2kg</a:t>
+            </a:r>
+          </a:p>
+        </p:txBody>
+      </p:sp>
+      <p:pic>
+        <p:nvPicPr>
+          <p:cNvPr id="10" name="Content Placeholder 9"/>
+          <p:cNvPicPr>
+            <a:picLocks noGrp="1" noChangeAspect="1"/>
+          </p:cNvPicPr>
+          <p:nvPr>
+            <p:ph idx="1"/>
+          </p:nvPr>
+        </p:nvPicPr>
+        <p:blipFill>
+          <a:blip r:embed="rId2">
+            <a:extLst>
+              <a:ext uri="{28A0092B-C50C-407E-A947-70E740481C1C}">
+                <a14:useLocalDpi xmlns:a14="http://schemas.microsoft.com/office/drawing/2010/main" val="0"/>
+              </a:ext>
+            </a:extLst>
+          </a:blip>
+          <a:stretch>
+            <a:fillRect/>
+          </a:stretch>
+        </p:blipFill>
+        <p:spPr>
+          <a:xfrm>
+            <a:off x="2520156" y="1690688"/>
+            <a:ext cx="7151688" cy="4351338"/>
+          </a:xfrm>
+        </p:spPr>
+      </p:pic>
+    </p:spTree>
+    <p:extLst>
+      <p:ext uri="{BB962C8B-B14F-4D97-AF65-F5344CB8AC3E}">
+        <p14:creationId xmlns:p14="http://schemas.microsoft.com/office/powerpoint/2010/main" val="1739858078"/>
+      </p:ext>
+    </p:extLst>
+  </p:cSld>
+  <p:clrMapOvr>
+    <a:masterClrMapping/>
+  </p:clrMapOvr>
+</p:sld>
+</file>
+
+<file path=ppt/slides/slide12.xml><?xml version="1.0" encoding="utf-8"?>
+<p:sld xmlns:a="http://schemas.openxmlformats.org/drawingml/2006/main" xmlns:r="http://schemas.openxmlformats.org/officeDocument/2006/relationships" xmlns:p="http://schemas.openxmlformats.org/presentationml/2006/main">
+  <p:cSld>
+    <p:spTree>
+      <p:nvGrpSpPr>
+        <p:cNvPr id="1" name=""/>
+        <p:cNvGrpSpPr/>
+        <p:nvPr/>
+      </p:nvGrpSpPr>
+      <p:grpSpPr>
+        <a:xfrm>
+          <a:off x="0" y="0"/>
+          <a:ext cx="0" cy="0"/>
+          <a:chOff x="0" y="0"/>
+          <a:chExt cx="0" cy="0"/>
+        </a:xfrm>
+      </p:grpSpPr>
+      <p:sp>
+        <p:nvSpPr>
+          <p:cNvPr id="2" name="Title 1"/>
+          <p:cNvSpPr>
+            <a:spLocks noGrp="1"/>
+          </p:cNvSpPr>
+          <p:nvPr>
+            <p:ph type="title"/>
+          </p:nvPr>
+        </p:nvSpPr>
+        <p:spPr/>
+        <p:txBody>
+          <a:bodyPr/>
+          <a:lstStyle/>
+          <a:p>
+            <a:r>
+              <a:rPr lang="en-GB" dirty="0"/>
+              <a:t>Conclusions</a:t>
+            </a:r>
+          </a:p>
+        </p:txBody>
+      </p:sp>
+      <p:sp>
+        <p:nvSpPr>
+          <p:cNvPr id="3" name="Content Placeholder 2"/>
+          <p:cNvSpPr>
+            <a:spLocks noGrp="1"/>
+          </p:cNvSpPr>
+          <p:nvPr>
+            <p:ph idx="1"/>
+          </p:nvPr>
+        </p:nvSpPr>
+        <p:spPr/>
+        <p:txBody>
+          <a:bodyPr/>
+          <a:lstStyle/>
+          <a:p>
+            <a:endParaRPr lang="en-GB"/>
+          </a:p>
+        </p:txBody>
+      </p:sp>
+    </p:spTree>
+    <p:extLst>
+      <p:ext uri="{BB962C8B-B14F-4D97-AF65-F5344CB8AC3E}">
+        <p14:creationId xmlns:p14="http://schemas.microsoft.com/office/powerpoint/2010/main" val="4233122878"/>
+      </p:ext>
+    </p:extLst>
+  </p:cSld>
+  <p:clrMapOvr>
+    <a:masterClrMapping/>
+  </p:clrMapOvr>
+</p:sld>
+</file>
+
+<file path=ppt/slides/slide13.xml><?xml version="1.0" encoding="utf-8"?>
+<p:sld xmlns:a="http://schemas.openxmlformats.org/drawingml/2006/main" xmlns:r="http://schemas.openxmlformats.org/officeDocument/2006/relationships" xmlns:p="http://schemas.openxmlformats.org/presentationml/2006/main">
+  <p:cSld>
+    <p:spTree>
+      <p:nvGrpSpPr>
+        <p:cNvPr id="1" name=""/>
+        <p:cNvGrpSpPr/>
+        <p:nvPr/>
+      </p:nvGrpSpPr>
+      <p:grpSpPr>
+        <a:xfrm>
+          <a:off x="0" y="0"/>
+          <a:ext cx="0" cy="0"/>
+          <a:chOff x="0" y="0"/>
+          <a:chExt cx="0" cy="0"/>
+        </a:xfrm>
+      </p:grpSpPr>
+      <p:sp>
+        <p:nvSpPr>
+          <p:cNvPr id="2" name="Title 1"/>
+          <p:cNvSpPr>
+            <a:spLocks noGrp="1"/>
+          </p:cNvSpPr>
+          <p:nvPr>
+            <p:ph type="title"/>
+          </p:nvPr>
+        </p:nvSpPr>
+        <p:spPr/>
+        <p:txBody>
+          <a:bodyPr/>
+          <a:lstStyle/>
+          <a:p>
+            <a:r>
+              <a:rPr lang="en-GB" dirty="0"/>
+              <a:t>Further Developments</a:t>
+            </a:r>
+          </a:p>
+        </p:txBody>
+      </p:sp>
+      <p:sp>
+        <p:nvSpPr>
+          <p:cNvPr id="3" name="Content Placeholder 2"/>
+          <p:cNvSpPr>
+            <a:spLocks noGrp="1"/>
+          </p:cNvSpPr>
+          <p:nvPr>
+            <p:ph idx="1"/>
+          </p:nvPr>
+        </p:nvSpPr>
+        <p:spPr/>
+        <p:txBody>
+          <a:bodyPr>
+            <a:normAutofit fontScale="92500" lnSpcReduction="20000"/>
+          </a:bodyPr>
+          <a:lstStyle/>
+          <a:p>
+            <a:r>
+              <a:rPr lang="en-GB" dirty="0"/>
+              <a:t>Check the impulse response for different floors/modes</a:t>
+            </a:r>
+          </a:p>
+          <a:p>
+            <a:r>
+              <a:rPr lang="en-GB" dirty="0"/>
+              <a:t>Compare the efficiencies of putting absorber at different floors</a:t>
+            </a:r>
+          </a:p>
+          <a:p>
+            <a:r>
+              <a:rPr lang="en-GB" dirty="0"/>
+              <a:t>Mass of absorber</a:t>
+            </a:r>
+          </a:p>
+          <a:p>
+            <a:r>
+              <a:rPr lang="en-GB" dirty="0"/>
+              <a:t>Model </a:t>
+            </a:r>
+            <a:r>
+              <a:rPr lang="en-GB" dirty="0" err="1"/>
+              <a:t>unsimplified</a:t>
+            </a:r>
+            <a:r>
+              <a:rPr lang="en-GB" dirty="0"/>
+              <a:t> system – check the effects of having multiple absorbers</a:t>
+            </a:r>
+          </a:p>
+          <a:p>
+            <a:r>
+              <a:rPr lang="en-GB" dirty="0"/>
+              <a:t>Numerical integration on system – 6 </a:t>
+            </a:r>
+            <a:r>
+              <a:rPr lang="en-GB" dirty="0" err="1"/>
+              <a:t>dof</a:t>
+            </a:r>
+            <a:endParaRPr lang="en-GB" dirty="0"/>
+          </a:p>
+          <a:p>
+            <a:r>
+              <a:rPr lang="en-GB" dirty="0"/>
+              <a:t>Check relative amplitudes of peaks, are reduced peaks still greater than unreduced peaks of other modes/frequencies</a:t>
+            </a:r>
+          </a:p>
+          <a:p>
+            <a:r>
+              <a:rPr lang="en-GB" dirty="0"/>
+              <a:t>Compare responses to range of frequencies – rather than having ‘impulse’ of single frequency, try step of all frequencies or some curve around natural frequency.</a:t>
+            </a:r>
+          </a:p>
+          <a:p>
+            <a:r>
+              <a:rPr lang="en-GB" dirty="0"/>
+              <a:t>Given actual values of floor lambda for each floor and mode, put these in to give actual optimum values for the actual structure.</a:t>
+            </a:r>
+          </a:p>
+        </p:txBody>
+      </p:sp>
+    </p:spTree>
+    <p:extLst>
+      <p:ext uri="{BB962C8B-B14F-4D97-AF65-F5344CB8AC3E}">
+        <p14:creationId xmlns:p14="http://schemas.microsoft.com/office/powerpoint/2010/main" val="1122111330"/>
+      </p:ext>
+    </p:extLst>
+  </p:cSld>
+  <p:clrMapOvr>
+    <a:masterClrMapping/>
+  </p:clrMapOvr>
+</p:sld>
+</file>
+
+<file path=ppt/slides/slide14.xml><?xml version="1.0" encoding="utf-8"?>
+<p:sld xmlns:a="http://schemas.openxmlformats.org/drawingml/2006/main" xmlns:r="http://schemas.openxmlformats.org/officeDocument/2006/relationships" xmlns:p="http://schemas.openxmlformats.org/presentationml/2006/main">
+  <p:cSld>
+    <p:spTree>
+      <p:nvGrpSpPr>
+        <p:cNvPr id="1" name=""/>
+        <p:cNvGrpSpPr/>
+        <p:nvPr/>
+      </p:nvGrpSpPr>
+      <p:grpSpPr>
+        <a:xfrm>
+          <a:off x="0" y="0"/>
+          <a:ext cx="0" cy="0"/>
+          <a:chOff x="0" y="0"/>
+          <a:chExt cx="0" cy="0"/>
+        </a:xfrm>
+      </p:grpSpPr>
+      <p:sp>
+        <p:nvSpPr>
+          <p:cNvPr id="2" name="Title 1"/>
+          <p:cNvSpPr>
+            <a:spLocks noGrp="1"/>
+          </p:cNvSpPr>
+          <p:nvPr>
+            <p:ph type="title"/>
+          </p:nvPr>
+        </p:nvSpPr>
+        <p:spPr/>
+        <p:txBody>
+          <a:bodyPr/>
+          <a:lstStyle/>
+          <a:p>
+            <a:r>
+              <a:rPr lang="en-GB" dirty="0"/>
               <a:t>Equations</a:t>
             </a:r>
-            <a:endParaRPr lang="en-GB" dirty="0"/>
           </a:p>
         </p:txBody>
       </p:sp>
@@ -3485,10 +3717,9 @@
                   </m:oMath>
                 </a14:m>
                 <a:r>
-                  <a:rPr lang="en-GB" dirty="0" smtClean="0"/>
+                  <a:rPr lang="en-GB" dirty="0"/>
                   <a:t> </a:t>
                 </a:r>
-                <a:endParaRPr lang="en-GB" dirty="0"/>
               </a:p>
             </p:txBody>
           </p:sp>
@@ -4402,7 +4633,7 @@
 </p:sld>
 </file>
 
-<file path=ppt/slides/slide12.xml><?xml version="1.0" encoding="utf-8"?>
+<file path=ppt/slides/slide15.xml><?xml version="1.0" encoding="utf-8"?>
 <p:sld xmlns:a="http://schemas.openxmlformats.org/drawingml/2006/main" xmlns:r="http://schemas.openxmlformats.org/officeDocument/2006/relationships" xmlns:p="http://schemas.openxmlformats.org/presentationml/2006/main">
   <p:cSld>
     <p:spTree>
@@ -4435,10 +4666,9 @@
           <a:lstStyle/>
           <a:p>
             <a:r>
-              <a:rPr lang="en-GB" dirty="0" smtClean="0"/>
+              <a:rPr lang="en-GB" dirty="0"/>
               <a:t>Tabulated Results</a:t>
             </a:r>
-            <a:endParaRPr lang="en-GB" dirty="0"/>
           </a:p>
         </p:txBody>
       </p:sp>
@@ -4458,10 +4688,9 @@
           <a:lstStyle/>
           <a:p>
             <a:r>
-              <a:rPr lang="en-GB" dirty="0" smtClean="0"/>
+              <a:rPr lang="en-GB" dirty="0"/>
               <a:t>results</a:t>
             </a:r>
-            <a:endParaRPr lang="en-GB" dirty="0"/>
           </a:p>
         </p:txBody>
       </p:sp>
@@ -4536,10 +4765,9 @@
                     <a:lstStyle/>
                     <a:p>
                       <a:r>
-                        <a:rPr lang="en-GB" dirty="0" smtClean="0"/>
+                        <a:rPr lang="en-GB" dirty="0"/>
                         <a:t>Mode 1</a:t>
                       </a:r>
-                      <a:endParaRPr lang="en-GB" dirty="0"/>
                     </a:p>
                   </a:txBody>
                   <a:tcPr/>
@@ -4550,10 +4778,9 @@
                     <a:lstStyle/>
                     <a:p>
                       <a:r>
-                        <a:rPr lang="en-GB" dirty="0" smtClean="0"/>
+                        <a:rPr lang="en-GB" dirty="0"/>
                         <a:t>Mode 2</a:t>
                       </a:r>
-                      <a:endParaRPr lang="en-GB" dirty="0"/>
                     </a:p>
                   </a:txBody>
                   <a:tcPr/>
@@ -4564,10 +4791,9 @@
                     <a:lstStyle/>
                     <a:p>
                       <a:r>
-                        <a:rPr lang="en-GB" dirty="0" smtClean="0"/>
+                        <a:rPr lang="en-GB" dirty="0"/>
                         <a:t>Mode 3</a:t>
                       </a:r>
-                      <a:endParaRPr lang="en-GB" dirty="0"/>
                     </a:p>
                   </a:txBody>
                   <a:tcPr/>
@@ -4585,18 +4811,17 @@
                     <a:lstStyle/>
                     <a:p>
                       <a:r>
-                        <a:rPr lang="el-GR" dirty="0" smtClean="0"/>
+                        <a:rPr lang="el-GR" dirty="0"/>
                         <a:t>ω</a:t>
                       </a:r>
                       <a:r>
-                        <a:rPr lang="en-GB" baseline="-25000" dirty="0" smtClean="0"/>
+                        <a:rPr lang="en-GB" baseline="-25000" dirty="0"/>
                         <a:t>n</a:t>
                       </a:r>
                       <a:r>
-                        <a:rPr lang="en-GB" dirty="0" smtClean="0"/>
+                        <a:rPr lang="en-GB" dirty="0"/>
                         <a:t> (Hz)</a:t>
                       </a:r>
-                      <a:endParaRPr lang="en-GB" dirty="0"/>
                     </a:p>
                   </a:txBody>
                   <a:tcPr/>
@@ -4607,10 +4832,9 @@
                     <a:lstStyle/>
                     <a:p>
                       <a:r>
-                        <a:rPr lang="en-GB" dirty="0" smtClean="0"/>
+                        <a:rPr lang="en-GB" dirty="0"/>
                         <a:t>3.3933</a:t>
                       </a:r>
-                      <a:endParaRPr lang="en-GB" dirty="0"/>
                     </a:p>
                   </a:txBody>
                   <a:tcPr/>
@@ -4621,10 +4845,9 @@
                     <a:lstStyle/>
                     <a:p>
                       <a:r>
-                        <a:rPr lang="en-GB" dirty="0" smtClean="0"/>
+                        <a:rPr lang="en-GB" dirty="0"/>
                         <a:t>9.5078</a:t>
                       </a:r>
-                      <a:endParaRPr lang="en-GB" dirty="0"/>
                     </a:p>
                   </a:txBody>
                   <a:tcPr/>
@@ -4635,10 +4858,9 @@
                     <a:lstStyle/>
                     <a:p>
                       <a:r>
-                        <a:rPr lang="en-GB" dirty="0" smtClean="0"/>
+                        <a:rPr lang="en-GB" dirty="0"/>
                         <a:t>13.7391</a:t>
                       </a:r>
-                      <a:endParaRPr lang="en-GB" dirty="0"/>
                     </a:p>
                   </a:txBody>
                   <a:tcPr/>
@@ -4656,11 +4878,11 @@
                     <a:lstStyle/>
                     <a:p>
                       <a:r>
-                        <a:rPr lang="en-GB" dirty="0" smtClean="0"/>
+                        <a:rPr lang="en-GB" dirty="0"/>
                         <a:t>A</a:t>
                       </a:r>
                       <a:r>
-                        <a:rPr lang="en-GB" baseline="-25000" dirty="0" smtClean="0"/>
+                        <a:rPr lang="en-GB" baseline="-25000" dirty="0"/>
                         <a:t>1</a:t>
                       </a:r>
                       <a:endParaRPr lang="en-GB" dirty="0"/>
@@ -4674,10 +4896,9 @@
                     <a:lstStyle/>
                     <a:p>
                       <a:r>
-                        <a:rPr lang="en-GB" dirty="0" smtClean="0"/>
+                        <a:rPr lang="en-GB" dirty="0"/>
                         <a:t>-0.2425</a:t>
                       </a:r>
-                      <a:endParaRPr lang="en-GB" dirty="0"/>
                     </a:p>
                   </a:txBody>
                   <a:tcPr/>
@@ -4688,10 +4909,9 @@
                     <a:lstStyle/>
                     <a:p>
                       <a:r>
-                        <a:rPr lang="en-GB" dirty="0" smtClean="0"/>
+                        <a:rPr lang="en-GB" dirty="0"/>
                         <a:t>0.5448</a:t>
                       </a:r>
-                      <a:endParaRPr lang="en-GB" dirty="0"/>
                     </a:p>
                   </a:txBody>
                   <a:tcPr/>
@@ -4702,7 +4922,7 @@
                     <a:lstStyle/>
                     <a:p>
                       <a:r>
-                        <a:rPr lang="en-GB" dirty="0" smtClean="0"/>
+                        <a:rPr lang="en-GB" dirty="0"/>
                         <a:t>-0.4369</a:t>
                       </a:r>
                     </a:p>
@@ -4722,14 +4942,13 @@
                     <a:lstStyle/>
                     <a:p>
                       <a:r>
-                        <a:rPr lang="en-GB" dirty="0" smtClean="0"/>
+                        <a:rPr lang="en-GB" dirty="0"/>
                         <a:t>A</a:t>
                       </a:r>
                       <a:r>
-                        <a:rPr lang="en-GB" baseline="-25000" dirty="0" smtClean="0"/>
+                        <a:rPr lang="en-GB" baseline="-25000" dirty="0"/>
                         <a:t>2</a:t>
                       </a:r>
-                      <a:endParaRPr lang="en-GB" baseline="-25000" dirty="0"/>
                     </a:p>
                   </a:txBody>
                   <a:tcPr/>
@@ -4740,10 +4959,9 @@
                     <a:lstStyle/>
                     <a:p>
                       <a:r>
-                        <a:rPr lang="en-GB" dirty="0" smtClean="0"/>
+                        <a:rPr lang="en-GB" dirty="0"/>
                         <a:t>-0.4369</a:t>
                       </a:r>
-                      <a:endParaRPr lang="en-GB" dirty="0"/>
                     </a:p>
                   </a:txBody>
                   <a:tcPr/>
@@ -4754,10 +4972,9 @@
                     <a:lstStyle/>
                     <a:p>
                       <a:r>
-                        <a:rPr lang="en-GB" dirty="0" smtClean="0"/>
+                        <a:rPr lang="en-GB" dirty="0"/>
                         <a:t>0.2425</a:t>
                       </a:r>
-                      <a:endParaRPr lang="en-GB" dirty="0"/>
                     </a:p>
                   </a:txBody>
                   <a:tcPr/>
@@ -4768,10 +4985,9 @@
                     <a:lstStyle/>
                     <a:p>
                       <a:r>
-                        <a:rPr lang="en-GB" dirty="0" smtClean="0"/>
+                        <a:rPr lang="en-GB" dirty="0"/>
                         <a:t>0.5448</a:t>
                       </a:r>
-                      <a:endParaRPr lang="en-GB" dirty="0"/>
                     </a:p>
                   </a:txBody>
                   <a:tcPr/>
@@ -4789,14 +5005,13 @@
                     <a:lstStyle/>
                     <a:p>
                       <a:r>
-                        <a:rPr lang="en-GB" dirty="0" smtClean="0"/>
+                        <a:rPr lang="en-GB" dirty="0"/>
                         <a:t>A</a:t>
                       </a:r>
                       <a:r>
-                        <a:rPr lang="en-GB" baseline="-25000" dirty="0" smtClean="0"/>
+                        <a:rPr lang="en-GB" baseline="-25000" dirty="0"/>
                         <a:t>3</a:t>
                       </a:r>
-                      <a:endParaRPr lang="en-GB" baseline="-25000" dirty="0"/>
                     </a:p>
                   </a:txBody>
                   <a:tcPr/>
@@ -4807,10 +5022,9 @@
                     <a:lstStyle/>
                     <a:p>
                       <a:r>
-                        <a:rPr lang="en-GB" dirty="0" smtClean="0"/>
+                        <a:rPr lang="en-GB" dirty="0"/>
                         <a:t>-0.5448</a:t>
                       </a:r>
-                      <a:endParaRPr lang="en-GB" dirty="0"/>
                     </a:p>
                   </a:txBody>
                   <a:tcPr/>
@@ -4821,10 +5035,9 @@
                     <a:lstStyle/>
                     <a:p>
                       <a:r>
-                        <a:rPr lang="en-GB" dirty="0" smtClean="0"/>
+                        <a:rPr lang="en-GB" dirty="0"/>
                         <a:t>-0.4369</a:t>
                       </a:r>
-                      <a:endParaRPr lang="en-GB" dirty="0"/>
                     </a:p>
                   </a:txBody>
                   <a:tcPr/>
@@ -4835,10 +5048,9 @@
                     <a:lstStyle/>
                     <a:p>
                       <a:r>
-                        <a:rPr lang="en-GB" dirty="0" smtClean="0"/>
+                        <a:rPr lang="en-GB" dirty="0"/>
                         <a:t>-0.2425</a:t>
                       </a:r>
-                      <a:endParaRPr lang="en-GB" dirty="0"/>
                     </a:p>
                   </a:txBody>
                   <a:tcPr/>
@@ -4856,18 +5068,17 @@
                     <a:lstStyle/>
                     <a:p>
                       <a:r>
-                        <a:rPr lang="en-GB" dirty="0" smtClean="0"/>
+                        <a:rPr lang="en-GB" dirty="0"/>
                         <a:t>m</a:t>
                       </a:r>
                       <a:r>
-                        <a:rPr lang="en-GB" baseline="-25000" dirty="0" smtClean="0"/>
+                        <a:rPr lang="en-GB" baseline="-25000" dirty="0"/>
                         <a:t>1</a:t>
                       </a:r>
                       <a:r>
-                        <a:rPr lang="en-GB" dirty="0" smtClean="0"/>
+                        <a:rPr lang="en-GB" dirty="0"/>
                         <a:t>’</a:t>
                       </a:r>
-                      <a:endParaRPr lang="en-GB" dirty="0"/>
                     </a:p>
                   </a:txBody>
                   <a:tcPr/>
@@ -4878,10 +5089,9 @@
                     <a:lstStyle/>
                     <a:p>
                       <a:r>
-                        <a:rPr lang="en-GB" dirty="0" smtClean="0"/>
+                        <a:rPr lang="en-GB" dirty="0"/>
                         <a:t>17.01</a:t>
                       </a:r>
-                      <a:endParaRPr lang="en-GB" dirty="0"/>
                     </a:p>
                   </a:txBody>
                   <a:tcPr/>
@@ -4892,10 +5102,9 @@
                     <a:lstStyle/>
                     <a:p>
                       <a:r>
-                        <a:rPr lang="en-GB" dirty="0" smtClean="0"/>
+                        <a:rPr lang="en-GB" dirty="0"/>
                         <a:t>3.37</a:t>
                       </a:r>
-                      <a:endParaRPr lang="en-GB" dirty="0"/>
                     </a:p>
                   </a:txBody>
                   <a:tcPr/>
@@ -4906,10 +5115,9 @@
                     <a:lstStyle/>
                     <a:p>
                       <a:r>
-                        <a:rPr lang="en-GB" dirty="0" smtClean="0"/>
+                        <a:rPr lang="en-GB" dirty="0"/>
                         <a:t>5.24</a:t>
                       </a:r>
-                      <a:endParaRPr lang="en-GB" dirty="0"/>
                     </a:p>
                   </a:txBody>
                   <a:tcPr/>
@@ -4927,18 +5135,17 @@
                     <a:lstStyle/>
                     <a:p>
                       <a:r>
-                        <a:rPr lang="en-GB" baseline="0" dirty="0" smtClean="0"/>
+                        <a:rPr lang="en-GB" baseline="0" dirty="0"/>
                         <a:t>m</a:t>
                       </a:r>
                       <a:r>
-                        <a:rPr lang="en-GB" baseline="-25000" dirty="0" smtClean="0"/>
+                        <a:rPr lang="en-GB" baseline="-25000" dirty="0"/>
                         <a:t>2</a:t>
                       </a:r>
                       <a:r>
-                        <a:rPr lang="en-GB" dirty="0" smtClean="0"/>
+                        <a:rPr lang="en-GB" dirty="0"/>
                         <a:t>’</a:t>
                       </a:r>
-                      <a:endParaRPr lang="en-GB" dirty="0"/>
                     </a:p>
                   </a:txBody>
                   <a:tcPr/>
@@ -4949,10 +5156,9 @@
                     <a:lstStyle/>
                     <a:p>
                       <a:r>
-                        <a:rPr lang="en-GB" dirty="0" smtClean="0"/>
+                        <a:rPr lang="en-GB" dirty="0"/>
                         <a:t>5.24</a:t>
                       </a:r>
-                      <a:endParaRPr lang="en-GB" dirty="0"/>
                     </a:p>
                   </a:txBody>
                   <a:tcPr/>
@@ -4963,10 +5169,9 @@
                     <a:lstStyle/>
                     <a:p>
                       <a:r>
-                        <a:rPr lang="en-GB" dirty="0" smtClean="0"/>
+                        <a:rPr lang="en-GB" dirty="0"/>
                         <a:t>17.01</a:t>
                       </a:r>
-                      <a:endParaRPr lang="en-GB" dirty="0"/>
                     </a:p>
                   </a:txBody>
                   <a:tcPr/>
@@ -4977,10 +5182,9 @@
                     <a:lstStyle/>
                     <a:p>
                       <a:r>
-                        <a:rPr lang="en-GB" dirty="0" smtClean="0"/>
+                        <a:rPr lang="en-GB" dirty="0"/>
                         <a:t>3.37</a:t>
                       </a:r>
-                      <a:endParaRPr lang="en-GB" dirty="0"/>
                     </a:p>
                   </a:txBody>
                   <a:tcPr/>
@@ -4998,18 +5202,17 @@
                     <a:lstStyle/>
                     <a:p>
                       <a:r>
-                        <a:rPr lang="en-GB" dirty="0" smtClean="0"/>
+                        <a:rPr lang="en-GB" dirty="0"/>
                         <a:t>m</a:t>
                       </a:r>
                       <a:r>
-                        <a:rPr lang="en-GB" baseline="-25000" dirty="0" smtClean="0"/>
+                        <a:rPr lang="en-GB" baseline="-25000" dirty="0"/>
                         <a:t>3</a:t>
                       </a:r>
                       <a:r>
-                        <a:rPr lang="en-GB" dirty="0" smtClean="0"/>
+                        <a:rPr lang="en-GB" dirty="0"/>
                         <a:t>’</a:t>
                       </a:r>
-                      <a:endParaRPr lang="en-GB" dirty="0"/>
                     </a:p>
                   </a:txBody>
                   <a:tcPr/>
@@ -5020,10 +5223,9 @@
                     <a:lstStyle/>
                     <a:p>
                       <a:r>
-                        <a:rPr lang="en-GB" dirty="0" smtClean="0"/>
+                        <a:rPr lang="en-GB" dirty="0"/>
                         <a:t>3.37</a:t>
                       </a:r>
-                      <a:endParaRPr lang="en-GB" dirty="0"/>
                     </a:p>
                   </a:txBody>
                   <a:tcPr/>
@@ -5034,10 +5236,9 @@
                     <a:lstStyle/>
                     <a:p>
                       <a:r>
-                        <a:rPr lang="en-GB" dirty="0" smtClean="0"/>
+                        <a:rPr lang="en-GB" dirty="0"/>
                         <a:t>5.24</a:t>
                       </a:r>
-                      <a:endParaRPr lang="en-GB" dirty="0"/>
                     </a:p>
                   </a:txBody>
                   <a:tcPr/>
@@ -5048,10 +5249,9 @@
                     <a:lstStyle/>
                     <a:p>
                       <a:r>
-                        <a:rPr lang="en-GB" dirty="0" smtClean="0"/>
+                        <a:rPr lang="en-GB" dirty="0"/>
                         <a:t>17.01</a:t>
                       </a:r>
-                      <a:endParaRPr lang="en-GB" dirty="0"/>
                     </a:p>
                   </a:txBody>
                   <a:tcPr/>
@@ -5127,10 +5327,9 @@
                     <a:lstStyle/>
                     <a:p>
                       <a:r>
-                        <a:rPr lang="en-GB" dirty="0" smtClean="0"/>
+                        <a:rPr lang="en-GB" dirty="0"/>
                         <a:t>Optimum Damper</a:t>
                       </a:r>
-                      <a:endParaRPr lang="en-GB" dirty="0"/>
                     </a:p>
                   </a:txBody>
                   <a:tcPr/>
@@ -5141,10 +5340,9 @@
                     <a:lstStyle/>
                     <a:p>
                       <a:r>
-                        <a:rPr lang="en-GB" dirty="0" smtClean="0"/>
+                        <a:rPr lang="en-GB" dirty="0"/>
                         <a:t>Mode 1</a:t>
                       </a:r>
-                      <a:endParaRPr lang="en-GB" dirty="0"/>
                     </a:p>
                   </a:txBody>
                   <a:tcPr/>
@@ -5155,10 +5353,9 @@
                     <a:lstStyle/>
                     <a:p>
                       <a:r>
-                        <a:rPr lang="en-GB" dirty="0" smtClean="0"/>
+                        <a:rPr lang="en-GB" dirty="0"/>
                         <a:t>Mode 2</a:t>
                       </a:r>
-                      <a:endParaRPr lang="en-GB" dirty="0"/>
                     </a:p>
                   </a:txBody>
                   <a:tcPr/>
@@ -5169,10 +5366,9 @@
                     <a:lstStyle/>
                     <a:p>
                       <a:r>
-                        <a:rPr lang="en-GB" dirty="0" smtClean="0"/>
+                        <a:rPr lang="en-GB" dirty="0"/>
                         <a:t>Mode 3</a:t>
                       </a:r>
-                      <a:endParaRPr lang="en-GB" dirty="0"/>
                     </a:p>
                   </a:txBody>
                   <a:tcPr/>
@@ -5190,7 +5386,7 @@
                     <a:lstStyle/>
                     <a:p>
                       <a:r>
-                        <a:rPr lang="en-GB" dirty="0" smtClean="0"/>
+                        <a:rPr lang="en-GB" dirty="0"/>
                         <a:t>Floor 1</a:t>
                       </a:r>
                     </a:p>
@@ -5203,10 +5399,9 @@
                     <a:lstStyle/>
                     <a:p>
                       <a:r>
-                        <a:rPr lang="en-GB" dirty="0" smtClean="0"/>
+                        <a:rPr lang="en-GB" dirty="0"/>
                         <a:t>0.2009</a:t>
                       </a:r>
-                      <a:endParaRPr lang="en-GB" dirty="0"/>
                     </a:p>
                   </a:txBody>
                   <a:tcPr/>
@@ -5234,7 +5429,7 @@
                         <a:defRPr/>
                       </a:pPr>
                       <a:r>
-                        <a:rPr lang="en-GB" dirty="0" smtClean="0"/>
+                        <a:rPr lang="en-GB" dirty="0"/>
                         <a:t>1.341/1.394</a:t>
                       </a:r>
                     </a:p>
@@ -5264,10 +5459,9 @@
                     <a:lstStyle/>
                     <a:p>
                       <a:r>
-                        <a:rPr lang="en-GB" dirty="0" smtClean="0"/>
+                        <a:rPr lang="en-GB" dirty="0"/>
                         <a:t>Floor 2</a:t>
                       </a:r>
-                      <a:endParaRPr lang="en-GB" dirty="0"/>
                     </a:p>
                   </a:txBody>
                   <a:tcPr/>
@@ -5278,10 +5472,9 @@
                     <a:lstStyle/>
                     <a:p>
                       <a:r>
-                        <a:rPr lang="en-GB" dirty="0" smtClean="0"/>
+                        <a:rPr lang="en-GB" dirty="0"/>
                         <a:t>0.3765</a:t>
                       </a:r>
-                      <a:endParaRPr lang="en-GB" dirty="0"/>
                     </a:p>
                   </a:txBody>
                   <a:tcPr/>
@@ -5292,10 +5485,9 @@
                     <a:lstStyle/>
                     <a:p>
                       <a:r>
-                        <a:rPr lang="en-GB" dirty="0" smtClean="0"/>
+                        <a:rPr lang="en-GB" dirty="0"/>
                         <a:t>0.5705/0.5873</a:t>
                       </a:r>
-                      <a:endParaRPr lang="en-GB" dirty="0"/>
                     </a:p>
                   </a:txBody>
                   <a:tcPr/>
@@ -5306,10 +5498,9 @@
                     <a:lstStyle/>
                     <a:p>
                       <a:r>
-                        <a:rPr lang="en-GB" dirty="0" smtClean="0"/>
+                        <a:rPr lang="en-GB" dirty="0"/>
                         <a:t>1.899/1.974</a:t>
                       </a:r>
-                      <a:endParaRPr lang="en-GB" dirty="0"/>
                     </a:p>
                   </a:txBody>
                   <a:tcPr/>
@@ -5327,10 +5518,9 @@
                     <a:lstStyle/>
                     <a:p>
                       <a:r>
-                        <a:rPr lang="en-GB" dirty="0" smtClean="0"/>
+                        <a:rPr lang="en-GB" dirty="0"/>
                         <a:t>Floor 3</a:t>
                       </a:r>
-                      <a:endParaRPr lang="en-GB" dirty="0"/>
                     </a:p>
                   </a:txBody>
                   <a:tcPr/>
@@ -5341,10 +5531,9 @@
                     <a:lstStyle/>
                     <a:p>
                       <a:r>
-                        <a:rPr lang="en-GB" dirty="0" smtClean="0"/>
+                        <a:rPr lang="en-GB" dirty="0"/>
                         <a:t>0.4642</a:t>
                       </a:r>
-                      <a:endParaRPr lang="en-GB" dirty="0"/>
                     </a:p>
                   </a:txBody>
                   <a:tcPr/>
@@ -5365,10 +5554,9 @@
                     <a:lstStyle/>
                     <a:p>
                       <a:r>
-                        <a:rPr lang="en-GB" dirty="0" smtClean="0"/>
+                        <a:rPr lang="en-GB" dirty="0"/>
                         <a:t>0.8437</a:t>
                       </a:r>
-                      <a:endParaRPr lang="en-GB" dirty="0"/>
                     </a:p>
                   </a:txBody>
                   <a:tcPr/>
@@ -5396,7 +5584,7 @@
 </p:sld>
 </file>
 
-<file path=ppt/slides/slide13.xml><?xml version="1.0" encoding="utf-8"?>
+<file path=ppt/slides/slide16.xml><?xml version="1.0" encoding="utf-8"?>
 <p:sld xmlns:a="http://schemas.openxmlformats.org/drawingml/2006/main" xmlns:r="http://schemas.openxmlformats.org/officeDocument/2006/relationships" xmlns:p="http://schemas.openxmlformats.org/presentationml/2006/main">
   <p:cSld>
     <p:spTree>
@@ -5429,41 +5617,40 @@
           <a:lstStyle/>
           <a:p>
             <a:r>
-              <a:rPr lang="en-GB" dirty="0" smtClean="0"/>
+              <a:rPr lang="en-GB" dirty="0"/>
               <a:t>Interesting things noted</a:t>
             </a:r>
+          </a:p>
+        </p:txBody>
+      </p:sp>
+      <p:sp>
+        <p:nvSpPr>
+          <p:cNvPr id="3" name="Content Placeholder 2"/>
+          <p:cNvSpPr>
+            <a:spLocks noGrp="1"/>
+          </p:cNvSpPr>
+          <p:nvPr>
+            <p:ph idx="1"/>
+          </p:nvPr>
+        </p:nvSpPr>
+        <p:spPr/>
+        <p:txBody>
+          <a:bodyPr/>
+          <a:lstStyle/>
+          <a:p>
+            <a:r>
+              <a:rPr lang="en-GB" dirty="0"/>
+              <a:t>Equivalent mass matrix is symmetric about major diagonal (with top floor, first mode in top left)</a:t>
+            </a:r>
+          </a:p>
+          <a:p>
+            <a:r>
+              <a:rPr lang="en-GB" dirty="0"/>
+              <a:t>Results of plotting 3d graph of frequency, absorber damping and amplitude not clear, plotting on log scales gives much clearer results and obvious saddle point, this is what we are aiming for with the optimum damper.</a:t>
+            </a:r>
+          </a:p>
+          <a:p>
             <a:endParaRPr lang="en-GB" dirty="0"/>
-          </a:p>
-        </p:txBody>
-      </p:sp>
-      <p:sp>
-        <p:nvSpPr>
-          <p:cNvPr id="3" name="Content Placeholder 2"/>
-          <p:cNvSpPr>
-            <a:spLocks noGrp="1"/>
-          </p:cNvSpPr>
-          <p:nvPr>
-            <p:ph idx="1"/>
-          </p:nvPr>
-        </p:nvSpPr>
-        <p:spPr/>
-        <p:txBody>
-          <a:bodyPr/>
-          <a:lstStyle/>
-          <a:p>
-            <a:r>
-              <a:rPr lang="en-GB" dirty="0" smtClean="0"/>
-              <a:t>Equivalent mass matrix is symmetric about major diagonal (with top floor, first mode in top left)</a:t>
-            </a:r>
-          </a:p>
-          <a:p>
-            <a:r>
-              <a:rPr lang="en-GB" dirty="0" smtClean="0"/>
-              <a:t>Results of plotting 3d graph of frequency, absorber damping and amplitude not clear, plotting on log scales gives much clearer results and obvious saddle point, this is what we are aiming for with the optimum damper.</a:t>
-            </a:r>
-          </a:p>
-          <a:p>
-            <a:endParaRPr lang="en-GB" dirty="0" smtClean="0"/>
           </a:p>
         </p:txBody>
       </p:sp>
@@ -5480,7 +5667,7 @@
 </p:sld>
 </file>
 
-<file path=ppt/slides/slide14.xml><?xml version="1.0" encoding="utf-8"?>
+<file path=ppt/slides/slide17.xml><?xml version="1.0" encoding="utf-8"?>
 <p:sld xmlns:a="http://schemas.openxmlformats.org/drawingml/2006/main" xmlns:r="http://schemas.openxmlformats.org/officeDocument/2006/relationships" xmlns:p="http://schemas.openxmlformats.org/presentationml/2006/main">
   <p:cSld>
     <p:spTree>
@@ -5513,10 +5700,9 @@
           <a:lstStyle/>
           <a:p>
             <a:r>
-              <a:rPr lang="en-GB" dirty="0" smtClean="0"/>
+              <a:rPr lang="en-GB" dirty="0"/>
               <a:t>Sanity Checks</a:t>
             </a:r>
-            <a:endParaRPr lang="en-GB" dirty="0"/>
           </a:p>
         </p:txBody>
       </p:sp>
@@ -5536,33 +5722,33 @@
           <a:lstStyle/>
           <a:p>
             <a:r>
-              <a:rPr lang="en-GB" dirty="0" smtClean="0"/>
+              <a:rPr lang="en-GB" dirty="0"/>
               <a:t>After modelling approximations, checked that the response with:</a:t>
             </a:r>
           </a:p>
           <a:p>
             <a:r>
-              <a:rPr lang="en-GB" dirty="0" smtClean="0"/>
+              <a:rPr lang="en-GB" dirty="0"/>
               <a:t>Absorber damping of 0 = two split peaks about resonant frequency</a:t>
             </a:r>
           </a:p>
           <a:p>
             <a:r>
-              <a:rPr lang="en-GB" dirty="0" smtClean="0"/>
+              <a:rPr lang="en-GB" dirty="0"/>
               <a:t>Absorber damping high = small </a:t>
             </a:r>
             <a:r>
-              <a:rPr lang="en-GB" dirty="0" err="1" smtClean="0"/>
+              <a:rPr lang="en-GB" dirty="0" err="1"/>
               <a:t>dm</a:t>
             </a:r>
             <a:r>
-              <a:rPr lang="en-GB" dirty="0" smtClean="0"/>
+              <a:rPr lang="en-GB" dirty="0"/>
               <a:t> to system so slight change in resonant frequency but single peak (effectively 1dof system)</a:t>
             </a:r>
           </a:p>
           <a:p>
             <a:r>
-              <a:rPr lang="en-GB" dirty="0" smtClean="0"/>
+              <a:rPr lang="en-GB" dirty="0"/>
               <a:t>Plot graph of maximum amplitude for each absorber damping to check expected result.</a:t>
             </a:r>
           </a:p>
@@ -5617,10 +5803,9 @@
           <a:lstStyle/>
           <a:p>
             <a:r>
-              <a:rPr lang="en-GB" dirty="0" smtClean="0"/>
+              <a:rPr lang="en-GB" dirty="0"/>
               <a:t>Aims</a:t>
             </a:r>
-            <a:endParaRPr lang="en-GB" dirty="0"/>
           </a:p>
         </p:txBody>
       </p:sp>
@@ -5640,22 +5825,21 @@
           <a:lstStyle/>
           <a:p>
             <a:r>
-              <a:rPr lang="en-GB" dirty="0" smtClean="0"/>
+              <a:rPr lang="en-GB" dirty="0"/>
               <a:t>Analyse effects of putting absorbers on different floors and tuning to different modes.</a:t>
             </a:r>
           </a:p>
           <a:p>
             <a:r>
-              <a:rPr lang="en-GB" dirty="0" smtClean="0"/>
+              <a:rPr lang="en-GB" dirty="0"/>
               <a:t>Generally tuning absorbers to optimise them</a:t>
             </a:r>
           </a:p>
           <a:p>
             <a:r>
-              <a:rPr lang="en-GB" dirty="0" smtClean="0"/>
+              <a:rPr lang="en-GB" dirty="0"/>
               <a:t>Create code to automatically tune absorber given measureable characteristics of structure</a:t>
             </a:r>
-            <a:endParaRPr lang="en-GB" dirty="0"/>
           </a:p>
         </p:txBody>
       </p:sp>
@@ -5705,10 +5889,9 @@
           <a:lstStyle/>
           <a:p>
             <a:r>
-              <a:rPr lang="en-GB" dirty="0" smtClean="0"/>
+              <a:rPr lang="en-GB" dirty="0"/>
               <a:t>Definition of terms</a:t>
             </a:r>
-            <a:endParaRPr lang="en-GB" dirty="0"/>
           </a:p>
         </p:txBody>
       </p:sp>
@@ -5728,13 +5911,13 @@
           <a:lstStyle/>
           <a:p>
             <a:r>
-              <a:rPr lang="en-GB" dirty="0" smtClean="0"/>
+              <a:rPr lang="en-GB" dirty="0"/>
               <a:t>Absorber – the extra mass, spring, damper to reduce the max amplitude response of the system</a:t>
             </a:r>
           </a:p>
           <a:p>
             <a:r>
-              <a:rPr lang="en-GB" dirty="0" smtClean="0"/>
+              <a:rPr lang="en-GB" dirty="0"/>
               <a:t>Floor damping – the equivalent damping of the structure in the current situation.</a:t>
             </a:r>
           </a:p>
@@ -5789,53 +5972,52 @@
           <a:lstStyle/>
           <a:p>
             <a:r>
-              <a:rPr lang="en-GB" dirty="0" smtClean="0"/>
+              <a:rPr lang="en-GB" dirty="0"/>
               <a:t>Plan (same as method?)</a:t>
             </a:r>
+          </a:p>
+        </p:txBody>
+      </p:sp>
+      <p:sp>
+        <p:nvSpPr>
+          <p:cNvPr id="3" name="Content Placeholder 2"/>
+          <p:cNvSpPr>
+            <a:spLocks noGrp="1"/>
+          </p:cNvSpPr>
+          <p:nvPr>
+            <p:ph idx="1"/>
+          </p:nvPr>
+        </p:nvSpPr>
+        <p:spPr/>
+        <p:txBody>
+          <a:bodyPr/>
+          <a:lstStyle/>
+          <a:p>
+            <a:r>
+              <a:rPr lang="en-GB" dirty="0"/>
+              <a:t>Start from code to model 3dof system without damping from Moodle</a:t>
+            </a:r>
+          </a:p>
+          <a:p>
+            <a:r>
+              <a:rPr lang="en-GB" dirty="0"/>
+              <a:t>Find </a:t>
+            </a:r>
+            <a:r>
+              <a:rPr lang="en-GB" dirty="0" err="1"/>
+              <a:t>modeshapes</a:t>
+            </a:r>
             <a:endParaRPr lang="en-GB" dirty="0"/>
           </a:p>
-        </p:txBody>
-      </p:sp>
-      <p:sp>
-        <p:nvSpPr>
-          <p:cNvPr id="3" name="Content Placeholder 2"/>
-          <p:cNvSpPr>
-            <a:spLocks noGrp="1"/>
-          </p:cNvSpPr>
-          <p:nvPr>
-            <p:ph idx="1"/>
-          </p:nvPr>
-        </p:nvSpPr>
-        <p:spPr/>
-        <p:txBody>
-          <a:bodyPr/>
-          <a:lstStyle/>
-          <a:p>
-            <a:r>
-              <a:rPr lang="en-GB" dirty="0" smtClean="0"/>
-              <a:t>Start from code to model 3dof system without damping from Moodle</a:t>
-            </a:r>
-          </a:p>
-          <a:p>
-            <a:r>
-              <a:rPr lang="en-GB" dirty="0" smtClean="0"/>
-              <a:t>Find </a:t>
-            </a:r>
-            <a:r>
-              <a:rPr lang="en-GB" dirty="0" err="1" smtClean="0"/>
-              <a:t>modeshapes</a:t>
-            </a:r>
-            <a:endParaRPr lang="en-GB" dirty="0" smtClean="0"/>
-          </a:p>
-          <a:p>
-            <a:r>
-              <a:rPr lang="en-GB" dirty="0" smtClean="0"/>
+          <a:p>
+            <a:r>
+              <a:rPr lang="en-GB" dirty="0"/>
               <a:t>Find equivalent masses</a:t>
             </a:r>
           </a:p>
           <a:p>
             <a:r>
-              <a:rPr lang="en-GB" dirty="0" smtClean="0"/>
+              <a:rPr lang="en-GB" dirty="0"/>
               <a:t>Find equivalent spring constants</a:t>
             </a:r>
           </a:p>
@@ -5844,10 +6026,9 @@
           </a:p>
           <a:p>
             <a:r>
-              <a:rPr lang="en-GB" dirty="0" smtClean="0"/>
+              <a:rPr lang="en-GB" dirty="0"/>
               <a:t>Model the system as 2dof with the absorber and a given floor damping</a:t>
             </a:r>
-            <a:endParaRPr lang="en-GB" dirty="0"/>
           </a:p>
         </p:txBody>
       </p:sp>
@@ -5897,10 +6078,9 @@
           <a:lstStyle/>
           <a:p>
             <a:r>
-              <a:rPr lang="en-GB" dirty="0" smtClean="0"/>
+              <a:rPr lang="en-GB" dirty="0"/>
               <a:t>Method</a:t>
             </a:r>
-            <a:endParaRPr lang="en-GB" dirty="0"/>
           </a:p>
         </p:txBody>
       </p:sp>
@@ -5922,44 +6102,44 @@
           <a:lstStyle/>
           <a:p>
             <a:r>
-              <a:rPr lang="en-GB" dirty="0" smtClean="0"/>
+              <a:rPr lang="en-GB" dirty="0"/>
               <a:t>Calculate </a:t>
             </a:r>
             <a:r>
-              <a:rPr lang="en-GB" dirty="0" err="1" smtClean="0"/>
+              <a:rPr lang="en-GB" dirty="0" err="1"/>
               <a:t>modeshapes</a:t>
             </a:r>
-            <a:endParaRPr lang="en-GB" dirty="0" smtClean="0"/>
-          </a:p>
-          <a:p>
-            <a:r>
-              <a:rPr lang="en-GB" dirty="0" smtClean="0"/>
+            <a:endParaRPr lang="en-GB" dirty="0"/>
+          </a:p>
+          <a:p>
+            <a:r>
+              <a:rPr lang="en-GB" dirty="0"/>
               <a:t>Calculate equivalent masses &amp; </a:t>
             </a:r>
             <a:r>
-              <a:rPr lang="en-GB" dirty="0" err="1" smtClean="0"/>
+              <a:rPr lang="en-GB" dirty="0" err="1"/>
               <a:t>stiffnesses</a:t>
             </a:r>
-            <a:endParaRPr lang="en-GB" dirty="0" smtClean="0"/>
-          </a:p>
-          <a:p>
-            <a:endParaRPr lang="en-GB" dirty="0" smtClean="0"/>
-          </a:p>
-          <a:p>
-            <a:r>
-              <a:rPr lang="en-GB" dirty="0" smtClean="0"/>
+            <a:endParaRPr lang="en-GB" dirty="0"/>
+          </a:p>
+          <a:p>
+            <a:endParaRPr lang="en-GB" dirty="0"/>
+          </a:p>
+          <a:p>
+            <a:r>
+              <a:rPr lang="en-GB" dirty="0"/>
               <a:t>Analyse frequency response for range of absorber damping via solving for 2dof system (2d matrix with complex numbers)</a:t>
             </a:r>
           </a:p>
           <a:p>
             <a:r>
-              <a:rPr lang="en-GB" dirty="0" smtClean="0"/>
+              <a:rPr lang="en-GB" dirty="0"/>
               <a:t>Find the maximum peak at each absorber damping and plot graph</a:t>
             </a:r>
           </a:p>
           <a:p>
             <a:r>
-              <a:rPr lang="en-GB" dirty="0" smtClean="0"/>
+              <a:rPr lang="en-GB" dirty="0"/>
               <a:t>Repeat this for different values of the floor damping</a:t>
             </a:r>
           </a:p>
@@ -5968,22 +6148,21 @@
           </a:p>
           <a:p>
             <a:r>
-              <a:rPr lang="en-GB" dirty="0" smtClean="0"/>
+              <a:rPr lang="en-GB" dirty="0"/>
               <a:t>Find the optimum absorber damping level</a:t>
             </a:r>
           </a:p>
           <a:p>
             <a:r>
-              <a:rPr lang="en-GB" dirty="0" smtClean="0"/>
+              <a:rPr lang="en-GB" dirty="0"/>
               <a:t>Find the reduction in maximum amplitude (efficiency of absorber)</a:t>
             </a:r>
           </a:p>
           <a:p>
             <a:r>
-              <a:rPr lang="en-GB" dirty="0" smtClean="0"/>
+              <a:rPr lang="en-GB" dirty="0"/>
               <a:t>Trial for each floor/mode</a:t>
             </a:r>
-            <a:endParaRPr lang="en-GB" dirty="0"/>
           </a:p>
         </p:txBody>
       </p:sp>
@@ -6033,10 +6212,9 @@
           <a:lstStyle/>
           <a:p>
             <a:r>
-              <a:rPr lang="en-GB" dirty="0" smtClean="0"/>
+              <a:rPr lang="en-GB" dirty="0"/>
               <a:t>Assumptions / Modelling Approximations</a:t>
             </a:r>
-            <a:endParaRPr lang="en-GB" dirty="0"/>
           </a:p>
         </p:txBody>
       </p:sp>
@@ -6056,48 +6234,47 @@
           <a:lstStyle/>
           <a:p>
             <a:r>
-              <a:rPr lang="en-GB" dirty="0" smtClean="0"/>
+              <a:rPr lang="en-GB" dirty="0"/>
               <a:t>Tested for a range of floor lambdas but over a small range of these values (0-10) the change in optimum absorber damping is small (~5%)</a:t>
             </a:r>
           </a:p>
           <a:p>
             <a:r>
-              <a:rPr lang="en-GB" dirty="0" smtClean="0"/>
+              <a:rPr lang="en-GB" dirty="0"/>
               <a:t>Assume that lambda is small</a:t>
             </a:r>
           </a:p>
           <a:p>
             <a:r>
-              <a:rPr lang="en-GB" dirty="0" smtClean="0"/>
+              <a:rPr lang="en-GB" dirty="0"/>
               <a:t>Modelling the frequency input as a single frequency</a:t>
             </a:r>
           </a:p>
           <a:p>
             <a:r>
-              <a:rPr lang="en-GB" dirty="0" smtClean="0"/>
+              <a:rPr lang="en-GB" dirty="0"/>
               <a:t>Assume perfect system</a:t>
             </a:r>
           </a:p>
           <a:p>
             <a:r>
-              <a:rPr lang="en-GB" dirty="0" smtClean="0"/>
+              <a:rPr lang="en-GB" dirty="0"/>
               <a:t>Assume masses and </a:t>
             </a:r>
             <a:r>
-              <a:rPr lang="en-GB" dirty="0" err="1" smtClean="0"/>
+              <a:rPr lang="en-GB" dirty="0" err="1"/>
               <a:t>stiffnesses</a:t>
             </a:r>
             <a:r>
-              <a:rPr lang="en-GB" dirty="0" smtClean="0"/>
+              <a:rPr lang="en-GB" dirty="0"/>
               <a:t> are identical between floors (could be implemented to allow differences though)</a:t>
             </a:r>
           </a:p>
           <a:p>
             <a:r>
-              <a:rPr lang="en-GB" dirty="0" smtClean="0"/>
+              <a:rPr lang="en-GB" dirty="0"/>
               <a:t>Modelling the maximum response as that of the maximum response for any frequency and ignoring number/width of those peaks</a:t>
             </a:r>
-            <a:endParaRPr lang="en-GB" dirty="0"/>
           </a:p>
         </p:txBody>
       </p:sp>
@@ -6147,10 +6324,9 @@
           <a:lstStyle/>
           <a:p>
             <a:r>
-              <a:rPr lang="en-GB" dirty="0" smtClean="0"/>
+              <a:rPr lang="en-GB" dirty="0"/>
               <a:t>Notes about code</a:t>
             </a:r>
-            <a:endParaRPr lang="en-GB" dirty="0"/>
           </a:p>
         </p:txBody>
       </p:sp>
@@ -6170,38 +6346,33 @@
           <a:lstStyle/>
           <a:p>
             <a:r>
-              <a:rPr lang="en-GB" dirty="0" smtClean="0"/>
+              <a:rPr lang="en-GB" dirty="0"/>
               <a:t>Neat</a:t>
             </a:r>
           </a:p>
           <a:p>
             <a:r>
-              <a:rPr lang="en-GB" dirty="0" smtClean="0"/>
+              <a:rPr lang="en-GB" dirty="0"/>
               <a:t>Easy to change variables – </a:t>
             </a:r>
             <a:r>
-              <a:rPr lang="en-GB" dirty="0" err="1" smtClean="0"/>
+              <a:rPr lang="en-GB" dirty="0" err="1"/>
               <a:t>e.g</a:t>
             </a:r>
             <a:r>
-              <a:rPr lang="en-GB" dirty="0" smtClean="0"/>
-              <a:t> the mass of each floor or stiffness etc</a:t>
-            </a:r>
-            <a:r>
               <a:rPr lang="en-GB" dirty="0"/>
-              <a:t>.</a:t>
-            </a:r>
-            <a:endParaRPr lang="en-GB" dirty="0" smtClean="0"/>
-          </a:p>
-          <a:p>
-            <a:r>
-              <a:rPr lang="en-GB" dirty="0" smtClean="0"/>
+              <a:t> the mass of each floor or stiffness etc.</a:t>
+            </a:r>
+          </a:p>
+          <a:p>
+            <a:r>
+              <a:rPr lang="en-GB" dirty="0"/>
               <a:t>Automates finding optimum values</a:t>
             </a:r>
           </a:p>
           <a:p>
             <a:r>
-              <a:rPr lang="en-GB" dirty="0" smtClean="0"/>
+              <a:rPr lang="en-GB" dirty="0"/>
               <a:t>Modular files – only need to re-run relevant code when changing variables.</a:t>
             </a:r>
           </a:p>
@@ -6256,10 +6427,9 @@
           <a:lstStyle/>
           <a:p>
             <a:r>
-              <a:rPr lang="en-GB" dirty="0" smtClean="0"/>
+              <a:rPr lang="en-GB" dirty="0"/>
               <a:t>Findings</a:t>
             </a:r>
-            <a:endParaRPr lang="en-GB" dirty="0"/>
           </a:p>
         </p:txBody>
       </p:sp>
@@ -6328,36 +6498,45 @@
           <a:lstStyle/>
           <a:p>
             <a:r>
-              <a:rPr lang="en-GB" dirty="0" smtClean="0"/>
-              <a:t>Conclusions</a:t>
-            </a:r>
-            <a:endParaRPr lang="en-GB" dirty="0"/>
-          </a:p>
-        </p:txBody>
-      </p:sp>
-      <p:sp>
-        <p:nvSpPr>
-          <p:cNvPr id="3" name="Content Placeholder 2"/>
-          <p:cNvSpPr>
-            <a:spLocks noGrp="1"/>
-          </p:cNvSpPr>
+              <a:rPr lang="en-GB" dirty="0"/>
+              <a:t>Graphs for floor 1: varying absorber mass from 0.05kg to 0.2kg</a:t>
+            </a:r>
+          </a:p>
+        </p:txBody>
+      </p:sp>
+      <p:pic>
+        <p:nvPicPr>
+          <p:cNvPr id="10" name="Content Placeholder 9"/>
+          <p:cNvPicPr>
+            <a:picLocks noGrp="1" noChangeAspect="1"/>
+          </p:cNvPicPr>
           <p:nvPr>
             <p:ph idx="1"/>
           </p:nvPr>
-        </p:nvSpPr>
-        <p:spPr/>
-        <p:txBody>
-          <a:bodyPr/>
-          <a:lstStyle/>
-          <a:p>
-            <a:endParaRPr lang="en-GB"/>
-          </a:p>
-        </p:txBody>
-      </p:sp>
+        </p:nvPicPr>
+        <p:blipFill>
+          <a:blip r:embed="rId2">
+            <a:extLst>
+              <a:ext uri="{28A0092B-C50C-407E-A947-70E740481C1C}">
+                <a14:useLocalDpi xmlns:a14="http://schemas.microsoft.com/office/drawing/2010/main" val="0"/>
+              </a:ext>
+            </a:extLst>
+          </a:blip>
+          <a:stretch>
+            <a:fillRect/>
+          </a:stretch>
+        </p:blipFill>
+        <p:spPr>
+          <a:xfrm>
+            <a:off x="2520156" y="1690688"/>
+            <a:ext cx="7151688" cy="4351338"/>
+          </a:xfrm>
+        </p:spPr>
+      </p:pic>
     </p:spTree>
     <p:extLst>
       <p:ext uri="{BB962C8B-B14F-4D97-AF65-F5344CB8AC3E}">
-        <p14:creationId xmlns:p14="http://schemas.microsoft.com/office/powerpoint/2010/main" val="4233122878"/>
+        <p14:creationId xmlns:p14="http://schemas.microsoft.com/office/powerpoint/2010/main" val="3510943774"/>
       </p:ext>
     </p:extLst>
   </p:cSld>

--- a/Presentation.pptx
+++ b/Presentation.pptx
@@ -16,12 +16,14 @@
     <p:sldId id="270" r:id="rId10"/>
     <p:sldId id="271" r:id="rId11"/>
     <p:sldId id="272" r:id="rId12"/>
-    <p:sldId id="261" r:id="rId13"/>
-    <p:sldId id="262" r:id="rId14"/>
-    <p:sldId id="268" r:id="rId15"/>
-    <p:sldId id="269" r:id="rId16"/>
-    <p:sldId id="265" r:id="rId17"/>
-    <p:sldId id="266" r:id="rId18"/>
+    <p:sldId id="274" r:id="rId13"/>
+    <p:sldId id="273" r:id="rId14"/>
+    <p:sldId id="261" r:id="rId15"/>
+    <p:sldId id="262" r:id="rId16"/>
+    <p:sldId id="268" r:id="rId17"/>
+    <p:sldId id="269" r:id="rId18"/>
+    <p:sldId id="265" r:id="rId19"/>
+    <p:sldId id="266" r:id="rId20"/>
   </p:sldIdLst>
   <p:sldSz cx="12192000" cy="6858000"/>
   <p:notesSz cx="6858000" cy="9144000"/>
@@ -259,7 +261,7 @@
           <a:p>
             <a:fld id="{AF544164-EB56-4B67-9228-0FE8059D2D21}" type="datetimeFigureOut">
               <a:rPr lang="en-GB" smtClean="0"/>
-              <a:t>29/10/2016</a:t>
+              <a:t>30/10/2016</a:t>
             </a:fld>
             <a:endParaRPr lang="en-GB"/>
           </a:p>
@@ -429,7 +431,7 @@
           <a:p>
             <a:fld id="{AF544164-EB56-4B67-9228-0FE8059D2D21}" type="datetimeFigureOut">
               <a:rPr lang="en-GB" smtClean="0"/>
-              <a:t>29/10/2016</a:t>
+              <a:t>30/10/2016</a:t>
             </a:fld>
             <a:endParaRPr lang="en-GB"/>
           </a:p>
@@ -609,7 +611,7 @@
           <a:p>
             <a:fld id="{AF544164-EB56-4B67-9228-0FE8059D2D21}" type="datetimeFigureOut">
               <a:rPr lang="en-GB" smtClean="0"/>
-              <a:t>29/10/2016</a:t>
+              <a:t>30/10/2016</a:t>
             </a:fld>
             <a:endParaRPr lang="en-GB"/>
           </a:p>
@@ -779,7 +781,7 @@
           <a:p>
             <a:fld id="{AF544164-EB56-4B67-9228-0FE8059D2D21}" type="datetimeFigureOut">
               <a:rPr lang="en-GB" smtClean="0"/>
-              <a:t>29/10/2016</a:t>
+              <a:t>30/10/2016</a:t>
             </a:fld>
             <a:endParaRPr lang="en-GB"/>
           </a:p>
@@ -1025,7 +1027,7 @@
           <a:p>
             <a:fld id="{AF544164-EB56-4B67-9228-0FE8059D2D21}" type="datetimeFigureOut">
               <a:rPr lang="en-GB" smtClean="0"/>
-              <a:t>29/10/2016</a:t>
+              <a:t>30/10/2016</a:t>
             </a:fld>
             <a:endParaRPr lang="en-GB"/>
           </a:p>
@@ -1257,7 +1259,7 @@
           <a:p>
             <a:fld id="{AF544164-EB56-4B67-9228-0FE8059D2D21}" type="datetimeFigureOut">
               <a:rPr lang="en-GB" smtClean="0"/>
-              <a:t>29/10/2016</a:t>
+              <a:t>30/10/2016</a:t>
             </a:fld>
             <a:endParaRPr lang="en-GB"/>
           </a:p>
@@ -1624,7 +1626,7 @@
           <a:p>
             <a:fld id="{AF544164-EB56-4B67-9228-0FE8059D2D21}" type="datetimeFigureOut">
               <a:rPr lang="en-GB" smtClean="0"/>
-              <a:t>29/10/2016</a:t>
+              <a:t>30/10/2016</a:t>
             </a:fld>
             <a:endParaRPr lang="en-GB"/>
           </a:p>
@@ -1742,7 +1744,7 @@
           <a:p>
             <a:fld id="{AF544164-EB56-4B67-9228-0FE8059D2D21}" type="datetimeFigureOut">
               <a:rPr lang="en-GB" smtClean="0"/>
-              <a:t>29/10/2016</a:t>
+              <a:t>30/10/2016</a:t>
             </a:fld>
             <a:endParaRPr lang="en-GB"/>
           </a:p>
@@ -1837,7 +1839,7 @@
           <a:p>
             <a:fld id="{AF544164-EB56-4B67-9228-0FE8059D2D21}" type="datetimeFigureOut">
               <a:rPr lang="en-GB" smtClean="0"/>
-              <a:t>29/10/2016</a:t>
+              <a:t>30/10/2016</a:t>
             </a:fld>
             <a:endParaRPr lang="en-GB"/>
           </a:p>
@@ -2114,7 +2116,7 @@
           <a:p>
             <a:fld id="{AF544164-EB56-4B67-9228-0FE8059D2D21}" type="datetimeFigureOut">
               <a:rPr lang="en-GB" smtClean="0"/>
-              <a:t>29/10/2016</a:t>
+              <a:t>30/10/2016</a:t>
             </a:fld>
             <a:endParaRPr lang="en-GB"/>
           </a:p>
@@ -2367,7 +2369,7 @@
           <a:p>
             <a:fld id="{AF544164-EB56-4B67-9228-0FE8059D2D21}" type="datetimeFigureOut">
               <a:rPr lang="en-GB" smtClean="0"/>
-              <a:t>29/10/2016</a:t>
+              <a:t>30/10/2016</a:t>
             </a:fld>
             <a:endParaRPr lang="en-GB"/>
           </a:p>
@@ -2580,7 +2582,7 @@
           <a:p>
             <a:fld id="{AF544164-EB56-4B67-9228-0FE8059D2D21}" type="datetimeFigureOut">
               <a:rPr lang="en-GB" smtClean="0"/>
-              <a:t>29/10/2016</a:t>
+              <a:t>30/10/2016</a:t>
             </a:fld>
             <a:endParaRPr lang="en-GB"/>
           </a:p>
@@ -3102,8 +3104,8 @@
         </p:blipFill>
         <p:spPr>
           <a:xfrm>
-            <a:off x="2520156" y="1690688"/>
-            <a:ext cx="7151688" cy="4351338"/>
+            <a:off x="3195108" y="1690688"/>
+            <a:ext cx="5801783" cy="4351338"/>
           </a:xfrm>
         </p:spPr>
       </p:pic>
@@ -3183,8 +3185,8 @@
         </p:blipFill>
         <p:spPr>
           <a:xfrm>
-            <a:off x="2520156" y="1690688"/>
-            <a:ext cx="7151688" cy="4351338"/>
+            <a:off x="3195108" y="1690688"/>
+            <a:ext cx="5801783" cy="4351338"/>
           </a:xfrm>
         </p:spPr>
       </p:pic>
@@ -3235,34 +3237,44 @@
           <a:p>
             <a:r>
               <a:rPr lang="en-GB" dirty="0"/>
-              <a:t>Conclusions</a:t>
-            </a:r>
-          </a:p>
-        </p:txBody>
-      </p:sp>
-      <p:sp>
-        <p:nvSpPr>
-          <p:cNvPr id="3" name="Content Placeholder 2"/>
-          <p:cNvSpPr>
-            <a:spLocks noGrp="1"/>
-          </p:cNvSpPr>
+              <a:t>Graphs for floor 1: varying absorber mass from 0.05kg to 0.2kg</a:t>
+            </a:r>
+          </a:p>
+        </p:txBody>
+      </p:sp>
+      <p:pic>
+        <p:nvPicPr>
+          <p:cNvPr id="10" name="Content Placeholder 9"/>
+          <p:cNvPicPr>
+            <a:picLocks noGrp="1" noChangeAspect="1"/>
+          </p:cNvPicPr>
           <p:nvPr>
             <p:ph idx="1"/>
           </p:nvPr>
-        </p:nvSpPr>
-        <p:spPr/>
-        <p:txBody>
-          <a:bodyPr/>
-          <a:lstStyle/>
-          <a:p>
-            <a:endParaRPr lang="en-GB"/>
-          </a:p>
-        </p:txBody>
-      </p:sp>
+        </p:nvPicPr>
+        <p:blipFill>
+          <a:blip r:embed="rId2">
+            <a:extLst>
+              <a:ext uri="{28A0092B-C50C-407E-A947-70E740481C1C}">
+                <a14:useLocalDpi xmlns:a14="http://schemas.microsoft.com/office/drawing/2010/main" val="0"/>
+              </a:ext>
+            </a:extLst>
+          </a:blip>
+          <a:stretch>
+            <a:fillRect/>
+          </a:stretch>
+        </p:blipFill>
+        <p:spPr>
+          <a:xfrm>
+            <a:off x="3195108" y="1690688"/>
+            <a:ext cx="5801783" cy="4351337"/>
+          </a:xfrm>
+        </p:spPr>
+      </p:pic>
     </p:spTree>
     <p:extLst>
       <p:ext uri="{BB962C8B-B14F-4D97-AF65-F5344CB8AC3E}">
-        <p14:creationId xmlns:p14="http://schemas.microsoft.com/office/powerpoint/2010/main" val="4233122878"/>
+        <p14:creationId xmlns:p14="http://schemas.microsoft.com/office/powerpoint/2010/main" val="3965699234"/>
       </p:ext>
     </p:extLst>
   </p:cSld>
@@ -3301,6 +3313,164 @@
         </p:nvSpPr>
         <p:spPr/>
         <p:txBody>
+          <a:bodyPr>
+            <a:normAutofit fontScale="90000"/>
+          </a:bodyPr>
+          <a:lstStyle/>
+          <a:p>
+            <a:r>
+              <a:rPr lang="en-GB" dirty="0" smtClean="0"/>
+              <a:t>Effect of choice of absorber mass on amplitude at resonance and on optimal damping of absorber.</a:t>
+            </a:r>
+            <a:endParaRPr lang="en-GB" dirty="0"/>
+          </a:p>
+        </p:txBody>
+      </p:sp>
+      <p:pic>
+        <p:nvPicPr>
+          <p:cNvPr id="4" name="Content Placeholder 3"/>
+          <p:cNvPicPr>
+            <a:picLocks noGrp="1" noChangeAspect="1"/>
+          </p:cNvPicPr>
+          <p:nvPr>
+            <p:ph idx="1"/>
+          </p:nvPr>
+        </p:nvPicPr>
+        <p:blipFill>
+          <a:blip r:embed="rId2">
+            <a:extLst>
+              <a:ext uri="{28A0092B-C50C-407E-A947-70E740481C1C}">
+                <a14:useLocalDpi xmlns:a14="http://schemas.microsoft.com/office/drawing/2010/main" val="0"/>
+              </a:ext>
+            </a:extLst>
+          </a:blip>
+          <a:stretch>
+            <a:fillRect/>
+          </a:stretch>
+        </p:blipFill>
+        <p:spPr>
+          <a:xfrm>
+            <a:off x="2867892" y="1823360"/>
+            <a:ext cx="5903087" cy="4427316"/>
+          </a:xfrm>
+          <a:prstGeom prst="rect">
+            <a:avLst/>
+          </a:prstGeom>
+        </p:spPr>
+      </p:pic>
+    </p:spTree>
+    <p:extLst>
+      <p:ext uri="{BB962C8B-B14F-4D97-AF65-F5344CB8AC3E}">
+        <p14:creationId xmlns:p14="http://schemas.microsoft.com/office/powerpoint/2010/main" val="3873014354"/>
+      </p:ext>
+    </p:extLst>
+  </p:cSld>
+  <p:clrMapOvr>
+    <a:masterClrMapping/>
+  </p:clrMapOvr>
+</p:sld>
+</file>
+
+<file path=ppt/slides/slide14.xml><?xml version="1.0" encoding="utf-8"?>
+<p:sld xmlns:a="http://schemas.openxmlformats.org/drawingml/2006/main" xmlns:r="http://schemas.openxmlformats.org/officeDocument/2006/relationships" xmlns:p="http://schemas.openxmlformats.org/presentationml/2006/main">
+  <p:cSld>
+    <p:spTree>
+      <p:nvGrpSpPr>
+        <p:cNvPr id="1" name=""/>
+        <p:cNvGrpSpPr/>
+        <p:nvPr/>
+      </p:nvGrpSpPr>
+      <p:grpSpPr>
+        <a:xfrm>
+          <a:off x="0" y="0"/>
+          <a:ext cx="0" cy="0"/>
+          <a:chOff x="0" y="0"/>
+          <a:chExt cx="0" cy="0"/>
+        </a:xfrm>
+      </p:grpSpPr>
+      <p:sp>
+        <p:nvSpPr>
+          <p:cNvPr id="2" name="Title 1"/>
+          <p:cNvSpPr>
+            <a:spLocks noGrp="1"/>
+          </p:cNvSpPr>
+          <p:nvPr>
+            <p:ph type="title"/>
+          </p:nvPr>
+        </p:nvSpPr>
+        <p:spPr/>
+        <p:txBody>
+          <a:bodyPr/>
+          <a:lstStyle/>
+          <a:p>
+            <a:r>
+              <a:rPr lang="en-GB" dirty="0"/>
+              <a:t>Conclusions</a:t>
+            </a:r>
+          </a:p>
+        </p:txBody>
+      </p:sp>
+      <p:sp>
+        <p:nvSpPr>
+          <p:cNvPr id="3" name="Content Placeholder 2"/>
+          <p:cNvSpPr>
+            <a:spLocks noGrp="1"/>
+          </p:cNvSpPr>
+          <p:nvPr>
+            <p:ph idx="1"/>
+          </p:nvPr>
+        </p:nvSpPr>
+        <p:spPr/>
+        <p:txBody>
+          <a:bodyPr/>
+          <a:lstStyle/>
+          <a:p>
+            <a:endParaRPr lang="en-GB"/>
+          </a:p>
+        </p:txBody>
+      </p:sp>
+    </p:spTree>
+    <p:extLst>
+      <p:ext uri="{BB962C8B-B14F-4D97-AF65-F5344CB8AC3E}">
+        <p14:creationId xmlns:p14="http://schemas.microsoft.com/office/powerpoint/2010/main" val="4233122878"/>
+      </p:ext>
+    </p:extLst>
+  </p:cSld>
+  <p:clrMapOvr>
+    <a:masterClrMapping/>
+  </p:clrMapOvr>
+</p:sld>
+</file>
+
+<file path=ppt/slides/slide15.xml><?xml version="1.0" encoding="utf-8"?>
+<p:sld xmlns:a="http://schemas.openxmlformats.org/drawingml/2006/main" xmlns:r="http://schemas.openxmlformats.org/officeDocument/2006/relationships" xmlns:p="http://schemas.openxmlformats.org/presentationml/2006/main">
+  <p:cSld>
+    <p:spTree>
+      <p:nvGrpSpPr>
+        <p:cNvPr id="1" name=""/>
+        <p:cNvGrpSpPr/>
+        <p:nvPr/>
+      </p:nvGrpSpPr>
+      <p:grpSpPr>
+        <a:xfrm>
+          <a:off x="0" y="0"/>
+          <a:ext cx="0" cy="0"/>
+          <a:chOff x="0" y="0"/>
+          <a:chExt cx="0" cy="0"/>
+        </a:xfrm>
+      </p:grpSpPr>
+      <p:sp>
+        <p:nvSpPr>
+          <p:cNvPr id="2" name="Title 1"/>
+          <p:cNvSpPr>
+            <a:spLocks noGrp="1"/>
+          </p:cNvSpPr>
+          <p:nvPr>
+            <p:ph type="title"/>
+          </p:nvPr>
+        </p:nvSpPr>
+        <p:spPr/>
+        <p:txBody>
           <a:bodyPr/>
           <a:lstStyle/>
           <a:p>
@@ -3403,7 +3573,7 @@
 </p:sld>
 </file>
 
-<file path=ppt/slides/slide14.xml><?xml version="1.0" encoding="utf-8"?>
+<file path=ppt/slides/slide16.xml><?xml version="1.0" encoding="utf-8"?>
 <p:sld xmlns:a="http://schemas.openxmlformats.org/drawingml/2006/main" xmlns:r="http://schemas.openxmlformats.org/officeDocument/2006/relationships" xmlns:p="http://schemas.openxmlformats.org/presentationml/2006/main">
   <p:cSld>
     <p:spTree>
@@ -4633,7 +4803,7 @@
 </p:sld>
 </file>
 
-<file path=ppt/slides/slide15.xml><?xml version="1.0" encoding="utf-8"?>
+<file path=ppt/slides/slide17.xml><?xml version="1.0" encoding="utf-8"?>
 <p:sld xmlns:a="http://schemas.openxmlformats.org/drawingml/2006/main" xmlns:r="http://schemas.openxmlformats.org/officeDocument/2006/relationships" xmlns:p="http://schemas.openxmlformats.org/presentationml/2006/main">
   <p:cSld>
     <p:spTree>
@@ -5584,7 +5754,7 @@
 </p:sld>
 </file>
 
-<file path=ppt/slides/slide16.xml><?xml version="1.0" encoding="utf-8"?>
+<file path=ppt/slides/slide18.xml><?xml version="1.0" encoding="utf-8"?>
 <p:sld xmlns:a="http://schemas.openxmlformats.org/drawingml/2006/main" xmlns:r="http://schemas.openxmlformats.org/officeDocument/2006/relationships" xmlns:p="http://schemas.openxmlformats.org/presentationml/2006/main">
   <p:cSld>
     <p:spTree>
@@ -5667,7 +5837,7 @@
 </p:sld>
 </file>
 
-<file path=ppt/slides/slide17.xml><?xml version="1.0" encoding="utf-8"?>
+<file path=ppt/slides/slide19.xml><?xml version="1.0" encoding="utf-8"?>
 <p:sld xmlns:a="http://schemas.openxmlformats.org/drawingml/2006/main" xmlns:r="http://schemas.openxmlformats.org/officeDocument/2006/relationships" xmlns:p="http://schemas.openxmlformats.org/presentationml/2006/main">
   <p:cSld>
     <p:spTree>
@@ -6528,8 +6698,8 @@
         </p:blipFill>
         <p:spPr>
           <a:xfrm>
-            <a:off x="2520156" y="1690688"/>
-            <a:ext cx="7151688" cy="4351338"/>
+            <a:off x="3195108" y="1690688"/>
+            <a:ext cx="5801783" cy="4351338"/>
           </a:xfrm>
         </p:spPr>
       </p:pic>

--- a/Presentation.pptx
+++ b/Presentation.pptx
@@ -18,12 +18,13 @@
     <p:sldId id="272" r:id="rId12"/>
     <p:sldId id="274" r:id="rId13"/>
     <p:sldId id="273" r:id="rId14"/>
-    <p:sldId id="261" r:id="rId15"/>
-    <p:sldId id="262" r:id="rId16"/>
-    <p:sldId id="268" r:id="rId17"/>
-    <p:sldId id="269" r:id="rId18"/>
-    <p:sldId id="265" r:id="rId19"/>
-    <p:sldId id="266" r:id="rId20"/>
+    <p:sldId id="275" r:id="rId15"/>
+    <p:sldId id="261" r:id="rId16"/>
+    <p:sldId id="262" r:id="rId17"/>
+    <p:sldId id="268" r:id="rId18"/>
+    <p:sldId id="269" r:id="rId19"/>
+    <p:sldId id="265" r:id="rId20"/>
+    <p:sldId id="266" r:id="rId21"/>
   </p:sldIdLst>
   <p:sldSz cx="12192000" cy="6858000"/>
   <p:notesSz cx="6858000" cy="9144000"/>
@@ -3390,34 +3391,51 @@
       </p:grpSpPr>
       <p:sp>
         <p:nvSpPr>
-          <p:cNvPr id="2" name="Title 1"/>
+          <p:cNvPr id="3" name="Content Placeholder 2"/>
+          <p:cNvSpPr>
+            <a:spLocks noGrp="1"/>
+          </p:cNvSpPr>
+          <p:nvPr>
+            <p:ph idx="1"/>
+          </p:nvPr>
+        </p:nvSpPr>
+        <p:spPr/>
+        <p:txBody>
+          <a:bodyPr/>
+          <a:lstStyle/>
+          <a:p>
+            <a:r>
+              <a:rPr lang="en-GB" dirty="0"/>
+              <a:t>Note for absorber of mass = 0.4 this is becoming quite close to the equivalent mass of building (3.3kg) so the results produced may not be reliable as mass of absorber will have </a:t>
+            </a:r>
+            <a:r>
+              <a:rPr lang="en-GB" dirty="0" smtClean="0"/>
+              <a:t>substantial </a:t>
+            </a:r>
+            <a:r>
+              <a:rPr lang="en-GB" dirty="0"/>
+              <a:t>affect </a:t>
+            </a:r>
+            <a:r>
+              <a:rPr lang="en-GB"/>
+              <a:t>on </a:t>
+            </a:r>
+            <a:r>
+              <a:rPr lang="en-GB" smtClean="0"/>
+              <a:t>building</a:t>
+            </a:r>
+            <a:endParaRPr lang="en-GB" b="1" dirty="0"/>
+          </a:p>
+        </p:txBody>
+      </p:sp>
+      <p:sp>
+        <p:nvSpPr>
+          <p:cNvPr id="4" name="Title 3"/>
           <p:cNvSpPr>
             <a:spLocks noGrp="1"/>
           </p:cNvSpPr>
           <p:nvPr>
             <p:ph type="title"/>
-          </p:nvPr>
-        </p:nvSpPr>
-        <p:spPr/>
-        <p:txBody>
-          <a:bodyPr/>
-          <a:lstStyle/>
-          <a:p>
-            <a:r>
-              <a:rPr lang="en-GB" dirty="0"/>
-              <a:t>Conclusions</a:t>
-            </a:r>
-          </a:p>
-        </p:txBody>
-      </p:sp>
-      <p:sp>
-        <p:nvSpPr>
-          <p:cNvPr id="3" name="Content Placeholder 2"/>
-          <p:cNvSpPr>
-            <a:spLocks noGrp="1"/>
-          </p:cNvSpPr>
-          <p:nvPr>
-            <p:ph idx="1"/>
           </p:nvPr>
         </p:nvSpPr>
         <p:spPr/>
@@ -3432,7 +3450,7 @@
     </p:spTree>
     <p:extLst>
       <p:ext uri="{BB962C8B-B14F-4D97-AF65-F5344CB8AC3E}">
-        <p14:creationId xmlns:p14="http://schemas.microsoft.com/office/powerpoint/2010/main" val="4233122878"/>
+        <p14:creationId xmlns:p14="http://schemas.microsoft.com/office/powerpoint/2010/main" val="1072918806"/>
       </p:ext>
     </p:extLst>
   </p:cSld>
@@ -3476,6 +3494,77 @@
           <a:p>
             <a:r>
               <a:rPr lang="en-GB" dirty="0"/>
+              <a:t>Conclusions</a:t>
+            </a:r>
+          </a:p>
+        </p:txBody>
+      </p:sp>
+      <p:sp>
+        <p:nvSpPr>
+          <p:cNvPr id="3" name="Content Placeholder 2"/>
+          <p:cNvSpPr>
+            <a:spLocks noGrp="1"/>
+          </p:cNvSpPr>
+          <p:nvPr>
+            <p:ph idx="1"/>
+          </p:nvPr>
+        </p:nvSpPr>
+        <p:spPr/>
+        <p:txBody>
+          <a:bodyPr/>
+          <a:lstStyle/>
+          <a:p>
+            <a:endParaRPr lang="en-GB"/>
+          </a:p>
+        </p:txBody>
+      </p:sp>
+    </p:spTree>
+    <p:extLst>
+      <p:ext uri="{BB962C8B-B14F-4D97-AF65-F5344CB8AC3E}">
+        <p14:creationId xmlns:p14="http://schemas.microsoft.com/office/powerpoint/2010/main" val="4233122878"/>
+      </p:ext>
+    </p:extLst>
+  </p:cSld>
+  <p:clrMapOvr>
+    <a:masterClrMapping/>
+  </p:clrMapOvr>
+</p:sld>
+</file>
+
+<file path=ppt/slides/slide16.xml><?xml version="1.0" encoding="utf-8"?>
+<p:sld xmlns:a="http://schemas.openxmlformats.org/drawingml/2006/main" xmlns:r="http://schemas.openxmlformats.org/officeDocument/2006/relationships" xmlns:p="http://schemas.openxmlformats.org/presentationml/2006/main">
+  <p:cSld>
+    <p:spTree>
+      <p:nvGrpSpPr>
+        <p:cNvPr id="1" name=""/>
+        <p:cNvGrpSpPr/>
+        <p:nvPr/>
+      </p:nvGrpSpPr>
+      <p:grpSpPr>
+        <a:xfrm>
+          <a:off x="0" y="0"/>
+          <a:ext cx="0" cy="0"/>
+          <a:chOff x="0" y="0"/>
+          <a:chExt cx="0" cy="0"/>
+        </a:xfrm>
+      </p:grpSpPr>
+      <p:sp>
+        <p:nvSpPr>
+          <p:cNvPr id="2" name="Title 1"/>
+          <p:cNvSpPr>
+            <a:spLocks noGrp="1"/>
+          </p:cNvSpPr>
+          <p:nvPr>
+            <p:ph type="title"/>
+          </p:nvPr>
+        </p:nvSpPr>
+        <p:spPr/>
+        <p:txBody>
+          <a:bodyPr/>
+          <a:lstStyle/>
+          <a:p>
+            <a:r>
+              <a:rPr lang="en-GB" dirty="0"/>
               <a:t>Further Developments</a:t>
             </a:r>
           </a:p>
@@ -3573,7 +3662,7 @@
 </p:sld>
 </file>
 
-<file path=ppt/slides/slide16.xml><?xml version="1.0" encoding="utf-8"?>
+<file path=ppt/slides/slide17.xml><?xml version="1.0" encoding="utf-8"?>
 <p:sld xmlns:a="http://schemas.openxmlformats.org/drawingml/2006/main" xmlns:r="http://schemas.openxmlformats.org/officeDocument/2006/relationships" xmlns:p="http://schemas.openxmlformats.org/presentationml/2006/main">
   <p:cSld>
     <p:spTree>
@@ -4803,7 +4892,7 @@
 </p:sld>
 </file>
 
-<file path=ppt/slides/slide17.xml><?xml version="1.0" encoding="utf-8"?>
+<file path=ppt/slides/slide18.xml><?xml version="1.0" encoding="utf-8"?>
 <p:sld xmlns:a="http://schemas.openxmlformats.org/drawingml/2006/main" xmlns:r="http://schemas.openxmlformats.org/officeDocument/2006/relationships" xmlns:p="http://schemas.openxmlformats.org/presentationml/2006/main">
   <p:cSld>
     <p:spTree>
@@ -5754,89 +5843,6 @@
 </p:sld>
 </file>
 
-<file path=ppt/slides/slide18.xml><?xml version="1.0" encoding="utf-8"?>
-<p:sld xmlns:a="http://schemas.openxmlformats.org/drawingml/2006/main" xmlns:r="http://schemas.openxmlformats.org/officeDocument/2006/relationships" xmlns:p="http://schemas.openxmlformats.org/presentationml/2006/main">
-  <p:cSld>
-    <p:spTree>
-      <p:nvGrpSpPr>
-        <p:cNvPr id="1" name=""/>
-        <p:cNvGrpSpPr/>
-        <p:nvPr/>
-      </p:nvGrpSpPr>
-      <p:grpSpPr>
-        <a:xfrm>
-          <a:off x="0" y="0"/>
-          <a:ext cx="0" cy="0"/>
-          <a:chOff x="0" y="0"/>
-          <a:chExt cx="0" cy="0"/>
-        </a:xfrm>
-      </p:grpSpPr>
-      <p:sp>
-        <p:nvSpPr>
-          <p:cNvPr id="2" name="Title 1"/>
-          <p:cNvSpPr>
-            <a:spLocks noGrp="1"/>
-          </p:cNvSpPr>
-          <p:nvPr>
-            <p:ph type="title"/>
-          </p:nvPr>
-        </p:nvSpPr>
-        <p:spPr/>
-        <p:txBody>
-          <a:bodyPr/>
-          <a:lstStyle/>
-          <a:p>
-            <a:r>
-              <a:rPr lang="en-GB" dirty="0"/>
-              <a:t>Interesting things noted</a:t>
-            </a:r>
-          </a:p>
-        </p:txBody>
-      </p:sp>
-      <p:sp>
-        <p:nvSpPr>
-          <p:cNvPr id="3" name="Content Placeholder 2"/>
-          <p:cNvSpPr>
-            <a:spLocks noGrp="1"/>
-          </p:cNvSpPr>
-          <p:nvPr>
-            <p:ph idx="1"/>
-          </p:nvPr>
-        </p:nvSpPr>
-        <p:spPr/>
-        <p:txBody>
-          <a:bodyPr/>
-          <a:lstStyle/>
-          <a:p>
-            <a:r>
-              <a:rPr lang="en-GB" dirty="0"/>
-              <a:t>Equivalent mass matrix is symmetric about major diagonal (with top floor, first mode in top left)</a:t>
-            </a:r>
-          </a:p>
-          <a:p>
-            <a:r>
-              <a:rPr lang="en-GB" dirty="0"/>
-              <a:t>Results of plotting 3d graph of frequency, absorber damping and amplitude not clear, plotting on log scales gives much clearer results and obvious saddle point, this is what we are aiming for with the optimum damper.</a:t>
-            </a:r>
-          </a:p>
-          <a:p>
-            <a:endParaRPr lang="en-GB" dirty="0"/>
-          </a:p>
-        </p:txBody>
-      </p:sp>
-    </p:spTree>
-    <p:extLst>
-      <p:ext uri="{BB962C8B-B14F-4D97-AF65-F5344CB8AC3E}">
-        <p14:creationId xmlns:p14="http://schemas.microsoft.com/office/powerpoint/2010/main" val="906454031"/>
-      </p:ext>
-    </p:extLst>
-  </p:cSld>
-  <p:clrMapOvr>
-    <a:masterClrMapping/>
-  </p:clrMapOvr>
-</p:sld>
-</file>
-
 <file path=ppt/slides/slide19.xml><?xml version="1.0" encoding="utf-8"?>
 <p:sld xmlns:a="http://schemas.openxmlformats.org/drawingml/2006/main" xmlns:r="http://schemas.openxmlformats.org/officeDocument/2006/relationships" xmlns:p="http://schemas.openxmlformats.org/presentationml/2006/main">
   <p:cSld>
@@ -5871,7 +5877,7 @@
           <a:p>
             <a:r>
               <a:rPr lang="en-GB" dirty="0"/>
-              <a:t>Sanity Checks</a:t>
+              <a:t>Interesting things noted</a:t>
             </a:r>
           </a:p>
         </p:txBody>
@@ -5893,33 +5899,13 @@
           <a:p>
             <a:r>
               <a:rPr lang="en-GB" dirty="0"/>
-              <a:t>After modelling approximations, checked that the response with:</a:t>
+              <a:t>Equivalent mass matrix is symmetric about major diagonal (with top floor, first mode in top left)</a:t>
             </a:r>
           </a:p>
           <a:p>
             <a:r>
               <a:rPr lang="en-GB" dirty="0"/>
-              <a:t>Absorber damping of 0 = two split peaks about resonant frequency</a:t>
-            </a:r>
-          </a:p>
-          <a:p>
-            <a:r>
-              <a:rPr lang="en-GB" dirty="0"/>
-              <a:t>Absorber damping high = small </a:t>
-            </a:r>
-            <a:r>
-              <a:rPr lang="en-GB" dirty="0" err="1"/>
-              <a:t>dm</a:t>
-            </a:r>
-            <a:r>
-              <a:rPr lang="en-GB" dirty="0"/>
-              <a:t> to system so slight change in resonant frequency but single peak (effectively 1dof system)</a:t>
-            </a:r>
-          </a:p>
-          <a:p>
-            <a:r>
-              <a:rPr lang="en-GB" dirty="0"/>
-              <a:t>Plot graph of maximum amplitude for each absorber damping to check expected result.</a:t>
+              <a:t>Results of plotting 3d graph of frequency, absorber damping and amplitude not clear, plotting on log scales gives much clearer results and obvious saddle point, this is what we are aiming for with the optimum damper.</a:t>
             </a:r>
           </a:p>
           <a:p>
@@ -5930,7 +5916,7 @@
     </p:spTree>
     <p:extLst>
       <p:ext uri="{BB962C8B-B14F-4D97-AF65-F5344CB8AC3E}">
-        <p14:creationId xmlns:p14="http://schemas.microsoft.com/office/powerpoint/2010/main" val="2037780352"/>
+        <p14:creationId xmlns:p14="http://schemas.microsoft.com/office/powerpoint/2010/main" val="906454031"/>
       </p:ext>
     </p:extLst>
   </p:cSld>
@@ -6017,6 +6003,109 @@
     <p:extLst>
       <p:ext uri="{BB962C8B-B14F-4D97-AF65-F5344CB8AC3E}">
         <p14:creationId xmlns:p14="http://schemas.microsoft.com/office/powerpoint/2010/main" val="2509787941"/>
+      </p:ext>
+    </p:extLst>
+  </p:cSld>
+  <p:clrMapOvr>
+    <a:masterClrMapping/>
+  </p:clrMapOvr>
+</p:sld>
+</file>
+
+<file path=ppt/slides/slide20.xml><?xml version="1.0" encoding="utf-8"?>
+<p:sld xmlns:a="http://schemas.openxmlformats.org/drawingml/2006/main" xmlns:r="http://schemas.openxmlformats.org/officeDocument/2006/relationships" xmlns:p="http://schemas.openxmlformats.org/presentationml/2006/main">
+  <p:cSld>
+    <p:spTree>
+      <p:nvGrpSpPr>
+        <p:cNvPr id="1" name=""/>
+        <p:cNvGrpSpPr/>
+        <p:nvPr/>
+      </p:nvGrpSpPr>
+      <p:grpSpPr>
+        <a:xfrm>
+          <a:off x="0" y="0"/>
+          <a:ext cx="0" cy="0"/>
+          <a:chOff x="0" y="0"/>
+          <a:chExt cx="0" cy="0"/>
+        </a:xfrm>
+      </p:grpSpPr>
+      <p:sp>
+        <p:nvSpPr>
+          <p:cNvPr id="2" name="Title 1"/>
+          <p:cNvSpPr>
+            <a:spLocks noGrp="1"/>
+          </p:cNvSpPr>
+          <p:nvPr>
+            <p:ph type="title"/>
+          </p:nvPr>
+        </p:nvSpPr>
+        <p:spPr/>
+        <p:txBody>
+          <a:bodyPr/>
+          <a:lstStyle/>
+          <a:p>
+            <a:r>
+              <a:rPr lang="en-GB" dirty="0"/>
+              <a:t>Sanity Checks</a:t>
+            </a:r>
+          </a:p>
+        </p:txBody>
+      </p:sp>
+      <p:sp>
+        <p:nvSpPr>
+          <p:cNvPr id="3" name="Content Placeholder 2"/>
+          <p:cNvSpPr>
+            <a:spLocks noGrp="1"/>
+          </p:cNvSpPr>
+          <p:nvPr>
+            <p:ph idx="1"/>
+          </p:nvPr>
+        </p:nvSpPr>
+        <p:spPr/>
+        <p:txBody>
+          <a:bodyPr/>
+          <a:lstStyle/>
+          <a:p>
+            <a:r>
+              <a:rPr lang="en-GB" dirty="0"/>
+              <a:t>After modelling approximations, checked that the response with:</a:t>
+            </a:r>
+          </a:p>
+          <a:p>
+            <a:r>
+              <a:rPr lang="en-GB" dirty="0"/>
+              <a:t>Absorber damping of 0 = two split peaks about resonant frequency</a:t>
+            </a:r>
+          </a:p>
+          <a:p>
+            <a:r>
+              <a:rPr lang="en-GB" dirty="0"/>
+              <a:t>Absorber damping high = small </a:t>
+            </a:r>
+            <a:r>
+              <a:rPr lang="en-GB" dirty="0" err="1"/>
+              <a:t>dm</a:t>
+            </a:r>
+            <a:r>
+              <a:rPr lang="en-GB" dirty="0"/>
+              <a:t> to system so slight change in resonant frequency but single peak (effectively 1dof system)</a:t>
+            </a:r>
+          </a:p>
+          <a:p>
+            <a:r>
+              <a:rPr lang="en-GB" dirty="0"/>
+              <a:t>Plot graph of maximum amplitude for each absorber damping to check expected result.</a:t>
+            </a:r>
+          </a:p>
+          <a:p>
+            <a:endParaRPr lang="en-GB" dirty="0"/>
+          </a:p>
+        </p:txBody>
+      </p:sp>
+    </p:spTree>
+    <p:extLst>
+      <p:ext uri="{BB962C8B-B14F-4D97-AF65-F5344CB8AC3E}">
+        <p14:creationId xmlns:p14="http://schemas.microsoft.com/office/powerpoint/2010/main" val="2037780352"/>
       </p:ext>
     </p:extLst>
   </p:cSld>

--- a/Presentation.pptx
+++ b/Presentation.pptx
@@ -3106,7 +3106,7 @@
         <p:spPr>
           <a:xfrm>
             <a:off x="3195108" y="1690688"/>
-            <a:ext cx="5801783" cy="4351338"/>
+            <a:ext cx="5801783" cy="4351337"/>
           </a:xfrm>
         </p:spPr>
       </p:pic>
@@ -3187,7 +3187,7 @@
         <p:spPr>
           <a:xfrm>
             <a:off x="3195108" y="1690688"/>
-            <a:ext cx="5801783" cy="4351338"/>
+            <a:ext cx="5801783" cy="4351337"/>
           </a:xfrm>
         </p:spPr>
       </p:pic>
@@ -3268,7 +3268,7 @@
         <p:spPr>
           <a:xfrm>
             <a:off x="3195108" y="1690688"/>
-            <a:ext cx="5801783" cy="4351337"/>
+            <a:ext cx="5801782" cy="4351337"/>
           </a:xfrm>
         </p:spPr>
       </p:pic>
@@ -3320,10 +3320,9 @@
           <a:lstStyle/>
           <a:p>
             <a:r>
-              <a:rPr lang="en-GB" dirty="0" smtClean="0"/>
+              <a:rPr lang="en-GB" dirty="0"/>
               <a:t>Effect of choice of absorber mass on amplitude at resonance and on optimal damping of absorber.</a:t>
             </a:r>
-            <a:endParaRPr lang="en-GB" dirty="0"/>
           </a:p>
         </p:txBody>
       </p:sp>
@@ -3352,7 +3351,7 @@
         <p:spPr>
           <a:xfrm>
             <a:off x="2867892" y="1823360"/>
-            <a:ext cx="5903087" cy="4427316"/>
+            <a:ext cx="5903087" cy="4427315"/>
           </a:xfrm>
           <a:prstGeom prst="rect">
             <a:avLst/>
@@ -3406,23 +3405,11 @@
           <a:p>
             <a:r>
               <a:rPr lang="en-GB" dirty="0"/>
-              <a:t>Note for absorber of mass = 0.4 this is becoming quite close to the equivalent mass of building (3.3kg) so the results produced may not be reliable as mass of absorber will have </a:t>
-            </a:r>
-            <a:r>
-              <a:rPr lang="en-GB" dirty="0" smtClean="0"/>
-              <a:t>substantial </a:t>
-            </a:r>
-            <a:r>
-              <a:rPr lang="en-GB" dirty="0"/>
-              <a:t>affect </a:t>
+              <a:t>Note for absorber of mass = 0.4 this is becoming quite close to the equivalent mass of building (3.3kg) so the results produced may not be reliable as mass of absorber will have substantial affect </a:t>
             </a:r>
             <a:r>
               <a:rPr lang="en-GB"/>
-              <a:t>on </a:t>
-            </a:r>
-            <a:r>
-              <a:rPr lang="en-GB" smtClean="0"/>
-              <a:t>building</a:t>
+              <a:t>on building</a:t>
             </a:r>
             <a:endParaRPr lang="en-GB" b="1" dirty="0"/>
           </a:p>
@@ -6788,7 +6775,7 @@
         <p:spPr>
           <a:xfrm>
             <a:off x="3195108" y="1690688"/>
-            <a:ext cx="5801783" cy="4351338"/>
+            <a:ext cx="5801783" cy="4351337"/>
           </a:xfrm>
         </p:spPr>
       </p:pic>

--- a/Presentation.pptx
+++ b/Presentation.pptx
@@ -13,18 +13,25 @@
     <p:sldId id="263" r:id="rId7"/>
     <p:sldId id="264" r:id="rId8"/>
     <p:sldId id="260" r:id="rId9"/>
-    <p:sldId id="270" r:id="rId10"/>
-    <p:sldId id="271" r:id="rId11"/>
-    <p:sldId id="272" r:id="rId12"/>
-    <p:sldId id="274" r:id="rId13"/>
-    <p:sldId id="273" r:id="rId14"/>
-    <p:sldId id="275" r:id="rId15"/>
-    <p:sldId id="261" r:id="rId16"/>
-    <p:sldId id="262" r:id="rId17"/>
-    <p:sldId id="268" r:id="rId18"/>
-    <p:sldId id="269" r:id="rId19"/>
-    <p:sldId id="265" r:id="rId20"/>
-    <p:sldId id="266" r:id="rId21"/>
+    <p:sldId id="278" r:id="rId10"/>
+    <p:sldId id="270" r:id="rId11"/>
+    <p:sldId id="271" r:id="rId12"/>
+    <p:sldId id="272" r:id="rId13"/>
+    <p:sldId id="274" r:id="rId14"/>
+    <p:sldId id="273" r:id="rId15"/>
+    <p:sldId id="279" r:id="rId16"/>
+    <p:sldId id="281" r:id="rId17"/>
+    <p:sldId id="282" r:id="rId18"/>
+    <p:sldId id="283" r:id="rId19"/>
+    <p:sldId id="284" r:id="rId20"/>
+    <p:sldId id="285" r:id="rId21"/>
+    <p:sldId id="275" r:id="rId22"/>
+    <p:sldId id="261" r:id="rId23"/>
+    <p:sldId id="262" r:id="rId24"/>
+    <p:sldId id="268" r:id="rId25"/>
+    <p:sldId id="269" r:id="rId26"/>
+    <p:sldId id="265" r:id="rId27"/>
+    <p:sldId id="266" r:id="rId28"/>
   </p:sldIdLst>
   <p:sldSz cx="12192000" cy="6858000"/>
   <p:notesSz cx="6858000" cy="9144000"/>
@@ -673,6 +680,93 @@
 </p:sldLayout>
 </file>
 
+<file path=ppt/slideLayouts/slideLayout12.xml><?xml version="1.0" encoding="utf-8"?>
+<p:sldLayout xmlns:a="http://schemas.openxmlformats.org/drawingml/2006/main" xmlns:r="http://schemas.openxmlformats.org/officeDocument/2006/relationships" xmlns:p="http://schemas.openxmlformats.org/presentationml/2006/main" userDrawn="1">
+  <p:cSld name="Only Content">
+    <p:spTree>
+      <p:nvGrpSpPr>
+        <p:cNvPr id="1" name=""/>
+        <p:cNvGrpSpPr/>
+        <p:nvPr/>
+      </p:nvGrpSpPr>
+      <p:grpSpPr>
+        <a:xfrm>
+          <a:off x="0" y="0"/>
+          <a:ext cx="0" cy="0"/>
+          <a:chOff x="0" y="0"/>
+          <a:chExt cx="0" cy="0"/>
+        </a:xfrm>
+      </p:grpSpPr>
+      <p:sp>
+        <p:nvSpPr>
+          <p:cNvPr id="3" name="Content Placeholder 2"/>
+          <p:cNvSpPr>
+            <a:spLocks noGrp="1"/>
+          </p:cNvSpPr>
+          <p:nvPr>
+            <p:ph sz="quarter" idx="10"/>
+          </p:nvPr>
+        </p:nvSpPr>
+        <p:spPr>
+          <a:xfrm>
+            <a:off x="459582" y="444500"/>
+            <a:ext cx="11272837" cy="5969000"/>
+          </a:xfrm>
+        </p:spPr>
+        <p:txBody>
+          <a:bodyPr/>
+          <a:lstStyle/>
+          <a:p>
+            <a:pPr lvl="0"/>
+            <a:r>
+              <a:rPr lang="en-US"/>
+              <a:t>Edit Master text styles</a:t>
+            </a:r>
+          </a:p>
+          <a:p>
+            <a:pPr lvl="1"/>
+            <a:r>
+              <a:rPr lang="en-US"/>
+              <a:t>Second level</a:t>
+            </a:r>
+          </a:p>
+          <a:p>
+            <a:pPr lvl="2"/>
+            <a:r>
+              <a:rPr lang="en-US"/>
+              <a:t>Third level</a:t>
+            </a:r>
+          </a:p>
+          <a:p>
+            <a:pPr lvl="3"/>
+            <a:r>
+              <a:rPr lang="en-US"/>
+              <a:t>Fourth level</a:t>
+            </a:r>
+          </a:p>
+          <a:p>
+            <a:pPr lvl="4"/>
+            <a:r>
+              <a:rPr lang="en-US"/>
+              <a:t>Fifth level</a:t>
+            </a:r>
+            <a:endParaRPr lang="en-GB"/>
+          </a:p>
+        </p:txBody>
+      </p:sp>
+    </p:spTree>
+    <p:extLst>
+      <p:ext uri="{BB962C8B-B14F-4D97-AF65-F5344CB8AC3E}">
+        <p14:creationId xmlns:p14="http://schemas.microsoft.com/office/powerpoint/2010/main" val="3472484068"/>
+      </p:ext>
+    </p:extLst>
+  </p:cSld>
+  <p:clrMapOvr>
+    <a:masterClrMapping/>
+  </p:clrMapOvr>
+</p:sldLayout>
+</file>
+
 <file path=ppt/slideLayouts/slideLayout2.xml><?xml version="1.0" encoding="utf-8"?>
 <p:sldLayout xmlns:a="http://schemas.openxmlformats.org/drawingml/2006/main" xmlns:r="http://schemas.openxmlformats.org/officeDocument/2006/relationships" xmlns:p="http://schemas.openxmlformats.org/presentationml/2006/main" type="obj" preserve="1">
   <p:cSld name="Title and Content">
@@ -2432,7 +2526,7 @@
 </file>
 
 <file path=ppt/slideMasters/slideMaster1.xml><?xml version="1.0" encoding="utf-8"?>
-<p:sldMaster xmlns:a="http://schemas.openxmlformats.org/drawingml/2006/main" xmlns:r="http://schemas.openxmlformats.org/officeDocument/2006/relationships" xmlns:p="http://schemas.openxmlformats.org/presentationml/2006/main">
+<p:sldMaster xmlns:a="http://schemas.openxmlformats.org/drawingml/2006/main" xmlns:r="http://schemas.openxmlformats.org/officeDocument/2006/relationships" xmlns:p="http://schemas.openxmlformats.org/presentationml/2006/main" preserve="1">
   <p:cSld>
     <p:bg>
       <p:bgRef idx="1001">
@@ -2687,6 +2781,7 @@
     <p:sldLayoutId id="2147483657" r:id="rId9"/>
     <p:sldLayoutId id="2147483658" r:id="rId10"/>
     <p:sldLayoutId id="2147483659" r:id="rId11"/>
+    <p:sldLayoutId id="2147483663" r:id="rId12"/>
   </p:sldLayoutIdLst>
   <p:txStyles>
     <p:titleStyle>
@@ -3059,28 +3154,6 @@
           <a:chExt cx="0" cy="0"/>
         </a:xfrm>
       </p:grpSpPr>
-      <p:sp>
-        <p:nvSpPr>
-          <p:cNvPr id="2" name="Title 1"/>
-          <p:cNvSpPr>
-            <a:spLocks noGrp="1"/>
-          </p:cNvSpPr>
-          <p:nvPr>
-            <p:ph type="title"/>
-          </p:nvPr>
-        </p:nvSpPr>
-        <p:spPr/>
-        <p:txBody>
-          <a:bodyPr/>
-          <a:lstStyle/>
-          <a:p>
-            <a:r>
-              <a:rPr lang="en-GB" dirty="0"/>
-              <a:t>Graphs for floor 1: varying absorber mass from 0.05kg to 0.2kg</a:t>
-            </a:r>
-          </a:p>
-        </p:txBody>
-      </p:sp>
       <p:pic>
         <p:nvPicPr>
           <p:cNvPr id="10" name="Content Placeholder 9"/>
@@ -3088,7 +3161,7 @@
             <a:picLocks noGrp="1" noChangeAspect="1"/>
           </p:cNvPicPr>
           <p:nvPr>
-            <p:ph idx="1"/>
+            <p:ph sz="quarter" idx="10"/>
           </p:nvPr>
         </p:nvPicPr>
         <p:blipFill>
@@ -3105,15 +3178,18 @@
         </p:blipFill>
         <p:spPr>
           <a:xfrm>
-            <a:off x="3195108" y="1690688"/>
-            <a:ext cx="5801783" cy="4351337"/>
+            <a:off x="3430127" y="1429000"/>
+            <a:ext cx="5333333" cy="4000000"/>
           </a:xfrm>
+          <a:prstGeom prst="rect">
+            <a:avLst/>
+          </a:prstGeom>
         </p:spPr>
       </p:pic>
     </p:spTree>
     <p:extLst>
       <p:ext uri="{BB962C8B-B14F-4D97-AF65-F5344CB8AC3E}">
-        <p14:creationId xmlns:p14="http://schemas.microsoft.com/office/powerpoint/2010/main" val="2557143880"/>
+        <p14:creationId xmlns:p14="http://schemas.microsoft.com/office/powerpoint/2010/main" val="3510943774"/>
       </p:ext>
     </p:extLst>
   </p:cSld>
@@ -3140,28 +3216,6 @@
           <a:chExt cx="0" cy="0"/>
         </a:xfrm>
       </p:grpSpPr>
-      <p:sp>
-        <p:nvSpPr>
-          <p:cNvPr id="2" name="Title 1"/>
-          <p:cNvSpPr>
-            <a:spLocks noGrp="1"/>
-          </p:cNvSpPr>
-          <p:nvPr>
-            <p:ph type="title"/>
-          </p:nvPr>
-        </p:nvSpPr>
-        <p:spPr/>
-        <p:txBody>
-          <a:bodyPr/>
-          <a:lstStyle/>
-          <a:p>
-            <a:r>
-              <a:rPr lang="en-GB" dirty="0"/>
-              <a:t>Graphs for floor 1: varying absorber mass from 0.05kg to 0.2kg</a:t>
-            </a:r>
-          </a:p>
-        </p:txBody>
-      </p:sp>
       <p:pic>
         <p:nvPicPr>
           <p:cNvPr id="10" name="Content Placeholder 9"/>
@@ -3169,7 +3223,7 @@
             <a:picLocks noGrp="1" noChangeAspect="1"/>
           </p:cNvPicPr>
           <p:nvPr>
-            <p:ph idx="1"/>
+            <p:ph sz="quarter" idx="10"/>
           </p:nvPr>
         </p:nvPicPr>
         <p:blipFill>
@@ -3186,15 +3240,15 @@
         </p:blipFill>
         <p:spPr>
           <a:xfrm>
-            <a:off x="3195108" y="1690688"/>
-            <a:ext cx="5801783" cy="4351337"/>
+            <a:off x="3430127" y="1429000"/>
+            <a:ext cx="5333333" cy="4000000"/>
           </a:xfrm>
         </p:spPr>
       </p:pic>
     </p:spTree>
     <p:extLst>
       <p:ext uri="{BB962C8B-B14F-4D97-AF65-F5344CB8AC3E}">
-        <p14:creationId xmlns:p14="http://schemas.microsoft.com/office/powerpoint/2010/main" val="1739858078"/>
+        <p14:creationId xmlns:p14="http://schemas.microsoft.com/office/powerpoint/2010/main" val="2557143880"/>
       </p:ext>
     </p:extLst>
   </p:cSld>
@@ -3221,28 +3275,6 @@
           <a:chExt cx="0" cy="0"/>
         </a:xfrm>
       </p:grpSpPr>
-      <p:sp>
-        <p:nvSpPr>
-          <p:cNvPr id="2" name="Title 1"/>
-          <p:cNvSpPr>
-            <a:spLocks noGrp="1"/>
-          </p:cNvSpPr>
-          <p:nvPr>
-            <p:ph type="title"/>
-          </p:nvPr>
-        </p:nvSpPr>
-        <p:spPr/>
-        <p:txBody>
-          <a:bodyPr/>
-          <a:lstStyle/>
-          <a:p>
-            <a:r>
-              <a:rPr lang="en-GB" dirty="0"/>
-              <a:t>Graphs for floor 1: varying absorber mass from 0.05kg to 0.2kg</a:t>
-            </a:r>
-          </a:p>
-        </p:txBody>
-      </p:sp>
       <p:pic>
         <p:nvPicPr>
           <p:cNvPr id="10" name="Content Placeholder 9"/>
@@ -3250,7 +3282,7 @@
             <a:picLocks noGrp="1" noChangeAspect="1"/>
           </p:cNvPicPr>
           <p:nvPr>
-            <p:ph idx="1"/>
+            <p:ph sz="quarter" idx="10"/>
           </p:nvPr>
         </p:nvPicPr>
         <p:blipFill>
@@ -3267,15 +3299,15 @@
         </p:blipFill>
         <p:spPr>
           <a:xfrm>
-            <a:off x="3195108" y="1690688"/>
-            <a:ext cx="5801782" cy="4351337"/>
+            <a:off x="3430127" y="1429000"/>
+            <a:ext cx="5333333" cy="4000000"/>
           </a:xfrm>
         </p:spPr>
       </p:pic>
     </p:spTree>
     <p:extLst>
       <p:ext uri="{BB962C8B-B14F-4D97-AF65-F5344CB8AC3E}">
-        <p14:creationId xmlns:p14="http://schemas.microsoft.com/office/powerpoint/2010/main" val="3965699234"/>
+        <p14:creationId xmlns:p14="http://schemas.microsoft.com/office/powerpoint/2010/main" val="1739858078"/>
       </p:ext>
     </p:extLst>
   </p:cSld>
@@ -3302,38 +3334,14 @@
           <a:chExt cx="0" cy="0"/>
         </a:xfrm>
       </p:grpSpPr>
-      <p:sp>
-        <p:nvSpPr>
-          <p:cNvPr id="2" name="Title 1"/>
-          <p:cNvSpPr>
-            <a:spLocks noGrp="1"/>
-          </p:cNvSpPr>
-          <p:nvPr>
-            <p:ph type="title"/>
-          </p:nvPr>
-        </p:nvSpPr>
-        <p:spPr/>
-        <p:txBody>
-          <a:bodyPr>
-            <a:normAutofit fontScale="90000"/>
-          </a:bodyPr>
-          <a:lstStyle/>
-          <a:p>
-            <a:r>
-              <a:rPr lang="en-GB" dirty="0"/>
-              <a:t>Effect of choice of absorber mass on amplitude at resonance and on optimal damping of absorber.</a:t>
-            </a:r>
-          </a:p>
-        </p:txBody>
-      </p:sp>
       <p:pic>
         <p:nvPicPr>
-          <p:cNvPr id="4" name="Content Placeholder 3"/>
+          <p:cNvPr id="10" name="Content Placeholder 9"/>
           <p:cNvPicPr>
             <a:picLocks noGrp="1" noChangeAspect="1"/>
           </p:cNvPicPr>
           <p:nvPr>
-            <p:ph idx="1"/>
+            <p:ph sz="quarter" idx="10"/>
           </p:nvPr>
         </p:nvPicPr>
         <p:blipFill>
@@ -3350,18 +3358,15 @@
         </p:blipFill>
         <p:spPr>
           <a:xfrm>
-            <a:off x="2867892" y="1823360"/>
-            <a:ext cx="5903087" cy="4427315"/>
+            <a:off x="3430127" y="1429000"/>
+            <a:ext cx="5333333" cy="4000000"/>
           </a:xfrm>
-          <a:prstGeom prst="rect">
-            <a:avLst/>
-          </a:prstGeom>
         </p:spPr>
       </p:pic>
     </p:spTree>
     <p:extLst>
       <p:ext uri="{BB962C8B-B14F-4D97-AF65-F5344CB8AC3E}">
-        <p14:creationId xmlns:p14="http://schemas.microsoft.com/office/powerpoint/2010/main" val="3873014354"/>
+        <p14:creationId xmlns:p14="http://schemas.microsoft.com/office/powerpoint/2010/main" val="3965699234"/>
       </p:ext>
     </p:extLst>
   </p:cSld>
@@ -3388,56 +3393,42 @@
           <a:chExt cx="0" cy="0"/>
         </a:xfrm>
       </p:grpSpPr>
-      <p:sp>
-        <p:nvSpPr>
-          <p:cNvPr id="3" name="Content Placeholder 2"/>
-          <p:cNvSpPr>
-            <a:spLocks noGrp="1"/>
-          </p:cNvSpPr>
-          <p:nvPr>
-            <p:ph idx="1"/>
-          </p:nvPr>
-        </p:nvSpPr>
-        <p:spPr/>
-        <p:txBody>
-          <a:bodyPr/>
-          <a:lstStyle/>
-          <a:p>
-            <a:r>
-              <a:rPr lang="en-GB" dirty="0"/>
-              <a:t>Note for absorber of mass = 0.4 this is becoming quite close to the equivalent mass of building (3.3kg) so the results produced may not be reliable as mass of absorber will have substantial affect </a:t>
-            </a:r>
-            <a:r>
-              <a:rPr lang="en-GB"/>
-              <a:t>on building</a:t>
-            </a:r>
-            <a:endParaRPr lang="en-GB" b="1" dirty="0"/>
-          </a:p>
-        </p:txBody>
-      </p:sp>
-      <p:sp>
-        <p:nvSpPr>
-          <p:cNvPr id="4" name="Title 3"/>
-          <p:cNvSpPr>
-            <a:spLocks noGrp="1"/>
-          </p:cNvSpPr>
-          <p:nvPr>
-            <p:ph type="title"/>
-          </p:nvPr>
-        </p:nvSpPr>
-        <p:spPr/>
-        <p:txBody>
-          <a:bodyPr/>
-          <a:lstStyle/>
-          <a:p>
-            <a:endParaRPr lang="en-GB"/>
-          </a:p>
-        </p:txBody>
-      </p:sp>
+      <p:pic>
+        <p:nvPicPr>
+          <p:cNvPr id="4" name="Content Placeholder 3"/>
+          <p:cNvPicPr>
+            <a:picLocks noGrp="1" noChangeAspect="1"/>
+          </p:cNvPicPr>
+          <p:nvPr>
+            <p:ph sz="quarter" idx="10"/>
+          </p:nvPr>
+        </p:nvPicPr>
+        <p:blipFill>
+          <a:blip r:embed="rId2">
+            <a:extLst>
+              <a:ext uri="{28A0092B-C50C-407E-A947-70E740481C1C}">
+                <a14:useLocalDpi xmlns:a14="http://schemas.microsoft.com/office/drawing/2010/main" val="0"/>
+              </a:ext>
+            </a:extLst>
+          </a:blip>
+          <a:stretch>
+            <a:fillRect/>
+          </a:stretch>
+        </p:blipFill>
+        <p:spPr>
+          <a:xfrm>
+            <a:off x="3430127" y="1429000"/>
+            <a:ext cx="5333333" cy="4000000"/>
+          </a:xfrm>
+          <a:prstGeom prst="rect">
+            <a:avLst/>
+          </a:prstGeom>
+        </p:spPr>
+      </p:pic>
     </p:spTree>
     <p:extLst>
       <p:ext uri="{BB962C8B-B14F-4D97-AF65-F5344CB8AC3E}">
-        <p14:creationId xmlns:p14="http://schemas.microsoft.com/office/powerpoint/2010/main" val="1072918806"/>
+        <p14:creationId xmlns:p14="http://schemas.microsoft.com/office/powerpoint/2010/main" val="3873014354"/>
       </p:ext>
     </p:extLst>
   </p:cSld>
@@ -3466,34 +3457,48 @@
       </p:grpSpPr>
       <p:sp>
         <p:nvSpPr>
-          <p:cNvPr id="2" name="Title 1"/>
-          <p:cNvSpPr>
-            <a:spLocks noGrp="1"/>
-          </p:cNvSpPr>
-          <p:nvPr>
-            <p:ph type="title"/>
+          <p:cNvPr id="4" name="Title 3"/>
+          <p:cNvSpPr>
+            <a:spLocks noGrp="1"/>
+          </p:cNvSpPr>
+          <p:nvPr>
+            <p:ph type="ctrTitle"/>
           </p:nvPr>
         </p:nvSpPr>
         <p:spPr/>
         <p:txBody>
-          <a:bodyPr/>
+          <a:bodyPr>
+            <a:normAutofit fontScale="90000"/>
+          </a:bodyPr>
           <a:lstStyle/>
           <a:p>
             <a:r>
               <a:rPr lang="en-GB" dirty="0"/>
-              <a:t>Conclusions</a:t>
-            </a:r>
-          </a:p>
-        </p:txBody>
-      </p:sp>
-      <p:sp>
-        <p:nvSpPr>
-          <p:cNvPr id="3" name="Content Placeholder 2"/>
-          <p:cNvSpPr>
-            <a:spLocks noGrp="1"/>
-          </p:cNvSpPr>
-          <p:nvPr>
-            <p:ph idx="1"/>
+              <a:t>Graphs for floor 1: </a:t>
+            </a:r>
+            <a:br>
+              <a:rPr lang="en-GB" dirty="0"/>
+            </a:br>
+            <a:r>
+              <a:rPr lang="en-GB" dirty="0"/>
+              <a:t>Varying damping of building from 0 to 1.5Nms</a:t>
+            </a:r>
+            <a:r>
+              <a:rPr lang="en-GB" baseline="30000" dirty="0"/>
+              <a:t>-1</a:t>
+            </a:r>
+            <a:endParaRPr lang="en-GB" dirty="0"/>
+          </a:p>
+        </p:txBody>
+      </p:sp>
+      <p:sp>
+        <p:nvSpPr>
+          <p:cNvPr id="5" name="Subtitle 4"/>
+          <p:cNvSpPr>
+            <a:spLocks noGrp="1"/>
+          </p:cNvSpPr>
+          <p:nvPr>
+            <p:ph type="subTitle" idx="1"/>
           </p:nvPr>
         </p:nvSpPr>
         <p:spPr/>
@@ -3501,14 +3506,14 @@
           <a:bodyPr/>
           <a:lstStyle/>
           <a:p>
-            <a:endParaRPr lang="en-GB"/>
+            <a:endParaRPr lang="en-GB" dirty="0"/>
           </a:p>
         </p:txBody>
       </p:sp>
     </p:spTree>
     <p:extLst>
       <p:ext uri="{BB962C8B-B14F-4D97-AF65-F5344CB8AC3E}">
-        <p14:creationId xmlns:p14="http://schemas.microsoft.com/office/powerpoint/2010/main" val="4233122878"/>
+        <p14:creationId xmlns:p14="http://schemas.microsoft.com/office/powerpoint/2010/main" val="3845303809"/>
       </p:ext>
     </p:extLst>
   </p:cSld>
@@ -3535,6 +3540,534 @@
           <a:chExt cx="0" cy="0"/>
         </a:xfrm>
       </p:grpSpPr>
+      <p:pic>
+        <p:nvPicPr>
+          <p:cNvPr id="3" name="Content Placeholder 2"/>
+          <p:cNvPicPr>
+            <a:picLocks noGrp="1" noChangeAspect="1"/>
+          </p:cNvPicPr>
+          <p:nvPr>
+            <p:ph sz="quarter" idx="10"/>
+          </p:nvPr>
+        </p:nvPicPr>
+        <p:blipFill>
+          <a:blip r:embed="rId2">
+            <a:extLst>
+              <a:ext uri="{28A0092B-C50C-407E-A947-70E740481C1C}">
+                <a14:useLocalDpi xmlns:a14="http://schemas.microsoft.com/office/drawing/2010/main" val="0"/>
+              </a:ext>
+            </a:extLst>
+          </a:blip>
+          <a:stretch>
+            <a:fillRect/>
+          </a:stretch>
+        </p:blipFill>
+        <p:spPr>
+          <a:xfrm>
+            <a:off x="3430127" y="1429000"/>
+            <a:ext cx="5333333" cy="4000000"/>
+          </a:xfrm>
+        </p:spPr>
+      </p:pic>
+    </p:spTree>
+    <p:extLst>
+      <p:ext uri="{BB962C8B-B14F-4D97-AF65-F5344CB8AC3E}">
+        <p14:creationId xmlns:p14="http://schemas.microsoft.com/office/powerpoint/2010/main" val="3727545665"/>
+      </p:ext>
+    </p:extLst>
+  </p:cSld>
+  <p:clrMapOvr>
+    <a:masterClrMapping/>
+  </p:clrMapOvr>
+</p:sld>
+</file>
+
+<file path=ppt/slides/slide17.xml><?xml version="1.0" encoding="utf-8"?>
+<p:sld xmlns:a="http://schemas.openxmlformats.org/drawingml/2006/main" xmlns:r="http://schemas.openxmlformats.org/officeDocument/2006/relationships" xmlns:p="http://schemas.openxmlformats.org/presentationml/2006/main">
+  <p:cSld>
+    <p:spTree>
+      <p:nvGrpSpPr>
+        <p:cNvPr id="1" name=""/>
+        <p:cNvGrpSpPr/>
+        <p:nvPr/>
+      </p:nvGrpSpPr>
+      <p:grpSpPr>
+        <a:xfrm>
+          <a:off x="0" y="0"/>
+          <a:ext cx="0" cy="0"/>
+          <a:chOff x="0" y="0"/>
+          <a:chExt cx="0" cy="0"/>
+        </a:xfrm>
+      </p:grpSpPr>
+      <p:pic>
+        <p:nvPicPr>
+          <p:cNvPr id="3" name="Content Placeholder 2"/>
+          <p:cNvPicPr>
+            <a:picLocks noGrp="1" noChangeAspect="1"/>
+          </p:cNvPicPr>
+          <p:nvPr>
+            <p:ph sz="quarter" idx="10"/>
+          </p:nvPr>
+        </p:nvPicPr>
+        <p:blipFill>
+          <a:blip r:embed="rId2">
+            <a:extLst>
+              <a:ext uri="{28A0092B-C50C-407E-A947-70E740481C1C}">
+                <a14:useLocalDpi xmlns:a14="http://schemas.microsoft.com/office/drawing/2010/main" val="0"/>
+              </a:ext>
+            </a:extLst>
+          </a:blip>
+          <a:stretch>
+            <a:fillRect/>
+          </a:stretch>
+        </p:blipFill>
+        <p:spPr>
+          <a:xfrm>
+            <a:off x="3430127" y="1429000"/>
+            <a:ext cx="5333333" cy="4000000"/>
+          </a:xfrm>
+        </p:spPr>
+      </p:pic>
+    </p:spTree>
+    <p:extLst>
+      <p:ext uri="{BB962C8B-B14F-4D97-AF65-F5344CB8AC3E}">
+        <p14:creationId xmlns:p14="http://schemas.microsoft.com/office/powerpoint/2010/main" val="3417925897"/>
+      </p:ext>
+    </p:extLst>
+  </p:cSld>
+  <p:clrMapOvr>
+    <a:masterClrMapping/>
+  </p:clrMapOvr>
+</p:sld>
+</file>
+
+<file path=ppt/slides/slide18.xml><?xml version="1.0" encoding="utf-8"?>
+<p:sld xmlns:a="http://schemas.openxmlformats.org/drawingml/2006/main" xmlns:r="http://schemas.openxmlformats.org/officeDocument/2006/relationships" xmlns:p="http://schemas.openxmlformats.org/presentationml/2006/main">
+  <p:cSld>
+    <p:spTree>
+      <p:nvGrpSpPr>
+        <p:cNvPr id="1" name=""/>
+        <p:cNvGrpSpPr/>
+        <p:nvPr/>
+      </p:nvGrpSpPr>
+      <p:grpSpPr>
+        <a:xfrm>
+          <a:off x="0" y="0"/>
+          <a:ext cx="0" cy="0"/>
+          <a:chOff x="0" y="0"/>
+          <a:chExt cx="0" cy="0"/>
+        </a:xfrm>
+      </p:grpSpPr>
+      <p:pic>
+        <p:nvPicPr>
+          <p:cNvPr id="3" name="Content Placeholder 2"/>
+          <p:cNvPicPr>
+            <a:picLocks noGrp="1" noChangeAspect="1"/>
+          </p:cNvPicPr>
+          <p:nvPr>
+            <p:ph sz="quarter" idx="10"/>
+          </p:nvPr>
+        </p:nvPicPr>
+        <p:blipFill>
+          <a:blip r:embed="rId2">
+            <a:extLst>
+              <a:ext uri="{28A0092B-C50C-407E-A947-70E740481C1C}">
+                <a14:useLocalDpi xmlns:a14="http://schemas.microsoft.com/office/drawing/2010/main" val="0"/>
+              </a:ext>
+            </a:extLst>
+          </a:blip>
+          <a:stretch>
+            <a:fillRect/>
+          </a:stretch>
+        </p:blipFill>
+        <p:spPr>
+          <a:xfrm>
+            <a:off x="3430127" y="1429000"/>
+            <a:ext cx="5333333" cy="4000000"/>
+          </a:xfrm>
+        </p:spPr>
+      </p:pic>
+    </p:spTree>
+    <p:extLst>
+      <p:ext uri="{BB962C8B-B14F-4D97-AF65-F5344CB8AC3E}">
+        <p14:creationId xmlns:p14="http://schemas.microsoft.com/office/powerpoint/2010/main" val="361790728"/>
+      </p:ext>
+    </p:extLst>
+  </p:cSld>
+  <p:clrMapOvr>
+    <a:masterClrMapping/>
+  </p:clrMapOvr>
+</p:sld>
+</file>
+
+<file path=ppt/slides/slide19.xml><?xml version="1.0" encoding="utf-8"?>
+<p:sld xmlns:a="http://schemas.openxmlformats.org/drawingml/2006/main" xmlns:r="http://schemas.openxmlformats.org/officeDocument/2006/relationships" xmlns:p="http://schemas.openxmlformats.org/presentationml/2006/main">
+  <p:cSld>
+    <p:spTree>
+      <p:nvGrpSpPr>
+        <p:cNvPr id="1" name=""/>
+        <p:cNvGrpSpPr/>
+        <p:nvPr/>
+      </p:nvGrpSpPr>
+      <p:grpSpPr>
+        <a:xfrm>
+          <a:off x="0" y="0"/>
+          <a:ext cx="0" cy="0"/>
+          <a:chOff x="0" y="0"/>
+          <a:chExt cx="0" cy="0"/>
+        </a:xfrm>
+      </p:grpSpPr>
+      <p:pic>
+        <p:nvPicPr>
+          <p:cNvPr id="3" name="Content Placeholder 2"/>
+          <p:cNvPicPr>
+            <a:picLocks noGrp="1" noChangeAspect="1"/>
+          </p:cNvPicPr>
+          <p:nvPr>
+            <p:ph sz="quarter" idx="10"/>
+          </p:nvPr>
+        </p:nvPicPr>
+        <p:blipFill>
+          <a:blip r:embed="rId2">
+            <a:extLst>
+              <a:ext uri="{28A0092B-C50C-407E-A947-70E740481C1C}">
+                <a14:useLocalDpi xmlns:a14="http://schemas.microsoft.com/office/drawing/2010/main" val="0"/>
+              </a:ext>
+            </a:extLst>
+          </a:blip>
+          <a:stretch>
+            <a:fillRect/>
+          </a:stretch>
+        </p:blipFill>
+        <p:spPr>
+          <a:xfrm>
+            <a:off x="3430127" y="1429000"/>
+            <a:ext cx="5333333" cy="4000000"/>
+          </a:xfrm>
+        </p:spPr>
+      </p:pic>
+    </p:spTree>
+    <p:extLst>
+      <p:ext uri="{BB962C8B-B14F-4D97-AF65-F5344CB8AC3E}">
+        <p14:creationId xmlns:p14="http://schemas.microsoft.com/office/powerpoint/2010/main" val="537680730"/>
+      </p:ext>
+    </p:extLst>
+  </p:cSld>
+  <p:clrMapOvr>
+    <a:masterClrMapping/>
+  </p:clrMapOvr>
+</p:sld>
+</file>
+
+<file path=ppt/slides/slide2.xml><?xml version="1.0" encoding="utf-8"?>
+<p:sld xmlns:a="http://schemas.openxmlformats.org/drawingml/2006/main" xmlns:r="http://schemas.openxmlformats.org/officeDocument/2006/relationships" xmlns:p="http://schemas.openxmlformats.org/presentationml/2006/main">
+  <p:cSld>
+    <p:spTree>
+      <p:nvGrpSpPr>
+        <p:cNvPr id="1" name=""/>
+        <p:cNvGrpSpPr/>
+        <p:nvPr/>
+      </p:nvGrpSpPr>
+      <p:grpSpPr>
+        <a:xfrm>
+          <a:off x="0" y="0"/>
+          <a:ext cx="0" cy="0"/>
+          <a:chOff x="0" y="0"/>
+          <a:chExt cx="0" cy="0"/>
+        </a:xfrm>
+      </p:grpSpPr>
+      <p:sp>
+        <p:nvSpPr>
+          <p:cNvPr id="2" name="Title 1"/>
+          <p:cNvSpPr>
+            <a:spLocks noGrp="1"/>
+          </p:cNvSpPr>
+          <p:nvPr>
+            <p:ph type="title"/>
+          </p:nvPr>
+        </p:nvSpPr>
+        <p:spPr/>
+        <p:txBody>
+          <a:bodyPr/>
+          <a:lstStyle/>
+          <a:p>
+            <a:r>
+              <a:rPr lang="en-GB" dirty="0"/>
+              <a:t>Aims</a:t>
+            </a:r>
+          </a:p>
+        </p:txBody>
+      </p:sp>
+      <p:sp>
+        <p:nvSpPr>
+          <p:cNvPr id="3" name="Content Placeholder 2"/>
+          <p:cNvSpPr>
+            <a:spLocks noGrp="1"/>
+          </p:cNvSpPr>
+          <p:nvPr>
+            <p:ph idx="1"/>
+          </p:nvPr>
+        </p:nvSpPr>
+        <p:spPr/>
+        <p:txBody>
+          <a:bodyPr/>
+          <a:lstStyle/>
+          <a:p>
+            <a:r>
+              <a:rPr lang="en-GB" dirty="0"/>
+              <a:t>Analyse effects of putting absorbers on different floors and tuning to different modes.</a:t>
+            </a:r>
+          </a:p>
+          <a:p>
+            <a:r>
+              <a:rPr lang="en-GB" dirty="0"/>
+              <a:t>Generally tuning absorbers to optimise them</a:t>
+            </a:r>
+          </a:p>
+          <a:p>
+            <a:r>
+              <a:rPr lang="en-GB" dirty="0"/>
+              <a:t>Create code to automatically tune absorber given measureable characteristics of structure</a:t>
+            </a:r>
+          </a:p>
+        </p:txBody>
+      </p:sp>
+    </p:spTree>
+    <p:extLst>
+      <p:ext uri="{BB962C8B-B14F-4D97-AF65-F5344CB8AC3E}">
+        <p14:creationId xmlns:p14="http://schemas.microsoft.com/office/powerpoint/2010/main" val="2509787941"/>
+      </p:ext>
+    </p:extLst>
+  </p:cSld>
+  <p:clrMapOvr>
+    <a:masterClrMapping/>
+  </p:clrMapOvr>
+</p:sld>
+</file>
+
+<file path=ppt/slides/slide20.xml><?xml version="1.0" encoding="utf-8"?>
+<p:sld xmlns:a="http://schemas.openxmlformats.org/drawingml/2006/main" xmlns:r="http://schemas.openxmlformats.org/officeDocument/2006/relationships" xmlns:p="http://schemas.openxmlformats.org/presentationml/2006/main">
+  <p:cSld>
+    <p:spTree>
+      <p:nvGrpSpPr>
+        <p:cNvPr id="1" name=""/>
+        <p:cNvGrpSpPr/>
+        <p:nvPr/>
+      </p:nvGrpSpPr>
+      <p:grpSpPr>
+        <a:xfrm>
+          <a:off x="0" y="0"/>
+          <a:ext cx="0" cy="0"/>
+          <a:chOff x="0" y="0"/>
+          <a:chExt cx="0" cy="0"/>
+        </a:xfrm>
+      </p:grpSpPr>
+      <p:pic>
+        <p:nvPicPr>
+          <p:cNvPr id="3" name="Content Placeholder 2"/>
+          <p:cNvPicPr>
+            <a:picLocks noGrp="1" noChangeAspect="1"/>
+          </p:cNvPicPr>
+          <p:nvPr>
+            <p:ph sz="quarter" idx="10"/>
+          </p:nvPr>
+        </p:nvPicPr>
+        <p:blipFill>
+          <a:blip r:embed="rId2">
+            <a:extLst>
+              <a:ext uri="{28A0092B-C50C-407E-A947-70E740481C1C}">
+                <a14:useLocalDpi xmlns:a14="http://schemas.microsoft.com/office/drawing/2010/main" val="0"/>
+              </a:ext>
+            </a:extLst>
+          </a:blip>
+          <a:stretch>
+            <a:fillRect/>
+          </a:stretch>
+        </p:blipFill>
+        <p:spPr>
+          <a:xfrm>
+            <a:off x="460375" y="742830"/>
+            <a:ext cx="11272838" cy="5372340"/>
+          </a:xfrm>
+        </p:spPr>
+      </p:pic>
+    </p:spTree>
+    <p:extLst>
+      <p:ext uri="{BB962C8B-B14F-4D97-AF65-F5344CB8AC3E}">
+        <p14:creationId xmlns:p14="http://schemas.microsoft.com/office/powerpoint/2010/main" val="3200677919"/>
+      </p:ext>
+    </p:extLst>
+  </p:cSld>
+  <p:clrMapOvr>
+    <a:masterClrMapping/>
+  </p:clrMapOvr>
+</p:sld>
+</file>
+
+<file path=ppt/slides/slide21.xml><?xml version="1.0" encoding="utf-8"?>
+<p:sld xmlns:a="http://schemas.openxmlformats.org/drawingml/2006/main" xmlns:r="http://schemas.openxmlformats.org/officeDocument/2006/relationships" xmlns:p="http://schemas.openxmlformats.org/presentationml/2006/main">
+  <p:cSld>
+    <p:spTree>
+      <p:nvGrpSpPr>
+        <p:cNvPr id="1" name=""/>
+        <p:cNvGrpSpPr/>
+        <p:nvPr/>
+      </p:nvGrpSpPr>
+      <p:grpSpPr>
+        <a:xfrm>
+          <a:off x="0" y="0"/>
+          <a:ext cx="0" cy="0"/>
+          <a:chOff x="0" y="0"/>
+          <a:chExt cx="0" cy="0"/>
+        </a:xfrm>
+      </p:grpSpPr>
+      <p:sp>
+        <p:nvSpPr>
+          <p:cNvPr id="3" name="Content Placeholder 2"/>
+          <p:cNvSpPr>
+            <a:spLocks noGrp="1"/>
+          </p:cNvSpPr>
+          <p:nvPr>
+            <p:ph idx="1"/>
+          </p:nvPr>
+        </p:nvSpPr>
+        <p:spPr/>
+        <p:txBody>
+          <a:bodyPr/>
+          <a:lstStyle/>
+          <a:p>
+            <a:r>
+              <a:rPr lang="en-GB" dirty="0"/>
+              <a:t>Note for absorber of mass = 0.4 this is becoming quite close to the equivalent mass of building (3.3kg) so the results produced may not be reliable as mass of absorber will have substantial affect </a:t>
+            </a:r>
+            <a:r>
+              <a:rPr lang="en-GB"/>
+              <a:t>on building</a:t>
+            </a:r>
+            <a:endParaRPr lang="en-GB" b="1" dirty="0"/>
+          </a:p>
+        </p:txBody>
+      </p:sp>
+      <p:sp>
+        <p:nvSpPr>
+          <p:cNvPr id="4" name="Title 3"/>
+          <p:cNvSpPr>
+            <a:spLocks noGrp="1"/>
+          </p:cNvSpPr>
+          <p:nvPr>
+            <p:ph type="title"/>
+          </p:nvPr>
+        </p:nvSpPr>
+        <p:spPr/>
+        <p:txBody>
+          <a:bodyPr/>
+          <a:lstStyle/>
+          <a:p>
+            <a:endParaRPr lang="en-GB"/>
+          </a:p>
+        </p:txBody>
+      </p:sp>
+    </p:spTree>
+    <p:extLst>
+      <p:ext uri="{BB962C8B-B14F-4D97-AF65-F5344CB8AC3E}">
+        <p14:creationId xmlns:p14="http://schemas.microsoft.com/office/powerpoint/2010/main" val="1072918806"/>
+      </p:ext>
+    </p:extLst>
+  </p:cSld>
+  <p:clrMapOvr>
+    <a:masterClrMapping/>
+  </p:clrMapOvr>
+</p:sld>
+</file>
+
+<file path=ppt/slides/slide22.xml><?xml version="1.0" encoding="utf-8"?>
+<p:sld xmlns:a="http://schemas.openxmlformats.org/drawingml/2006/main" xmlns:r="http://schemas.openxmlformats.org/officeDocument/2006/relationships" xmlns:p="http://schemas.openxmlformats.org/presentationml/2006/main">
+  <p:cSld>
+    <p:spTree>
+      <p:nvGrpSpPr>
+        <p:cNvPr id="1" name=""/>
+        <p:cNvGrpSpPr/>
+        <p:nvPr/>
+      </p:nvGrpSpPr>
+      <p:grpSpPr>
+        <a:xfrm>
+          <a:off x="0" y="0"/>
+          <a:ext cx="0" cy="0"/>
+          <a:chOff x="0" y="0"/>
+          <a:chExt cx="0" cy="0"/>
+        </a:xfrm>
+      </p:grpSpPr>
+      <p:sp>
+        <p:nvSpPr>
+          <p:cNvPr id="2" name="Title 1"/>
+          <p:cNvSpPr>
+            <a:spLocks noGrp="1"/>
+          </p:cNvSpPr>
+          <p:nvPr>
+            <p:ph type="title"/>
+          </p:nvPr>
+        </p:nvSpPr>
+        <p:spPr/>
+        <p:txBody>
+          <a:bodyPr/>
+          <a:lstStyle/>
+          <a:p>
+            <a:r>
+              <a:rPr lang="en-GB" dirty="0"/>
+              <a:t>Conclusions</a:t>
+            </a:r>
+          </a:p>
+        </p:txBody>
+      </p:sp>
+      <p:sp>
+        <p:nvSpPr>
+          <p:cNvPr id="3" name="Content Placeholder 2"/>
+          <p:cNvSpPr>
+            <a:spLocks noGrp="1"/>
+          </p:cNvSpPr>
+          <p:nvPr>
+            <p:ph idx="1"/>
+          </p:nvPr>
+        </p:nvSpPr>
+        <p:spPr/>
+        <p:txBody>
+          <a:bodyPr/>
+          <a:lstStyle/>
+          <a:p>
+            <a:endParaRPr lang="en-GB"/>
+          </a:p>
+        </p:txBody>
+      </p:sp>
+    </p:spTree>
+    <p:extLst>
+      <p:ext uri="{BB962C8B-B14F-4D97-AF65-F5344CB8AC3E}">
+        <p14:creationId xmlns:p14="http://schemas.microsoft.com/office/powerpoint/2010/main" val="4233122878"/>
+      </p:ext>
+    </p:extLst>
+  </p:cSld>
+  <p:clrMapOvr>
+    <a:masterClrMapping/>
+  </p:clrMapOvr>
+</p:sld>
+</file>
+
+<file path=ppt/slides/slide23.xml><?xml version="1.0" encoding="utf-8"?>
+<p:sld xmlns:a="http://schemas.openxmlformats.org/drawingml/2006/main" xmlns:r="http://schemas.openxmlformats.org/officeDocument/2006/relationships" xmlns:p="http://schemas.openxmlformats.org/presentationml/2006/main">
+  <p:cSld>
+    <p:spTree>
+      <p:nvGrpSpPr>
+        <p:cNvPr id="1" name=""/>
+        <p:cNvGrpSpPr/>
+        <p:nvPr/>
+      </p:nvGrpSpPr>
+      <p:grpSpPr>
+        <a:xfrm>
+          <a:off x="0" y="0"/>
+          <a:ext cx="0" cy="0"/>
+          <a:chOff x="0" y="0"/>
+          <a:chExt cx="0" cy="0"/>
+        </a:xfrm>
+      </p:grpSpPr>
       <p:sp>
         <p:nvSpPr>
           <p:cNvPr id="2" name="Title 1"/>
@@ -3649,7 +4182,7 @@
 </p:sld>
 </file>
 
-<file path=ppt/slides/slide17.xml><?xml version="1.0" encoding="utf-8"?>
+<file path=ppt/slides/slide24.xml><?xml version="1.0" encoding="utf-8"?>
 <p:sld xmlns:a="http://schemas.openxmlformats.org/drawingml/2006/main" xmlns:r="http://schemas.openxmlformats.org/officeDocument/2006/relationships" xmlns:p="http://schemas.openxmlformats.org/presentationml/2006/main">
   <p:cSld>
     <p:spTree>
@@ -4879,7 +5412,7 @@
 </p:sld>
 </file>
 
-<file path=ppt/slides/slide18.xml><?xml version="1.0" encoding="utf-8"?>
+<file path=ppt/slides/slide25.xml><?xml version="1.0" encoding="utf-8"?>
 <p:sld xmlns:a="http://schemas.openxmlformats.org/drawingml/2006/main" xmlns:r="http://schemas.openxmlformats.org/officeDocument/2006/relationships" xmlns:p="http://schemas.openxmlformats.org/presentationml/2006/main">
   <p:cSld>
     <p:spTree>
@@ -5830,7 +6363,7 @@
 </p:sld>
 </file>
 
-<file path=ppt/slides/slide19.xml><?xml version="1.0" encoding="utf-8"?>
+<file path=ppt/slides/slide26.xml><?xml version="1.0" encoding="utf-8"?>
 <p:sld xmlns:a="http://schemas.openxmlformats.org/drawingml/2006/main" xmlns:r="http://schemas.openxmlformats.org/officeDocument/2006/relationships" xmlns:p="http://schemas.openxmlformats.org/presentationml/2006/main">
   <p:cSld>
     <p:spTree>
@@ -5913,93 +6446,7 @@
 </p:sld>
 </file>
 
-<file path=ppt/slides/slide2.xml><?xml version="1.0" encoding="utf-8"?>
-<p:sld xmlns:a="http://schemas.openxmlformats.org/drawingml/2006/main" xmlns:r="http://schemas.openxmlformats.org/officeDocument/2006/relationships" xmlns:p="http://schemas.openxmlformats.org/presentationml/2006/main">
-  <p:cSld>
-    <p:spTree>
-      <p:nvGrpSpPr>
-        <p:cNvPr id="1" name=""/>
-        <p:cNvGrpSpPr/>
-        <p:nvPr/>
-      </p:nvGrpSpPr>
-      <p:grpSpPr>
-        <a:xfrm>
-          <a:off x="0" y="0"/>
-          <a:ext cx="0" cy="0"/>
-          <a:chOff x="0" y="0"/>
-          <a:chExt cx="0" cy="0"/>
-        </a:xfrm>
-      </p:grpSpPr>
-      <p:sp>
-        <p:nvSpPr>
-          <p:cNvPr id="2" name="Title 1"/>
-          <p:cNvSpPr>
-            <a:spLocks noGrp="1"/>
-          </p:cNvSpPr>
-          <p:nvPr>
-            <p:ph type="title"/>
-          </p:nvPr>
-        </p:nvSpPr>
-        <p:spPr/>
-        <p:txBody>
-          <a:bodyPr/>
-          <a:lstStyle/>
-          <a:p>
-            <a:r>
-              <a:rPr lang="en-GB" dirty="0"/>
-              <a:t>Aims</a:t>
-            </a:r>
-          </a:p>
-        </p:txBody>
-      </p:sp>
-      <p:sp>
-        <p:nvSpPr>
-          <p:cNvPr id="3" name="Content Placeholder 2"/>
-          <p:cNvSpPr>
-            <a:spLocks noGrp="1"/>
-          </p:cNvSpPr>
-          <p:nvPr>
-            <p:ph idx="1"/>
-          </p:nvPr>
-        </p:nvSpPr>
-        <p:spPr/>
-        <p:txBody>
-          <a:bodyPr/>
-          <a:lstStyle/>
-          <a:p>
-            <a:r>
-              <a:rPr lang="en-GB" dirty="0"/>
-              <a:t>Analyse effects of putting absorbers on different floors and tuning to different modes.</a:t>
-            </a:r>
-          </a:p>
-          <a:p>
-            <a:r>
-              <a:rPr lang="en-GB" dirty="0"/>
-              <a:t>Generally tuning absorbers to optimise them</a:t>
-            </a:r>
-          </a:p>
-          <a:p>
-            <a:r>
-              <a:rPr lang="en-GB" dirty="0"/>
-              <a:t>Create code to automatically tune absorber given measureable characteristics of structure</a:t>
-            </a:r>
-          </a:p>
-        </p:txBody>
-      </p:sp>
-    </p:spTree>
-    <p:extLst>
-      <p:ext uri="{BB962C8B-B14F-4D97-AF65-F5344CB8AC3E}">
-        <p14:creationId xmlns:p14="http://schemas.microsoft.com/office/powerpoint/2010/main" val="2509787941"/>
-      </p:ext>
-    </p:extLst>
-  </p:cSld>
-  <p:clrMapOvr>
-    <a:masterClrMapping/>
-  </p:clrMapOvr>
-</p:sld>
-</file>
-
-<file path=ppt/slides/slide20.xml><?xml version="1.0" encoding="utf-8"?>
+<file path=ppt/slides/slide27.xml><?xml version="1.0" encoding="utf-8"?>
 <p:sld xmlns:a="http://schemas.openxmlformats.org/drawingml/2006/main" xmlns:r="http://schemas.openxmlformats.org/officeDocument/2006/relationships" xmlns:p="http://schemas.openxmlformats.org/presentationml/2006/main">
   <p:cSld>
     <p:spTree>
@@ -6730,59 +7177,58 @@
       </p:grpSpPr>
       <p:sp>
         <p:nvSpPr>
-          <p:cNvPr id="2" name="Title 1"/>
-          <p:cNvSpPr>
-            <a:spLocks noGrp="1"/>
-          </p:cNvSpPr>
-          <p:nvPr>
-            <p:ph type="title"/>
+          <p:cNvPr id="4" name="Title 3"/>
+          <p:cNvSpPr>
+            <a:spLocks noGrp="1"/>
+          </p:cNvSpPr>
+          <p:nvPr>
+            <p:ph type="ctrTitle"/>
           </p:nvPr>
         </p:nvSpPr>
         <p:spPr/>
         <p:txBody>
-          <a:bodyPr/>
+          <a:bodyPr>
+            <a:normAutofit fontScale="90000"/>
+          </a:bodyPr>
           <a:lstStyle/>
           <a:p>
             <a:r>
               <a:rPr lang="en-GB" dirty="0"/>
-              <a:t>Graphs for floor 1: varying absorber mass from 0.05kg to 0.2kg</a:t>
-            </a:r>
-          </a:p>
-        </p:txBody>
-      </p:sp>
-      <p:pic>
-        <p:nvPicPr>
-          <p:cNvPr id="10" name="Content Placeholder 9"/>
-          <p:cNvPicPr>
-            <a:picLocks noGrp="1" noChangeAspect="1"/>
-          </p:cNvPicPr>
-          <p:nvPr>
-            <p:ph idx="1"/>
-          </p:nvPr>
-        </p:nvPicPr>
-        <p:blipFill>
-          <a:blip r:embed="rId2">
-            <a:extLst>
-              <a:ext uri="{28A0092B-C50C-407E-A947-70E740481C1C}">
-                <a14:useLocalDpi xmlns:a14="http://schemas.microsoft.com/office/drawing/2010/main" val="0"/>
-              </a:ext>
-            </a:extLst>
-          </a:blip>
-          <a:stretch>
-            <a:fillRect/>
-          </a:stretch>
-        </p:blipFill>
-        <p:spPr>
-          <a:xfrm>
-            <a:off x="3195108" y="1690688"/>
-            <a:ext cx="5801783" cy="4351337"/>
-          </a:xfrm>
-        </p:spPr>
-      </p:pic>
+              <a:t>Graphs for floor 1: </a:t>
+            </a:r>
+            <a:br>
+              <a:rPr lang="en-GB" dirty="0"/>
+            </a:br>
+            <a:r>
+              <a:rPr lang="en-GB" dirty="0"/>
+              <a:t>Varying absorber mass from 0.05kg to 0.2kg</a:t>
+            </a:r>
+          </a:p>
+        </p:txBody>
+      </p:sp>
+      <p:sp>
+        <p:nvSpPr>
+          <p:cNvPr id="5" name="Subtitle 4"/>
+          <p:cNvSpPr>
+            <a:spLocks noGrp="1"/>
+          </p:cNvSpPr>
+          <p:nvPr>
+            <p:ph type="subTitle" idx="1"/>
+          </p:nvPr>
+        </p:nvSpPr>
+        <p:spPr/>
+        <p:txBody>
+          <a:bodyPr/>
+          <a:lstStyle/>
+          <a:p>
+            <a:endParaRPr lang="en-GB" dirty="0"/>
+          </a:p>
+        </p:txBody>
+      </p:sp>
     </p:spTree>
     <p:extLst>
       <p:ext uri="{BB962C8B-B14F-4D97-AF65-F5344CB8AC3E}">
-        <p14:creationId xmlns:p14="http://schemas.microsoft.com/office/powerpoint/2010/main" val="3510943774"/>
+        <p14:creationId xmlns:p14="http://schemas.microsoft.com/office/powerpoint/2010/main" val="1158797254"/>
       </p:ext>
     </p:extLst>
   </p:cSld>

--- a/Presentation.pptx
+++ b/Presentation.pptx
@@ -3634,7 +3634,7 @@
                 <a:spcPct val="100000"/>
               </a:lnSpc>
             </a:pPr>
-            <a:fld id="{B0039E15-E96D-4F12-8BFF-1B15C5511C08}" type="slidenum">
+            <a:fld id="{40B31D36-7446-4CED-80DA-09C1846269CC}" type="slidenum">
               <a:rPr lang="en-GB" sz="1200" strike="noStrike">
                 <a:solidFill>
                   <a:srgbClr val="8b8b8b"/>
@@ -4165,7 +4165,7 @@
                 <a:spcPct val="100000"/>
               </a:lnSpc>
             </a:pPr>
-            <a:fld id="{8A9102CA-AFCB-4B68-929A-A42A5652A7AB}" type="slidenum">
+            <a:fld id="{5798060B-5D1C-4CBA-8A7F-1E07B41A64CF}" type="slidenum">
               <a:rPr lang="en-GB" sz="1200" strike="noStrike">
                 <a:solidFill>
                   <a:srgbClr val="8b8b8b"/>

--- a/Presentation.pptx
+++ b/Presentation.pptx
@@ -39,6 +39,7 @@
     <p:sldId id="285" r:id="rId34"/>
     <p:sldId id="286" r:id="rId35"/>
     <p:sldId id="287" r:id="rId36"/>
+    <p:sldId id="288" r:id="rId37"/>
   </p:sldIdLst>
   <p:sldSz cx="12192000" cy="6858000"/>
   <p:notesSz cx="7559675" cy="10691812"/>
@@ -86,7 +87,7 @@
       </p:grpSpPr>
       <p:sp>
         <p:nvSpPr>
-          <p:cNvPr id="26" name="PlaceHolder 1"/>
+          <p:cNvPr id="23" name="PlaceHolder 1"/>
           <p:cNvSpPr>
             <a:spLocks noGrp="1"/>
           </p:cNvSpPr>
@@ -96,8 +97,8 @@
         </p:nvSpPr>
         <p:spPr>
           <a:xfrm>
-            <a:off x="838080" y="365040"/>
-            <a:ext cx="10515240" cy="1325160"/>
+            <a:off x="609480" y="273600"/>
+            <a:ext cx="10972440" cy="1144800"/>
           </a:xfrm>
           <a:prstGeom prst="rect">
             <a:avLst/>
@@ -106,13 +107,14 @@
         <p:txBody>
           <a:bodyPr lIns="0" rIns="0" tIns="0" bIns="0" anchor="ctr"/>
           <a:p>
-            <a:endParaRPr/>
-          </a:p>
-        </p:txBody>
-      </p:sp>
-      <p:sp>
-        <p:nvSpPr>
-          <p:cNvPr id="27" name="PlaceHolder 2"/>
+            <a:pPr algn="ctr"/>
+            <a:endParaRPr/>
+          </a:p>
+        </p:txBody>
+      </p:sp>
+      <p:sp>
+        <p:nvSpPr>
+          <p:cNvPr id="24" name="PlaceHolder 2"/>
           <p:cNvSpPr>
             <a:spLocks noGrp="1"/>
           </p:cNvSpPr>
@@ -122,8 +124,8 @@
         </p:nvSpPr>
         <p:spPr>
           <a:xfrm>
-            <a:off x="838080" y="1825560"/>
-            <a:ext cx="10515240" cy="2075040"/>
+            <a:off x="609480" y="1604520"/>
+            <a:ext cx="10972440" cy="1896840"/>
           </a:xfrm>
           <a:prstGeom prst="rect">
             <a:avLst/>
@@ -138,7 +140,7 @@
       </p:sp>
       <p:sp>
         <p:nvSpPr>
-          <p:cNvPr id="28" name="PlaceHolder 3"/>
+          <p:cNvPr id="25" name="PlaceHolder 3"/>
           <p:cNvSpPr>
             <a:spLocks noGrp="1"/>
           </p:cNvSpPr>
@@ -148,8 +150,8 @@
         </p:nvSpPr>
         <p:spPr>
           <a:xfrm>
-            <a:off x="838080" y="4098240"/>
-            <a:ext cx="10515240" cy="2075040"/>
+            <a:off x="609480" y="3682080"/>
+            <a:ext cx="10972440" cy="1896840"/>
           </a:xfrm>
           <a:prstGeom prst="rect">
             <a:avLst/>
@@ -186,7 +188,7 @@
       </p:grpSpPr>
       <p:sp>
         <p:nvSpPr>
-          <p:cNvPr id="29" name="PlaceHolder 1"/>
+          <p:cNvPr id="26" name="PlaceHolder 1"/>
           <p:cNvSpPr>
             <a:spLocks noGrp="1"/>
           </p:cNvSpPr>
@@ -196,8 +198,8 @@
         </p:nvSpPr>
         <p:spPr>
           <a:xfrm>
-            <a:off x="838080" y="365040"/>
-            <a:ext cx="10515240" cy="1325160"/>
+            <a:off x="609480" y="273600"/>
+            <a:ext cx="10972440" cy="1144800"/>
           </a:xfrm>
           <a:prstGeom prst="rect">
             <a:avLst/>
@@ -206,13 +208,14 @@
         <p:txBody>
           <a:bodyPr lIns="0" rIns="0" tIns="0" bIns="0" anchor="ctr"/>
           <a:p>
-            <a:endParaRPr/>
-          </a:p>
-        </p:txBody>
-      </p:sp>
-      <p:sp>
-        <p:nvSpPr>
-          <p:cNvPr id="30" name="PlaceHolder 2"/>
+            <a:pPr algn="ctr"/>
+            <a:endParaRPr/>
+          </a:p>
+        </p:txBody>
+      </p:sp>
+      <p:sp>
+        <p:nvSpPr>
+          <p:cNvPr id="27" name="PlaceHolder 2"/>
           <p:cNvSpPr>
             <a:spLocks noGrp="1"/>
           </p:cNvSpPr>
@@ -222,8 +225,8 @@
         </p:nvSpPr>
         <p:spPr>
           <a:xfrm>
-            <a:off x="838080" y="1825560"/>
-            <a:ext cx="5131080" cy="2075040"/>
+            <a:off x="609480" y="1604520"/>
+            <a:ext cx="5354280" cy="1896840"/>
           </a:xfrm>
           <a:prstGeom prst="rect">
             <a:avLst/>
@@ -238,7 +241,7 @@
       </p:sp>
       <p:sp>
         <p:nvSpPr>
-          <p:cNvPr id="31" name="PlaceHolder 3"/>
+          <p:cNvPr id="28" name="PlaceHolder 3"/>
           <p:cNvSpPr>
             <a:spLocks noGrp="1"/>
           </p:cNvSpPr>
@@ -248,8 +251,8 @@
         </p:nvSpPr>
         <p:spPr>
           <a:xfrm>
-            <a:off x="6226200" y="1825560"/>
-            <a:ext cx="5131080" cy="2075040"/>
+            <a:off x="6231960" y="1604520"/>
+            <a:ext cx="5354280" cy="1896840"/>
           </a:xfrm>
           <a:prstGeom prst="rect">
             <a:avLst/>
@@ -264,7 +267,7 @@
       </p:sp>
       <p:sp>
         <p:nvSpPr>
-          <p:cNvPr id="32" name="PlaceHolder 4"/>
+          <p:cNvPr id="29" name="PlaceHolder 4"/>
           <p:cNvSpPr>
             <a:spLocks noGrp="1"/>
           </p:cNvSpPr>
@@ -274,8 +277,8 @@
         </p:nvSpPr>
         <p:spPr>
           <a:xfrm>
-            <a:off x="6226200" y="4098240"/>
-            <a:ext cx="5131080" cy="2075040"/>
+            <a:off x="6231960" y="3682080"/>
+            <a:ext cx="5354280" cy="1896840"/>
           </a:xfrm>
           <a:prstGeom prst="rect">
             <a:avLst/>
@@ -290,7 +293,7 @@
       </p:sp>
       <p:sp>
         <p:nvSpPr>
-          <p:cNvPr id="33" name="PlaceHolder 5"/>
+          <p:cNvPr id="30" name="PlaceHolder 5"/>
           <p:cNvSpPr>
             <a:spLocks noGrp="1"/>
           </p:cNvSpPr>
@@ -300,8 +303,8 @@
         </p:nvSpPr>
         <p:spPr>
           <a:xfrm>
-            <a:off x="838080" y="4098240"/>
-            <a:ext cx="5131080" cy="2075040"/>
+            <a:off x="609480" y="3682080"/>
+            <a:ext cx="5354280" cy="1896840"/>
           </a:xfrm>
           <a:prstGeom prst="rect">
             <a:avLst/>
@@ -338,7 +341,7 @@
       </p:grpSpPr>
       <p:sp>
         <p:nvSpPr>
-          <p:cNvPr id="34" name="PlaceHolder 1"/>
+          <p:cNvPr id="31" name="PlaceHolder 1"/>
           <p:cNvSpPr>
             <a:spLocks noGrp="1"/>
           </p:cNvSpPr>
@@ -348,8 +351,8 @@
         </p:nvSpPr>
         <p:spPr>
           <a:xfrm>
-            <a:off x="838080" y="365040"/>
-            <a:ext cx="10515240" cy="1325160"/>
+            <a:off x="609480" y="273600"/>
+            <a:ext cx="10972440" cy="1144800"/>
           </a:xfrm>
           <a:prstGeom prst="rect">
             <a:avLst/>
@@ -358,13 +361,14 @@
         <p:txBody>
           <a:bodyPr lIns="0" rIns="0" tIns="0" bIns="0" anchor="ctr"/>
           <a:p>
-            <a:endParaRPr/>
-          </a:p>
-        </p:txBody>
-      </p:sp>
-      <p:sp>
-        <p:nvSpPr>
-          <p:cNvPr id="35" name="PlaceHolder 2"/>
+            <a:pPr algn="ctr"/>
+            <a:endParaRPr/>
+          </a:p>
+        </p:txBody>
+      </p:sp>
+      <p:sp>
+        <p:nvSpPr>
+          <p:cNvPr id="32" name="PlaceHolder 2"/>
           <p:cNvSpPr>
             <a:spLocks noGrp="1"/>
           </p:cNvSpPr>
@@ -374,8 +378,8 @@
         </p:nvSpPr>
         <p:spPr>
           <a:xfrm>
-            <a:off x="838080" y="1825560"/>
-            <a:ext cx="10515240" cy="4350960"/>
+            <a:off x="609480" y="1604520"/>
+            <a:ext cx="10972440" cy="3977280"/>
           </a:xfrm>
           <a:prstGeom prst="rect">
             <a:avLst/>
@@ -390,7 +394,7 @@
       </p:sp>
       <p:sp>
         <p:nvSpPr>
-          <p:cNvPr id="36" name="PlaceHolder 3"/>
+          <p:cNvPr id="33" name="PlaceHolder 3"/>
           <p:cNvSpPr>
             <a:spLocks noGrp="1"/>
           </p:cNvSpPr>
@@ -400,8 +404,8 @@
         </p:nvSpPr>
         <p:spPr>
           <a:xfrm>
-            <a:off x="838080" y="1825560"/>
-            <a:ext cx="10515240" cy="4350960"/>
+            <a:off x="609480" y="1604520"/>
+            <a:ext cx="10972440" cy="3977280"/>
           </a:xfrm>
           <a:prstGeom prst="rect">
             <a:avLst/>
@@ -416,7 +420,7 @@
       </p:sp>
       <p:pic>
         <p:nvPicPr>
-          <p:cNvPr id="37" name="" descr=""/>
+          <p:cNvPr id="34" name="" descr=""/>
           <p:cNvPicPr/>
           <p:nvPr/>
         </p:nvPicPr>
@@ -426,8 +430,8 @@
         </p:blipFill>
         <p:spPr>
           <a:xfrm>
-            <a:off x="3368880" y="1825560"/>
-            <a:ext cx="5452920" cy="4350960"/>
+            <a:off x="3602880" y="1604520"/>
+            <a:ext cx="4984920" cy="3977280"/>
           </a:xfrm>
           <a:prstGeom prst="rect">
             <a:avLst/>
@@ -439,7 +443,7 @@
       </p:pic>
       <p:pic>
         <p:nvPicPr>
-          <p:cNvPr id="38" name="" descr=""/>
+          <p:cNvPr id="35" name="" descr=""/>
           <p:cNvPicPr/>
           <p:nvPr/>
         </p:nvPicPr>
@@ -449,8 +453,8 @@
         </p:blipFill>
         <p:spPr>
           <a:xfrm>
-            <a:off x="3368880" y="1825560"/>
-            <a:ext cx="5452920" cy="4350960"/>
+            <a:off x="3602880" y="1604520"/>
+            <a:ext cx="4984920" cy="3977280"/>
           </a:xfrm>
           <a:prstGeom prst="rect">
             <a:avLst/>
@@ -506,7 +510,7 @@
       </p:grpSpPr>
       <p:sp>
         <p:nvSpPr>
-          <p:cNvPr id="44" name="PlaceHolder 1"/>
+          <p:cNvPr id="38" name="PlaceHolder 1"/>
           <p:cNvSpPr>
             <a:spLocks noGrp="1"/>
           </p:cNvSpPr>
@@ -516,8 +520,8 @@
         </p:nvSpPr>
         <p:spPr>
           <a:xfrm>
-            <a:off x="838080" y="365040"/>
-            <a:ext cx="10515240" cy="1325160"/>
+            <a:off x="609480" y="273600"/>
+            <a:ext cx="10972440" cy="1144800"/>
           </a:xfrm>
           <a:prstGeom prst="rect">
             <a:avLst/>
@@ -526,13 +530,14 @@
         <p:txBody>
           <a:bodyPr lIns="0" rIns="0" tIns="0" bIns="0" anchor="ctr"/>
           <a:p>
-            <a:endParaRPr/>
-          </a:p>
-        </p:txBody>
-      </p:sp>
-      <p:sp>
-        <p:nvSpPr>
-          <p:cNvPr id="45" name="PlaceHolder 2"/>
+            <a:pPr algn="ctr"/>
+            <a:endParaRPr/>
+          </a:p>
+        </p:txBody>
+      </p:sp>
+      <p:sp>
+        <p:nvSpPr>
+          <p:cNvPr id="39" name="PlaceHolder 2"/>
           <p:cNvSpPr>
             <a:spLocks noGrp="1"/>
           </p:cNvSpPr>
@@ -542,8 +547,8 @@
         </p:nvSpPr>
         <p:spPr>
           <a:xfrm>
-            <a:off x="838080" y="1825560"/>
-            <a:ext cx="10515240" cy="4350960"/>
+            <a:off x="609480" y="1604520"/>
+            <a:ext cx="10972440" cy="3977280"/>
           </a:xfrm>
           <a:prstGeom prst="rect">
             <a:avLst/>
@@ -581,7 +586,7 @@
       </p:grpSpPr>
       <p:sp>
         <p:nvSpPr>
-          <p:cNvPr id="46" name="PlaceHolder 1"/>
+          <p:cNvPr id="40" name="PlaceHolder 1"/>
           <p:cNvSpPr>
             <a:spLocks noGrp="1"/>
           </p:cNvSpPr>
@@ -591,8 +596,8 @@
         </p:nvSpPr>
         <p:spPr>
           <a:xfrm>
-            <a:off x="838080" y="365040"/>
-            <a:ext cx="10515240" cy="1325160"/>
+            <a:off x="609480" y="273600"/>
+            <a:ext cx="10972440" cy="1144800"/>
           </a:xfrm>
           <a:prstGeom prst="rect">
             <a:avLst/>
@@ -601,13 +606,14 @@
         <p:txBody>
           <a:bodyPr lIns="0" rIns="0" tIns="0" bIns="0" anchor="ctr"/>
           <a:p>
-            <a:endParaRPr/>
-          </a:p>
-        </p:txBody>
-      </p:sp>
-      <p:sp>
-        <p:nvSpPr>
-          <p:cNvPr id="47" name="PlaceHolder 2"/>
+            <a:pPr algn="ctr"/>
+            <a:endParaRPr/>
+          </a:p>
+        </p:txBody>
+      </p:sp>
+      <p:sp>
+        <p:nvSpPr>
+          <p:cNvPr id="41" name="PlaceHolder 2"/>
           <p:cNvSpPr>
             <a:spLocks noGrp="1"/>
           </p:cNvSpPr>
@@ -617,8 +623,8 @@
         </p:nvSpPr>
         <p:spPr>
           <a:xfrm>
-            <a:off x="838080" y="1825560"/>
-            <a:ext cx="10515240" cy="4350960"/>
+            <a:off x="609480" y="1604520"/>
+            <a:ext cx="10972440" cy="3977280"/>
           </a:xfrm>
           <a:prstGeom prst="rect">
             <a:avLst/>
@@ -655,7 +661,7 @@
       </p:grpSpPr>
       <p:sp>
         <p:nvSpPr>
-          <p:cNvPr id="48" name="PlaceHolder 1"/>
+          <p:cNvPr id="42" name="PlaceHolder 1"/>
           <p:cNvSpPr>
             <a:spLocks noGrp="1"/>
           </p:cNvSpPr>
@@ -665,8 +671,8 @@
         </p:nvSpPr>
         <p:spPr>
           <a:xfrm>
-            <a:off x="838080" y="365040"/>
-            <a:ext cx="10515240" cy="1325160"/>
+            <a:off x="609480" y="273600"/>
+            <a:ext cx="10972440" cy="1144800"/>
           </a:xfrm>
           <a:prstGeom prst="rect">
             <a:avLst/>
@@ -675,13 +681,14 @@
         <p:txBody>
           <a:bodyPr lIns="0" rIns="0" tIns="0" bIns="0" anchor="ctr"/>
           <a:p>
-            <a:endParaRPr/>
-          </a:p>
-        </p:txBody>
-      </p:sp>
-      <p:sp>
-        <p:nvSpPr>
-          <p:cNvPr id="49" name="PlaceHolder 2"/>
+            <a:pPr algn="ctr"/>
+            <a:endParaRPr/>
+          </a:p>
+        </p:txBody>
+      </p:sp>
+      <p:sp>
+        <p:nvSpPr>
+          <p:cNvPr id="43" name="PlaceHolder 2"/>
           <p:cNvSpPr>
             <a:spLocks noGrp="1"/>
           </p:cNvSpPr>
@@ -691,8 +698,8 @@
         </p:nvSpPr>
         <p:spPr>
           <a:xfrm>
-            <a:off x="838080" y="1825560"/>
-            <a:ext cx="5131080" cy="4350960"/>
+            <a:off x="609480" y="1604520"/>
+            <a:ext cx="5354280" cy="3977280"/>
           </a:xfrm>
           <a:prstGeom prst="rect">
             <a:avLst/>
@@ -707,7 +714,7 @@
       </p:sp>
       <p:sp>
         <p:nvSpPr>
-          <p:cNvPr id="50" name="PlaceHolder 3"/>
+          <p:cNvPr id="44" name="PlaceHolder 3"/>
           <p:cNvSpPr>
             <a:spLocks noGrp="1"/>
           </p:cNvSpPr>
@@ -717,8 +724,8 @@
         </p:nvSpPr>
         <p:spPr>
           <a:xfrm>
-            <a:off x="6226200" y="1825560"/>
-            <a:ext cx="5131080" cy="4350960"/>
+            <a:off x="6231960" y="1604520"/>
+            <a:ext cx="5354280" cy="3977280"/>
           </a:xfrm>
           <a:prstGeom prst="rect">
             <a:avLst/>
@@ -755,7 +762,7 @@
       </p:grpSpPr>
       <p:sp>
         <p:nvSpPr>
-          <p:cNvPr id="51" name="PlaceHolder 1"/>
+          <p:cNvPr id="45" name="PlaceHolder 1"/>
           <p:cNvSpPr>
             <a:spLocks noGrp="1"/>
           </p:cNvSpPr>
@@ -765,8 +772,8 @@
         </p:nvSpPr>
         <p:spPr>
           <a:xfrm>
-            <a:off x="838080" y="365040"/>
-            <a:ext cx="10515240" cy="1325160"/>
+            <a:off x="609480" y="273600"/>
+            <a:ext cx="10972440" cy="1144800"/>
           </a:xfrm>
           <a:prstGeom prst="rect">
             <a:avLst/>
@@ -775,6 +782,7 @@
         <p:txBody>
           <a:bodyPr lIns="0" rIns="0" tIns="0" bIns="0" anchor="ctr"/>
           <a:p>
+            <a:pPr algn="ctr"/>
             <a:endParaRPr/>
           </a:p>
         </p:txBody>
@@ -803,7 +811,7 @@
       </p:grpSpPr>
       <p:sp>
         <p:nvSpPr>
-          <p:cNvPr id="52" name="PlaceHolder 1"/>
+          <p:cNvPr id="46" name="PlaceHolder 1"/>
           <p:cNvSpPr>
             <a:spLocks noGrp="1"/>
           </p:cNvSpPr>
@@ -813,8 +821,8 @@
         </p:nvSpPr>
         <p:spPr>
           <a:xfrm>
-            <a:off x="838080" y="365040"/>
-            <a:ext cx="10515240" cy="6144120"/>
+            <a:off x="609480" y="273600"/>
+            <a:ext cx="10972440" cy="5307840"/>
           </a:xfrm>
           <a:prstGeom prst="rect">
             <a:avLst/>
@@ -852,7 +860,7 @@
       </p:grpSpPr>
       <p:sp>
         <p:nvSpPr>
-          <p:cNvPr id="53" name="PlaceHolder 1"/>
+          <p:cNvPr id="47" name="PlaceHolder 1"/>
           <p:cNvSpPr>
             <a:spLocks noGrp="1"/>
           </p:cNvSpPr>
@@ -862,8 +870,8 @@
         </p:nvSpPr>
         <p:spPr>
           <a:xfrm>
-            <a:off x="838080" y="365040"/>
-            <a:ext cx="10515240" cy="1325160"/>
+            <a:off x="609480" y="273600"/>
+            <a:ext cx="10972440" cy="1144800"/>
           </a:xfrm>
           <a:prstGeom prst="rect">
             <a:avLst/>
@@ -872,13 +880,14 @@
         <p:txBody>
           <a:bodyPr lIns="0" rIns="0" tIns="0" bIns="0" anchor="ctr"/>
           <a:p>
-            <a:endParaRPr/>
-          </a:p>
-        </p:txBody>
-      </p:sp>
-      <p:sp>
-        <p:nvSpPr>
-          <p:cNvPr id="54" name="PlaceHolder 2"/>
+            <a:pPr algn="ctr"/>
+            <a:endParaRPr/>
+          </a:p>
+        </p:txBody>
+      </p:sp>
+      <p:sp>
+        <p:nvSpPr>
+          <p:cNvPr id="48" name="PlaceHolder 2"/>
           <p:cNvSpPr>
             <a:spLocks noGrp="1"/>
           </p:cNvSpPr>
@@ -888,8 +897,8 @@
         </p:nvSpPr>
         <p:spPr>
           <a:xfrm>
-            <a:off x="838080" y="1825560"/>
-            <a:ext cx="5131080" cy="2075040"/>
+            <a:off x="609480" y="1604520"/>
+            <a:ext cx="5354280" cy="1896840"/>
           </a:xfrm>
           <a:prstGeom prst="rect">
             <a:avLst/>
@@ -904,7 +913,7 @@
       </p:sp>
       <p:sp>
         <p:nvSpPr>
-          <p:cNvPr id="55" name="PlaceHolder 3"/>
+          <p:cNvPr id="49" name="PlaceHolder 3"/>
           <p:cNvSpPr>
             <a:spLocks noGrp="1"/>
           </p:cNvSpPr>
@@ -914,8 +923,8 @@
         </p:nvSpPr>
         <p:spPr>
           <a:xfrm>
-            <a:off x="838080" y="4098240"/>
-            <a:ext cx="5131080" cy="2075040"/>
+            <a:off x="609480" y="3682080"/>
+            <a:ext cx="5354280" cy="1896840"/>
           </a:xfrm>
           <a:prstGeom prst="rect">
             <a:avLst/>
@@ -930,7 +939,7 @@
       </p:sp>
       <p:sp>
         <p:nvSpPr>
-          <p:cNvPr id="56" name="PlaceHolder 4"/>
+          <p:cNvPr id="50" name="PlaceHolder 4"/>
           <p:cNvSpPr>
             <a:spLocks noGrp="1"/>
           </p:cNvSpPr>
@@ -940,8 +949,8 @@
         </p:nvSpPr>
         <p:spPr>
           <a:xfrm>
-            <a:off x="6226200" y="1825560"/>
-            <a:ext cx="5131080" cy="4350960"/>
+            <a:off x="6231960" y="1604520"/>
+            <a:ext cx="5354280" cy="3977280"/>
           </a:xfrm>
           <a:prstGeom prst="rect">
             <a:avLst/>
@@ -978,7 +987,7 @@
       </p:grpSpPr>
       <p:sp>
         <p:nvSpPr>
-          <p:cNvPr id="5" name="PlaceHolder 1"/>
+          <p:cNvPr id="2" name="PlaceHolder 1"/>
           <p:cNvSpPr>
             <a:spLocks noGrp="1"/>
           </p:cNvSpPr>
@@ -988,8 +997,8 @@
         </p:nvSpPr>
         <p:spPr>
           <a:xfrm>
-            <a:off x="838080" y="365040"/>
-            <a:ext cx="10515240" cy="1325160"/>
+            <a:off x="609480" y="273600"/>
+            <a:ext cx="10972440" cy="1144800"/>
           </a:xfrm>
           <a:prstGeom prst="rect">
             <a:avLst/>
@@ -998,13 +1007,14 @@
         <p:txBody>
           <a:bodyPr lIns="0" rIns="0" tIns="0" bIns="0" anchor="ctr"/>
           <a:p>
-            <a:endParaRPr/>
-          </a:p>
-        </p:txBody>
-      </p:sp>
-      <p:sp>
-        <p:nvSpPr>
-          <p:cNvPr id="6" name="PlaceHolder 2"/>
+            <a:pPr algn="ctr"/>
+            <a:endParaRPr/>
+          </a:p>
+        </p:txBody>
+      </p:sp>
+      <p:sp>
+        <p:nvSpPr>
+          <p:cNvPr id="3" name="PlaceHolder 2"/>
           <p:cNvSpPr>
             <a:spLocks noGrp="1"/>
           </p:cNvSpPr>
@@ -1014,8 +1024,8 @@
         </p:nvSpPr>
         <p:spPr>
           <a:xfrm>
-            <a:off x="838080" y="1825560"/>
-            <a:ext cx="10515240" cy="4350960"/>
+            <a:off x="609480" y="1604520"/>
+            <a:ext cx="10972440" cy="3977280"/>
           </a:xfrm>
           <a:prstGeom prst="rect">
             <a:avLst/>
@@ -1053,7 +1063,7 @@
       </p:grpSpPr>
       <p:sp>
         <p:nvSpPr>
-          <p:cNvPr id="57" name="PlaceHolder 1"/>
+          <p:cNvPr id="51" name="PlaceHolder 1"/>
           <p:cNvSpPr>
             <a:spLocks noGrp="1"/>
           </p:cNvSpPr>
@@ -1063,8 +1073,8 @@
         </p:nvSpPr>
         <p:spPr>
           <a:xfrm>
-            <a:off x="838080" y="365040"/>
-            <a:ext cx="10515240" cy="1325160"/>
+            <a:off x="609480" y="273600"/>
+            <a:ext cx="10972440" cy="1144800"/>
           </a:xfrm>
           <a:prstGeom prst="rect">
             <a:avLst/>
@@ -1073,13 +1083,14 @@
         <p:txBody>
           <a:bodyPr lIns="0" rIns="0" tIns="0" bIns="0" anchor="ctr"/>
           <a:p>
-            <a:endParaRPr/>
-          </a:p>
-        </p:txBody>
-      </p:sp>
-      <p:sp>
-        <p:nvSpPr>
-          <p:cNvPr id="58" name="PlaceHolder 2"/>
+            <a:pPr algn="ctr"/>
+            <a:endParaRPr/>
+          </a:p>
+        </p:txBody>
+      </p:sp>
+      <p:sp>
+        <p:nvSpPr>
+          <p:cNvPr id="52" name="PlaceHolder 2"/>
           <p:cNvSpPr>
             <a:spLocks noGrp="1"/>
           </p:cNvSpPr>
@@ -1089,8 +1100,8 @@
         </p:nvSpPr>
         <p:spPr>
           <a:xfrm>
-            <a:off x="838080" y="1825560"/>
-            <a:ext cx="5131080" cy="4350960"/>
+            <a:off x="609480" y="1604520"/>
+            <a:ext cx="5354280" cy="3977280"/>
           </a:xfrm>
           <a:prstGeom prst="rect">
             <a:avLst/>
@@ -1105,7 +1116,7 @@
       </p:sp>
       <p:sp>
         <p:nvSpPr>
-          <p:cNvPr id="59" name="PlaceHolder 3"/>
+          <p:cNvPr id="53" name="PlaceHolder 3"/>
           <p:cNvSpPr>
             <a:spLocks noGrp="1"/>
           </p:cNvSpPr>
@@ -1115,8 +1126,8 @@
         </p:nvSpPr>
         <p:spPr>
           <a:xfrm>
-            <a:off x="6226200" y="1825560"/>
-            <a:ext cx="5131080" cy="2075040"/>
+            <a:off x="6231960" y="1604520"/>
+            <a:ext cx="5354280" cy="1896840"/>
           </a:xfrm>
           <a:prstGeom prst="rect">
             <a:avLst/>
@@ -1131,7 +1142,7 @@
       </p:sp>
       <p:sp>
         <p:nvSpPr>
-          <p:cNvPr id="60" name="PlaceHolder 4"/>
+          <p:cNvPr id="54" name="PlaceHolder 4"/>
           <p:cNvSpPr>
             <a:spLocks noGrp="1"/>
           </p:cNvSpPr>
@@ -1141,8 +1152,8 @@
         </p:nvSpPr>
         <p:spPr>
           <a:xfrm>
-            <a:off x="6226200" y="4098240"/>
-            <a:ext cx="5131080" cy="2075040"/>
+            <a:off x="6231960" y="3682080"/>
+            <a:ext cx="5354280" cy="1896840"/>
           </a:xfrm>
           <a:prstGeom prst="rect">
             <a:avLst/>
@@ -1179,7 +1190,7 @@
       </p:grpSpPr>
       <p:sp>
         <p:nvSpPr>
-          <p:cNvPr id="61" name="PlaceHolder 1"/>
+          <p:cNvPr id="55" name="PlaceHolder 1"/>
           <p:cNvSpPr>
             <a:spLocks noGrp="1"/>
           </p:cNvSpPr>
@@ -1189,8 +1200,8 @@
         </p:nvSpPr>
         <p:spPr>
           <a:xfrm>
-            <a:off x="838080" y="365040"/>
-            <a:ext cx="10515240" cy="1325160"/>
+            <a:off x="609480" y="273600"/>
+            <a:ext cx="10972440" cy="1144800"/>
           </a:xfrm>
           <a:prstGeom prst="rect">
             <a:avLst/>
@@ -1199,13 +1210,14 @@
         <p:txBody>
           <a:bodyPr lIns="0" rIns="0" tIns="0" bIns="0" anchor="ctr"/>
           <a:p>
-            <a:endParaRPr/>
-          </a:p>
-        </p:txBody>
-      </p:sp>
-      <p:sp>
-        <p:nvSpPr>
-          <p:cNvPr id="62" name="PlaceHolder 2"/>
+            <a:pPr algn="ctr"/>
+            <a:endParaRPr/>
+          </a:p>
+        </p:txBody>
+      </p:sp>
+      <p:sp>
+        <p:nvSpPr>
+          <p:cNvPr id="56" name="PlaceHolder 2"/>
           <p:cNvSpPr>
             <a:spLocks noGrp="1"/>
           </p:cNvSpPr>
@@ -1215,8 +1227,8 @@
         </p:nvSpPr>
         <p:spPr>
           <a:xfrm>
-            <a:off x="838080" y="1825560"/>
-            <a:ext cx="5131080" cy="2075040"/>
+            <a:off x="609480" y="1604520"/>
+            <a:ext cx="5354280" cy="1896840"/>
           </a:xfrm>
           <a:prstGeom prst="rect">
             <a:avLst/>
@@ -1231,7 +1243,7 @@
       </p:sp>
       <p:sp>
         <p:nvSpPr>
-          <p:cNvPr id="63" name="PlaceHolder 3"/>
+          <p:cNvPr id="57" name="PlaceHolder 3"/>
           <p:cNvSpPr>
             <a:spLocks noGrp="1"/>
           </p:cNvSpPr>
@@ -1241,8 +1253,8 @@
         </p:nvSpPr>
         <p:spPr>
           <a:xfrm>
-            <a:off x="6226200" y="1825560"/>
-            <a:ext cx="5131080" cy="2075040"/>
+            <a:off x="6231960" y="1604520"/>
+            <a:ext cx="5354280" cy="1896840"/>
           </a:xfrm>
           <a:prstGeom prst="rect">
             <a:avLst/>
@@ -1257,7 +1269,7 @@
       </p:sp>
       <p:sp>
         <p:nvSpPr>
-          <p:cNvPr id="64" name="PlaceHolder 4"/>
+          <p:cNvPr id="58" name="PlaceHolder 4"/>
           <p:cNvSpPr>
             <a:spLocks noGrp="1"/>
           </p:cNvSpPr>
@@ -1267,8 +1279,8 @@
         </p:nvSpPr>
         <p:spPr>
           <a:xfrm>
-            <a:off x="838080" y="4098240"/>
-            <a:ext cx="10515240" cy="2075040"/>
+            <a:off x="609480" y="3682080"/>
+            <a:ext cx="10972440" cy="1896840"/>
           </a:xfrm>
           <a:prstGeom prst="rect">
             <a:avLst/>
@@ -1305,7 +1317,7 @@
       </p:grpSpPr>
       <p:sp>
         <p:nvSpPr>
-          <p:cNvPr id="65" name="PlaceHolder 1"/>
+          <p:cNvPr id="59" name="PlaceHolder 1"/>
           <p:cNvSpPr>
             <a:spLocks noGrp="1"/>
           </p:cNvSpPr>
@@ -1315,8 +1327,8 @@
         </p:nvSpPr>
         <p:spPr>
           <a:xfrm>
-            <a:off x="838080" y="365040"/>
-            <a:ext cx="10515240" cy="1325160"/>
+            <a:off x="609480" y="273600"/>
+            <a:ext cx="10972440" cy="1144800"/>
           </a:xfrm>
           <a:prstGeom prst="rect">
             <a:avLst/>
@@ -1325,13 +1337,14 @@
         <p:txBody>
           <a:bodyPr lIns="0" rIns="0" tIns="0" bIns="0" anchor="ctr"/>
           <a:p>
-            <a:endParaRPr/>
-          </a:p>
-        </p:txBody>
-      </p:sp>
-      <p:sp>
-        <p:nvSpPr>
-          <p:cNvPr id="66" name="PlaceHolder 2"/>
+            <a:pPr algn="ctr"/>
+            <a:endParaRPr/>
+          </a:p>
+        </p:txBody>
+      </p:sp>
+      <p:sp>
+        <p:nvSpPr>
+          <p:cNvPr id="60" name="PlaceHolder 2"/>
           <p:cNvSpPr>
             <a:spLocks noGrp="1"/>
           </p:cNvSpPr>
@@ -1341,8 +1354,8 @@
         </p:nvSpPr>
         <p:spPr>
           <a:xfrm>
-            <a:off x="838080" y="1825560"/>
-            <a:ext cx="10515240" cy="2075040"/>
+            <a:off x="609480" y="1604520"/>
+            <a:ext cx="10972440" cy="1896840"/>
           </a:xfrm>
           <a:prstGeom prst="rect">
             <a:avLst/>
@@ -1357,7 +1370,7 @@
       </p:sp>
       <p:sp>
         <p:nvSpPr>
-          <p:cNvPr id="67" name="PlaceHolder 3"/>
+          <p:cNvPr id="61" name="PlaceHolder 3"/>
           <p:cNvSpPr>
             <a:spLocks noGrp="1"/>
           </p:cNvSpPr>
@@ -1367,8 +1380,8 @@
         </p:nvSpPr>
         <p:spPr>
           <a:xfrm>
-            <a:off x="838080" y="4098240"/>
-            <a:ext cx="10515240" cy="2075040"/>
+            <a:off x="609480" y="3682080"/>
+            <a:ext cx="10972440" cy="1896840"/>
           </a:xfrm>
           <a:prstGeom prst="rect">
             <a:avLst/>
@@ -1405,7 +1418,7 @@
       </p:grpSpPr>
       <p:sp>
         <p:nvSpPr>
-          <p:cNvPr id="68" name="PlaceHolder 1"/>
+          <p:cNvPr id="62" name="PlaceHolder 1"/>
           <p:cNvSpPr>
             <a:spLocks noGrp="1"/>
           </p:cNvSpPr>
@@ -1415,8 +1428,8 @@
         </p:nvSpPr>
         <p:spPr>
           <a:xfrm>
-            <a:off x="838080" y="365040"/>
-            <a:ext cx="10515240" cy="1325160"/>
+            <a:off x="609480" y="273600"/>
+            <a:ext cx="10972440" cy="1144800"/>
           </a:xfrm>
           <a:prstGeom prst="rect">
             <a:avLst/>
@@ -1425,13 +1438,14 @@
         <p:txBody>
           <a:bodyPr lIns="0" rIns="0" tIns="0" bIns="0" anchor="ctr"/>
           <a:p>
-            <a:endParaRPr/>
-          </a:p>
-        </p:txBody>
-      </p:sp>
-      <p:sp>
-        <p:nvSpPr>
-          <p:cNvPr id="69" name="PlaceHolder 2"/>
+            <a:pPr algn="ctr"/>
+            <a:endParaRPr/>
+          </a:p>
+        </p:txBody>
+      </p:sp>
+      <p:sp>
+        <p:nvSpPr>
+          <p:cNvPr id="63" name="PlaceHolder 2"/>
           <p:cNvSpPr>
             <a:spLocks noGrp="1"/>
           </p:cNvSpPr>
@@ -1441,8 +1455,8 @@
         </p:nvSpPr>
         <p:spPr>
           <a:xfrm>
-            <a:off x="838080" y="1825560"/>
-            <a:ext cx="5131080" cy="2075040"/>
+            <a:off x="609480" y="1604520"/>
+            <a:ext cx="5354280" cy="1896840"/>
           </a:xfrm>
           <a:prstGeom prst="rect">
             <a:avLst/>
@@ -1457,7 +1471,7 @@
       </p:sp>
       <p:sp>
         <p:nvSpPr>
-          <p:cNvPr id="70" name="PlaceHolder 3"/>
+          <p:cNvPr id="64" name="PlaceHolder 3"/>
           <p:cNvSpPr>
             <a:spLocks noGrp="1"/>
           </p:cNvSpPr>
@@ -1467,8 +1481,8 @@
         </p:nvSpPr>
         <p:spPr>
           <a:xfrm>
-            <a:off x="6226200" y="1825560"/>
-            <a:ext cx="5131080" cy="2075040"/>
+            <a:off x="6231960" y="1604520"/>
+            <a:ext cx="5354280" cy="1896840"/>
           </a:xfrm>
           <a:prstGeom prst="rect">
             <a:avLst/>
@@ -1483,7 +1497,7 @@
       </p:sp>
       <p:sp>
         <p:nvSpPr>
-          <p:cNvPr id="71" name="PlaceHolder 4"/>
+          <p:cNvPr id="65" name="PlaceHolder 4"/>
           <p:cNvSpPr>
             <a:spLocks noGrp="1"/>
           </p:cNvSpPr>
@@ -1493,8 +1507,8 @@
         </p:nvSpPr>
         <p:spPr>
           <a:xfrm>
-            <a:off x="6226200" y="4098240"/>
-            <a:ext cx="5131080" cy="2075040"/>
+            <a:off x="6231960" y="3682080"/>
+            <a:ext cx="5354280" cy="1896840"/>
           </a:xfrm>
           <a:prstGeom prst="rect">
             <a:avLst/>
@@ -1509,7 +1523,7 @@
       </p:sp>
       <p:sp>
         <p:nvSpPr>
-          <p:cNvPr id="72" name="PlaceHolder 5"/>
+          <p:cNvPr id="66" name="PlaceHolder 5"/>
           <p:cNvSpPr>
             <a:spLocks noGrp="1"/>
           </p:cNvSpPr>
@@ -1519,8 +1533,8 @@
         </p:nvSpPr>
         <p:spPr>
           <a:xfrm>
-            <a:off x="838080" y="4098240"/>
-            <a:ext cx="5131080" cy="2075040"/>
+            <a:off x="609480" y="3682080"/>
+            <a:ext cx="5354280" cy="1896840"/>
           </a:xfrm>
           <a:prstGeom prst="rect">
             <a:avLst/>
@@ -1557,7 +1571,7 @@
       </p:grpSpPr>
       <p:sp>
         <p:nvSpPr>
-          <p:cNvPr id="73" name="PlaceHolder 1"/>
+          <p:cNvPr id="67" name="PlaceHolder 1"/>
           <p:cNvSpPr>
             <a:spLocks noGrp="1"/>
           </p:cNvSpPr>
@@ -1567,8 +1581,8 @@
         </p:nvSpPr>
         <p:spPr>
           <a:xfrm>
-            <a:off x="838080" y="365040"/>
-            <a:ext cx="10515240" cy="1325160"/>
+            <a:off x="609480" y="273600"/>
+            <a:ext cx="10972440" cy="1144800"/>
           </a:xfrm>
           <a:prstGeom prst="rect">
             <a:avLst/>
@@ -1577,13 +1591,14 @@
         <p:txBody>
           <a:bodyPr lIns="0" rIns="0" tIns="0" bIns="0" anchor="ctr"/>
           <a:p>
-            <a:endParaRPr/>
-          </a:p>
-        </p:txBody>
-      </p:sp>
-      <p:sp>
-        <p:nvSpPr>
-          <p:cNvPr id="74" name="PlaceHolder 2"/>
+            <a:pPr algn="ctr"/>
+            <a:endParaRPr/>
+          </a:p>
+        </p:txBody>
+      </p:sp>
+      <p:sp>
+        <p:nvSpPr>
+          <p:cNvPr id="68" name="PlaceHolder 2"/>
           <p:cNvSpPr>
             <a:spLocks noGrp="1"/>
           </p:cNvSpPr>
@@ -1593,8 +1608,8 @@
         </p:nvSpPr>
         <p:spPr>
           <a:xfrm>
-            <a:off x="838080" y="1825560"/>
-            <a:ext cx="10515240" cy="4350960"/>
+            <a:off x="609480" y="1604520"/>
+            <a:ext cx="10972440" cy="3977280"/>
           </a:xfrm>
           <a:prstGeom prst="rect">
             <a:avLst/>
@@ -1609,7 +1624,7 @@
       </p:sp>
       <p:sp>
         <p:nvSpPr>
-          <p:cNvPr id="75" name="PlaceHolder 3"/>
+          <p:cNvPr id="69" name="PlaceHolder 3"/>
           <p:cNvSpPr>
             <a:spLocks noGrp="1"/>
           </p:cNvSpPr>
@@ -1619,8 +1634,8 @@
         </p:nvSpPr>
         <p:spPr>
           <a:xfrm>
-            <a:off x="838080" y="1825560"/>
-            <a:ext cx="10515240" cy="4350960"/>
+            <a:off x="609480" y="1604520"/>
+            <a:ext cx="10972440" cy="3977280"/>
           </a:xfrm>
           <a:prstGeom prst="rect">
             <a:avLst/>
@@ -1635,7 +1650,7 @@
       </p:sp>
       <p:pic>
         <p:nvPicPr>
-          <p:cNvPr id="76" name="" descr=""/>
+          <p:cNvPr id="70" name="" descr=""/>
           <p:cNvPicPr/>
           <p:nvPr/>
         </p:nvPicPr>
@@ -1645,8 +1660,8 @@
         </p:blipFill>
         <p:spPr>
           <a:xfrm>
-            <a:off x="3368880" y="1825560"/>
-            <a:ext cx="5452920" cy="4350960"/>
+            <a:off x="3602880" y="1604520"/>
+            <a:ext cx="4984920" cy="3977280"/>
           </a:xfrm>
           <a:prstGeom prst="rect">
             <a:avLst/>
@@ -1658,7 +1673,7 @@
       </p:pic>
       <p:pic>
         <p:nvPicPr>
-          <p:cNvPr id="77" name="" descr=""/>
+          <p:cNvPr id="71" name="" descr=""/>
           <p:cNvPicPr/>
           <p:nvPr/>
         </p:nvPicPr>
@@ -1668,8 +1683,8 @@
         </p:blipFill>
         <p:spPr>
           <a:xfrm>
-            <a:off x="3368880" y="1825560"/>
-            <a:ext cx="5452920" cy="4350960"/>
+            <a:off x="3602880" y="1604520"/>
+            <a:ext cx="4984920" cy="3977280"/>
           </a:xfrm>
           <a:prstGeom prst="rect">
             <a:avLst/>
@@ -1725,7 +1740,7 @@
       </p:grpSpPr>
       <p:sp>
         <p:nvSpPr>
-          <p:cNvPr id="80" name="PlaceHolder 1"/>
+          <p:cNvPr id="74" name="PlaceHolder 1"/>
           <p:cNvSpPr>
             <a:spLocks noGrp="1"/>
           </p:cNvSpPr>
@@ -1735,8 +1750,8 @@
         </p:nvSpPr>
         <p:spPr>
           <a:xfrm>
-            <a:off x="838080" y="365040"/>
-            <a:ext cx="10515240" cy="1325160"/>
+            <a:off x="609480" y="273600"/>
+            <a:ext cx="10972440" cy="1144800"/>
           </a:xfrm>
           <a:prstGeom prst="rect">
             <a:avLst/>
@@ -1745,13 +1760,14 @@
         <p:txBody>
           <a:bodyPr lIns="0" rIns="0" tIns="0" bIns="0" anchor="ctr"/>
           <a:p>
-            <a:endParaRPr/>
-          </a:p>
-        </p:txBody>
-      </p:sp>
-      <p:sp>
-        <p:nvSpPr>
-          <p:cNvPr id="81" name="PlaceHolder 2"/>
+            <a:pPr algn="ctr"/>
+            <a:endParaRPr/>
+          </a:p>
+        </p:txBody>
+      </p:sp>
+      <p:sp>
+        <p:nvSpPr>
+          <p:cNvPr id="75" name="PlaceHolder 2"/>
           <p:cNvSpPr>
             <a:spLocks noGrp="1"/>
           </p:cNvSpPr>
@@ -1761,8 +1777,8 @@
         </p:nvSpPr>
         <p:spPr>
           <a:xfrm>
-            <a:off x="838080" y="1825560"/>
-            <a:ext cx="10515240" cy="4350960"/>
+            <a:off x="609480" y="1604520"/>
+            <a:ext cx="10972440" cy="3977280"/>
           </a:xfrm>
           <a:prstGeom prst="rect">
             <a:avLst/>
@@ -1800,7 +1816,7 @@
       </p:grpSpPr>
       <p:sp>
         <p:nvSpPr>
-          <p:cNvPr id="82" name="PlaceHolder 1"/>
+          <p:cNvPr id="76" name="PlaceHolder 1"/>
           <p:cNvSpPr>
             <a:spLocks noGrp="1"/>
           </p:cNvSpPr>
@@ -1810,8 +1826,8 @@
         </p:nvSpPr>
         <p:spPr>
           <a:xfrm>
-            <a:off x="838080" y="365040"/>
-            <a:ext cx="10515240" cy="1325160"/>
+            <a:off x="609480" y="273600"/>
+            <a:ext cx="10972440" cy="1144800"/>
           </a:xfrm>
           <a:prstGeom prst="rect">
             <a:avLst/>
@@ -1820,13 +1836,14 @@
         <p:txBody>
           <a:bodyPr lIns="0" rIns="0" tIns="0" bIns="0" anchor="ctr"/>
           <a:p>
-            <a:endParaRPr/>
-          </a:p>
-        </p:txBody>
-      </p:sp>
-      <p:sp>
-        <p:nvSpPr>
-          <p:cNvPr id="83" name="PlaceHolder 2"/>
+            <a:pPr algn="ctr"/>
+            <a:endParaRPr/>
+          </a:p>
+        </p:txBody>
+      </p:sp>
+      <p:sp>
+        <p:nvSpPr>
+          <p:cNvPr id="77" name="PlaceHolder 2"/>
           <p:cNvSpPr>
             <a:spLocks noGrp="1"/>
           </p:cNvSpPr>
@@ -1836,8 +1853,8 @@
         </p:nvSpPr>
         <p:spPr>
           <a:xfrm>
-            <a:off x="838080" y="1825560"/>
-            <a:ext cx="10515240" cy="4350960"/>
+            <a:off x="609480" y="1604520"/>
+            <a:ext cx="10972440" cy="3977280"/>
           </a:xfrm>
           <a:prstGeom prst="rect">
             <a:avLst/>
@@ -1874,7 +1891,7 @@
       </p:grpSpPr>
       <p:sp>
         <p:nvSpPr>
-          <p:cNvPr id="84" name="PlaceHolder 1"/>
+          <p:cNvPr id="78" name="PlaceHolder 1"/>
           <p:cNvSpPr>
             <a:spLocks noGrp="1"/>
           </p:cNvSpPr>
@@ -1884,8 +1901,8 @@
         </p:nvSpPr>
         <p:spPr>
           <a:xfrm>
-            <a:off x="838080" y="365040"/>
-            <a:ext cx="10515240" cy="1325160"/>
+            <a:off x="609480" y="273600"/>
+            <a:ext cx="10972440" cy="1144800"/>
           </a:xfrm>
           <a:prstGeom prst="rect">
             <a:avLst/>
@@ -1894,13 +1911,14 @@
         <p:txBody>
           <a:bodyPr lIns="0" rIns="0" tIns="0" bIns="0" anchor="ctr"/>
           <a:p>
-            <a:endParaRPr/>
-          </a:p>
-        </p:txBody>
-      </p:sp>
-      <p:sp>
-        <p:nvSpPr>
-          <p:cNvPr id="85" name="PlaceHolder 2"/>
+            <a:pPr algn="ctr"/>
+            <a:endParaRPr/>
+          </a:p>
+        </p:txBody>
+      </p:sp>
+      <p:sp>
+        <p:nvSpPr>
+          <p:cNvPr id="79" name="PlaceHolder 2"/>
           <p:cNvSpPr>
             <a:spLocks noGrp="1"/>
           </p:cNvSpPr>
@@ -1910,8 +1928,8 @@
         </p:nvSpPr>
         <p:spPr>
           <a:xfrm>
-            <a:off x="838080" y="1825560"/>
-            <a:ext cx="5131080" cy="4350960"/>
+            <a:off x="609480" y="1604520"/>
+            <a:ext cx="5354280" cy="3977280"/>
           </a:xfrm>
           <a:prstGeom prst="rect">
             <a:avLst/>
@@ -1926,7 +1944,7 @@
       </p:sp>
       <p:sp>
         <p:nvSpPr>
-          <p:cNvPr id="86" name="PlaceHolder 3"/>
+          <p:cNvPr id="80" name="PlaceHolder 3"/>
           <p:cNvSpPr>
             <a:spLocks noGrp="1"/>
           </p:cNvSpPr>
@@ -1936,8 +1954,8 @@
         </p:nvSpPr>
         <p:spPr>
           <a:xfrm>
-            <a:off x="6226200" y="1825560"/>
-            <a:ext cx="5131080" cy="4350960"/>
+            <a:off x="6231960" y="1604520"/>
+            <a:ext cx="5354280" cy="3977280"/>
           </a:xfrm>
           <a:prstGeom prst="rect">
             <a:avLst/>
@@ -1974,7 +1992,7 @@
       </p:grpSpPr>
       <p:sp>
         <p:nvSpPr>
-          <p:cNvPr id="87" name="PlaceHolder 1"/>
+          <p:cNvPr id="81" name="PlaceHolder 1"/>
           <p:cNvSpPr>
             <a:spLocks noGrp="1"/>
           </p:cNvSpPr>
@@ -1984,8 +2002,8 @@
         </p:nvSpPr>
         <p:spPr>
           <a:xfrm>
-            <a:off x="838080" y="365040"/>
-            <a:ext cx="10515240" cy="1325160"/>
+            <a:off x="609480" y="273600"/>
+            <a:ext cx="10972440" cy="1144800"/>
           </a:xfrm>
           <a:prstGeom prst="rect">
             <a:avLst/>
@@ -1994,6 +2012,7 @@
         <p:txBody>
           <a:bodyPr lIns="0" rIns="0" tIns="0" bIns="0" anchor="ctr"/>
           <a:p>
+            <a:pPr algn="ctr"/>
             <a:endParaRPr/>
           </a:p>
         </p:txBody>
@@ -2022,7 +2041,7 @@
       </p:grpSpPr>
       <p:sp>
         <p:nvSpPr>
-          <p:cNvPr id="7" name="PlaceHolder 1"/>
+          <p:cNvPr id="4" name="PlaceHolder 1"/>
           <p:cNvSpPr>
             <a:spLocks noGrp="1"/>
           </p:cNvSpPr>
@@ -2032,8 +2051,8 @@
         </p:nvSpPr>
         <p:spPr>
           <a:xfrm>
-            <a:off x="838080" y="365040"/>
-            <a:ext cx="10515240" cy="1325160"/>
+            <a:off x="609480" y="273600"/>
+            <a:ext cx="10972440" cy="1144800"/>
           </a:xfrm>
           <a:prstGeom prst="rect">
             <a:avLst/>
@@ -2042,13 +2061,14 @@
         <p:txBody>
           <a:bodyPr lIns="0" rIns="0" tIns="0" bIns="0" anchor="ctr"/>
           <a:p>
-            <a:endParaRPr/>
-          </a:p>
-        </p:txBody>
-      </p:sp>
-      <p:sp>
-        <p:nvSpPr>
-          <p:cNvPr id="8" name="PlaceHolder 2"/>
+            <a:pPr algn="ctr"/>
+            <a:endParaRPr/>
+          </a:p>
+        </p:txBody>
+      </p:sp>
+      <p:sp>
+        <p:nvSpPr>
+          <p:cNvPr id="5" name="PlaceHolder 2"/>
           <p:cNvSpPr>
             <a:spLocks noGrp="1"/>
           </p:cNvSpPr>
@@ -2058,8 +2078,8 @@
         </p:nvSpPr>
         <p:spPr>
           <a:xfrm>
-            <a:off x="838080" y="1825560"/>
-            <a:ext cx="10515240" cy="4350960"/>
+            <a:off x="609480" y="1604520"/>
+            <a:ext cx="10972440" cy="3977280"/>
           </a:xfrm>
           <a:prstGeom prst="rect">
             <a:avLst/>
@@ -2096,7 +2116,7 @@
       </p:grpSpPr>
       <p:sp>
         <p:nvSpPr>
-          <p:cNvPr id="88" name="PlaceHolder 1"/>
+          <p:cNvPr id="82" name="PlaceHolder 1"/>
           <p:cNvSpPr>
             <a:spLocks noGrp="1"/>
           </p:cNvSpPr>
@@ -2106,8 +2126,8 @@
         </p:nvSpPr>
         <p:spPr>
           <a:xfrm>
-            <a:off x="838080" y="365040"/>
-            <a:ext cx="10515240" cy="6144120"/>
+            <a:off x="609480" y="273600"/>
+            <a:ext cx="10972440" cy="5307840"/>
           </a:xfrm>
           <a:prstGeom prst="rect">
             <a:avLst/>
@@ -2145,7 +2165,7 @@
       </p:grpSpPr>
       <p:sp>
         <p:nvSpPr>
-          <p:cNvPr id="89" name="PlaceHolder 1"/>
+          <p:cNvPr id="83" name="PlaceHolder 1"/>
           <p:cNvSpPr>
             <a:spLocks noGrp="1"/>
           </p:cNvSpPr>
@@ -2155,8 +2175,8 @@
         </p:nvSpPr>
         <p:spPr>
           <a:xfrm>
-            <a:off x="838080" y="365040"/>
-            <a:ext cx="10515240" cy="1325160"/>
+            <a:off x="609480" y="273600"/>
+            <a:ext cx="10972440" cy="1144800"/>
           </a:xfrm>
           <a:prstGeom prst="rect">
             <a:avLst/>
@@ -2165,13 +2185,14 @@
         <p:txBody>
           <a:bodyPr lIns="0" rIns="0" tIns="0" bIns="0" anchor="ctr"/>
           <a:p>
-            <a:endParaRPr/>
-          </a:p>
-        </p:txBody>
-      </p:sp>
-      <p:sp>
-        <p:nvSpPr>
-          <p:cNvPr id="90" name="PlaceHolder 2"/>
+            <a:pPr algn="ctr"/>
+            <a:endParaRPr/>
+          </a:p>
+        </p:txBody>
+      </p:sp>
+      <p:sp>
+        <p:nvSpPr>
+          <p:cNvPr id="84" name="PlaceHolder 2"/>
           <p:cNvSpPr>
             <a:spLocks noGrp="1"/>
           </p:cNvSpPr>
@@ -2181,8 +2202,8 @@
         </p:nvSpPr>
         <p:spPr>
           <a:xfrm>
-            <a:off x="838080" y="1825560"/>
-            <a:ext cx="5131080" cy="2075040"/>
+            <a:off x="609480" y="1604520"/>
+            <a:ext cx="5354280" cy="1896840"/>
           </a:xfrm>
           <a:prstGeom prst="rect">
             <a:avLst/>
@@ -2197,7 +2218,7 @@
       </p:sp>
       <p:sp>
         <p:nvSpPr>
-          <p:cNvPr id="91" name="PlaceHolder 3"/>
+          <p:cNvPr id="85" name="PlaceHolder 3"/>
           <p:cNvSpPr>
             <a:spLocks noGrp="1"/>
           </p:cNvSpPr>
@@ -2207,8 +2228,8 @@
         </p:nvSpPr>
         <p:spPr>
           <a:xfrm>
-            <a:off x="838080" y="4098240"/>
-            <a:ext cx="5131080" cy="2075040"/>
+            <a:off x="609480" y="3682080"/>
+            <a:ext cx="5354280" cy="1896840"/>
           </a:xfrm>
           <a:prstGeom prst="rect">
             <a:avLst/>
@@ -2223,7 +2244,7 @@
       </p:sp>
       <p:sp>
         <p:nvSpPr>
-          <p:cNvPr id="92" name="PlaceHolder 4"/>
+          <p:cNvPr id="86" name="PlaceHolder 4"/>
           <p:cNvSpPr>
             <a:spLocks noGrp="1"/>
           </p:cNvSpPr>
@@ -2233,8 +2254,8 @@
         </p:nvSpPr>
         <p:spPr>
           <a:xfrm>
-            <a:off x="6226200" y="1825560"/>
-            <a:ext cx="5131080" cy="4350960"/>
+            <a:off x="6231960" y="1604520"/>
+            <a:ext cx="5354280" cy="3977280"/>
           </a:xfrm>
           <a:prstGeom prst="rect">
             <a:avLst/>
@@ -2271,7 +2292,7 @@
       </p:grpSpPr>
       <p:sp>
         <p:nvSpPr>
-          <p:cNvPr id="93" name="PlaceHolder 1"/>
+          <p:cNvPr id="87" name="PlaceHolder 1"/>
           <p:cNvSpPr>
             <a:spLocks noGrp="1"/>
           </p:cNvSpPr>
@@ -2281,8 +2302,8 @@
         </p:nvSpPr>
         <p:spPr>
           <a:xfrm>
-            <a:off x="838080" y="365040"/>
-            <a:ext cx="10515240" cy="1325160"/>
+            <a:off x="609480" y="273600"/>
+            <a:ext cx="10972440" cy="1144800"/>
           </a:xfrm>
           <a:prstGeom prst="rect">
             <a:avLst/>
@@ -2291,13 +2312,14 @@
         <p:txBody>
           <a:bodyPr lIns="0" rIns="0" tIns="0" bIns="0" anchor="ctr"/>
           <a:p>
-            <a:endParaRPr/>
-          </a:p>
-        </p:txBody>
-      </p:sp>
-      <p:sp>
-        <p:nvSpPr>
-          <p:cNvPr id="94" name="PlaceHolder 2"/>
+            <a:pPr algn="ctr"/>
+            <a:endParaRPr/>
+          </a:p>
+        </p:txBody>
+      </p:sp>
+      <p:sp>
+        <p:nvSpPr>
+          <p:cNvPr id="88" name="PlaceHolder 2"/>
           <p:cNvSpPr>
             <a:spLocks noGrp="1"/>
           </p:cNvSpPr>
@@ -2307,8 +2329,8 @@
         </p:nvSpPr>
         <p:spPr>
           <a:xfrm>
-            <a:off x="838080" y="1825560"/>
-            <a:ext cx="5131080" cy="4350960"/>
+            <a:off x="609480" y="1604520"/>
+            <a:ext cx="5354280" cy="3977280"/>
           </a:xfrm>
           <a:prstGeom prst="rect">
             <a:avLst/>
@@ -2323,7 +2345,7 @@
       </p:sp>
       <p:sp>
         <p:nvSpPr>
-          <p:cNvPr id="95" name="PlaceHolder 3"/>
+          <p:cNvPr id="89" name="PlaceHolder 3"/>
           <p:cNvSpPr>
             <a:spLocks noGrp="1"/>
           </p:cNvSpPr>
@@ -2333,8 +2355,8 @@
         </p:nvSpPr>
         <p:spPr>
           <a:xfrm>
-            <a:off x="6226200" y="1825560"/>
-            <a:ext cx="5131080" cy="2075040"/>
+            <a:off x="6231960" y="1604520"/>
+            <a:ext cx="5354280" cy="1896840"/>
           </a:xfrm>
           <a:prstGeom prst="rect">
             <a:avLst/>
@@ -2349,7 +2371,7 @@
       </p:sp>
       <p:sp>
         <p:nvSpPr>
-          <p:cNvPr id="96" name="PlaceHolder 4"/>
+          <p:cNvPr id="90" name="PlaceHolder 4"/>
           <p:cNvSpPr>
             <a:spLocks noGrp="1"/>
           </p:cNvSpPr>
@@ -2359,8 +2381,8 @@
         </p:nvSpPr>
         <p:spPr>
           <a:xfrm>
-            <a:off x="6226200" y="4098240"/>
-            <a:ext cx="5131080" cy="2075040"/>
+            <a:off x="6231960" y="3682080"/>
+            <a:ext cx="5354280" cy="1896840"/>
           </a:xfrm>
           <a:prstGeom prst="rect">
             <a:avLst/>
@@ -2397,7 +2419,7 @@
       </p:grpSpPr>
       <p:sp>
         <p:nvSpPr>
-          <p:cNvPr id="97" name="PlaceHolder 1"/>
+          <p:cNvPr id="91" name="PlaceHolder 1"/>
           <p:cNvSpPr>
             <a:spLocks noGrp="1"/>
           </p:cNvSpPr>
@@ -2407,8 +2429,8 @@
         </p:nvSpPr>
         <p:spPr>
           <a:xfrm>
-            <a:off x="838080" y="365040"/>
-            <a:ext cx="10515240" cy="1325160"/>
+            <a:off x="609480" y="273600"/>
+            <a:ext cx="10972440" cy="1144800"/>
           </a:xfrm>
           <a:prstGeom prst="rect">
             <a:avLst/>
@@ -2417,13 +2439,14 @@
         <p:txBody>
           <a:bodyPr lIns="0" rIns="0" tIns="0" bIns="0" anchor="ctr"/>
           <a:p>
-            <a:endParaRPr/>
-          </a:p>
-        </p:txBody>
-      </p:sp>
-      <p:sp>
-        <p:nvSpPr>
-          <p:cNvPr id="98" name="PlaceHolder 2"/>
+            <a:pPr algn="ctr"/>
+            <a:endParaRPr/>
+          </a:p>
+        </p:txBody>
+      </p:sp>
+      <p:sp>
+        <p:nvSpPr>
+          <p:cNvPr id="92" name="PlaceHolder 2"/>
           <p:cNvSpPr>
             <a:spLocks noGrp="1"/>
           </p:cNvSpPr>
@@ -2433,8 +2456,8 @@
         </p:nvSpPr>
         <p:spPr>
           <a:xfrm>
-            <a:off x="838080" y="1825560"/>
-            <a:ext cx="5131080" cy="2075040"/>
+            <a:off x="609480" y="1604520"/>
+            <a:ext cx="5354280" cy="1896840"/>
           </a:xfrm>
           <a:prstGeom prst="rect">
             <a:avLst/>
@@ -2449,7 +2472,7 @@
       </p:sp>
       <p:sp>
         <p:nvSpPr>
-          <p:cNvPr id="99" name="PlaceHolder 3"/>
+          <p:cNvPr id="93" name="PlaceHolder 3"/>
           <p:cNvSpPr>
             <a:spLocks noGrp="1"/>
           </p:cNvSpPr>
@@ -2459,8 +2482,8 @@
         </p:nvSpPr>
         <p:spPr>
           <a:xfrm>
-            <a:off x="6226200" y="1825560"/>
-            <a:ext cx="5131080" cy="2075040"/>
+            <a:off x="6231960" y="1604520"/>
+            <a:ext cx="5354280" cy="1896840"/>
           </a:xfrm>
           <a:prstGeom prst="rect">
             <a:avLst/>
@@ -2475,7 +2498,7 @@
       </p:sp>
       <p:sp>
         <p:nvSpPr>
-          <p:cNvPr id="100" name="PlaceHolder 4"/>
+          <p:cNvPr id="94" name="PlaceHolder 4"/>
           <p:cNvSpPr>
             <a:spLocks noGrp="1"/>
           </p:cNvSpPr>
@@ -2485,8 +2508,8 @@
         </p:nvSpPr>
         <p:spPr>
           <a:xfrm>
-            <a:off x="838080" y="4098240"/>
-            <a:ext cx="10515240" cy="2075040"/>
+            <a:off x="609480" y="3682080"/>
+            <a:ext cx="10972440" cy="1896840"/>
           </a:xfrm>
           <a:prstGeom prst="rect">
             <a:avLst/>
@@ -2523,7 +2546,7 @@
       </p:grpSpPr>
       <p:sp>
         <p:nvSpPr>
-          <p:cNvPr id="101" name="PlaceHolder 1"/>
+          <p:cNvPr id="95" name="PlaceHolder 1"/>
           <p:cNvSpPr>
             <a:spLocks noGrp="1"/>
           </p:cNvSpPr>
@@ -2533,8 +2556,8 @@
         </p:nvSpPr>
         <p:spPr>
           <a:xfrm>
-            <a:off x="838080" y="365040"/>
-            <a:ext cx="10515240" cy="1325160"/>
+            <a:off x="609480" y="273600"/>
+            <a:ext cx="10972440" cy="1144800"/>
           </a:xfrm>
           <a:prstGeom prst="rect">
             <a:avLst/>
@@ -2543,13 +2566,14 @@
         <p:txBody>
           <a:bodyPr lIns="0" rIns="0" tIns="0" bIns="0" anchor="ctr"/>
           <a:p>
-            <a:endParaRPr/>
-          </a:p>
-        </p:txBody>
-      </p:sp>
-      <p:sp>
-        <p:nvSpPr>
-          <p:cNvPr id="102" name="PlaceHolder 2"/>
+            <a:pPr algn="ctr"/>
+            <a:endParaRPr/>
+          </a:p>
+        </p:txBody>
+      </p:sp>
+      <p:sp>
+        <p:nvSpPr>
+          <p:cNvPr id="96" name="PlaceHolder 2"/>
           <p:cNvSpPr>
             <a:spLocks noGrp="1"/>
           </p:cNvSpPr>
@@ -2559,8 +2583,8 @@
         </p:nvSpPr>
         <p:spPr>
           <a:xfrm>
-            <a:off x="838080" y="1825560"/>
-            <a:ext cx="10515240" cy="2075040"/>
+            <a:off x="609480" y="1604520"/>
+            <a:ext cx="10972440" cy="1896840"/>
           </a:xfrm>
           <a:prstGeom prst="rect">
             <a:avLst/>
@@ -2575,7 +2599,7 @@
       </p:sp>
       <p:sp>
         <p:nvSpPr>
-          <p:cNvPr id="103" name="PlaceHolder 3"/>
+          <p:cNvPr id="97" name="PlaceHolder 3"/>
           <p:cNvSpPr>
             <a:spLocks noGrp="1"/>
           </p:cNvSpPr>
@@ -2585,8 +2609,8 @@
         </p:nvSpPr>
         <p:spPr>
           <a:xfrm>
-            <a:off x="838080" y="4098240"/>
-            <a:ext cx="10515240" cy="2075040"/>
+            <a:off x="609480" y="3682080"/>
+            <a:ext cx="10972440" cy="1896840"/>
           </a:xfrm>
           <a:prstGeom prst="rect">
             <a:avLst/>
@@ -2623,7 +2647,7 @@
       </p:grpSpPr>
       <p:sp>
         <p:nvSpPr>
-          <p:cNvPr id="104" name="PlaceHolder 1"/>
+          <p:cNvPr id="98" name="PlaceHolder 1"/>
           <p:cNvSpPr>
             <a:spLocks noGrp="1"/>
           </p:cNvSpPr>
@@ -2633,8 +2657,8 @@
         </p:nvSpPr>
         <p:spPr>
           <a:xfrm>
-            <a:off x="838080" y="365040"/>
-            <a:ext cx="10515240" cy="1325160"/>
+            <a:off x="609480" y="273600"/>
+            <a:ext cx="10972440" cy="1144800"/>
           </a:xfrm>
           <a:prstGeom prst="rect">
             <a:avLst/>
@@ -2643,13 +2667,14 @@
         <p:txBody>
           <a:bodyPr lIns="0" rIns="0" tIns="0" bIns="0" anchor="ctr"/>
           <a:p>
-            <a:endParaRPr/>
-          </a:p>
-        </p:txBody>
-      </p:sp>
-      <p:sp>
-        <p:nvSpPr>
-          <p:cNvPr id="105" name="PlaceHolder 2"/>
+            <a:pPr algn="ctr"/>
+            <a:endParaRPr/>
+          </a:p>
+        </p:txBody>
+      </p:sp>
+      <p:sp>
+        <p:nvSpPr>
+          <p:cNvPr id="99" name="PlaceHolder 2"/>
           <p:cNvSpPr>
             <a:spLocks noGrp="1"/>
           </p:cNvSpPr>
@@ -2659,8 +2684,8 @@
         </p:nvSpPr>
         <p:spPr>
           <a:xfrm>
-            <a:off x="838080" y="1825560"/>
-            <a:ext cx="5131080" cy="2075040"/>
+            <a:off x="609480" y="1604520"/>
+            <a:ext cx="5354280" cy="1896840"/>
           </a:xfrm>
           <a:prstGeom prst="rect">
             <a:avLst/>
@@ -2675,7 +2700,7 @@
       </p:sp>
       <p:sp>
         <p:nvSpPr>
-          <p:cNvPr id="106" name="PlaceHolder 3"/>
+          <p:cNvPr id="100" name="PlaceHolder 3"/>
           <p:cNvSpPr>
             <a:spLocks noGrp="1"/>
           </p:cNvSpPr>
@@ -2685,8 +2710,8 @@
         </p:nvSpPr>
         <p:spPr>
           <a:xfrm>
-            <a:off x="6226200" y="1825560"/>
-            <a:ext cx="5131080" cy="2075040"/>
+            <a:off x="6231960" y="1604520"/>
+            <a:ext cx="5354280" cy="1896840"/>
           </a:xfrm>
           <a:prstGeom prst="rect">
             <a:avLst/>
@@ -2701,7 +2726,7 @@
       </p:sp>
       <p:sp>
         <p:nvSpPr>
-          <p:cNvPr id="107" name="PlaceHolder 4"/>
+          <p:cNvPr id="101" name="PlaceHolder 4"/>
           <p:cNvSpPr>
             <a:spLocks noGrp="1"/>
           </p:cNvSpPr>
@@ -2711,8 +2736,8 @@
         </p:nvSpPr>
         <p:spPr>
           <a:xfrm>
-            <a:off x="6226200" y="4098240"/>
-            <a:ext cx="5131080" cy="2075040"/>
+            <a:off x="6231960" y="3682080"/>
+            <a:ext cx="5354280" cy="1896840"/>
           </a:xfrm>
           <a:prstGeom prst="rect">
             <a:avLst/>
@@ -2727,7 +2752,7 @@
       </p:sp>
       <p:sp>
         <p:nvSpPr>
-          <p:cNvPr id="108" name="PlaceHolder 5"/>
+          <p:cNvPr id="102" name="PlaceHolder 5"/>
           <p:cNvSpPr>
             <a:spLocks noGrp="1"/>
           </p:cNvSpPr>
@@ -2737,8 +2762,8 @@
         </p:nvSpPr>
         <p:spPr>
           <a:xfrm>
-            <a:off x="838080" y="4098240"/>
-            <a:ext cx="5131080" cy="2075040"/>
+            <a:off x="609480" y="3682080"/>
+            <a:ext cx="5354280" cy="1896840"/>
           </a:xfrm>
           <a:prstGeom prst="rect">
             <a:avLst/>
@@ -2775,7 +2800,7 @@
       </p:grpSpPr>
       <p:sp>
         <p:nvSpPr>
-          <p:cNvPr id="109" name="PlaceHolder 1"/>
+          <p:cNvPr id="103" name="PlaceHolder 1"/>
           <p:cNvSpPr>
             <a:spLocks noGrp="1"/>
           </p:cNvSpPr>
@@ -2785,8 +2810,8 @@
         </p:nvSpPr>
         <p:spPr>
           <a:xfrm>
-            <a:off x="838080" y="365040"/>
-            <a:ext cx="10515240" cy="1325160"/>
+            <a:off x="609480" y="273600"/>
+            <a:ext cx="10972440" cy="1144800"/>
           </a:xfrm>
           <a:prstGeom prst="rect">
             <a:avLst/>
@@ -2795,13 +2820,14 @@
         <p:txBody>
           <a:bodyPr lIns="0" rIns="0" tIns="0" bIns="0" anchor="ctr"/>
           <a:p>
-            <a:endParaRPr/>
-          </a:p>
-        </p:txBody>
-      </p:sp>
-      <p:sp>
-        <p:nvSpPr>
-          <p:cNvPr id="110" name="PlaceHolder 2"/>
+            <a:pPr algn="ctr"/>
+            <a:endParaRPr/>
+          </a:p>
+        </p:txBody>
+      </p:sp>
+      <p:sp>
+        <p:nvSpPr>
+          <p:cNvPr id="104" name="PlaceHolder 2"/>
           <p:cNvSpPr>
             <a:spLocks noGrp="1"/>
           </p:cNvSpPr>
@@ -2811,8 +2837,8 @@
         </p:nvSpPr>
         <p:spPr>
           <a:xfrm>
-            <a:off x="838080" y="1825560"/>
-            <a:ext cx="10515240" cy="4350960"/>
+            <a:off x="609480" y="1604520"/>
+            <a:ext cx="10972440" cy="3977280"/>
           </a:xfrm>
           <a:prstGeom prst="rect">
             <a:avLst/>
@@ -2827,7 +2853,7 @@
       </p:sp>
       <p:sp>
         <p:nvSpPr>
-          <p:cNvPr id="111" name="PlaceHolder 3"/>
+          <p:cNvPr id="105" name="PlaceHolder 3"/>
           <p:cNvSpPr>
             <a:spLocks noGrp="1"/>
           </p:cNvSpPr>
@@ -2837,8 +2863,8 @@
         </p:nvSpPr>
         <p:spPr>
           <a:xfrm>
-            <a:off x="838080" y="1825560"/>
-            <a:ext cx="10515240" cy="4350960"/>
+            <a:off x="609480" y="1604520"/>
+            <a:ext cx="10972440" cy="3977280"/>
           </a:xfrm>
           <a:prstGeom prst="rect">
             <a:avLst/>
@@ -2853,7 +2879,7 @@
       </p:sp>
       <p:pic>
         <p:nvPicPr>
-          <p:cNvPr id="112" name="" descr=""/>
+          <p:cNvPr id="106" name="" descr=""/>
           <p:cNvPicPr/>
           <p:nvPr/>
         </p:nvPicPr>
@@ -2863,8 +2889,8 @@
         </p:blipFill>
         <p:spPr>
           <a:xfrm>
-            <a:off x="3368880" y="1825560"/>
-            <a:ext cx="5452920" cy="4350960"/>
+            <a:off x="3602880" y="1604520"/>
+            <a:ext cx="4984920" cy="3977280"/>
           </a:xfrm>
           <a:prstGeom prst="rect">
             <a:avLst/>
@@ -2876,7 +2902,7 @@
       </p:pic>
       <p:pic>
         <p:nvPicPr>
-          <p:cNvPr id="113" name="" descr=""/>
+          <p:cNvPr id="107" name="" descr=""/>
           <p:cNvPicPr/>
           <p:nvPr/>
         </p:nvPicPr>
@@ -2886,8 +2912,8 @@
         </p:blipFill>
         <p:spPr>
           <a:xfrm>
-            <a:off x="3368880" y="1825560"/>
-            <a:ext cx="5452920" cy="4350960"/>
+            <a:off x="3602880" y="1604520"/>
+            <a:ext cx="4984920" cy="3977280"/>
           </a:xfrm>
           <a:prstGeom prst="rect">
             <a:avLst/>
@@ -2921,7 +2947,7 @@
       </p:grpSpPr>
       <p:sp>
         <p:nvSpPr>
-          <p:cNvPr id="9" name="PlaceHolder 1"/>
+          <p:cNvPr id="6" name="PlaceHolder 1"/>
           <p:cNvSpPr>
             <a:spLocks noGrp="1"/>
           </p:cNvSpPr>
@@ -2931,8 +2957,8 @@
         </p:nvSpPr>
         <p:spPr>
           <a:xfrm>
-            <a:off x="838080" y="365040"/>
-            <a:ext cx="10515240" cy="1325160"/>
+            <a:off x="609480" y="273600"/>
+            <a:ext cx="10972440" cy="1144800"/>
           </a:xfrm>
           <a:prstGeom prst="rect">
             <a:avLst/>
@@ -2941,13 +2967,14 @@
         <p:txBody>
           <a:bodyPr lIns="0" rIns="0" tIns="0" bIns="0" anchor="ctr"/>
           <a:p>
-            <a:endParaRPr/>
-          </a:p>
-        </p:txBody>
-      </p:sp>
-      <p:sp>
-        <p:nvSpPr>
-          <p:cNvPr id="10" name="PlaceHolder 2"/>
+            <a:pPr algn="ctr"/>
+            <a:endParaRPr/>
+          </a:p>
+        </p:txBody>
+      </p:sp>
+      <p:sp>
+        <p:nvSpPr>
+          <p:cNvPr id="7" name="PlaceHolder 2"/>
           <p:cNvSpPr>
             <a:spLocks noGrp="1"/>
           </p:cNvSpPr>
@@ -2957,8 +2984,8 @@
         </p:nvSpPr>
         <p:spPr>
           <a:xfrm>
-            <a:off x="838080" y="1825560"/>
-            <a:ext cx="5131080" cy="4350960"/>
+            <a:off x="609480" y="1604520"/>
+            <a:ext cx="5354280" cy="3977280"/>
           </a:xfrm>
           <a:prstGeom prst="rect">
             <a:avLst/>
@@ -2973,7 +3000,7 @@
       </p:sp>
       <p:sp>
         <p:nvSpPr>
-          <p:cNvPr id="11" name="PlaceHolder 3"/>
+          <p:cNvPr id="8" name="PlaceHolder 3"/>
           <p:cNvSpPr>
             <a:spLocks noGrp="1"/>
           </p:cNvSpPr>
@@ -2983,8 +3010,8 @@
         </p:nvSpPr>
         <p:spPr>
           <a:xfrm>
-            <a:off x="6226200" y="1825560"/>
-            <a:ext cx="5131080" cy="4350960"/>
+            <a:off x="6231960" y="1604520"/>
+            <a:ext cx="5354280" cy="3977280"/>
           </a:xfrm>
           <a:prstGeom prst="rect">
             <a:avLst/>
@@ -3021,7 +3048,7 @@
       </p:grpSpPr>
       <p:sp>
         <p:nvSpPr>
-          <p:cNvPr id="12" name="PlaceHolder 1"/>
+          <p:cNvPr id="9" name="PlaceHolder 1"/>
           <p:cNvSpPr>
             <a:spLocks noGrp="1"/>
           </p:cNvSpPr>
@@ -3031,8 +3058,8 @@
         </p:nvSpPr>
         <p:spPr>
           <a:xfrm>
-            <a:off x="838080" y="365040"/>
-            <a:ext cx="10515240" cy="1325160"/>
+            <a:off x="609480" y="273600"/>
+            <a:ext cx="10972440" cy="1144800"/>
           </a:xfrm>
           <a:prstGeom prst="rect">
             <a:avLst/>
@@ -3041,6 +3068,7 @@
         <p:txBody>
           <a:bodyPr lIns="0" rIns="0" tIns="0" bIns="0" anchor="ctr"/>
           <a:p>
+            <a:pPr algn="ctr"/>
             <a:endParaRPr/>
           </a:p>
         </p:txBody>
@@ -3069,7 +3097,7 @@
       </p:grpSpPr>
       <p:sp>
         <p:nvSpPr>
-          <p:cNvPr id="13" name="PlaceHolder 1"/>
+          <p:cNvPr id="10" name="PlaceHolder 1"/>
           <p:cNvSpPr>
             <a:spLocks noGrp="1"/>
           </p:cNvSpPr>
@@ -3079,8 +3107,8 @@
         </p:nvSpPr>
         <p:spPr>
           <a:xfrm>
-            <a:off x="838080" y="365040"/>
-            <a:ext cx="10515240" cy="6144120"/>
+            <a:off x="609480" y="273600"/>
+            <a:ext cx="10972440" cy="5307840"/>
           </a:xfrm>
           <a:prstGeom prst="rect">
             <a:avLst/>
@@ -3118,7 +3146,7 @@
       </p:grpSpPr>
       <p:sp>
         <p:nvSpPr>
-          <p:cNvPr id="14" name="PlaceHolder 1"/>
+          <p:cNvPr id="11" name="PlaceHolder 1"/>
           <p:cNvSpPr>
             <a:spLocks noGrp="1"/>
           </p:cNvSpPr>
@@ -3128,8 +3156,8 @@
         </p:nvSpPr>
         <p:spPr>
           <a:xfrm>
-            <a:off x="838080" y="365040"/>
-            <a:ext cx="10515240" cy="1325160"/>
+            <a:off x="609480" y="273600"/>
+            <a:ext cx="10972440" cy="1144800"/>
           </a:xfrm>
           <a:prstGeom prst="rect">
             <a:avLst/>
@@ -3138,13 +3166,14 @@
         <p:txBody>
           <a:bodyPr lIns="0" rIns="0" tIns="0" bIns="0" anchor="ctr"/>
           <a:p>
-            <a:endParaRPr/>
-          </a:p>
-        </p:txBody>
-      </p:sp>
-      <p:sp>
-        <p:nvSpPr>
-          <p:cNvPr id="15" name="PlaceHolder 2"/>
+            <a:pPr algn="ctr"/>
+            <a:endParaRPr/>
+          </a:p>
+        </p:txBody>
+      </p:sp>
+      <p:sp>
+        <p:nvSpPr>
+          <p:cNvPr id="12" name="PlaceHolder 2"/>
           <p:cNvSpPr>
             <a:spLocks noGrp="1"/>
           </p:cNvSpPr>
@@ -3154,8 +3183,8 @@
         </p:nvSpPr>
         <p:spPr>
           <a:xfrm>
-            <a:off x="838080" y="1825560"/>
-            <a:ext cx="5131080" cy="2075040"/>
+            <a:off x="609480" y="1604520"/>
+            <a:ext cx="5354280" cy="1896840"/>
           </a:xfrm>
           <a:prstGeom prst="rect">
             <a:avLst/>
@@ -3170,7 +3199,7 @@
       </p:sp>
       <p:sp>
         <p:nvSpPr>
-          <p:cNvPr id="16" name="PlaceHolder 3"/>
+          <p:cNvPr id="13" name="PlaceHolder 3"/>
           <p:cNvSpPr>
             <a:spLocks noGrp="1"/>
           </p:cNvSpPr>
@@ -3180,8 +3209,8 @@
         </p:nvSpPr>
         <p:spPr>
           <a:xfrm>
-            <a:off x="838080" y="4098240"/>
-            <a:ext cx="5131080" cy="2075040"/>
+            <a:off x="609480" y="3682080"/>
+            <a:ext cx="5354280" cy="1896840"/>
           </a:xfrm>
           <a:prstGeom prst="rect">
             <a:avLst/>
@@ -3196,7 +3225,7 @@
       </p:sp>
       <p:sp>
         <p:nvSpPr>
-          <p:cNvPr id="17" name="PlaceHolder 4"/>
+          <p:cNvPr id="14" name="PlaceHolder 4"/>
           <p:cNvSpPr>
             <a:spLocks noGrp="1"/>
           </p:cNvSpPr>
@@ -3206,8 +3235,8 @@
         </p:nvSpPr>
         <p:spPr>
           <a:xfrm>
-            <a:off x="6226200" y="1825560"/>
-            <a:ext cx="5131080" cy="4350960"/>
+            <a:off x="6231960" y="1604520"/>
+            <a:ext cx="5354280" cy="3977280"/>
           </a:xfrm>
           <a:prstGeom prst="rect">
             <a:avLst/>
@@ -3244,7 +3273,7 @@
       </p:grpSpPr>
       <p:sp>
         <p:nvSpPr>
-          <p:cNvPr id="18" name="PlaceHolder 1"/>
+          <p:cNvPr id="15" name="PlaceHolder 1"/>
           <p:cNvSpPr>
             <a:spLocks noGrp="1"/>
           </p:cNvSpPr>
@@ -3254,8 +3283,8 @@
         </p:nvSpPr>
         <p:spPr>
           <a:xfrm>
-            <a:off x="838080" y="365040"/>
-            <a:ext cx="10515240" cy="1325160"/>
+            <a:off x="609480" y="273600"/>
+            <a:ext cx="10972440" cy="1144800"/>
           </a:xfrm>
           <a:prstGeom prst="rect">
             <a:avLst/>
@@ -3264,13 +3293,14 @@
         <p:txBody>
           <a:bodyPr lIns="0" rIns="0" tIns="0" bIns="0" anchor="ctr"/>
           <a:p>
-            <a:endParaRPr/>
-          </a:p>
-        </p:txBody>
-      </p:sp>
-      <p:sp>
-        <p:nvSpPr>
-          <p:cNvPr id="19" name="PlaceHolder 2"/>
+            <a:pPr algn="ctr"/>
+            <a:endParaRPr/>
+          </a:p>
+        </p:txBody>
+      </p:sp>
+      <p:sp>
+        <p:nvSpPr>
+          <p:cNvPr id="16" name="PlaceHolder 2"/>
           <p:cNvSpPr>
             <a:spLocks noGrp="1"/>
           </p:cNvSpPr>
@@ -3280,8 +3310,8 @@
         </p:nvSpPr>
         <p:spPr>
           <a:xfrm>
-            <a:off x="838080" y="1825560"/>
-            <a:ext cx="5131080" cy="4350960"/>
+            <a:off x="609480" y="1604520"/>
+            <a:ext cx="5354280" cy="3977280"/>
           </a:xfrm>
           <a:prstGeom prst="rect">
             <a:avLst/>
@@ -3296,7 +3326,7 @@
       </p:sp>
       <p:sp>
         <p:nvSpPr>
-          <p:cNvPr id="20" name="PlaceHolder 3"/>
+          <p:cNvPr id="17" name="PlaceHolder 3"/>
           <p:cNvSpPr>
             <a:spLocks noGrp="1"/>
           </p:cNvSpPr>
@@ -3306,8 +3336,8 @@
         </p:nvSpPr>
         <p:spPr>
           <a:xfrm>
-            <a:off x="6226200" y="1825560"/>
-            <a:ext cx="5131080" cy="2075040"/>
+            <a:off x="6231960" y="1604520"/>
+            <a:ext cx="5354280" cy="1896840"/>
           </a:xfrm>
           <a:prstGeom prst="rect">
             <a:avLst/>
@@ -3322,7 +3352,7 @@
       </p:sp>
       <p:sp>
         <p:nvSpPr>
-          <p:cNvPr id="21" name="PlaceHolder 4"/>
+          <p:cNvPr id="18" name="PlaceHolder 4"/>
           <p:cNvSpPr>
             <a:spLocks noGrp="1"/>
           </p:cNvSpPr>
@@ -3332,8 +3362,8 @@
         </p:nvSpPr>
         <p:spPr>
           <a:xfrm>
-            <a:off x="6226200" y="4098240"/>
-            <a:ext cx="5131080" cy="2075040"/>
+            <a:off x="6231960" y="3682080"/>
+            <a:ext cx="5354280" cy="1896840"/>
           </a:xfrm>
           <a:prstGeom prst="rect">
             <a:avLst/>
@@ -3370,7 +3400,7 @@
       </p:grpSpPr>
       <p:sp>
         <p:nvSpPr>
-          <p:cNvPr id="22" name="PlaceHolder 1"/>
+          <p:cNvPr id="19" name="PlaceHolder 1"/>
           <p:cNvSpPr>
             <a:spLocks noGrp="1"/>
           </p:cNvSpPr>
@@ -3380,8 +3410,8 @@
         </p:nvSpPr>
         <p:spPr>
           <a:xfrm>
-            <a:off x="838080" y="365040"/>
-            <a:ext cx="10515240" cy="1325160"/>
+            <a:off x="609480" y="273600"/>
+            <a:ext cx="10972440" cy="1144800"/>
           </a:xfrm>
           <a:prstGeom prst="rect">
             <a:avLst/>
@@ -3390,13 +3420,14 @@
         <p:txBody>
           <a:bodyPr lIns="0" rIns="0" tIns="0" bIns="0" anchor="ctr"/>
           <a:p>
-            <a:endParaRPr/>
-          </a:p>
-        </p:txBody>
-      </p:sp>
-      <p:sp>
-        <p:nvSpPr>
-          <p:cNvPr id="23" name="PlaceHolder 2"/>
+            <a:pPr algn="ctr"/>
+            <a:endParaRPr/>
+          </a:p>
+        </p:txBody>
+      </p:sp>
+      <p:sp>
+        <p:nvSpPr>
+          <p:cNvPr id="20" name="PlaceHolder 2"/>
           <p:cNvSpPr>
             <a:spLocks noGrp="1"/>
           </p:cNvSpPr>
@@ -3406,8 +3437,8 @@
         </p:nvSpPr>
         <p:spPr>
           <a:xfrm>
-            <a:off x="838080" y="1825560"/>
-            <a:ext cx="5131080" cy="2075040"/>
+            <a:off x="609480" y="1604520"/>
+            <a:ext cx="5354280" cy="1896840"/>
           </a:xfrm>
           <a:prstGeom prst="rect">
             <a:avLst/>
@@ -3422,7 +3453,7 @@
       </p:sp>
       <p:sp>
         <p:nvSpPr>
-          <p:cNvPr id="24" name="PlaceHolder 3"/>
+          <p:cNvPr id="21" name="PlaceHolder 3"/>
           <p:cNvSpPr>
             <a:spLocks noGrp="1"/>
           </p:cNvSpPr>
@@ -3432,8 +3463,8 @@
         </p:nvSpPr>
         <p:spPr>
           <a:xfrm>
-            <a:off x="6226200" y="1825560"/>
-            <a:ext cx="5131080" cy="2075040"/>
+            <a:off x="6231960" y="1604520"/>
+            <a:ext cx="5354280" cy="1896840"/>
           </a:xfrm>
           <a:prstGeom prst="rect">
             <a:avLst/>
@@ -3448,7 +3479,7 @@
       </p:sp>
       <p:sp>
         <p:nvSpPr>
-          <p:cNvPr id="25" name="PlaceHolder 4"/>
+          <p:cNvPr id="22" name="PlaceHolder 4"/>
           <p:cNvSpPr>
             <a:spLocks noGrp="1"/>
           </p:cNvSpPr>
@@ -3458,8 +3489,8 @@
         </p:nvSpPr>
         <p:spPr>
           <a:xfrm>
-            <a:off x="838080" y="4098240"/>
-            <a:ext cx="10515240" cy="2075040"/>
+            <a:off x="609480" y="3682080"/>
+            <a:ext cx="10972440" cy="1896840"/>
           </a:xfrm>
           <a:prstGeom prst="rect">
             <a:avLst/>
@@ -3513,29 +3544,21 @@
         </p:nvSpPr>
         <p:spPr>
           <a:xfrm>
-            <a:off x="1523880" y="1122480"/>
-            <a:ext cx="9143640" cy="2387160"/>
-          </a:xfrm>
-          <a:prstGeom prst="rect">
-            <a:avLst/>
-          </a:prstGeom>
-        </p:spPr>
-        <p:txBody>
-          <a:bodyPr anchor="b"/>
-          <a:p>
-            <a:pPr algn="ctr">
-              <a:lnSpc>
-                <a:spcPct val="100000"/>
-              </a:lnSpc>
-            </a:pPr>
+            <a:off x="838080" y="365040"/>
+            <a:ext cx="10514880" cy="1324800"/>
+          </a:xfrm>
+          <a:prstGeom prst="rect">
+            <a:avLst/>
+          </a:prstGeom>
+        </p:spPr>
+        <p:txBody>
+          <a:bodyPr lIns="0" rIns="0" tIns="0" bIns="0" anchor="ctr"/>
+          <a:p>
             <a:r>
-              <a:rPr lang="en-US" sz="6000" strike="noStrike">
-                <a:solidFill>
-                  <a:srgbClr val="000000"/>
-                </a:solidFill>
-                <a:latin typeface="Calibri Light"/>
+              <a:rPr lang="en-GB">
+                <a:latin typeface="Arial"/>
               </a:rPr>
-              <a:t>Click to edit the title text formatClick to edit Master title style</a:t>
+              <a:t>Click to edit the title text format</a:t>
             </a:r>
             <a:endParaRPr/>
           </a:p>
@@ -3544,112 +3567,6 @@
       <p:sp>
         <p:nvSpPr>
           <p:cNvPr id="1" name="PlaceHolder 2"/>
-          <p:cNvSpPr>
-            <a:spLocks noGrp="1"/>
-          </p:cNvSpPr>
-          <p:nvPr>
-            <p:ph type="dt"/>
-          </p:nvPr>
-        </p:nvSpPr>
-        <p:spPr>
-          <a:xfrm>
-            <a:off x="838080" y="6356520"/>
-            <a:ext cx="2742840" cy="364680"/>
-          </a:xfrm>
-          <a:prstGeom prst="rect">
-            <a:avLst/>
-          </a:prstGeom>
-        </p:spPr>
-        <p:txBody>
-          <a:bodyPr anchor="ctr"/>
-          <a:p>
-            <a:pPr>
-              <a:lnSpc>
-                <a:spcPct val="100000"/>
-              </a:lnSpc>
-            </a:pPr>
-            <a:r>
-              <a:rPr lang="en-GB" sz="1200" strike="noStrike">
-                <a:solidFill>
-                  <a:srgbClr val="8b8b8b"/>
-                </a:solidFill>
-                <a:latin typeface="Calibri"/>
-              </a:rPr>
-              <a:t>31/10/16</a:t>
-            </a:r>
-            <a:endParaRPr/>
-          </a:p>
-        </p:txBody>
-      </p:sp>
-      <p:sp>
-        <p:nvSpPr>
-          <p:cNvPr id="2" name="PlaceHolder 3"/>
-          <p:cNvSpPr>
-            <a:spLocks noGrp="1"/>
-          </p:cNvSpPr>
-          <p:nvPr>
-            <p:ph type="ftr"/>
-          </p:nvPr>
-        </p:nvSpPr>
-        <p:spPr>
-          <a:xfrm>
-            <a:off x="4038480" y="6356520"/>
-            <a:ext cx="4114440" cy="364680"/>
-          </a:xfrm>
-          <a:prstGeom prst="rect">
-            <a:avLst/>
-          </a:prstGeom>
-        </p:spPr>
-        <p:txBody>
-          <a:bodyPr anchor="ctr"/>
-          <a:p>
-            <a:endParaRPr/>
-          </a:p>
-        </p:txBody>
-      </p:sp>
-      <p:sp>
-        <p:nvSpPr>
-          <p:cNvPr id="3" name="PlaceHolder 4"/>
-          <p:cNvSpPr>
-            <a:spLocks noGrp="1"/>
-          </p:cNvSpPr>
-          <p:nvPr>
-            <p:ph type="sldNum"/>
-          </p:nvPr>
-        </p:nvSpPr>
-        <p:spPr>
-          <a:xfrm>
-            <a:off x="8610480" y="6356520"/>
-            <a:ext cx="2742840" cy="364680"/>
-          </a:xfrm>
-          <a:prstGeom prst="rect">
-            <a:avLst/>
-          </a:prstGeom>
-        </p:spPr>
-        <p:txBody>
-          <a:bodyPr anchor="ctr"/>
-          <a:p>
-            <a:pPr algn="r">
-              <a:lnSpc>
-                <a:spcPct val="100000"/>
-              </a:lnSpc>
-            </a:pPr>
-            <a:fld id="{40B31D36-7446-4CED-80DA-09C1846269CC}" type="slidenum">
-              <a:rPr lang="en-GB" sz="1200" strike="noStrike">
-                <a:solidFill>
-                  <a:srgbClr val="8b8b8b"/>
-                </a:solidFill>
-                <a:latin typeface="Calibri"/>
-              </a:rPr>
-              <a:t>&lt;number&gt;</a:t>
-            </a:fld>
-            <a:endParaRPr/>
-          </a:p>
-        </p:txBody>
-      </p:sp>
-      <p:sp>
-        <p:nvSpPr>
-          <p:cNvPr id="4" name="PlaceHolder 5"/>
           <p:cNvSpPr>
             <a:spLocks noGrp="1"/>
           </p:cNvSpPr>
@@ -3675,8 +3592,8 @@
               <a:buChar char=""/>
             </a:pPr>
             <a:r>
-              <a:rPr lang="en-US" sz="2800">
-                <a:latin typeface="Calibri"/>
+              <a:rPr lang="en-GB" sz="3200">
+                <a:latin typeface="Arial"/>
               </a:rPr>
               <a:t>Click to edit the outline text format</a:t>
             </a:r>
@@ -3689,8 +3606,8 @@
               <a:buChar char=""/>
             </a:pPr>
             <a:r>
-              <a:rPr lang="en-US" sz="2000">
-                <a:latin typeface="Calibri"/>
+              <a:rPr lang="en-GB" sz="2800">
+                <a:latin typeface="Arial"/>
               </a:rPr>
               <a:t>Second Outline Level</a:t>
             </a:r>
@@ -3703,8 +3620,8 @@
               <a:buChar char=""/>
             </a:pPr>
             <a:r>
-              <a:rPr lang="en-US">
-                <a:latin typeface="Calibri"/>
+              <a:rPr lang="en-GB" sz="2400">
+                <a:latin typeface="Arial"/>
               </a:rPr>
               <a:t>Third Outline Level</a:t>
             </a:r>
@@ -3717,8 +3634,8 @@
               <a:buChar char=""/>
             </a:pPr>
             <a:r>
-              <a:rPr lang="en-US">
-                <a:latin typeface="Calibri"/>
+              <a:rPr lang="en-GB" sz="2000">
+                <a:latin typeface="Arial"/>
               </a:rPr>
               <a:t>Fourth Outline Level</a:t>
             </a:r>
@@ -3731,8 +3648,8 @@
               <a:buChar char=""/>
             </a:pPr>
             <a:r>
-              <a:rPr lang="en-US" sz="2000">
-                <a:latin typeface="Calibri"/>
+              <a:rPr lang="en-GB" sz="2000">
+                <a:latin typeface="Arial"/>
               </a:rPr>
               <a:t>Fifth Outline Level</a:t>
             </a:r>
@@ -3745,8 +3662,8 @@
               <a:buChar char=""/>
             </a:pPr>
             <a:r>
-              <a:rPr lang="en-US" sz="2000">
-                <a:latin typeface="Calibri"/>
+              <a:rPr lang="en-GB" sz="2000">
+                <a:latin typeface="Arial"/>
               </a:rPr>
               <a:t>Sixth Outline Level</a:t>
             </a:r>
@@ -3759,8 +3676,8 @@
               <a:buChar char=""/>
             </a:pPr>
             <a:r>
-              <a:rPr lang="en-US" sz="2000">
-                <a:latin typeface="Calibri"/>
+              <a:rPr lang="en-GB" sz="2000">
+                <a:latin typeface="Arial"/>
               </a:rPr>
               <a:t>Seventh Outline Level</a:t>
             </a:r>
@@ -3814,7 +3731,7 @@
       </p:grpSpPr>
       <p:sp>
         <p:nvSpPr>
-          <p:cNvPr id="39" name="PlaceHolder 1"/>
+          <p:cNvPr id="36" name="PlaceHolder 1"/>
           <p:cNvSpPr>
             <a:spLocks noGrp="1"/>
           </p:cNvSpPr>
@@ -3824,29 +3741,22 @@
         </p:nvSpPr>
         <p:spPr>
           <a:xfrm>
-            <a:off x="838080" y="365040"/>
-            <a:ext cx="10515240" cy="1325160"/>
-          </a:xfrm>
-          <a:prstGeom prst="rect">
-            <a:avLst/>
-          </a:prstGeom>
-        </p:spPr>
-        <p:txBody>
-          <a:bodyPr anchor="ctr"/>
-          <a:p>
-            <a:pPr>
-              <a:lnSpc>
-                <a:spcPct val="90000"/>
-              </a:lnSpc>
-            </a:pPr>
+            <a:off x="609480" y="273600"/>
+            <a:ext cx="10972440" cy="1144800"/>
+          </a:xfrm>
+          <a:prstGeom prst="rect">
+            <a:avLst/>
+          </a:prstGeom>
+        </p:spPr>
+        <p:txBody>
+          <a:bodyPr lIns="0" rIns="0" tIns="0" bIns="0" anchor="ctr"/>
+          <a:p>
+            <a:pPr algn="ctr"/>
             <a:r>
-              <a:rPr lang="en-US" sz="4400" strike="noStrike">
-                <a:solidFill>
-                  <a:srgbClr val="000000"/>
-                </a:solidFill>
-                <a:latin typeface="Calibri Light"/>
+              <a:rPr lang="en-GB" sz="4400">
+                <a:latin typeface="Arial"/>
               </a:rPr>
-              <a:t>Click to edit the title text formatClick to edit Master title style</a:t>
+              <a:t>Click to edit the title text format</a:t>
             </a:r>
             <a:endParaRPr/>
           </a:p>
@@ -3854,7 +3764,7 @@
       </p:sp>
       <p:sp>
         <p:nvSpPr>
-          <p:cNvPr id="40" name="PlaceHolder 2"/>
+          <p:cNvPr id="37" name="PlaceHolder 2"/>
           <p:cNvSpPr>
             <a:spLocks noGrp="1"/>
           </p:cNvSpPr>
@@ -3864,15 +3774,15 @@
         </p:nvSpPr>
         <p:spPr>
           <a:xfrm>
-            <a:off x="838080" y="1825560"/>
-            <a:ext cx="10515240" cy="4350960"/>
-          </a:xfrm>
-          <a:prstGeom prst="rect">
-            <a:avLst/>
-          </a:prstGeom>
-        </p:spPr>
-        <p:txBody>
-          <a:bodyPr/>
+            <a:off x="609480" y="1604520"/>
+            <a:ext cx="10972440" cy="3977280"/>
+          </a:xfrm>
+          <a:prstGeom prst="rect">
+            <a:avLst/>
+          </a:prstGeom>
+        </p:spPr>
+        <p:txBody>
+          <a:bodyPr lIns="0" rIns="0" tIns="0" bIns="0"/>
           <a:p>
             <a:pPr>
               <a:buSzPct val="45000"/>
@@ -3880,11 +3790,8 @@
               <a:buChar char=""/>
             </a:pPr>
             <a:r>
-              <a:rPr lang="en-US" sz="2800" strike="noStrike">
-                <a:solidFill>
-                  <a:srgbClr val="000000"/>
-                </a:solidFill>
-                <a:latin typeface="Calibri"/>
+              <a:rPr lang="en-GB" sz="3200">
+                <a:latin typeface="Arial"/>
               </a:rPr>
               <a:t>Click to edit the outline text format</a:t>
             </a:r>
@@ -3897,11 +3804,8 @@
               <a:buChar char=""/>
             </a:pPr>
             <a:r>
-              <a:rPr lang="en-US" sz="2800" strike="noStrike">
-                <a:solidFill>
-                  <a:srgbClr val="000000"/>
-                </a:solidFill>
-                <a:latin typeface="Calibri"/>
+              <a:rPr lang="en-GB" sz="2800">
+                <a:latin typeface="Arial"/>
               </a:rPr>
               <a:t>Second Outline Level</a:t>
             </a:r>
@@ -3914,11 +3818,8 @@
               <a:buChar char=""/>
             </a:pPr>
             <a:r>
-              <a:rPr lang="en-US" sz="2800" strike="noStrike">
-                <a:solidFill>
-                  <a:srgbClr val="000000"/>
-                </a:solidFill>
-                <a:latin typeface="Calibri"/>
+              <a:rPr lang="en-GB" sz="2400">
+                <a:latin typeface="Arial"/>
               </a:rPr>
               <a:t>Third Outline Level</a:t>
             </a:r>
@@ -3931,11 +3832,8 @@
               <a:buChar char=""/>
             </a:pPr>
             <a:r>
-              <a:rPr lang="en-US" sz="2800" strike="noStrike">
-                <a:solidFill>
-                  <a:srgbClr val="000000"/>
-                </a:solidFill>
-                <a:latin typeface="Calibri"/>
+              <a:rPr lang="en-GB" sz="2000">
+                <a:latin typeface="Arial"/>
               </a:rPr>
               <a:t>Fourth Outline Level</a:t>
             </a:r>
@@ -3948,11 +3846,8 @@
               <a:buChar char=""/>
             </a:pPr>
             <a:r>
-              <a:rPr lang="en-US" sz="2800" strike="noStrike">
-                <a:solidFill>
-                  <a:srgbClr val="000000"/>
-                </a:solidFill>
-                <a:latin typeface="Calibri"/>
+              <a:rPr lang="en-GB" sz="2000">
+                <a:latin typeface="Arial"/>
               </a:rPr>
               <a:t>Fifth Outline Level</a:t>
             </a:r>
@@ -3965,215 +3860,25 @@
               <a:buChar char=""/>
             </a:pPr>
             <a:r>
-              <a:rPr lang="en-US" sz="2800" strike="noStrike">
-                <a:solidFill>
-                  <a:srgbClr val="000000"/>
-                </a:solidFill>
-                <a:latin typeface="Calibri"/>
+              <a:rPr lang="en-GB" sz="2000">
+                <a:latin typeface="Arial"/>
               </a:rPr>
               <a:t>Sixth Outline Level</a:t>
             </a:r>
             <a:endParaRPr/>
           </a:p>
           <a:p>
-            <a:pPr>
-              <a:lnSpc>
-                <a:spcPct val="100000"/>
-              </a:lnSpc>
-              <a:buFont typeface="Arial"/>
-              <a:buChar char="•"/>
+            <a:pPr lvl="6">
+              <a:buSzPct val="45000"/>
+              <a:buFont typeface="StarSymbol"/>
+              <a:buChar char=""/>
             </a:pPr>
             <a:r>
-              <a:rPr lang="en-US" sz="2800" strike="noStrike">
-                <a:solidFill>
-                  <a:srgbClr val="000000"/>
-                </a:solidFill>
-                <a:latin typeface="Calibri"/>
+              <a:rPr lang="en-GB" sz="2000">
+                <a:latin typeface="Arial"/>
               </a:rPr>
-              <a:t>Seventh Outline LevelEdit Master text styles</a:t>
+              <a:t>Seventh Outline Level</a:t>
             </a:r>
-            <a:endParaRPr/>
-          </a:p>
-          <a:p>
-            <a:pPr lvl="1">
-              <a:lnSpc>
-                <a:spcPct val="100000"/>
-              </a:lnSpc>
-              <a:buFont typeface="Arial"/>
-              <a:buChar char="•"/>
-            </a:pPr>
-            <a:r>
-              <a:rPr lang="en-US" sz="2400" strike="noStrike">
-                <a:solidFill>
-                  <a:srgbClr val="000000"/>
-                </a:solidFill>
-                <a:latin typeface="Calibri"/>
-              </a:rPr>
-              <a:t>Second level</a:t>
-            </a:r>
-            <a:endParaRPr/>
-          </a:p>
-          <a:p>
-            <a:pPr lvl="2">
-              <a:lnSpc>
-                <a:spcPct val="100000"/>
-              </a:lnSpc>
-              <a:buFont typeface="Arial"/>
-              <a:buChar char="•"/>
-            </a:pPr>
-            <a:r>
-              <a:rPr lang="en-US" sz="2000" strike="noStrike">
-                <a:solidFill>
-                  <a:srgbClr val="000000"/>
-                </a:solidFill>
-                <a:latin typeface="Calibri"/>
-              </a:rPr>
-              <a:t>Third level</a:t>
-            </a:r>
-            <a:endParaRPr/>
-          </a:p>
-          <a:p>
-            <a:pPr lvl="3">
-              <a:lnSpc>
-                <a:spcPct val="100000"/>
-              </a:lnSpc>
-              <a:buFont typeface="Arial"/>
-              <a:buChar char="•"/>
-            </a:pPr>
-            <a:r>
-              <a:rPr lang="en-US" strike="noStrike">
-                <a:solidFill>
-                  <a:srgbClr val="000000"/>
-                </a:solidFill>
-                <a:latin typeface="Calibri"/>
-              </a:rPr>
-              <a:t>Fourth level</a:t>
-            </a:r>
-            <a:endParaRPr/>
-          </a:p>
-          <a:p>
-            <a:pPr lvl="4">
-              <a:lnSpc>
-                <a:spcPct val="100000"/>
-              </a:lnSpc>
-              <a:buFont typeface="Arial"/>
-              <a:buChar char="•"/>
-            </a:pPr>
-            <a:r>
-              <a:rPr lang="en-US" strike="noStrike">
-                <a:solidFill>
-                  <a:srgbClr val="000000"/>
-                </a:solidFill>
-                <a:latin typeface="Calibri"/>
-              </a:rPr>
-              <a:t>Fifth level</a:t>
-            </a:r>
-            <a:endParaRPr/>
-          </a:p>
-        </p:txBody>
-      </p:sp>
-      <p:sp>
-        <p:nvSpPr>
-          <p:cNvPr id="41" name="PlaceHolder 3"/>
-          <p:cNvSpPr>
-            <a:spLocks noGrp="1"/>
-          </p:cNvSpPr>
-          <p:nvPr>
-            <p:ph type="dt"/>
-          </p:nvPr>
-        </p:nvSpPr>
-        <p:spPr>
-          <a:xfrm>
-            <a:off x="838080" y="6356520"/>
-            <a:ext cx="2742840" cy="364680"/>
-          </a:xfrm>
-          <a:prstGeom prst="rect">
-            <a:avLst/>
-          </a:prstGeom>
-        </p:spPr>
-        <p:txBody>
-          <a:bodyPr anchor="ctr"/>
-          <a:p>
-            <a:pPr>
-              <a:lnSpc>
-                <a:spcPct val="100000"/>
-              </a:lnSpc>
-            </a:pPr>
-            <a:r>
-              <a:rPr lang="en-GB" sz="1200" strike="noStrike">
-                <a:solidFill>
-                  <a:srgbClr val="8b8b8b"/>
-                </a:solidFill>
-                <a:latin typeface="Calibri"/>
-              </a:rPr>
-              <a:t>31/10/16</a:t>
-            </a:r>
-            <a:endParaRPr/>
-          </a:p>
-        </p:txBody>
-      </p:sp>
-      <p:sp>
-        <p:nvSpPr>
-          <p:cNvPr id="42" name="PlaceHolder 4"/>
-          <p:cNvSpPr>
-            <a:spLocks noGrp="1"/>
-          </p:cNvSpPr>
-          <p:nvPr>
-            <p:ph type="ftr"/>
-          </p:nvPr>
-        </p:nvSpPr>
-        <p:spPr>
-          <a:xfrm>
-            <a:off x="4038480" y="6356520"/>
-            <a:ext cx="4114440" cy="364680"/>
-          </a:xfrm>
-          <a:prstGeom prst="rect">
-            <a:avLst/>
-          </a:prstGeom>
-        </p:spPr>
-        <p:txBody>
-          <a:bodyPr anchor="ctr"/>
-          <a:p>
-            <a:endParaRPr/>
-          </a:p>
-        </p:txBody>
-      </p:sp>
-      <p:sp>
-        <p:nvSpPr>
-          <p:cNvPr id="43" name="PlaceHolder 5"/>
-          <p:cNvSpPr>
-            <a:spLocks noGrp="1"/>
-          </p:cNvSpPr>
-          <p:nvPr>
-            <p:ph type="sldNum"/>
-          </p:nvPr>
-        </p:nvSpPr>
-        <p:spPr>
-          <a:xfrm>
-            <a:off x="8610480" y="6356520"/>
-            <a:ext cx="2742840" cy="364680"/>
-          </a:xfrm>
-          <a:prstGeom prst="rect">
-            <a:avLst/>
-          </a:prstGeom>
-        </p:spPr>
-        <p:txBody>
-          <a:bodyPr anchor="ctr"/>
-          <a:p>
-            <a:pPr algn="r">
-              <a:lnSpc>
-                <a:spcPct val="100000"/>
-              </a:lnSpc>
-            </a:pPr>
-            <a:fld id="{5798060B-5D1C-4CBA-8A7F-1E07B41A64CF}" type="slidenum">
-              <a:rPr lang="en-GB" sz="1200" strike="noStrike">
-                <a:solidFill>
-                  <a:srgbClr val="8b8b8b"/>
-                </a:solidFill>
-                <a:latin typeface="Calibri"/>
-              </a:rPr>
-              <a:t>&lt;number&gt;</a:t>
-            </a:fld>
             <a:endParaRPr/>
           </a:p>
         </p:txBody>
@@ -4224,7 +3929,40 @@
       </p:grpSpPr>
       <p:sp>
         <p:nvSpPr>
-          <p:cNvPr id="78" name="PlaceHolder 1"/>
+          <p:cNvPr id="72" name="PlaceHolder 1"/>
+          <p:cNvSpPr>
+            <a:spLocks noGrp="1"/>
+          </p:cNvSpPr>
+          <p:nvPr>
+            <p:ph type="title"/>
+          </p:nvPr>
+        </p:nvSpPr>
+        <p:spPr>
+          <a:xfrm>
+            <a:off x="609480" y="273600"/>
+            <a:ext cx="10972440" cy="1144800"/>
+          </a:xfrm>
+          <a:prstGeom prst="rect">
+            <a:avLst/>
+          </a:prstGeom>
+        </p:spPr>
+        <p:txBody>
+          <a:bodyPr lIns="0" rIns="0" tIns="0" bIns="0" anchor="ctr"/>
+          <a:p>
+            <a:pPr algn="ctr"/>
+            <a:r>
+              <a:rPr lang="en-GB" sz="4400">
+                <a:latin typeface="Arial"/>
+              </a:rPr>
+              <a:t>Click to edit the title text format</a:t>
+            </a:r>
+            <a:endParaRPr/>
+          </a:p>
+        </p:txBody>
+      </p:sp>
+      <p:sp>
+        <p:nvSpPr>
+          <p:cNvPr id="73" name="PlaceHolder 2"/>
           <p:cNvSpPr>
             <a:spLocks noGrp="1"/>
           </p:cNvSpPr>
@@ -4234,15 +3972,15 @@
         </p:nvSpPr>
         <p:spPr>
           <a:xfrm>
-            <a:off x="459720" y="444600"/>
-            <a:ext cx="11272320" cy="5968800"/>
-          </a:xfrm>
-          <a:prstGeom prst="rect">
-            <a:avLst/>
-          </a:prstGeom>
-        </p:spPr>
-        <p:txBody>
-          <a:bodyPr/>
+            <a:off x="609480" y="1604520"/>
+            <a:ext cx="10972440" cy="3977280"/>
+          </a:xfrm>
+          <a:prstGeom prst="rect">
+            <a:avLst/>
+          </a:prstGeom>
+        </p:spPr>
+        <p:txBody>
+          <a:bodyPr lIns="0" rIns="0" tIns="0" bIns="0"/>
           <a:p>
             <a:pPr>
               <a:buSzPct val="45000"/>
@@ -4250,11 +3988,8 @@
               <a:buChar char=""/>
             </a:pPr>
             <a:r>
-              <a:rPr lang="en-US" sz="2800" strike="noStrike">
-                <a:solidFill>
-                  <a:srgbClr val="000000"/>
-                </a:solidFill>
-                <a:latin typeface="Calibri"/>
+              <a:rPr lang="en-GB" sz="3200">
+                <a:latin typeface="Arial"/>
               </a:rPr>
               <a:t>Click to edit the outline text format</a:t>
             </a:r>
@@ -4267,11 +4002,8 @@
               <a:buChar char=""/>
             </a:pPr>
             <a:r>
-              <a:rPr lang="en-US" sz="2800" strike="noStrike">
-                <a:solidFill>
-                  <a:srgbClr val="000000"/>
-                </a:solidFill>
-                <a:latin typeface="Calibri"/>
+              <a:rPr lang="en-GB" sz="2800">
+                <a:latin typeface="Arial"/>
               </a:rPr>
               <a:t>Second Outline Level</a:t>
             </a:r>
@@ -4284,11 +4016,8 @@
               <a:buChar char=""/>
             </a:pPr>
             <a:r>
-              <a:rPr lang="en-US" sz="2800" strike="noStrike">
-                <a:solidFill>
-                  <a:srgbClr val="000000"/>
-                </a:solidFill>
-                <a:latin typeface="Calibri"/>
+              <a:rPr lang="en-GB" sz="2400">
+                <a:latin typeface="Arial"/>
               </a:rPr>
               <a:t>Third Outline Level</a:t>
             </a:r>
@@ -4301,11 +4030,8 @@
               <a:buChar char=""/>
             </a:pPr>
             <a:r>
-              <a:rPr lang="en-US" sz="2800" strike="noStrike">
-                <a:solidFill>
-                  <a:srgbClr val="000000"/>
-                </a:solidFill>
-                <a:latin typeface="Calibri"/>
+              <a:rPr lang="en-GB" sz="2000">
+                <a:latin typeface="Arial"/>
               </a:rPr>
               <a:t>Fourth Outline Level</a:t>
             </a:r>
@@ -4318,11 +4044,8 @@
               <a:buChar char=""/>
             </a:pPr>
             <a:r>
-              <a:rPr lang="en-US" sz="2800" strike="noStrike">
-                <a:solidFill>
-                  <a:srgbClr val="000000"/>
-                </a:solidFill>
-                <a:latin typeface="Calibri"/>
+              <a:rPr lang="en-GB" sz="2000">
+                <a:latin typeface="Arial"/>
               </a:rPr>
               <a:t>Fifth Outline Level</a:t>
             </a:r>
@@ -4335,140 +4058,24 @@
               <a:buChar char=""/>
             </a:pPr>
             <a:r>
-              <a:rPr lang="en-US" sz="2800" strike="noStrike">
-                <a:solidFill>
-                  <a:srgbClr val="000000"/>
-                </a:solidFill>
-                <a:latin typeface="Calibri"/>
+              <a:rPr lang="en-GB" sz="2000">
+                <a:latin typeface="Arial"/>
               </a:rPr>
               <a:t>Sixth Outline Level</a:t>
             </a:r>
             <a:endParaRPr/>
           </a:p>
           <a:p>
-            <a:pPr>
-              <a:lnSpc>
-                <a:spcPct val="100000"/>
-              </a:lnSpc>
-              <a:buFont typeface="Arial"/>
-              <a:buChar char="•"/>
+            <a:pPr lvl="6">
+              <a:buSzPct val="45000"/>
+              <a:buFont typeface="StarSymbol"/>
+              <a:buChar char=""/>
             </a:pPr>
             <a:r>
-              <a:rPr lang="en-US" sz="2800" strike="noStrike">
-                <a:solidFill>
-                  <a:srgbClr val="000000"/>
-                </a:solidFill>
-                <a:latin typeface="Calibri"/>
+              <a:rPr lang="en-GB" sz="2000">
+                <a:latin typeface="Arial"/>
               </a:rPr>
-              <a:t>Seventh Outline LevelEdit Master text styles</a:t>
-            </a:r>
-            <a:endParaRPr/>
-          </a:p>
-          <a:p>
-            <a:pPr lvl="1">
-              <a:lnSpc>
-                <a:spcPct val="100000"/>
-              </a:lnSpc>
-              <a:buFont typeface="Arial"/>
-              <a:buChar char="•"/>
-            </a:pPr>
-            <a:r>
-              <a:rPr lang="en-US" sz="2400" strike="noStrike">
-                <a:solidFill>
-                  <a:srgbClr val="000000"/>
-                </a:solidFill>
-                <a:latin typeface="Calibri"/>
-              </a:rPr>
-              <a:t>Second level</a:t>
-            </a:r>
-            <a:endParaRPr/>
-          </a:p>
-          <a:p>
-            <a:pPr lvl="2">
-              <a:lnSpc>
-                <a:spcPct val="100000"/>
-              </a:lnSpc>
-              <a:buFont typeface="Arial"/>
-              <a:buChar char="•"/>
-            </a:pPr>
-            <a:r>
-              <a:rPr lang="en-US" sz="2000" strike="noStrike">
-                <a:solidFill>
-                  <a:srgbClr val="000000"/>
-                </a:solidFill>
-                <a:latin typeface="Calibri"/>
-              </a:rPr>
-              <a:t>Third level</a:t>
-            </a:r>
-            <a:endParaRPr/>
-          </a:p>
-          <a:p>
-            <a:pPr lvl="3">
-              <a:lnSpc>
-                <a:spcPct val="100000"/>
-              </a:lnSpc>
-              <a:buFont typeface="Arial"/>
-              <a:buChar char="•"/>
-            </a:pPr>
-            <a:r>
-              <a:rPr lang="en-US" strike="noStrike">
-                <a:solidFill>
-                  <a:srgbClr val="000000"/>
-                </a:solidFill>
-                <a:latin typeface="Calibri"/>
-              </a:rPr>
-              <a:t>Fourth level</a:t>
-            </a:r>
-            <a:endParaRPr/>
-          </a:p>
-          <a:p>
-            <a:pPr lvl="4">
-              <a:lnSpc>
-                <a:spcPct val="100000"/>
-              </a:lnSpc>
-              <a:buFont typeface="Arial"/>
-              <a:buChar char="•"/>
-            </a:pPr>
-            <a:r>
-              <a:rPr lang="en-US" strike="noStrike">
-                <a:solidFill>
-                  <a:srgbClr val="000000"/>
-                </a:solidFill>
-                <a:latin typeface="Calibri"/>
-              </a:rPr>
-              <a:t>Fifth level</a:t>
-            </a:r>
-            <a:endParaRPr/>
-          </a:p>
-        </p:txBody>
-      </p:sp>
-      <p:sp>
-        <p:nvSpPr>
-          <p:cNvPr id="79" name="PlaceHolder 2"/>
-          <p:cNvSpPr>
-            <a:spLocks noGrp="1"/>
-          </p:cNvSpPr>
-          <p:nvPr>
-            <p:ph type="title"/>
-          </p:nvPr>
-        </p:nvSpPr>
-        <p:spPr>
-          <a:xfrm>
-            <a:off x="609480" y="273600"/>
-            <a:ext cx="10972440" cy="1144800"/>
-          </a:xfrm>
-          <a:prstGeom prst="rect">
-            <a:avLst/>
-          </a:prstGeom>
-        </p:spPr>
-        <p:txBody>
-          <a:bodyPr lIns="0" rIns="0" tIns="0" bIns="0" anchor="ctr"/>
-          <a:p>
-            <a:r>
-              <a:rPr lang="en-US">
-                <a:latin typeface="Calibri"/>
-              </a:rPr>
-              <a:t>Click to edit the title text format</a:t>
+              <a:t>Seventh Outline Level</a:t>
             </a:r>
             <a:endParaRPr/>
           </a:p>
@@ -4513,14 +4120,14 @@
       </p:grpSpPr>
       <p:sp>
         <p:nvSpPr>
-          <p:cNvPr id="114" name="TextShape 1"/>
-          <p:cNvSpPr txBox="1"/>
+          <p:cNvPr id="108" name="CustomShape 1"/>
+          <p:cNvSpPr/>
           <p:nvPr/>
         </p:nvSpPr>
         <p:spPr>
           <a:xfrm>
             <a:off x="1523880" y="1122480"/>
-            <a:ext cx="9143640" cy="2387160"/>
+            <a:ext cx="9143280" cy="2386800"/>
           </a:xfrm>
           <a:prstGeom prst="rect">
             <a:avLst/>
@@ -4530,8 +4137,14 @@
             <a:noFill/>
           </a:ln>
         </p:spPr>
-        <p:txBody>
-          <a:bodyPr anchor="b"/>
+        <p:style>
+          <a:lnRef idx="0"/>
+          <a:fillRef idx="0"/>
+          <a:effectRef idx="0"/>
+          <a:fontRef idx="minor"/>
+        </p:style>
+        <p:txBody>
+          <a:bodyPr lIns="90000" rIns="90000" tIns="45000" bIns="45000" anchor="b"/>
           <a:p>
             <a:pPr algn="ctr">
               <a:lnSpc>
@@ -4539,7 +4152,7 @@
               </a:lnSpc>
             </a:pPr>
             <a:r>
-              <a:rPr lang="en-US" sz="6000" strike="noStrike">
+              <a:rPr lang="en-GB" sz="6000" strike="noStrike">
                 <a:solidFill>
                   <a:srgbClr val="000000"/>
                 </a:solidFill>
@@ -4553,14 +4166,14 @@
       </p:sp>
       <p:sp>
         <p:nvSpPr>
-          <p:cNvPr id="115" name="TextShape 2"/>
-          <p:cNvSpPr txBox="1"/>
+          <p:cNvPr id="109" name="CustomShape 2"/>
+          <p:cNvSpPr/>
           <p:nvPr/>
         </p:nvSpPr>
         <p:spPr>
           <a:xfrm>
             <a:off x="1523880" y="3602160"/>
-            <a:ext cx="9143640" cy="1655280"/>
+            <a:ext cx="9143280" cy="1654920"/>
           </a:xfrm>
           <a:prstGeom prst="rect">
             <a:avLst/>
@@ -4570,13 +4183,12 @@
             <a:noFill/>
           </a:ln>
         </p:spPr>
-        <p:txBody>
-          <a:bodyPr/>
-          <a:p>
-            <a:pPr algn="ctr"/>
-            <a:endParaRPr/>
-          </a:p>
-        </p:txBody>
+        <p:style>
+          <a:lnRef idx="0"/>
+          <a:fillRef idx="0"/>
+          <a:effectRef idx="0"/>
+          <a:fontRef idx="minor"/>
+        </p:style>
       </p:sp>
     </p:spTree>
   </p:cSld>
@@ -4629,7 +4241,7 @@
       </p:grpSpPr>
       <p:pic>
         <p:nvPicPr>
-          <p:cNvPr id="132" name="Content Placeholder 9" descr=""/>
+          <p:cNvPr id="126" name="Content Placeholder 9" descr=""/>
           <p:cNvPicPr/>
           <p:nvPr/>
         </p:nvPicPr>
@@ -4640,7 +4252,7 @@
         <p:spPr>
           <a:xfrm>
             <a:off x="3430080" y="1428840"/>
-            <a:ext cx="5333040" cy="3999600"/>
+            <a:ext cx="5332680" cy="3999240"/>
           </a:xfrm>
           <a:prstGeom prst="rect">
             <a:avLst/>
@@ -4701,7 +4313,7 @@
       </p:grpSpPr>
       <p:pic>
         <p:nvPicPr>
-          <p:cNvPr id="133" name="Content Placeholder 9" descr=""/>
+          <p:cNvPr id="127" name="Content Placeholder 9" descr=""/>
           <p:cNvPicPr/>
           <p:nvPr/>
         </p:nvPicPr>
@@ -4712,7 +4324,7 @@
         <p:spPr>
           <a:xfrm>
             <a:off x="3430080" y="1428840"/>
-            <a:ext cx="5333040" cy="3999600"/>
+            <a:ext cx="5332680" cy="3999240"/>
           </a:xfrm>
           <a:prstGeom prst="rect">
             <a:avLst/>
@@ -4773,7 +4385,7 @@
       </p:grpSpPr>
       <p:pic>
         <p:nvPicPr>
-          <p:cNvPr id="134" name="Content Placeholder 9" descr=""/>
+          <p:cNvPr id="128" name="Content Placeholder 9" descr=""/>
           <p:cNvPicPr/>
           <p:nvPr/>
         </p:nvPicPr>
@@ -4784,7 +4396,7 @@
         <p:spPr>
           <a:xfrm>
             <a:off x="3430080" y="1428840"/>
-            <a:ext cx="5333040" cy="3999600"/>
+            <a:ext cx="5332680" cy="3999240"/>
           </a:xfrm>
           <a:prstGeom prst="rect">
             <a:avLst/>
@@ -4845,7 +4457,7 @@
       </p:grpSpPr>
       <p:pic>
         <p:nvPicPr>
-          <p:cNvPr id="135" name="Content Placeholder 9" descr=""/>
+          <p:cNvPr id="129" name="Content Placeholder 9" descr=""/>
           <p:cNvPicPr/>
           <p:nvPr/>
         </p:nvPicPr>
@@ -4856,7 +4468,7 @@
         <p:spPr>
           <a:xfrm>
             <a:off x="3430080" y="1428840"/>
-            <a:ext cx="5333040" cy="3999600"/>
+            <a:ext cx="5332680" cy="3999240"/>
           </a:xfrm>
           <a:prstGeom prst="rect">
             <a:avLst/>
@@ -4917,7 +4529,7 @@
       </p:grpSpPr>
       <p:pic>
         <p:nvPicPr>
-          <p:cNvPr id="136" name="Content Placeholder 3" descr=""/>
+          <p:cNvPr id="130" name="Content Placeholder 3" descr=""/>
           <p:cNvPicPr/>
           <p:nvPr/>
         </p:nvPicPr>
@@ -4928,7 +4540,7 @@
         <p:spPr>
           <a:xfrm>
             <a:off x="3430080" y="1428840"/>
-            <a:ext cx="5333040" cy="3999600"/>
+            <a:ext cx="5332680" cy="3999240"/>
           </a:xfrm>
           <a:prstGeom prst="rect">
             <a:avLst/>
@@ -4989,14 +4601,14 @@
       </p:grpSpPr>
       <p:sp>
         <p:nvSpPr>
-          <p:cNvPr id="137" name="TextShape 1"/>
-          <p:cNvSpPr txBox="1"/>
+          <p:cNvPr id="131" name="CustomShape 1"/>
+          <p:cNvSpPr/>
           <p:nvPr/>
         </p:nvSpPr>
         <p:spPr>
           <a:xfrm>
             <a:off x="1523880" y="1122480"/>
-            <a:ext cx="9143640" cy="2387160"/>
+            <a:ext cx="9143280" cy="2386800"/>
           </a:xfrm>
           <a:prstGeom prst="rect">
             <a:avLst/>
@@ -5006,16 +4618,17 @@
             <a:noFill/>
           </a:ln>
         </p:spPr>
-        <p:txBody>
-          <a:bodyPr anchor="b"/>
-          <a:p>
-            <a:pPr algn="ctr">
-              <a:lnSpc>
-                <a:spcPct val="100000"/>
-              </a:lnSpc>
-            </a:pPr>
+        <p:style>
+          <a:lnRef idx="0"/>
+          <a:fillRef idx="0"/>
+          <a:effectRef idx="0"/>
+          <a:fontRef idx="minor"/>
+        </p:style>
+        <p:txBody>
+          <a:bodyPr lIns="90000" rIns="90000" tIns="45000" bIns="45000" anchor="b"/>
+          <a:p>
             <a:r>
-              <a:rPr lang="en-US" sz="6000" strike="noStrike">
+              <a:rPr lang="en-GB" sz="6000" strike="noStrike">
                 <a:solidFill>
                   <a:srgbClr val="000000"/>
                 </a:solidFill>
@@ -5023,27 +4636,25 @@
               </a:rPr>
               <a:t>Graphs for floor 1: </a:t>
             </a:r>
+            <a:endParaRPr/>
+          </a:p>
+          <a:p>
+            <a:pPr algn="ctr">
+              <a:lnSpc>
+                <a:spcPct val="100000"/>
+              </a:lnSpc>
+            </a:pPr>
             <a:r>
-              <a:rPr lang="en-US" sz="6000" strike="noStrike">
+              <a:rPr lang="en-GB" sz="6000" strike="noStrike">
                 <a:solidFill>
                   <a:srgbClr val="000000"/>
                 </a:solidFill>
                 <a:latin typeface="Calibri Light"/>
               </a:rPr>
-              <a:t>
-</a:t>
+              <a:t>Varying damping of building from 0 to 4Nms</a:t>
             </a:r>
             <a:r>
-              <a:rPr lang="en-US" sz="6000" strike="noStrike">
-                <a:solidFill>
-                  <a:srgbClr val="000000"/>
-                </a:solidFill>
-                <a:latin typeface="Calibri Light"/>
-              </a:rPr>
-              <a:t>Varying damping of building from 0 to 1.5Nms</a:t>
-            </a:r>
-            <a:r>
-              <a:rPr lang="en-US" sz="6000" strike="noStrike" baseline="30000">
+              <a:rPr lang="en-GB" sz="6000" strike="noStrike" baseline="30000">
                 <a:solidFill>
                   <a:srgbClr val="000000"/>
                 </a:solidFill>
@@ -5057,14 +4668,14 @@
       </p:sp>
       <p:sp>
         <p:nvSpPr>
-          <p:cNvPr id="138" name="TextShape 2"/>
-          <p:cNvSpPr txBox="1"/>
+          <p:cNvPr id="132" name="CustomShape 2"/>
+          <p:cNvSpPr/>
           <p:nvPr/>
         </p:nvSpPr>
         <p:spPr>
           <a:xfrm>
             <a:off x="1523880" y="3602160"/>
-            <a:ext cx="9143640" cy="1655280"/>
+            <a:ext cx="9143280" cy="1654920"/>
           </a:xfrm>
           <a:prstGeom prst="rect">
             <a:avLst/>
@@ -5074,13 +4685,12 @@
             <a:noFill/>
           </a:ln>
         </p:spPr>
-        <p:txBody>
-          <a:bodyPr/>
-          <a:p>
-            <a:pPr algn="ctr"/>
-            <a:endParaRPr/>
-          </a:p>
-        </p:txBody>
+        <p:style>
+          <a:lnRef idx="0"/>
+          <a:fillRef idx="0"/>
+          <a:effectRef idx="0"/>
+          <a:fontRef idx="minor"/>
+        </p:style>
       </p:sp>
     </p:spTree>
   </p:cSld>
@@ -5133,7 +4743,7 @@
       </p:grpSpPr>
       <p:pic>
         <p:nvPicPr>
-          <p:cNvPr id="139" name="Content Placeholder 2" descr=""/>
+          <p:cNvPr id="133" name="Content Placeholder 2" descr=""/>
           <p:cNvPicPr/>
           <p:nvPr/>
         </p:nvPicPr>
@@ -5143,8 +4753,8 @@
         </p:blipFill>
         <p:spPr>
           <a:xfrm>
-            <a:off x="3430080" y="1428840"/>
-            <a:ext cx="5333040" cy="3999600"/>
+            <a:off x="0" y="11160"/>
+            <a:ext cx="12192120" cy="6846840"/>
           </a:xfrm>
           <a:prstGeom prst="rect">
             <a:avLst/>
@@ -5205,7 +4815,7 @@
       </p:grpSpPr>
       <p:pic>
         <p:nvPicPr>
-          <p:cNvPr id="140" name="Content Placeholder 2" descr=""/>
+          <p:cNvPr id="134" name="Content Placeholder 2" descr=""/>
           <p:cNvPicPr/>
           <p:nvPr/>
         </p:nvPicPr>
@@ -5215,8 +4825,8 @@
         </p:blipFill>
         <p:spPr>
           <a:xfrm>
-            <a:off x="3430080" y="1428840"/>
-            <a:ext cx="5333040" cy="3999600"/>
+            <a:off x="0" y="11160"/>
+            <a:ext cx="12192120" cy="6846840"/>
           </a:xfrm>
           <a:prstGeom prst="rect">
             <a:avLst/>
@@ -5277,7 +4887,7 @@
       </p:grpSpPr>
       <p:pic>
         <p:nvPicPr>
-          <p:cNvPr id="141" name="Content Placeholder 2" descr=""/>
+          <p:cNvPr id="135" name="Content Placeholder 2" descr=""/>
           <p:cNvPicPr/>
           <p:nvPr/>
         </p:nvPicPr>
@@ -5287,8 +4897,8 @@
         </p:blipFill>
         <p:spPr>
           <a:xfrm>
-            <a:off x="3430080" y="1428840"/>
-            <a:ext cx="5333040" cy="3999600"/>
+            <a:off x="0" y="11160"/>
+            <a:ext cx="12192120" cy="6846840"/>
           </a:xfrm>
           <a:prstGeom prst="rect">
             <a:avLst/>
@@ -5349,7 +4959,7 @@
       </p:grpSpPr>
       <p:pic>
         <p:nvPicPr>
-          <p:cNvPr id="142" name="Content Placeholder 2" descr=""/>
+          <p:cNvPr id="136" name="Content Placeholder 2" descr=""/>
           <p:cNvPicPr/>
           <p:nvPr/>
         </p:nvPicPr>
@@ -5359,8 +4969,8 @@
         </p:blipFill>
         <p:spPr>
           <a:xfrm>
-            <a:off x="3430080" y="1428840"/>
-            <a:ext cx="5333040" cy="3999600"/>
+            <a:off x="0" y="11160"/>
+            <a:ext cx="12192120" cy="6846840"/>
           </a:xfrm>
           <a:prstGeom prst="rect">
             <a:avLst/>
@@ -5421,14 +5031,14 @@
       </p:grpSpPr>
       <p:sp>
         <p:nvSpPr>
-          <p:cNvPr id="116" name="TextShape 1"/>
-          <p:cNvSpPr txBox="1"/>
+          <p:cNvPr id="110" name="CustomShape 1"/>
+          <p:cNvSpPr/>
           <p:nvPr/>
         </p:nvSpPr>
         <p:spPr>
           <a:xfrm>
             <a:off x="838080" y="365040"/>
-            <a:ext cx="10515240" cy="1325160"/>
+            <a:ext cx="10514880" cy="1324800"/>
           </a:xfrm>
           <a:prstGeom prst="rect">
             <a:avLst/>
@@ -5438,8 +5048,14 @@
             <a:noFill/>
           </a:ln>
         </p:spPr>
-        <p:txBody>
-          <a:bodyPr anchor="ctr"/>
+        <p:style>
+          <a:lnRef idx="0"/>
+          <a:fillRef idx="0"/>
+          <a:effectRef idx="0"/>
+          <a:fontRef idx="minor"/>
+        </p:style>
+        <p:txBody>
+          <a:bodyPr lIns="90000" rIns="90000" tIns="45000" bIns="45000" anchor="ctr"/>
           <a:p>
             <a:pPr>
               <a:lnSpc>
@@ -5447,7 +5063,7 @@
               </a:lnSpc>
             </a:pPr>
             <a:r>
-              <a:rPr lang="en-US" sz="4400" strike="noStrike">
+              <a:rPr lang="en-GB" sz="4400" strike="noStrike">
                 <a:solidFill>
                   <a:srgbClr val="000000"/>
                 </a:solidFill>
@@ -5461,14 +5077,14 @@
       </p:sp>
       <p:sp>
         <p:nvSpPr>
-          <p:cNvPr id="117" name="TextShape 2"/>
-          <p:cNvSpPr txBox="1"/>
+          <p:cNvPr id="111" name="CustomShape 2"/>
+          <p:cNvSpPr/>
           <p:nvPr/>
         </p:nvSpPr>
         <p:spPr>
           <a:xfrm>
             <a:off x="838080" y="1825560"/>
-            <a:ext cx="10515240" cy="4350960"/>
+            <a:ext cx="10514880" cy="4350600"/>
           </a:xfrm>
           <a:prstGeom prst="rect">
             <a:avLst/>
@@ -5478,8 +5094,14 @@
             <a:noFill/>
           </a:ln>
         </p:spPr>
-        <p:txBody>
-          <a:bodyPr/>
+        <p:style>
+          <a:lnRef idx="0"/>
+          <a:fillRef idx="0"/>
+          <a:effectRef idx="0"/>
+          <a:fontRef idx="minor"/>
+        </p:style>
+        <p:txBody>
+          <a:bodyPr lIns="90000" rIns="90000" tIns="45000" bIns="45000"/>
           <a:p>
             <a:pPr>
               <a:lnSpc>
@@ -5489,7 +5111,7 @@
               <a:buChar char="•"/>
             </a:pPr>
             <a:r>
-              <a:rPr lang="en-US" sz="2800" strike="noStrike">
+              <a:rPr lang="en-GB" sz="2800" strike="noStrike">
                 <a:solidFill>
                   <a:srgbClr val="000000"/>
                 </a:solidFill>
@@ -5508,7 +5130,7 @@
               <a:buChar char="•"/>
             </a:pPr>
             <a:r>
-              <a:rPr lang="en-US" sz="2800" strike="noStrike">
+              <a:rPr lang="en-GB" sz="2800" strike="noStrike">
                 <a:solidFill>
                   <a:srgbClr val="000000"/>
                 </a:solidFill>
@@ -5527,7 +5149,7 @@
               <a:buChar char="•"/>
             </a:pPr>
             <a:r>
-              <a:rPr lang="en-US" sz="2800" strike="noStrike">
+              <a:rPr lang="en-GB" sz="2800" strike="noStrike">
                 <a:solidFill>
                   <a:srgbClr val="000000"/>
                 </a:solidFill>
@@ -5590,7 +5212,7 @@
       </p:grpSpPr>
       <p:pic>
         <p:nvPicPr>
-          <p:cNvPr id="143" name="Content Placeholder 2" descr=""/>
+          <p:cNvPr id="137" name="Content Placeholder 2" descr=""/>
           <p:cNvPicPr/>
           <p:nvPr/>
         </p:nvPicPr>
@@ -5600,8 +5222,8 @@
         </p:blipFill>
         <p:spPr>
           <a:xfrm>
-            <a:off x="460440" y="742680"/>
-            <a:ext cx="11272320" cy="5371920"/>
+            <a:off x="0" y="11160"/>
+            <a:ext cx="12192120" cy="6846840"/>
           </a:xfrm>
           <a:prstGeom prst="rect">
             <a:avLst/>
@@ -5660,73 +5282,29 @@
           <a:chExt cx="0" cy="0"/>
         </a:xfrm>
       </p:grpSpPr>
-      <p:sp>
-        <p:nvSpPr>
-          <p:cNvPr id="144" name="TextShape 1"/>
-          <p:cNvSpPr txBox="1"/>
+      <p:pic>
+        <p:nvPicPr>
+          <p:cNvPr id="138" name="Content Placeholder 2" descr=""/>
+          <p:cNvPicPr/>
           <p:nvPr/>
-        </p:nvSpPr>
-        <p:spPr>
-          <a:xfrm>
-            <a:off x="1523880" y="1122480"/>
-            <a:ext cx="9143640" cy="2387160"/>
-          </a:xfrm>
-          <a:prstGeom prst="rect">
-            <a:avLst/>
-          </a:prstGeom>
-          <a:noFill/>
+        </p:nvPicPr>
+        <p:blipFill>
+          <a:blip r:embed="rId1"/>
+          <a:stretch/>
+        </p:blipFill>
+        <p:spPr>
+          <a:xfrm>
+            <a:off x="460440" y="742680"/>
+            <a:ext cx="11271960" cy="5371560"/>
+          </a:xfrm>
+          <a:prstGeom prst="rect">
+            <a:avLst/>
+          </a:prstGeom>
           <a:ln>
             <a:noFill/>
           </a:ln>
         </p:spPr>
-        <p:txBody>
-          <a:bodyPr anchor="b"/>
-          <a:p>
-            <a:pPr algn="ctr">
-              <a:lnSpc>
-                <a:spcPct val="100000"/>
-              </a:lnSpc>
-            </a:pPr>
-            <a:r>
-              <a:rPr lang="en-US" sz="6000" strike="noStrike">
-                <a:solidFill>
-                  <a:srgbClr val="000000"/>
-                </a:solidFill>
-                <a:latin typeface="Calibri Light"/>
-              </a:rPr>
-              <a:t>Graphs for amplitude of the vibration of different floors.</a:t>
-            </a:r>
-            <a:endParaRPr/>
-          </a:p>
-        </p:txBody>
-      </p:sp>
-      <p:sp>
-        <p:nvSpPr>
-          <p:cNvPr id="145" name="TextShape 2"/>
-          <p:cNvSpPr txBox="1"/>
-          <p:nvPr/>
-        </p:nvSpPr>
-        <p:spPr>
-          <a:xfrm>
-            <a:off x="1523880" y="3602160"/>
-            <a:ext cx="9143640" cy="1655280"/>
-          </a:xfrm>
-          <a:prstGeom prst="rect">
-            <a:avLst/>
-          </a:prstGeom>
-          <a:noFill/>
-          <a:ln>
-            <a:noFill/>
-          </a:ln>
-        </p:spPr>
-        <p:txBody>
-          <a:bodyPr/>
-          <a:p>
-            <a:pPr algn="ctr"/>
-            <a:endParaRPr/>
-          </a:p>
-        </p:txBody>
-      </p:sp>
+      </p:pic>
     </p:spTree>
   </p:cSld>
   <p:timing>
@@ -5776,29 +5354,78 @@
           <a:chExt cx="0" cy="0"/>
         </a:xfrm>
       </p:grpSpPr>
-      <p:pic>
-        <p:nvPicPr>
-          <p:cNvPr id="146" name="Content Placeholder 2" descr=""/>
-          <p:cNvPicPr/>
+      <p:sp>
+        <p:nvSpPr>
+          <p:cNvPr id="139" name="CustomShape 1"/>
+          <p:cNvSpPr/>
           <p:nvPr/>
-        </p:nvPicPr>
-        <p:blipFill>
-          <a:blip r:embed="rId1"/>
-          <a:stretch/>
-        </p:blipFill>
-        <p:spPr>
-          <a:xfrm>
-            <a:off x="0" y="0"/>
-            <a:ext cx="12192120" cy="6858000"/>
-          </a:xfrm>
-          <a:prstGeom prst="rect">
-            <a:avLst/>
-          </a:prstGeom>
+        </p:nvSpPr>
+        <p:spPr>
+          <a:xfrm>
+            <a:off x="1523880" y="1122480"/>
+            <a:ext cx="9143280" cy="2386800"/>
+          </a:xfrm>
+          <a:prstGeom prst="rect">
+            <a:avLst/>
+          </a:prstGeom>
+          <a:noFill/>
           <a:ln>
             <a:noFill/>
           </a:ln>
         </p:spPr>
-      </p:pic>
+        <p:style>
+          <a:lnRef idx="0"/>
+          <a:fillRef idx="0"/>
+          <a:effectRef idx="0"/>
+          <a:fontRef idx="minor"/>
+        </p:style>
+        <p:txBody>
+          <a:bodyPr lIns="90000" rIns="90000" tIns="45000" bIns="45000" anchor="b"/>
+          <a:p>
+            <a:pPr algn="ctr">
+              <a:lnSpc>
+                <a:spcPct val="100000"/>
+              </a:lnSpc>
+            </a:pPr>
+            <a:r>
+              <a:rPr lang="en-GB" sz="6000" strike="noStrike">
+                <a:solidFill>
+                  <a:srgbClr val="000000"/>
+                </a:solidFill>
+                <a:latin typeface="Calibri Light"/>
+              </a:rPr>
+              <a:t>Graphs for amplitude of the vibration of different floors.</a:t>
+            </a:r>
+            <a:endParaRPr/>
+          </a:p>
+        </p:txBody>
+      </p:sp>
+      <p:sp>
+        <p:nvSpPr>
+          <p:cNvPr id="140" name="CustomShape 2"/>
+          <p:cNvSpPr/>
+          <p:nvPr/>
+        </p:nvSpPr>
+        <p:spPr>
+          <a:xfrm>
+            <a:off x="1523880" y="3602160"/>
+            <a:ext cx="9143280" cy="1654920"/>
+          </a:xfrm>
+          <a:prstGeom prst="rect">
+            <a:avLst/>
+          </a:prstGeom>
+          <a:noFill/>
+          <a:ln>
+            <a:noFill/>
+          </a:ln>
+        </p:spPr>
+        <p:style>
+          <a:lnRef idx="0"/>
+          <a:fillRef idx="0"/>
+          <a:effectRef idx="0"/>
+          <a:fontRef idx="minor"/>
+        </p:style>
+      </p:sp>
     </p:spTree>
   </p:cSld>
   <p:timing>
@@ -5850,7 +5477,7 @@
       </p:grpSpPr>
       <p:pic>
         <p:nvPicPr>
-          <p:cNvPr id="147" name="Content Placeholder 2" descr=""/>
+          <p:cNvPr id="141" name="Content Placeholder 2" descr=""/>
           <p:cNvPicPr/>
           <p:nvPr/>
         </p:nvPicPr>
@@ -5861,7 +5488,7 @@
         <p:spPr>
           <a:xfrm>
             <a:off x="0" y="0"/>
-            <a:ext cx="12192120" cy="6858000"/>
+            <a:ext cx="12191760" cy="6857640"/>
           </a:xfrm>
           <a:prstGeom prst="rect">
             <a:avLst/>
@@ -5922,7 +5549,7 @@
       </p:grpSpPr>
       <p:pic>
         <p:nvPicPr>
-          <p:cNvPr id="148" name="Content Placeholder 2" descr=""/>
+          <p:cNvPr id="142" name="Content Placeholder 2" descr=""/>
           <p:cNvPicPr/>
           <p:nvPr/>
         </p:nvPicPr>
@@ -5933,7 +5560,7 @@
         <p:spPr>
           <a:xfrm>
             <a:off x="0" y="0"/>
-            <a:ext cx="12192120" cy="6858000"/>
+            <a:ext cx="12191760" cy="6857640"/>
           </a:xfrm>
           <a:prstGeom prst="rect">
             <a:avLst/>
@@ -5992,6 +5619,29 @@
           <a:chExt cx="0" cy="0"/>
         </a:xfrm>
       </p:grpSpPr>
+      <p:pic>
+        <p:nvPicPr>
+          <p:cNvPr id="143" name="Content Placeholder 2" descr=""/>
+          <p:cNvPicPr/>
+          <p:nvPr/>
+        </p:nvPicPr>
+        <p:blipFill>
+          <a:blip r:embed="rId1"/>
+          <a:stretch/>
+        </p:blipFill>
+        <p:spPr>
+          <a:xfrm>
+            <a:off x="0" y="0"/>
+            <a:ext cx="12191760" cy="6857640"/>
+          </a:xfrm>
+          <a:prstGeom prst="rect">
+            <a:avLst/>
+          </a:prstGeom>
+          <a:ln>
+            <a:noFill/>
+          </a:ln>
+        </p:spPr>
+      </p:pic>
     </p:spTree>
   </p:cSld>
   <p:timing>
@@ -6041,74 +5691,6 @@
           <a:chExt cx="0" cy="0"/>
         </a:xfrm>
       </p:grpSpPr>
-      <p:sp>
-        <p:nvSpPr>
-          <p:cNvPr id="149" name="TextShape 1"/>
-          <p:cNvSpPr txBox="1"/>
-          <p:nvPr/>
-        </p:nvSpPr>
-        <p:spPr>
-          <a:xfrm>
-            <a:off x="838080" y="1825560"/>
-            <a:ext cx="10515240" cy="4350960"/>
-          </a:xfrm>
-          <a:prstGeom prst="rect">
-            <a:avLst/>
-          </a:prstGeom>
-          <a:noFill/>
-          <a:ln>
-            <a:noFill/>
-          </a:ln>
-        </p:spPr>
-        <p:txBody>
-          <a:bodyPr/>
-          <a:p>
-            <a:pPr>
-              <a:lnSpc>
-                <a:spcPct val="90000"/>
-              </a:lnSpc>
-              <a:buFont typeface="Arial"/>
-              <a:buChar char="•"/>
-            </a:pPr>
-            <a:r>
-              <a:rPr lang="en-US" sz="2800" strike="noStrike">
-                <a:solidFill>
-                  <a:srgbClr val="000000"/>
-                </a:solidFill>
-                <a:latin typeface="Calibri"/>
-              </a:rPr>
-              <a:t>Note for absorber of mass = 0.4 this is becoming quite close to the equivalent mass of building (3.3kg) so the results produced may not be reliable as mass of absorber will have substantial affect on building</a:t>
-            </a:r>
-            <a:endParaRPr/>
-          </a:p>
-        </p:txBody>
-      </p:sp>
-      <p:sp>
-        <p:nvSpPr>
-          <p:cNvPr id="150" name="TextShape 2"/>
-          <p:cNvSpPr txBox="1"/>
-          <p:nvPr/>
-        </p:nvSpPr>
-        <p:spPr>
-          <a:xfrm>
-            <a:off x="838080" y="365040"/>
-            <a:ext cx="10515240" cy="1325160"/>
-          </a:xfrm>
-          <a:prstGeom prst="rect">
-            <a:avLst/>
-          </a:prstGeom>
-          <a:noFill/>
-          <a:ln>
-            <a:noFill/>
-          </a:ln>
-        </p:spPr>
-        <p:txBody>
-          <a:bodyPr anchor="ctr"/>
-          <a:p>
-            <a:endParaRPr/>
-          </a:p>
-        </p:txBody>
-      </p:sp>
     </p:spTree>
   </p:cSld>
   <p:timing>
@@ -6160,14 +5742,14 @@
       </p:grpSpPr>
       <p:sp>
         <p:nvSpPr>
-          <p:cNvPr id="151" name="TextShape 1"/>
-          <p:cNvSpPr txBox="1"/>
+          <p:cNvPr id="144" name="CustomShape 1"/>
+          <p:cNvSpPr/>
           <p:nvPr/>
         </p:nvSpPr>
         <p:spPr>
           <a:xfrm>
-            <a:off x="838080" y="365040"/>
-            <a:ext cx="10515240" cy="1325160"/>
+            <a:off x="838080" y="1825560"/>
+            <a:ext cx="10514880" cy="4350600"/>
           </a:xfrm>
           <a:prstGeom prst="rect">
             <a:avLst/>
@@ -6177,22 +5759,30 @@
             <a:noFill/>
           </a:ln>
         </p:spPr>
-        <p:txBody>
-          <a:bodyPr anchor="ctr"/>
+        <p:style>
+          <a:lnRef idx="0"/>
+          <a:fillRef idx="0"/>
+          <a:effectRef idx="0"/>
+          <a:fontRef idx="minor"/>
+        </p:style>
+        <p:txBody>
+          <a:bodyPr lIns="90000" rIns="90000" tIns="45000" bIns="45000"/>
           <a:p>
             <a:pPr>
               <a:lnSpc>
                 <a:spcPct val="90000"/>
               </a:lnSpc>
+              <a:buFont typeface="Arial"/>
+              <a:buChar char="•"/>
             </a:pPr>
             <a:r>
-              <a:rPr lang="en-US" sz="4400" strike="noStrike">
+              <a:rPr lang="en-GB" sz="2800" strike="noStrike">
                 <a:solidFill>
                   <a:srgbClr val="000000"/>
                 </a:solidFill>
-                <a:latin typeface="Calibri Light"/>
+                <a:latin typeface="Calibri"/>
               </a:rPr>
-              <a:t>Conclusions</a:t>
+              <a:t>Note for absorber of mass = 0.4 this is becoming quite close to the equivalent mass of building (3.3kg) so the results produced may not be reliable as mass of absorber will have substantial affect on building</a:t>
             </a:r>
             <a:endParaRPr/>
           </a:p>
@@ -6200,14 +5790,14 @@
       </p:sp>
       <p:sp>
         <p:nvSpPr>
-          <p:cNvPr id="152" name="TextShape 2"/>
-          <p:cNvSpPr txBox="1"/>
+          <p:cNvPr id="145" name="CustomShape 2"/>
+          <p:cNvSpPr/>
           <p:nvPr/>
         </p:nvSpPr>
         <p:spPr>
           <a:xfrm>
-            <a:off x="838080" y="1825560"/>
-            <a:ext cx="10515240" cy="4350960"/>
+            <a:off x="838080" y="365040"/>
+            <a:ext cx="10514880" cy="1324800"/>
           </a:xfrm>
           <a:prstGeom prst="rect">
             <a:avLst/>
@@ -6217,12 +5807,12 @@
             <a:noFill/>
           </a:ln>
         </p:spPr>
-        <p:txBody>
-          <a:bodyPr/>
-          <a:p>
-            <a:endParaRPr/>
-          </a:p>
-        </p:txBody>
+        <p:style>
+          <a:lnRef idx="0"/>
+          <a:fillRef idx="0"/>
+          <a:effectRef idx="0"/>
+          <a:fontRef idx="minor"/>
+        </p:style>
       </p:sp>
     </p:spTree>
   </p:cSld>
@@ -6275,14 +5865,14 @@
       </p:grpSpPr>
       <p:sp>
         <p:nvSpPr>
-          <p:cNvPr id="153" name="TextShape 1"/>
-          <p:cNvSpPr txBox="1"/>
+          <p:cNvPr id="146" name="CustomShape 1"/>
+          <p:cNvSpPr/>
           <p:nvPr/>
         </p:nvSpPr>
         <p:spPr>
           <a:xfrm>
             <a:off x="838080" y="365040"/>
-            <a:ext cx="10515240" cy="1325160"/>
+            <a:ext cx="10514880" cy="1324800"/>
           </a:xfrm>
           <a:prstGeom prst="rect">
             <a:avLst/>
@@ -6292,8 +5882,14 @@
             <a:noFill/>
           </a:ln>
         </p:spPr>
-        <p:txBody>
-          <a:bodyPr anchor="ctr"/>
+        <p:style>
+          <a:lnRef idx="0"/>
+          <a:fillRef idx="0"/>
+          <a:effectRef idx="0"/>
+          <a:fontRef idx="minor"/>
+        </p:style>
+        <p:txBody>
+          <a:bodyPr lIns="90000" rIns="90000" tIns="45000" bIns="45000" anchor="ctr"/>
           <a:p>
             <a:pPr>
               <a:lnSpc>
@@ -6301,13 +5897,13 @@
               </a:lnSpc>
             </a:pPr>
             <a:r>
-              <a:rPr lang="en-US" sz="4400" strike="noStrike">
+              <a:rPr lang="en-GB" sz="4400" strike="noStrike">
                 <a:solidFill>
                   <a:srgbClr val="000000"/>
                 </a:solidFill>
                 <a:latin typeface="Calibri Light"/>
               </a:rPr>
-              <a:t>Further Developments</a:t>
+              <a:t>Conclusions</a:t>
             </a:r>
             <a:endParaRPr/>
           </a:p>
@@ -6315,14 +5911,14 @@
       </p:sp>
       <p:sp>
         <p:nvSpPr>
-          <p:cNvPr id="154" name="TextShape 2"/>
-          <p:cNvSpPr txBox="1"/>
+          <p:cNvPr id="147" name="CustomShape 2"/>
+          <p:cNvSpPr/>
           <p:nvPr/>
         </p:nvSpPr>
         <p:spPr>
           <a:xfrm>
             <a:off x="838080" y="1825560"/>
-            <a:ext cx="10515240" cy="4350960"/>
+            <a:ext cx="10514880" cy="4350600"/>
           </a:xfrm>
           <a:prstGeom prst="rect">
             <a:avLst/>
@@ -6332,161 +5928,12 @@
             <a:noFill/>
           </a:ln>
         </p:spPr>
-        <p:txBody>
-          <a:bodyPr/>
-          <a:p>
-            <a:pPr>
-              <a:lnSpc>
-                <a:spcPct val="90000"/>
-              </a:lnSpc>
-              <a:buFont typeface="Arial"/>
-              <a:buChar char="•"/>
-            </a:pPr>
-            <a:r>
-              <a:rPr lang="en-US" sz="2800" strike="noStrike">
-                <a:solidFill>
-                  <a:srgbClr val="000000"/>
-                </a:solidFill>
-                <a:latin typeface="Calibri"/>
-              </a:rPr>
-              <a:t>Check the impulse response for different floors/modes</a:t>
-            </a:r>
-            <a:endParaRPr/>
-          </a:p>
-          <a:p>
-            <a:pPr>
-              <a:lnSpc>
-                <a:spcPct val="90000"/>
-              </a:lnSpc>
-              <a:buFont typeface="Arial"/>
-              <a:buChar char="•"/>
-            </a:pPr>
-            <a:r>
-              <a:rPr lang="en-US" sz="2800" strike="noStrike">
-                <a:solidFill>
-                  <a:srgbClr val="000000"/>
-                </a:solidFill>
-                <a:latin typeface="Calibri"/>
-              </a:rPr>
-              <a:t>Compare the efficiencies of putting absorber at different floors</a:t>
-            </a:r>
-            <a:endParaRPr/>
-          </a:p>
-          <a:p>
-            <a:pPr>
-              <a:lnSpc>
-                <a:spcPct val="90000"/>
-              </a:lnSpc>
-              <a:buFont typeface="Arial"/>
-              <a:buChar char="•"/>
-            </a:pPr>
-            <a:r>
-              <a:rPr lang="en-US" sz="2800" strike="noStrike">
-                <a:solidFill>
-                  <a:srgbClr val="000000"/>
-                </a:solidFill>
-                <a:latin typeface="Calibri"/>
-              </a:rPr>
-              <a:t>Mass of absorber</a:t>
-            </a:r>
-            <a:endParaRPr/>
-          </a:p>
-          <a:p>
-            <a:pPr>
-              <a:lnSpc>
-                <a:spcPct val="90000"/>
-              </a:lnSpc>
-              <a:buFont typeface="Arial"/>
-              <a:buChar char="•"/>
-            </a:pPr>
-            <a:r>
-              <a:rPr lang="en-US" sz="2800" strike="noStrike">
-                <a:solidFill>
-                  <a:srgbClr val="000000"/>
-                </a:solidFill>
-                <a:latin typeface="Calibri"/>
-              </a:rPr>
-              <a:t>Model unsimplified system – check the effects of having multiple absorbers</a:t>
-            </a:r>
-            <a:endParaRPr/>
-          </a:p>
-          <a:p>
-            <a:pPr>
-              <a:lnSpc>
-                <a:spcPct val="90000"/>
-              </a:lnSpc>
-              <a:buFont typeface="Arial"/>
-              <a:buChar char="•"/>
-            </a:pPr>
-            <a:r>
-              <a:rPr lang="en-US" sz="2800" strike="noStrike">
-                <a:solidFill>
-                  <a:srgbClr val="000000"/>
-                </a:solidFill>
-                <a:latin typeface="Calibri"/>
-              </a:rPr>
-              <a:t>Numerical integration on system – 6 dof</a:t>
-            </a:r>
-            <a:endParaRPr/>
-          </a:p>
-          <a:p>
-            <a:pPr>
-              <a:lnSpc>
-                <a:spcPct val="90000"/>
-              </a:lnSpc>
-              <a:buFont typeface="Arial"/>
-              <a:buChar char="•"/>
-            </a:pPr>
-            <a:r>
-              <a:rPr lang="en-US" sz="2800" strike="noStrike">
-                <a:solidFill>
-                  <a:srgbClr val="000000"/>
-                </a:solidFill>
-                <a:latin typeface="Calibri"/>
-              </a:rPr>
-              <a:t>Check relative amplitudes of peaks, are reduced peaks still greater than unreduced peaks of other modes/frequencies</a:t>
-            </a:r>
-            <a:endParaRPr/>
-          </a:p>
-          <a:p>
-            <a:pPr>
-              <a:lnSpc>
-                <a:spcPct val="90000"/>
-              </a:lnSpc>
-              <a:buFont typeface="Arial"/>
-              <a:buChar char="•"/>
-            </a:pPr>
-            <a:r>
-              <a:rPr lang="en-US" sz="2800" strike="noStrike">
-                <a:solidFill>
-                  <a:srgbClr val="000000"/>
-                </a:solidFill>
-                <a:latin typeface="Calibri"/>
-              </a:rPr>
-              <a:t>Compare responses to range of frequencies – rather than having ‘impulse’ of single frequency, try step of all frequencies or some curve around natural frequency.</a:t>
-            </a:r>
-            <a:endParaRPr/>
-          </a:p>
-          <a:p>
-            <a:pPr>
-              <a:lnSpc>
-                <a:spcPct val="90000"/>
-              </a:lnSpc>
-              <a:buFont typeface="Arial"/>
-              <a:buChar char="•"/>
-            </a:pPr>
-            <a:r>
-              <a:rPr lang="en-US" sz="2800" strike="noStrike">
-                <a:solidFill>
-                  <a:srgbClr val="000000"/>
-                </a:solidFill>
-                <a:latin typeface="Calibri"/>
-              </a:rPr>
-              <a:t>Given actual values of floor lambda for each floor and mode, put these in to give actual optimum values for the actual structure.</a:t>
-            </a:r>
-            <a:endParaRPr/>
-          </a:p>
-        </p:txBody>
+        <p:style>
+          <a:lnRef idx="0"/>
+          <a:fillRef idx="0"/>
+          <a:effectRef idx="0"/>
+          <a:fontRef idx="minor"/>
+        </p:style>
       </p:sp>
     </p:spTree>
   </p:cSld>
@@ -6539,14 +5986,14 @@
       </p:grpSpPr>
       <p:sp>
         <p:nvSpPr>
-          <p:cNvPr id="155" name="TextShape 1"/>
-          <p:cNvSpPr txBox="1"/>
+          <p:cNvPr id="148" name="CustomShape 1"/>
+          <p:cNvSpPr/>
           <p:nvPr/>
         </p:nvSpPr>
         <p:spPr>
           <a:xfrm>
             <a:off x="838080" y="365040"/>
-            <a:ext cx="10515240" cy="1325160"/>
+            <a:ext cx="10514880" cy="1324800"/>
           </a:xfrm>
           <a:prstGeom prst="rect">
             <a:avLst/>
@@ -6556,8 +6003,14 @@
             <a:noFill/>
           </a:ln>
         </p:spPr>
-        <p:txBody>
-          <a:bodyPr anchor="ctr"/>
+        <p:style>
+          <a:lnRef idx="0"/>
+          <a:fillRef idx="0"/>
+          <a:effectRef idx="0"/>
+          <a:fontRef idx="minor"/>
+        </p:style>
+        <p:txBody>
+          <a:bodyPr lIns="90000" rIns="90000" tIns="45000" bIns="45000" anchor="ctr"/>
           <a:p>
             <a:pPr>
               <a:lnSpc>
@@ -6565,13 +6018,13 @@
               </a:lnSpc>
             </a:pPr>
             <a:r>
-              <a:rPr lang="en-US" sz="4400" strike="noStrike">
+              <a:rPr lang="en-GB" sz="4400" strike="noStrike">
                 <a:solidFill>
                   <a:srgbClr val="000000"/>
                 </a:solidFill>
                 <a:latin typeface="Calibri Light"/>
               </a:rPr>
-              <a:t>Equations</a:t>
+              <a:t>Further Developments</a:t>
             </a:r>
             <a:endParaRPr/>
           </a:p>
@@ -6579,14 +6032,14 @@
       </p:sp>
       <p:sp>
         <p:nvSpPr>
-          <p:cNvPr id="156" name="CustomShape 2"/>
+          <p:cNvPr id="149" name="CustomShape 2"/>
           <p:cNvSpPr/>
           <p:nvPr/>
         </p:nvSpPr>
         <p:spPr>
           <a:xfrm>
-            <a:off x="2100240" y="2549160"/>
-            <a:ext cx="52920" cy="274680"/>
+            <a:off x="838080" y="1825560"/>
+            <a:ext cx="10514880" cy="4350600"/>
           </a:xfrm>
           <a:prstGeom prst="rect">
             <a:avLst/>
@@ -6603,457 +6056,156 @@
           <a:fontRef idx="minor"/>
         </p:style>
         <p:txBody>
-          <a:bodyPr wrap="none" lIns="0" rIns="0" tIns="0" bIns="0"/>
+          <a:bodyPr lIns="90000" rIns="90000" tIns="45000" bIns="45000"/>
           <a:p>
             <a:pPr>
               <a:lnSpc>
-                <a:spcPct val="100000"/>
+                <a:spcPct val="90000"/>
               </a:lnSpc>
+              <a:buFont typeface="Arial"/>
+              <a:buChar char="•"/>
             </a:pPr>
             <a:r>
-              <a:rPr lang="en-GB" strike="noStrike">
+              <a:rPr lang="en-GB" sz="2800" strike="noStrike">
                 <a:solidFill>
                   <a:srgbClr val="000000"/>
                 </a:solidFill>
                 <a:latin typeface="Calibri"/>
               </a:rPr>
-              <a:t> </a:t>
+              <a:t>Check the impulse response for different floors/modes</a:t>
             </a:r>
             <a:endParaRPr/>
           </a:p>
-        </p:txBody>
-      </p:sp>
-      <p:sp>
-        <p:nvSpPr>
-          <p:cNvPr id="157" name="CustomShape 3"/>
-          <p:cNvSpPr/>
-          <p:nvPr/>
-        </p:nvSpPr>
-        <p:spPr>
-          <a:xfrm>
-            <a:off x="1001520" y="2549160"/>
-            <a:ext cx="2250360" cy="504360"/>
-          </a:xfrm>
-          <a:prstGeom prst="rect">
-            <a:avLst/>
-          </a:prstGeom>
-          <a:blipFill>
-            <a:blip r:embed="rId1"/>
-            <a:stretch>
-              <a:fillRect l="0" t="0" r="0" b="-1195"/>
-            </a:stretch>
-          </a:blipFill>
-          <a:ln>
-            <a:noFill/>
-          </a:ln>
-        </p:spPr>
-        <p:style>
-          <a:lnRef idx="0"/>
-          <a:fillRef idx="0"/>
-          <a:effectRef idx="0"/>
-          <a:fontRef idx="minor"/>
-        </p:style>
-        <p:txBody>
-          <a:bodyPr lIns="90000" rIns="90000" tIns="45000" bIns="45000"/>
           <a:p>
             <a:pPr>
               <a:lnSpc>
-                <a:spcPct val="100000"/>
+                <a:spcPct val="90000"/>
               </a:lnSpc>
+              <a:buFont typeface="Arial"/>
+              <a:buChar char="•"/>
             </a:pPr>
             <a:r>
-              <a:rPr lang="en-GB" strike="noStrike">
+              <a:rPr lang="en-GB" sz="2800" strike="noStrike">
                 <a:solidFill>
                   <a:srgbClr val="000000"/>
                 </a:solidFill>
                 <a:latin typeface="Calibri"/>
               </a:rPr>
-              <a:t> </a:t>
+              <a:t>Compare the efficiencies of putting absorber at different floors</a:t>
             </a:r>
             <a:endParaRPr/>
           </a:p>
-        </p:txBody>
-      </p:sp>
-      <p:sp>
-        <p:nvSpPr>
-          <p:cNvPr id="158" name="CustomShape 4"/>
-          <p:cNvSpPr/>
-          <p:nvPr/>
-        </p:nvSpPr>
-        <p:spPr>
-          <a:xfrm>
-            <a:off x="3778200" y="2662920"/>
-            <a:ext cx="1532880" cy="276480"/>
-          </a:xfrm>
-          <a:prstGeom prst="rect">
-            <a:avLst/>
-          </a:prstGeom>
-          <a:noFill/>
-          <a:ln>
-            <a:noFill/>
-          </a:ln>
-        </p:spPr>
-        <p:style>
-          <a:lnRef idx="0"/>
-          <a:fillRef idx="0"/>
-          <a:effectRef idx="0"/>
-          <a:fontRef idx="minor"/>
-        </p:style>
-      </p:sp>
-      <p:sp>
-        <p:nvSpPr>
-          <p:cNvPr id="159" name="CustomShape 5"/>
-          <p:cNvSpPr/>
-          <p:nvPr/>
-        </p:nvSpPr>
-        <p:spPr>
-          <a:xfrm>
-            <a:off x="3778200" y="2662920"/>
-            <a:ext cx="1532880" cy="276480"/>
-          </a:xfrm>
-          <a:prstGeom prst="rect">
-            <a:avLst/>
-          </a:prstGeom>
-          <a:blipFill>
-            <a:blip r:embed="rId2"/>
-            <a:stretch>
-              <a:fillRect l="-3570" t="-4431" r="-1190" b="-11022"/>
-            </a:stretch>
-          </a:blipFill>
-          <a:ln>
-            <a:noFill/>
-          </a:ln>
-        </p:spPr>
-        <p:style>
-          <a:lnRef idx="0"/>
-          <a:fillRef idx="0"/>
-          <a:effectRef idx="0"/>
-          <a:fontRef idx="minor"/>
-        </p:style>
-        <p:txBody>
-          <a:bodyPr lIns="90000" rIns="90000" tIns="45000" bIns="45000"/>
           <a:p>
             <a:pPr>
               <a:lnSpc>
-                <a:spcPct val="100000"/>
+                <a:spcPct val="90000"/>
               </a:lnSpc>
+              <a:buFont typeface="Arial"/>
+              <a:buChar char="•"/>
             </a:pPr>
             <a:r>
-              <a:rPr lang="en-GB" strike="noStrike">
+              <a:rPr lang="en-GB" sz="2800" strike="noStrike">
                 <a:solidFill>
                   <a:srgbClr val="000000"/>
                 </a:solidFill>
                 <a:latin typeface="Calibri"/>
               </a:rPr>
-              <a:t> </a:t>
+              <a:t>Mass of absorber</a:t>
             </a:r>
             <a:endParaRPr/>
           </a:p>
-        </p:txBody>
-      </p:sp>
-      <p:sp>
-        <p:nvSpPr>
-          <p:cNvPr id="160" name="CustomShape 6"/>
-          <p:cNvSpPr/>
-          <p:nvPr/>
-        </p:nvSpPr>
-        <p:spPr>
-          <a:xfrm>
-            <a:off x="6283080" y="2662920"/>
-            <a:ext cx="1670040" cy="276480"/>
-          </a:xfrm>
-          <a:prstGeom prst="rect">
-            <a:avLst/>
-          </a:prstGeom>
-          <a:noFill/>
-          <a:ln>
-            <a:noFill/>
-          </a:ln>
-        </p:spPr>
-        <p:style>
-          <a:lnRef idx="0"/>
-          <a:fillRef idx="0"/>
-          <a:effectRef idx="0"/>
-          <a:fontRef idx="minor"/>
-        </p:style>
-      </p:sp>
-      <p:sp>
-        <p:nvSpPr>
-          <p:cNvPr id="161" name="CustomShape 7"/>
-          <p:cNvSpPr/>
-          <p:nvPr/>
-        </p:nvSpPr>
-        <p:spPr>
-          <a:xfrm>
-            <a:off x="6283080" y="2662920"/>
-            <a:ext cx="1670040" cy="276480"/>
-          </a:xfrm>
-          <a:prstGeom prst="rect">
-            <a:avLst/>
-          </a:prstGeom>
-          <a:blipFill>
-            <a:blip r:embed="rId3"/>
-            <a:stretch>
-              <a:fillRect l="-2900" t="-4431" r="-1077" b="-11022"/>
-            </a:stretch>
-          </a:blipFill>
-          <a:ln>
-            <a:noFill/>
-          </a:ln>
-        </p:spPr>
-        <p:style>
-          <a:lnRef idx="0"/>
-          <a:fillRef idx="0"/>
-          <a:effectRef idx="0"/>
-          <a:fontRef idx="minor"/>
-        </p:style>
-        <p:txBody>
-          <a:bodyPr lIns="90000" rIns="90000" tIns="45000" bIns="45000"/>
           <a:p>
             <a:pPr>
               <a:lnSpc>
-                <a:spcPct val="100000"/>
+                <a:spcPct val="90000"/>
               </a:lnSpc>
+              <a:buFont typeface="Arial"/>
+              <a:buChar char="•"/>
             </a:pPr>
             <a:r>
-              <a:rPr lang="en-GB" strike="noStrike">
+              <a:rPr lang="en-GB" sz="2800" strike="noStrike">
                 <a:solidFill>
                   <a:srgbClr val="000000"/>
                 </a:solidFill>
                 <a:latin typeface="Calibri"/>
               </a:rPr>
-              <a:t> </a:t>
+              <a:t>Model unsimplified system – check the effects of having multiple absorbers</a:t>
             </a:r>
             <a:endParaRPr/>
           </a:p>
-        </p:txBody>
-      </p:sp>
-      <p:sp>
-        <p:nvSpPr>
-          <p:cNvPr id="162" name="CustomShape 8"/>
-          <p:cNvSpPr/>
-          <p:nvPr/>
-        </p:nvSpPr>
-        <p:spPr>
-          <a:xfrm>
-            <a:off x="1118880" y="4172040"/>
-            <a:ext cx="965160" cy="572400"/>
-          </a:xfrm>
-          <a:prstGeom prst="rect">
-            <a:avLst/>
-          </a:prstGeom>
-          <a:noFill/>
-          <a:ln>
-            <a:noFill/>
-          </a:ln>
-        </p:spPr>
-        <p:style>
-          <a:lnRef idx="0"/>
-          <a:fillRef idx="0"/>
-          <a:effectRef idx="0"/>
-          <a:fontRef idx="minor"/>
-        </p:style>
-      </p:sp>
-      <p:sp>
-        <p:nvSpPr>
-          <p:cNvPr id="163" name="CustomShape 9"/>
-          <p:cNvSpPr/>
-          <p:nvPr/>
-        </p:nvSpPr>
-        <p:spPr>
-          <a:xfrm>
-            <a:off x="1118880" y="4172040"/>
-            <a:ext cx="965160" cy="572400"/>
-          </a:xfrm>
-          <a:prstGeom prst="rect">
-            <a:avLst/>
-          </a:prstGeom>
-          <a:blipFill>
-            <a:blip r:embed="rId4"/>
-            <a:stretch>
-              <a:fillRect/>
-            </a:stretch>
-          </a:blipFill>
-          <a:ln>
-            <a:noFill/>
-          </a:ln>
-        </p:spPr>
-        <p:style>
-          <a:lnRef idx="0"/>
-          <a:fillRef idx="0"/>
-          <a:effectRef idx="0"/>
-          <a:fontRef idx="minor"/>
-        </p:style>
-        <p:txBody>
-          <a:bodyPr lIns="90000" rIns="90000" tIns="45000" bIns="45000"/>
           <a:p>
             <a:pPr>
               <a:lnSpc>
-                <a:spcPct val="100000"/>
+                <a:spcPct val="90000"/>
               </a:lnSpc>
+              <a:buFont typeface="Arial"/>
+              <a:buChar char="•"/>
             </a:pPr>
             <a:r>
-              <a:rPr lang="en-GB" strike="noStrike">
+              <a:rPr lang="en-GB" sz="2800" strike="noStrike">
                 <a:solidFill>
                   <a:srgbClr val="000000"/>
                 </a:solidFill>
                 <a:latin typeface="Calibri"/>
               </a:rPr>
-              <a:t> </a:t>
+              <a:t>Numerical integration on system – 6 dof</a:t>
             </a:r>
             <a:endParaRPr/>
           </a:p>
-        </p:txBody>
-      </p:sp>
-      <p:sp>
-        <p:nvSpPr>
-          <p:cNvPr id="164" name="CustomShape 10"/>
-          <p:cNvSpPr/>
-          <p:nvPr/>
-        </p:nvSpPr>
-        <p:spPr>
-          <a:xfrm>
-            <a:off x="3536640" y="4320000"/>
-            <a:ext cx="2518920" cy="314640"/>
-          </a:xfrm>
-          <a:prstGeom prst="rect">
-            <a:avLst/>
-          </a:prstGeom>
-          <a:noFill/>
-          <a:ln>
-            <a:noFill/>
-          </a:ln>
-        </p:spPr>
-        <p:style>
-          <a:lnRef idx="0"/>
-          <a:fillRef idx="0"/>
-          <a:effectRef idx="0"/>
-          <a:fontRef idx="minor"/>
-        </p:style>
-      </p:sp>
-      <p:sp>
-        <p:nvSpPr>
-          <p:cNvPr id="165" name="CustomShape 11"/>
-          <p:cNvSpPr/>
-          <p:nvPr/>
-        </p:nvSpPr>
-        <p:spPr>
-          <a:xfrm>
-            <a:off x="3536640" y="4320000"/>
-            <a:ext cx="2518920" cy="314640"/>
-          </a:xfrm>
-          <a:prstGeom prst="rect">
-            <a:avLst/>
-          </a:prstGeom>
-          <a:blipFill>
-            <a:blip r:embed="rId5"/>
-            <a:stretch>
-              <a:fillRect l="-1931" t="0" r="-1683" b="-17618"/>
-            </a:stretch>
-          </a:blipFill>
-          <a:ln>
-            <a:noFill/>
-          </a:ln>
-        </p:spPr>
-        <p:style>
-          <a:lnRef idx="0"/>
-          <a:fillRef idx="0"/>
-          <a:effectRef idx="0"/>
-          <a:fontRef idx="minor"/>
-        </p:style>
-        <p:txBody>
-          <a:bodyPr lIns="90000" rIns="90000" tIns="45000" bIns="45000"/>
           <a:p>
             <a:pPr>
               <a:lnSpc>
-                <a:spcPct val="100000"/>
+                <a:spcPct val="90000"/>
               </a:lnSpc>
+              <a:buFont typeface="Arial"/>
+              <a:buChar char="•"/>
             </a:pPr>
             <a:r>
-              <a:rPr lang="en-GB" strike="noStrike">
+              <a:rPr lang="en-GB" sz="2800" strike="noStrike">
                 <a:solidFill>
                   <a:srgbClr val="000000"/>
                 </a:solidFill>
                 <a:latin typeface="Calibri"/>
               </a:rPr>
-              <a:t> </a:t>
+              <a:t>Check relative amplitudes of peaks, are reduced peaks still greater than unreduced peaks of other modes/frequencies</a:t>
             </a:r>
             <a:endParaRPr/>
           </a:p>
-        </p:txBody>
-      </p:sp>
-      <p:sp>
-        <p:nvSpPr>
-          <p:cNvPr id="166" name="CustomShape 12"/>
-          <p:cNvSpPr/>
-          <p:nvPr/>
-        </p:nvSpPr>
-        <p:spPr>
-          <a:xfrm>
-            <a:off x="7118280" y="4167000"/>
-            <a:ext cx="1236960" cy="577440"/>
-          </a:xfrm>
-          <a:prstGeom prst="rect">
-            <a:avLst/>
-          </a:prstGeom>
-          <a:noFill/>
-          <a:ln>
-            <a:noFill/>
-          </a:ln>
-        </p:spPr>
-        <p:style>
-          <a:lnRef idx="0"/>
-          <a:fillRef idx="0"/>
-          <a:effectRef idx="0"/>
-          <a:fontRef idx="minor"/>
-        </p:style>
-      </p:sp>
-      <p:sp>
-        <p:nvSpPr>
-          <p:cNvPr id="167" name="CustomShape 13"/>
-          <p:cNvSpPr/>
-          <p:nvPr/>
-        </p:nvSpPr>
-        <p:spPr>
-          <a:xfrm>
-            <a:off x="7118280" y="4167000"/>
-            <a:ext cx="1236960" cy="577440"/>
-          </a:xfrm>
-          <a:prstGeom prst="rect">
-            <a:avLst/>
-          </a:prstGeom>
-          <a:blipFill>
-            <a:blip r:embed="rId6"/>
-            <a:stretch>
-              <a:fillRect l="0" t="0" r="0" b="-1057"/>
-            </a:stretch>
-          </a:blipFill>
-          <a:ln>
-            <a:noFill/>
-          </a:ln>
-        </p:spPr>
-        <p:style>
-          <a:lnRef idx="0"/>
-          <a:fillRef idx="0"/>
-          <a:effectRef idx="0"/>
-          <a:fontRef idx="minor"/>
-        </p:style>
-        <p:txBody>
-          <a:bodyPr lIns="90000" rIns="90000" tIns="45000" bIns="45000"/>
           <a:p>
             <a:pPr>
               <a:lnSpc>
-                <a:spcPct val="100000"/>
+                <a:spcPct val="90000"/>
               </a:lnSpc>
+              <a:buFont typeface="Arial"/>
+              <a:buChar char="•"/>
             </a:pPr>
             <a:r>
-              <a:rPr lang="en-GB" strike="noStrike">
+              <a:rPr lang="en-GB" sz="2800" strike="noStrike">
                 <a:solidFill>
                   <a:srgbClr val="000000"/>
                 </a:solidFill>
                 <a:latin typeface="Calibri"/>
               </a:rPr>
-              <a:t> </a:t>
+              <a:t>Compare responses to range of frequencies – rather than having ‘impulse’ of single frequency, try step of all frequencies or some curve around natural frequency.</a:t>
+            </a:r>
+            <a:endParaRPr/>
+          </a:p>
+          <a:p>
+            <a:pPr>
+              <a:lnSpc>
+                <a:spcPct val="90000"/>
+              </a:lnSpc>
+              <a:buFont typeface="Arial"/>
+              <a:buChar char="•"/>
+            </a:pPr>
+            <a:r>
+              <a:rPr lang="en-GB" sz="2800" strike="noStrike">
+                <a:solidFill>
+                  <a:srgbClr val="000000"/>
+                </a:solidFill>
+                <a:latin typeface="Calibri"/>
+              </a:rPr>
+              <a:t>Given actual values of floor lambda for each floor and mode, put these in to give actual optimum values for the actual structure.</a:t>
             </a:r>
             <a:endParaRPr/>
           </a:p>
@@ -7061,6 +6213,33 @@
       </p:sp>
     </p:spTree>
   </p:cSld>
+  <p:timing>
+    <p:tnLst>
+      <p:par>
+        <p:cTn id="57" dur="indefinite" restart="never" nodeType="tmRoot">
+          <p:childTnLst>
+            <p:seq>
+              <p:cTn id="58" nodeType="mainSeq"/>
+              <p:prevCondLst>
+                <p:cond delay="0" evt="onPrev">
+                  <p:tgtEl>
+                    <p:sldTgt/>
+                  </p:tgtEl>
+                </p:cond>
+              </p:prevCondLst>
+              <p:nextCondLst>
+                <p:cond delay="0" evt="onNext">
+                  <p:tgtEl>
+                    <p:sldTgt/>
+                  </p:tgtEl>
+                </p:cond>
+              </p:nextCondLst>
+            </p:seq>
+          </p:childTnLst>
+        </p:cTn>
+      </p:par>
+    </p:tnLst>
+  </p:timing>
 </p:sld>
 </file>
 
@@ -7083,14 +6262,14 @@
       </p:grpSpPr>
       <p:sp>
         <p:nvSpPr>
-          <p:cNvPr id="118" name="TextShape 1"/>
-          <p:cNvSpPr txBox="1"/>
+          <p:cNvPr id="112" name="CustomShape 1"/>
+          <p:cNvSpPr/>
           <p:nvPr/>
         </p:nvSpPr>
         <p:spPr>
           <a:xfrm>
             <a:off x="838080" y="365040"/>
-            <a:ext cx="10515240" cy="1325160"/>
+            <a:ext cx="10514880" cy="1324800"/>
           </a:xfrm>
           <a:prstGeom prst="rect">
             <a:avLst/>
@@ -7100,8 +6279,14 @@
             <a:noFill/>
           </a:ln>
         </p:spPr>
-        <p:txBody>
-          <a:bodyPr anchor="ctr"/>
+        <p:style>
+          <a:lnRef idx="0"/>
+          <a:fillRef idx="0"/>
+          <a:effectRef idx="0"/>
+          <a:fontRef idx="minor"/>
+        </p:style>
+        <p:txBody>
+          <a:bodyPr lIns="90000" rIns="90000" tIns="45000" bIns="45000" anchor="ctr"/>
           <a:p>
             <a:pPr>
               <a:lnSpc>
@@ -7109,7 +6294,7 @@
               </a:lnSpc>
             </a:pPr>
             <a:r>
-              <a:rPr lang="en-US" sz="4400" strike="noStrike">
+              <a:rPr lang="en-GB" sz="4400" strike="noStrike">
                 <a:solidFill>
                   <a:srgbClr val="000000"/>
                 </a:solidFill>
@@ -7123,14 +6308,14 @@
       </p:sp>
       <p:sp>
         <p:nvSpPr>
-          <p:cNvPr id="119" name="TextShape 2"/>
-          <p:cNvSpPr txBox="1"/>
+          <p:cNvPr id="113" name="CustomShape 2"/>
+          <p:cNvSpPr/>
           <p:nvPr/>
         </p:nvSpPr>
         <p:spPr>
           <a:xfrm>
             <a:off x="838080" y="1825560"/>
-            <a:ext cx="10515240" cy="4350960"/>
+            <a:ext cx="10514880" cy="4350600"/>
           </a:xfrm>
           <a:prstGeom prst="rect">
             <a:avLst/>
@@ -7140,8 +6325,14 @@
             <a:noFill/>
           </a:ln>
         </p:spPr>
-        <p:txBody>
-          <a:bodyPr/>
+        <p:style>
+          <a:lnRef idx="0"/>
+          <a:fillRef idx="0"/>
+          <a:effectRef idx="0"/>
+          <a:fontRef idx="minor"/>
+        </p:style>
+        <p:txBody>
+          <a:bodyPr lIns="90000" rIns="90000" tIns="45000" bIns="45000"/>
           <a:p>
             <a:pPr>
               <a:lnSpc>
@@ -7151,7 +6342,7 @@
               <a:buChar char="•"/>
             </a:pPr>
             <a:r>
-              <a:rPr lang="en-US" sz="2800" strike="noStrike">
+              <a:rPr lang="en-GB" sz="2800" strike="noStrike">
                 <a:solidFill>
                   <a:srgbClr val="000000"/>
                 </a:solidFill>
@@ -7170,7 +6361,7 @@
               <a:buChar char="•"/>
             </a:pPr>
             <a:r>
-              <a:rPr lang="en-US" sz="2800" strike="noStrike">
+              <a:rPr lang="en-GB" sz="2800" strike="noStrike">
                 <a:solidFill>
                   <a:srgbClr val="000000"/>
                 </a:solidFill>
@@ -7241,14 +6432,14 @@
       </p:grpSpPr>
       <p:sp>
         <p:nvSpPr>
-          <p:cNvPr id="168" name="TextShape 1"/>
-          <p:cNvSpPr txBox="1"/>
+          <p:cNvPr id="150" name="CustomShape 1"/>
+          <p:cNvSpPr/>
           <p:nvPr/>
         </p:nvSpPr>
         <p:spPr>
           <a:xfrm>
             <a:off x="838080" y="365040"/>
-            <a:ext cx="10515240" cy="1325160"/>
+            <a:ext cx="10514880" cy="1324800"/>
           </a:xfrm>
           <a:prstGeom prst="rect">
             <a:avLst/>
@@ -7258,8 +6449,14 @@
             <a:noFill/>
           </a:ln>
         </p:spPr>
-        <p:txBody>
-          <a:bodyPr anchor="ctr"/>
+        <p:style>
+          <a:lnRef idx="0"/>
+          <a:fillRef idx="0"/>
+          <a:effectRef idx="0"/>
+          <a:fontRef idx="minor"/>
+        </p:style>
+        <p:txBody>
+          <a:bodyPr lIns="90000" rIns="90000" tIns="45000" bIns="45000" anchor="ctr"/>
           <a:p>
             <a:pPr>
               <a:lnSpc>
@@ -7267,7 +6464,564 @@
               </a:lnSpc>
             </a:pPr>
             <a:r>
-              <a:rPr lang="en-US" sz="4400" strike="noStrike">
+              <a:rPr lang="en-GB" sz="4400" strike="noStrike">
+                <a:solidFill>
+                  <a:srgbClr val="000000"/>
+                </a:solidFill>
+                <a:latin typeface="Calibri Light"/>
+              </a:rPr>
+              <a:t>Equations</a:t>
+            </a:r>
+            <a:endParaRPr/>
+          </a:p>
+        </p:txBody>
+      </p:sp>
+      <p:sp>
+        <p:nvSpPr>
+          <p:cNvPr id="151" name="CustomShape 2"/>
+          <p:cNvSpPr/>
+          <p:nvPr/>
+        </p:nvSpPr>
+        <p:spPr>
+          <a:xfrm>
+            <a:off x="2100240" y="2549160"/>
+            <a:ext cx="52560" cy="274320"/>
+          </a:xfrm>
+          <a:prstGeom prst="rect">
+            <a:avLst/>
+          </a:prstGeom>
+          <a:noFill/>
+          <a:ln>
+            <a:noFill/>
+          </a:ln>
+        </p:spPr>
+        <p:style>
+          <a:lnRef idx="0"/>
+          <a:fillRef idx="0"/>
+          <a:effectRef idx="0"/>
+          <a:fontRef idx="minor"/>
+        </p:style>
+        <p:txBody>
+          <a:bodyPr wrap="none" lIns="0" rIns="0" tIns="0" bIns="0"/>
+          <a:p>
+            <a:pPr>
+              <a:lnSpc>
+                <a:spcPct val="100000"/>
+              </a:lnSpc>
+            </a:pPr>
+            <a:r>
+              <a:rPr lang="en-GB" strike="noStrike">
+                <a:solidFill>
+                  <a:srgbClr val="000000"/>
+                </a:solidFill>
+                <a:latin typeface="Calibri"/>
+                <a:ea typeface="DejaVu Sans"/>
+              </a:rPr>
+              <a:t> </a:t>
+            </a:r>
+            <a:endParaRPr/>
+          </a:p>
+        </p:txBody>
+      </p:sp>
+      <p:sp>
+        <p:nvSpPr>
+          <p:cNvPr id="152" name="CustomShape 3"/>
+          <p:cNvSpPr/>
+          <p:nvPr/>
+        </p:nvSpPr>
+        <p:spPr>
+          <a:xfrm>
+            <a:off x="1001520" y="2549160"/>
+            <a:ext cx="2250000" cy="504000"/>
+          </a:xfrm>
+          <a:prstGeom prst="rect">
+            <a:avLst/>
+          </a:prstGeom>
+          <a:blipFill>
+            <a:blip r:embed="rId1"/>
+            <a:stretch>
+              <a:fillRect l="0" t="0" r="0" b="-1125"/>
+            </a:stretch>
+          </a:blipFill>
+          <a:ln>
+            <a:noFill/>
+          </a:ln>
+        </p:spPr>
+        <p:style>
+          <a:lnRef idx="0"/>
+          <a:fillRef idx="0"/>
+          <a:effectRef idx="0"/>
+          <a:fontRef idx="minor"/>
+        </p:style>
+        <p:txBody>
+          <a:bodyPr lIns="90000" rIns="90000" tIns="45000" bIns="45000"/>
+          <a:p>
+            <a:pPr>
+              <a:lnSpc>
+                <a:spcPct val="100000"/>
+              </a:lnSpc>
+            </a:pPr>
+            <a:r>
+              <a:rPr lang="en-GB" strike="noStrike">
+                <a:solidFill>
+                  <a:srgbClr val="000000"/>
+                </a:solidFill>
+                <a:latin typeface="Calibri"/>
+                <a:ea typeface="DejaVu Sans"/>
+              </a:rPr>
+              <a:t> </a:t>
+            </a:r>
+            <a:endParaRPr/>
+          </a:p>
+        </p:txBody>
+      </p:sp>
+      <p:sp>
+        <p:nvSpPr>
+          <p:cNvPr id="153" name="CustomShape 4"/>
+          <p:cNvSpPr/>
+          <p:nvPr/>
+        </p:nvSpPr>
+        <p:spPr>
+          <a:xfrm>
+            <a:off x="3778200" y="2662920"/>
+            <a:ext cx="1532520" cy="276120"/>
+          </a:xfrm>
+          <a:prstGeom prst="rect">
+            <a:avLst/>
+          </a:prstGeom>
+          <a:noFill/>
+          <a:ln>
+            <a:noFill/>
+          </a:ln>
+        </p:spPr>
+        <p:style>
+          <a:lnRef idx="0"/>
+          <a:fillRef idx="0"/>
+          <a:effectRef idx="0"/>
+          <a:fontRef idx="minor"/>
+        </p:style>
+      </p:sp>
+      <p:sp>
+        <p:nvSpPr>
+          <p:cNvPr id="154" name="CustomShape 5"/>
+          <p:cNvSpPr/>
+          <p:nvPr/>
+        </p:nvSpPr>
+        <p:spPr>
+          <a:xfrm>
+            <a:off x="3778200" y="2662920"/>
+            <a:ext cx="1532520" cy="276120"/>
+          </a:xfrm>
+          <a:prstGeom prst="rect">
+            <a:avLst/>
+          </a:prstGeom>
+          <a:blipFill>
+            <a:blip r:embed="rId2"/>
+            <a:stretch>
+              <a:fillRect l="-3548" t="-4318" r="-1167" b="-10909"/>
+            </a:stretch>
+          </a:blipFill>
+          <a:ln>
+            <a:noFill/>
+          </a:ln>
+        </p:spPr>
+        <p:style>
+          <a:lnRef idx="0"/>
+          <a:fillRef idx="0"/>
+          <a:effectRef idx="0"/>
+          <a:fontRef idx="minor"/>
+        </p:style>
+        <p:txBody>
+          <a:bodyPr lIns="90000" rIns="90000" tIns="45000" bIns="45000"/>
+          <a:p>
+            <a:pPr>
+              <a:lnSpc>
+                <a:spcPct val="100000"/>
+              </a:lnSpc>
+            </a:pPr>
+            <a:r>
+              <a:rPr lang="en-GB" strike="noStrike">
+                <a:solidFill>
+                  <a:srgbClr val="000000"/>
+                </a:solidFill>
+                <a:latin typeface="Calibri"/>
+                <a:ea typeface="DejaVu Sans"/>
+              </a:rPr>
+              <a:t> </a:t>
+            </a:r>
+            <a:endParaRPr/>
+          </a:p>
+        </p:txBody>
+      </p:sp>
+      <p:sp>
+        <p:nvSpPr>
+          <p:cNvPr id="155" name="CustomShape 6"/>
+          <p:cNvSpPr/>
+          <p:nvPr/>
+        </p:nvSpPr>
+        <p:spPr>
+          <a:xfrm>
+            <a:off x="6283080" y="2662920"/>
+            <a:ext cx="1669680" cy="276120"/>
+          </a:xfrm>
+          <a:prstGeom prst="rect">
+            <a:avLst/>
+          </a:prstGeom>
+          <a:noFill/>
+          <a:ln>
+            <a:noFill/>
+          </a:ln>
+        </p:spPr>
+        <p:style>
+          <a:lnRef idx="0"/>
+          <a:fillRef idx="0"/>
+          <a:effectRef idx="0"/>
+          <a:fontRef idx="minor"/>
+        </p:style>
+      </p:sp>
+      <p:sp>
+        <p:nvSpPr>
+          <p:cNvPr id="156" name="CustomShape 7"/>
+          <p:cNvSpPr/>
+          <p:nvPr/>
+        </p:nvSpPr>
+        <p:spPr>
+          <a:xfrm>
+            <a:off x="6283080" y="2662920"/>
+            <a:ext cx="1669680" cy="276120"/>
+          </a:xfrm>
+          <a:prstGeom prst="rect">
+            <a:avLst/>
+          </a:prstGeom>
+          <a:blipFill>
+            <a:blip r:embed="rId3"/>
+            <a:stretch>
+              <a:fillRect l="-2880" t="-4318" r="-1056" b="-10909"/>
+            </a:stretch>
+          </a:blipFill>
+          <a:ln>
+            <a:noFill/>
+          </a:ln>
+        </p:spPr>
+        <p:style>
+          <a:lnRef idx="0"/>
+          <a:fillRef idx="0"/>
+          <a:effectRef idx="0"/>
+          <a:fontRef idx="minor"/>
+        </p:style>
+        <p:txBody>
+          <a:bodyPr lIns="90000" rIns="90000" tIns="45000" bIns="45000"/>
+          <a:p>
+            <a:pPr>
+              <a:lnSpc>
+                <a:spcPct val="100000"/>
+              </a:lnSpc>
+            </a:pPr>
+            <a:r>
+              <a:rPr lang="en-GB" strike="noStrike">
+                <a:solidFill>
+                  <a:srgbClr val="000000"/>
+                </a:solidFill>
+                <a:latin typeface="Calibri"/>
+                <a:ea typeface="DejaVu Sans"/>
+              </a:rPr>
+              <a:t> </a:t>
+            </a:r>
+            <a:endParaRPr/>
+          </a:p>
+        </p:txBody>
+      </p:sp>
+      <p:sp>
+        <p:nvSpPr>
+          <p:cNvPr id="157" name="CustomShape 8"/>
+          <p:cNvSpPr/>
+          <p:nvPr/>
+        </p:nvSpPr>
+        <p:spPr>
+          <a:xfrm>
+            <a:off x="1118880" y="4172040"/>
+            <a:ext cx="964800" cy="572040"/>
+          </a:xfrm>
+          <a:prstGeom prst="rect">
+            <a:avLst/>
+          </a:prstGeom>
+          <a:noFill/>
+          <a:ln>
+            <a:noFill/>
+          </a:ln>
+        </p:spPr>
+        <p:style>
+          <a:lnRef idx="0"/>
+          <a:fillRef idx="0"/>
+          <a:effectRef idx="0"/>
+          <a:fontRef idx="minor"/>
+        </p:style>
+      </p:sp>
+      <p:sp>
+        <p:nvSpPr>
+          <p:cNvPr id="158" name="CustomShape 9"/>
+          <p:cNvSpPr/>
+          <p:nvPr/>
+        </p:nvSpPr>
+        <p:spPr>
+          <a:xfrm>
+            <a:off x="1118880" y="4172040"/>
+            <a:ext cx="964800" cy="572040"/>
+          </a:xfrm>
+          <a:prstGeom prst="rect">
+            <a:avLst/>
+          </a:prstGeom>
+          <a:blipFill>
+            <a:blip r:embed="rId4"/>
+            <a:stretch>
+              <a:fillRect/>
+            </a:stretch>
+          </a:blipFill>
+          <a:ln>
+            <a:noFill/>
+          </a:ln>
+        </p:spPr>
+        <p:style>
+          <a:lnRef idx="0"/>
+          <a:fillRef idx="0"/>
+          <a:effectRef idx="0"/>
+          <a:fontRef idx="minor"/>
+        </p:style>
+        <p:txBody>
+          <a:bodyPr lIns="90000" rIns="90000" tIns="45000" bIns="45000"/>
+          <a:p>
+            <a:pPr>
+              <a:lnSpc>
+                <a:spcPct val="100000"/>
+              </a:lnSpc>
+            </a:pPr>
+            <a:r>
+              <a:rPr lang="en-GB" strike="noStrike">
+                <a:solidFill>
+                  <a:srgbClr val="000000"/>
+                </a:solidFill>
+                <a:latin typeface="Calibri"/>
+                <a:ea typeface="DejaVu Sans"/>
+              </a:rPr>
+              <a:t> </a:t>
+            </a:r>
+            <a:endParaRPr/>
+          </a:p>
+        </p:txBody>
+      </p:sp>
+      <p:sp>
+        <p:nvSpPr>
+          <p:cNvPr id="159" name="CustomShape 10"/>
+          <p:cNvSpPr/>
+          <p:nvPr/>
+        </p:nvSpPr>
+        <p:spPr>
+          <a:xfrm>
+            <a:off x="3536640" y="4320000"/>
+            <a:ext cx="2518560" cy="314280"/>
+          </a:xfrm>
+          <a:prstGeom prst="rect">
+            <a:avLst/>
+          </a:prstGeom>
+          <a:noFill/>
+          <a:ln>
+            <a:noFill/>
+          </a:ln>
+        </p:spPr>
+        <p:style>
+          <a:lnRef idx="0"/>
+          <a:fillRef idx="0"/>
+          <a:effectRef idx="0"/>
+          <a:fontRef idx="minor"/>
+        </p:style>
+      </p:sp>
+      <p:sp>
+        <p:nvSpPr>
+          <p:cNvPr id="160" name="CustomShape 11"/>
+          <p:cNvSpPr/>
+          <p:nvPr/>
+        </p:nvSpPr>
+        <p:spPr>
+          <a:xfrm>
+            <a:off x="3536640" y="4320000"/>
+            <a:ext cx="2518560" cy="314280"/>
+          </a:xfrm>
+          <a:prstGeom prst="rect">
+            <a:avLst/>
+          </a:prstGeom>
+          <a:blipFill>
+            <a:blip r:embed="rId5"/>
+            <a:stretch>
+              <a:fillRect l="-1917" t="0" r="-1669" b="-17519"/>
+            </a:stretch>
+          </a:blipFill>
+          <a:ln>
+            <a:noFill/>
+          </a:ln>
+        </p:spPr>
+        <p:style>
+          <a:lnRef idx="0"/>
+          <a:fillRef idx="0"/>
+          <a:effectRef idx="0"/>
+          <a:fontRef idx="minor"/>
+        </p:style>
+        <p:txBody>
+          <a:bodyPr lIns="90000" rIns="90000" tIns="45000" bIns="45000"/>
+          <a:p>
+            <a:pPr>
+              <a:lnSpc>
+                <a:spcPct val="100000"/>
+              </a:lnSpc>
+            </a:pPr>
+            <a:r>
+              <a:rPr lang="en-GB" strike="noStrike">
+                <a:solidFill>
+                  <a:srgbClr val="000000"/>
+                </a:solidFill>
+                <a:latin typeface="Calibri"/>
+                <a:ea typeface="DejaVu Sans"/>
+              </a:rPr>
+              <a:t> </a:t>
+            </a:r>
+            <a:endParaRPr/>
+          </a:p>
+        </p:txBody>
+      </p:sp>
+      <p:sp>
+        <p:nvSpPr>
+          <p:cNvPr id="161" name="CustomShape 12"/>
+          <p:cNvSpPr/>
+          <p:nvPr/>
+        </p:nvSpPr>
+        <p:spPr>
+          <a:xfrm>
+            <a:off x="7118280" y="4167000"/>
+            <a:ext cx="1236600" cy="577080"/>
+          </a:xfrm>
+          <a:prstGeom prst="rect">
+            <a:avLst/>
+          </a:prstGeom>
+          <a:noFill/>
+          <a:ln>
+            <a:noFill/>
+          </a:ln>
+        </p:spPr>
+        <p:style>
+          <a:lnRef idx="0"/>
+          <a:fillRef idx="0"/>
+          <a:effectRef idx="0"/>
+          <a:fontRef idx="minor"/>
+        </p:style>
+      </p:sp>
+      <p:sp>
+        <p:nvSpPr>
+          <p:cNvPr id="162" name="CustomShape 13"/>
+          <p:cNvSpPr/>
+          <p:nvPr/>
+        </p:nvSpPr>
+        <p:spPr>
+          <a:xfrm>
+            <a:off x="7118280" y="4167000"/>
+            <a:ext cx="1236600" cy="577080"/>
+          </a:xfrm>
+          <a:prstGeom prst="rect">
+            <a:avLst/>
+          </a:prstGeom>
+          <a:blipFill>
+            <a:blip r:embed="rId6"/>
+            <a:stretch>
+              <a:fillRect l="0" t="0" r="0" b="-995"/>
+            </a:stretch>
+          </a:blipFill>
+          <a:ln>
+            <a:noFill/>
+          </a:ln>
+        </p:spPr>
+        <p:style>
+          <a:lnRef idx="0"/>
+          <a:fillRef idx="0"/>
+          <a:effectRef idx="0"/>
+          <a:fontRef idx="minor"/>
+        </p:style>
+        <p:txBody>
+          <a:bodyPr lIns="90000" rIns="90000" tIns="45000" bIns="45000"/>
+          <a:p>
+            <a:pPr>
+              <a:lnSpc>
+                <a:spcPct val="100000"/>
+              </a:lnSpc>
+            </a:pPr>
+            <a:r>
+              <a:rPr lang="en-GB" strike="noStrike">
+                <a:solidFill>
+                  <a:srgbClr val="000000"/>
+                </a:solidFill>
+                <a:latin typeface="Calibri"/>
+                <a:ea typeface="DejaVu Sans"/>
+              </a:rPr>
+              <a:t> </a:t>
+            </a:r>
+            <a:endParaRPr/>
+          </a:p>
+        </p:txBody>
+      </p:sp>
+    </p:spTree>
+  </p:cSld>
+</p:sld>
+</file>
+
+<file path=ppt/slides/slide31.xml><?xml version="1.0" encoding="utf-8"?>
+<p:sld xmlns:a="http://schemas.openxmlformats.org/drawingml/2006/main" xmlns:p="http://schemas.openxmlformats.org/presentationml/2006/main" xmlns:r="http://schemas.openxmlformats.org/officeDocument/2006/relationships">
+  <p:cSld>
+    <p:spTree>
+      <p:nvGrpSpPr>
+        <p:cNvPr id="1" name=""/>
+        <p:cNvGrpSpPr/>
+        <p:nvPr/>
+      </p:nvGrpSpPr>
+      <p:grpSpPr>
+        <a:xfrm>
+          <a:off x="0" y="0"/>
+          <a:ext cx="0" cy="0"/>
+          <a:chOff x="0" y="0"/>
+          <a:chExt cx="0" cy="0"/>
+        </a:xfrm>
+      </p:grpSpPr>
+      <p:sp>
+        <p:nvSpPr>
+          <p:cNvPr id="163" name="CustomShape 1"/>
+          <p:cNvSpPr/>
+          <p:nvPr/>
+        </p:nvSpPr>
+        <p:spPr>
+          <a:xfrm>
+            <a:off x="838080" y="365040"/>
+            <a:ext cx="10514880" cy="1324800"/>
+          </a:xfrm>
+          <a:prstGeom prst="rect">
+            <a:avLst/>
+          </a:prstGeom>
+          <a:noFill/>
+          <a:ln>
+            <a:noFill/>
+          </a:ln>
+        </p:spPr>
+        <p:style>
+          <a:lnRef idx="0"/>
+          <a:fillRef idx="0"/>
+          <a:effectRef idx="0"/>
+          <a:fontRef idx="minor"/>
+        </p:style>
+        <p:txBody>
+          <a:bodyPr lIns="90000" rIns="90000" tIns="45000" bIns="45000" anchor="ctr"/>
+          <a:p>
+            <a:pPr>
+              <a:lnSpc>
+                <a:spcPct val="90000"/>
+              </a:lnSpc>
+            </a:pPr>
+            <a:r>
+              <a:rPr lang="en-GB" sz="4400" strike="noStrike">
                 <a:solidFill>
                   <a:srgbClr val="000000"/>
                 </a:solidFill>
@@ -7281,14 +7035,14 @@
       </p:sp>
       <p:sp>
         <p:nvSpPr>
-          <p:cNvPr id="169" name="TextShape 2"/>
-          <p:cNvSpPr txBox="1"/>
+          <p:cNvPr id="164" name="CustomShape 2"/>
+          <p:cNvSpPr/>
           <p:nvPr/>
         </p:nvSpPr>
         <p:spPr>
           <a:xfrm>
             <a:off x="838080" y="1825560"/>
-            <a:ext cx="10515240" cy="4350960"/>
+            <a:ext cx="10514880" cy="4350600"/>
           </a:xfrm>
           <a:prstGeom prst="rect">
             <a:avLst/>
@@ -7298,8 +7052,14 @@
             <a:noFill/>
           </a:ln>
         </p:spPr>
-        <p:txBody>
-          <a:bodyPr/>
+        <p:style>
+          <a:lnRef idx="0"/>
+          <a:fillRef idx="0"/>
+          <a:effectRef idx="0"/>
+          <a:fontRef idx="minor"/>
+        </p:style>
+        <p:txBody>
+          <a:bodyPr lIns="90000" rIns="90000" tIns="45000" bIns="45000"/>
           <a:p>
             <a:pPr>
               <a:lnSpc>
@@ -7309,7 +7069,7 @@
               <a:buChar char="•"/>
             </a:pPr>
             <a:r>
-              <a:rPr lang="en-US" sz="2800" strike="noStrike">
+              <a:rPr lang="en-GB" sz="2800" strike="noStrike">
                 <a:solidFill>
                   <a:srgbClr val="000000"/>
                 </a:solidFill>
@@ -7323,13 +7083,13 @@
       </p:sp>
       <p:graphicFrame>
         <p:nvGraphicFramePr>
-          <p:cNvPr id="170" name="Table 3"/>
+          <p:cNvPr id="165" name="Table 3"/>
           <p:cNvGraphicFramePr/>
           <p:nvPr/>
         </p:nvGraphicFramePr>
         <p:xfrm>
           <a:off x="411120" y="2723040"/>
-          <a:ext cx="4865040" cy="2966400"/>
+          <a:ext cx="4864680" cy="2966040"/>
         </p:xfrm>
         <a:graphic>
           <a:graphicData uri="http://schemas.openxmlformats.org/drawingml/2006/table">
@@ -8178,13 +7938,13 @@
       </p:graphicFrame>
       <p:graphicFrame>
         <p:nvGraphicFramePr>
-          <p:cNvPr id="171" name="Table 4"/>
+          <p:cNvPr id="166" name="Table 4"/>
           <p:cNvGraphicFramePr/>
           <p:nvPr/>
         </p:nvGraphicFramePr>
         <p:xfrm>
           <a:off x="5978880" y="3344760"/>
-          <a:ext cx="6011640" cy="1482840"/>
+          <a:ext cx="6011640" cy="1726560"/>
         </p:xfrm>
         <a:graphic>
           <a:graphicData uri="http://schemas.openxmlformats.org/drawingml/2006/table">
@@ -8541,137 +8301,6 @@
 </p:sld>
 </file>
 
-<file path=ppt/slides/slide31.xml><?xml version="1.0" encoding="utf-8"?>
-<p:sld xmlns:a="http://schemas.openxmlformats.org/drawingml/2006/main" xmlns:p="http://schemas.openxmlformats.org/presentationml/2006/main" xmlns:r="http://schemas.openxmlformats.org/officeDocument/2006/relationships">
-  <p:cSld>
-    <p:spTree>
-      <p:nvGrpSpPr>
-        <p:cNvPr id="1" name=""/>
-        <p:cNvGrpSpPr/>
-        <p:nvPr/>
-      </p:nvGrpSpPr>
-      <p:grpSpPr>
-        <a:xfrm>
-          <a:off x="0" y="0"/>
-          <a:ext cx="0" cy="0"/>
-          <a:chOff x="0" y="0"/>
-          <a:chExt cx="0" cy="0"/>
-        </a:xfrm>
-      </p:grpSpPr>
-      <p:sp>
-        <p:nvSpPr>
-          <p:cNvPr id="172" name="TextShape 1"/>
-          <p:cNvSpPr txBox="1"/>
-          <p:nvPr/>
-        </p:nvSpPr>
-        <p:spPr>
-          <a:xfrm>
-            <a:off x="838080" y="365040"/>
-            <a:ext cx="10515240" cy="1325160"/>
-          </a:xfrm>
-          <a:prstGeom prst="rect">
-            <a:avLst/>
-          </a:prstGeom>
-          <a:noFill/>
-          <a:ln>
-            <a:noFill/>
-          </a:ln>
-        </p:spPr>
-        <p:txBody>
-          <a:bodyPr anchor="ctr"/>
-          <a:p>
-            <a:pPr>
-              <a:lnSpc>
-                <a:spcPct val="90000"/>
-              </a:lnSpc>
-            </a:pPr>
-            <a:r>
-              <a:rPr lang="en-US" sz="4400" strike="noStrike">
-                <a:solidFill>
-                  <a:srgbClr val="000000"/>
-                </a:solidFill>
-                <a:latin typeface="Calibri Light"/>
-              </a:rPr>
-              <a:t>Interesting things noted</a:t>
-            </a:r>
-            <a:endParaRPr/>
-          </a:p>
-        </p:txBody>
-      </p:sp>
-      <p:sp>
-        <p:nvSpPr>
-          <p:cNvPr id="173" name="TextShape 2"/>
-          <p:cNvSpPr txBox="1"/>
-          <p:nvPr/>
-        </p:nvSpPr>
-        <p:spPr>
-          <a:xfrm>
-            <a:off x="838080" y="1825560"/>
-            <a:ext cx="10515240" cy="4350960"/>
-          </a:xfrm>
-          <a:prstGeom prst="rect">
-            <a:avLst/>
-          </a:prstGeom>
-          <a:noFill/>
-          <a:ln>
-            <a:noFill/>
-          </a:ln>
-        </p:spPr>
-        <p:txBody>
-          <a:bodyPr/>
-          <a:p>
-            <a:pPr>
-              <a:lnSpc>
-                <a:spcPct val="90000"/>
-              </a:lnSpc>
-              <a:buFont typeface="Arial"/>
-              <a:buChar char="•"/>
-            </a:pPr>
-            <a:r>
-              <a:rPr lang="en-US" sz="2800" strike="noStrike">
-                <a:solidFill>
-                  <a:srgbClr val="000000"/>
-                </a:solidFill>
-                <a:latin typeface="Calibri"/>
-              </a:rPr>
-              <a:t>Equivalent mass matrix is symmetric about major diagonal (with top floor, first mode in top left)</a:t>
-            </a:r>
-            <a:endParaRPr/>
-          </a:p>
-          <a:p>
-            <a:pPr>
-              <a:lnSpc>
-                <a:spcPct val="90000"/>
-              </a:lnSpc>
-              <a:buFont typeface="Arial"/>
-              <a:buChar char="•"/>
-            </a:pPr>
-            <a:r>
-              <a:rPr lang="en-US" sz="2800" strike="noStrike">
-                <a:solidFill>
-                  <a:srgbClr val="000000"/>
-                </a:solidFill>
-                <a:latin typeface="Calibri"/>
-              </a:rPr>
-              <a:t>Results of plotting 3d graph of frequency, absorber damping and amplitude not clear, plotting on log scales gives much clearer results and obvious saddle point, this is what we are aiming for with the optimum damper.</a:t>
-            </a:r>
-            <a:endParaRPr/>
-          </a:p>
-          <a:p>
-            <a:pPr>
-              <a:lnSpc>
-                <a:spcPct val="90000"/>
-              </a:lnSpc>
-            </a:pPr>
-            <a:endParaRPr/>
-          </a:p>
-        </p:txBody>
-      </p:sp>
-    </p:spTree>
-  </p:cSld>
-</p:sld>
-</file>
-
 <file path=ppt/slides/slide32.xml><?xml version="1.0" encoding="utf-8"?>
 <p:sld xmlns:a="http://schemas.openxmlformats.org/drawingml/2006/main" xmlns:p="http://schemas.openxmlformats.org/presentationml/2006/main" xmlns:r="http://schemas.openxmlformats.org/officeDocument/2006/relationships">
   <p:cSld>
@@ -8691,14 +8320,14 @@
       </p:grpSpPr>
       <p:sp>
         <p:nvSpPr>
-          <p:cNvPr id="174" name="TextShape 1"/>
-          <p:cNvSpPr txBox="1"/>
+          <p:cNvPr id="167" name="CustomShape 1"/>
+          <p:cNvSpPr/>
           <p:nvPr/>
         </p:nvSpPr>
         <p:spPr>
           <a:xfrm>
             <a:off x="838080" y="365040"/>
-            <a:ext cx="10515240" cy="1325160"/>
+            <a:ext cx="10514880" cy="1324800"/>
           </a:xfrm>
           <a:prstGeom prst="rect">
             <a:avLst/>
@@ -8708,8 +8337,14 @@
             <a:noFill/>
           </a:ln>
         </p:spPr>
-        <p:txBody>
-          <a:bodyPr anchor="ctr"/>
+        <p:style>
+          <a:lnRef idx="0"/>
+          <a:fillRef idx="0"/>
+          <a:effectRef idx="0"/>
+          <a:fontRef idx="minor"/>
+        </p:style>
+        <p:txBody>
+          <a:bodyPr lIns="90000" rIns="90000" tIns="45000" bIns="45000" anchor="ctr"/>
           <a:p>
             <a:pPr>
               <a:lnSpc>
@@ -8717,13 +8352,13 @@
               </a:lnSpc>
             </a:pPr>
             <a:r>
-              <a:rPr lang="en-US" sz="4400" strike="noStrike">
+              <a:rPr lang="en-GB" sz="4400" strike="noStrike">
                 <a:solidFill>
                   <a:srgbClr val="000000"/>
                 </a:solidFill>
                 <a:latin typeface="Calibri Light"/>
               </a:rPr>
-              <a:t>Sanity Checks</a:t>
+              <a:t>Interesting things noted</a:t>
             </a:r>
             <a:endParaRPr/>
           </a:p>
@@ -8731,14 +8366,14 @@
       </p:sp>
       <p:sp>
         <p:nvSpPr>
-          <p:cNvPr id="175" name="TextShape 2"/>
-          <p:cNvSpPr txBox="1"/>
+          <p:cNvPr id="168" name="CustomShape 2"/>
+          <p:cNvSpPr/>
           <p:nvPr/>
         </p:nvSpPr>
         <p:spPr>
           <a:xfrm>
             <a:off x="838080" y="1825560"/>
-            <a:ext cx="10515240" cy="4350960"/>
+            <a:ext cx="10514880" cy="4350600"/>
           </a:xfrm>
           <a:prstGeom prst="rect">
             <a:avLst/>
@@ -8748,8 +8383,14 @@
             <a:noFill/>
           </a:ln>
         </p:spPr>
-        <p:txBody>
-          <a:bodyPr/>
+        <p:style>
+          <a:lnRef idx="0"/>
+          <a:fillRef idx="0"/>
+          <a:effectRef idx="0"/>
+          <a:fontRef idx="minor"/>
+        </p:style>
+        <p:txBody>
+          <a:bodyPr lIns="90000" rIns="90000" tIns="45000" bIns="45000"/>
           <a:p>
             <a:pPr>
               <a:lnSpc>
@@ -8759,13 +8400,13 @@
               <a:buChar char="•"/>
             </a:pPr>
             <a:r>
-              <a:rPr lang="en-US" sz="2800" strike="noStrike">
+              <a:rPr lang="en-GB" sz="2800" strike="noStrike">
                 <a:solidFill>
                   <a:srgbClr val="000000"/>
                 </a:solidFill>
                 <a:latin typeface="Calibri"/>
               </a:rPr>
-              <a:t>After modelling approximations, checked that the response with:</a:t>
+              <a:t>Equivalent mass matrix is symmetric about major diagonal (with top floor, first mode in top left)</a:t>
             </a:r>
             <a:endParaRPr/>
           </a:p>
@@ -8778,16 +8419,121 @@
               <a:buChar char="•"/>
             </a:pPr>
             <a:r>
-              <a:rPr lang="en-US" sz="2800" strike="noStrike">
+              <a:rPr lang="en-GB" sz="2800" strike="noStrike">
                 <a:solidFill>
                   <a:srgbClr val="000000"/>
                 </a:solidFill>
                 <a:latin typeface="Calibri"/>
               </a:rPr>
-              <a:t>Absorber damping of 0 = two split peaks about resonant frequency</a:t>
+              <a:t>Results of plotting 3d graph of frequency, absorber damping and amplitude not clear, plotting on log scales gives much clearer results and obvious saddle point, this is what we are aiming for with the optimum damper.</a:t>
             </a:r>
             <a:endParaRPr/>
           </a:p>
+          <a:p>
+            <a:pPr>
+              <a:lnSpc>
+                <a:spcPct val="90000"/>
+              </a:lnSpc>
+            </a:pPr>
+            <a:endParaRPr/>
+          </a:p>
+        </p:txBody>
+      </p:sp>
+    </p:spTree>
+  </p:cSld>
+</p:sld>
+</file>
+
+<file path=ppt/slides/slide33.xml><?xml version="1.0" encoding="utf-8"?>
+<p:sld xmlns:a="http://schemas.openxmlformats.org/drawingml/2006/main" xmlns:p="http://schemas.openxmlformats.org/presentationml/2006/main" xmlns:r="http://schemas.openxmlformats.org/officeDocument/2006/relationships">
+  <p:cSld>
+    <p:spTree>
+      <p:nvGrpSpPr>
+        <p:cNvPr id="1" name=""/>
+        <p:cNvGrpSpPr/>
+        <p:nvPr/>
+      </p:nvGrpSpPr>
+      <p:grpSpPr>
+        <a:xfrm>
+          <a:off x="0" y="0"/>
+          <a:ext cx="0" cy="0"/>
+          <a:chOff x="0" y="0"/>
+          <a:chExt cx="0" cy="0"/>
+        </a:xfrm>
+      </p:grpSpPr>
+      <p:sp>
+        <p:nvSpPr>
+          <p:cNvPr id="169" name="CustomShape 1"/>
+          <p:cNvSpPr/>
+          <p:nvPr/>
+        </p:nvSpPr>
+        <p:spPr>
+          <a:xfrm>
+            <a:off x="838080" y="365040"/>
+            <a:ext cx="10514880" cy="1324800"/>
+          </a:xfrm>
+          <a:prstGeom prst="rect">
+            <a:avLst/>
+          </a:prstGeom>
+          <a:noFill/>
+          <a:ln>
+            <a:noFill/>
+          </a:ln>
+        </p:spPr>
+        <p:style>
+          <a:lnRef idx="0"/>
+          <a:fillRef idx="0"/>
+          <a:effectRef idx="0"/>
+          <a:fontRef idx="minor"/>
+        </p:style>
+        <p:txBody>
+          <a:bodyPr lIns="90000" rIns="90000" tIns="45000" bIns="45000" anchor="ctr"/>
+          <a:p>
+            <a:pPr>
+              <a:lnSpc>
+                <a:spcPct val="90000"/>
+              </a:lnSpc>
+            </a:pPr>
+            <a:r>
+              <a:rPr lang="en-GB" sz="4400" strike="noStrike">
+                <a:solidFill>
+                  <a:srgbClr val="000000"/>
+                </a:solidFill>
+                <a:latin typeface="Calibri Light"/>
+              </a:rPr>
+              <a:t>Sanity Checks</a:t>
+            </a:r>
+            <a:endParaRPr/>
+          </a:p>
+        </p:txBody>
+      </p:sp>
+      <p:sp>
+        <p:nvSpPr>
+          <p:cNvPr id="170" name="CustomShape 2"/>
+          <p:cNvSpPr/>
+          <p:nvPr/>
+        </p:nvSpPr>
+        <p:spPr>
+          <a:xfrm>
+            <a:off x="838080" y="1825560"/>
+            <a:ext cx="10514880" cy="4350600"/>
+          </a:xfrm>
+          <a:prstGeom prst="rect">
+            <a:avLst/>
+          </a:prstGeom>
+          <a:noFill/>
+          <a:ln>
+            <a:noFill/>
+          </a:ln>
+        </p:spPr>
+        <p:style>
+          <a:lnRef idx="0"/>
+          <a:fillRef idx="0"/>
+          <a:effectRef idx="0"/>
+          <a:fontRef idx="minor"/>
+        </p:style>
+        <p:txBody>
+          <a:bodyPr lIns="90000" rIns="90000" tIns="45000" bIns="45000"/>
           <a:p>
             <a:pPr>
               <a:lnSpc>
@@ -8797,13 +8543,13 @@
               <a:buChar char="•"/>
             </a:pPr>
             <a:r>
-              <a:rPr lang="en-US" sz="2800" strike="noStrike">
+              <a:rPr lang="en-GB" sz="2800" strike="noStrike">
                 <a:solidFill>
                   <a:srgbClr val="000000"/>
                 </a:solidFill>
                 <a:latin typeface="Calibri"/>
               </a:rPr>
-              <a:t>Absorber damping high = small dm to system so slight change in resonant frequency but single peak (effectively 1dof system)</a:t>
+              <a:t>After modelling approximations, checked that the response with:</a:t>
             </a:r>
             <a:endParaRPr/>
           </a:p>
@@ -8816,7 +8562,45 @@
               <a:buChar char="•"/>
             </a:pPr>
             <a:r>
-              <a:rPr lang="en-US" sz="2800" strike="noStrike">
+              <a:rPr lang="en-GB" sz="2800" strike="noStrike">
+                <a:solidFill>
+                  <a:srgbClr val="000000"/>
+                </a:solidFill>
+                <a:latin typeface="Calibri"/>
+              </a:rPr>
+              <a:t>Absorber damping of 0 = two split peaks about resonant frequency</a:t>
+            </a:r>
+            <a:endParaRPr/>
+          </a:p>
+          <a:p>
+            <a:pPr>
+              <a:lnSpc>
+                <a:spcPct val="90000"/>
+              </a:lnSpc>
+              <a:buFont typeface="Arial"/>
+              <a:buChar char="•"/>
+            </a:pPr>
+            <a:r>
+              <a:rPr lang="en-GB" sz="2800" strike="noStrike">
+                <a:solidFill>
+                  <a:srgbClr val="000000"/>
+                </a:solidFill>
+                <a:latin typeface="Calibri"/>
+              </a:rPr>
+              <a:t>Absorber damping high = small dm to system so slight change in resonant frequency but single peak (effectively 1dof system)</a:t>
+            </a:r>
+            <a:endParaRPr/>
+          </a:p>
+          <a:p>
+            <a:pPr>
+              <a:lnSpc>
+                <a:spcPct val="90000"/>
+              </a:lnSpc>
+              <a:buFont typeface="Arial"/>
+              <a:buChar char="•"/>
+            </a:pPr>
+            <a:r>
+              <a:rPr lang="en-GB" sz="2800" strike="noStrike">
                 <a:solidFill>
                   <a:srgbClr val="000000"/>
                 </a:solidFill>
@@ -8860,14 +8644,14 @@
       </p:grpSpPr>
       <p:sp>
         <p:nvSpPr>
-          <p:cNvPr id="120" name="TextShape 1"/>
-          <p:cNvSpPr txBox="1"/>
+          <p:cNvPr id="114" name="CustomShape 1"/>
+          <p:cNvSpPr/>
           <p:nvPr/>
         </p:nvSpPr>
         <p:spPr>
           <a:xfrm>
             <a:off x="838080" y="365040"/>
-            <a:ext cx="10515240" cy="1325160"/>
+            <a:ext cx="10514880" cy="1324800"/>
           </a:xfrm>
           <a:prstGeom prst="rect">
             <a:avLst/>
@@ -8877,8 +8661,14 @@
             <a:noFill/>
           </a:ln>
         </p:spPr>
-        <p:txBody>
-          <a:bodyPr anchor="ctr"/>
+        <p:style>
+          <a:lnRef idx="0"/>
+          <a:fillRef idx="0"/>
+          <a:effectRef idx="0"/>
+          <a:fontRef idx="minor"/>
+        </p:style>
+        <p:txBody>
+          <a:bodyPr lIns="90000" rIns="90000" tIns="45000" bIns="45000" anchor="ctr"/>
           <a:p>
             <a:pPr>
               <a:lnSpc>
@@ -8886,7 +8676,7 @@
               </a:lnSpc>
             </a:pPr>
             <a:r>
-              <a:rPr lang="en-US" sz="4400" strike="noStrike">
+              <a:rPr lang="en-GB" sz="4400" strike="noStrike">
                 <a:solidFill>
                   <a:srgbClr val="000000"/>
                 </a:solidFill>
@@ -8900,14 +8690,14 @@
       </p:sp>
       <p:sp>
         <p:nvSpPr>
-          <p:cNvPr id="121" name="TextShape 2"/>
-          <p:cNvSpPr txBox="1"/>
+          <p:cNvPr id="115" name="CustomShape 2"/>
+          <p:cNvSpPr/>
           <p:nvPr/>
         </p:nvSpPr>
         <p:spPr>
           <a:xfrm>
             <a:off x="838080" y="1825560"/>
-            <a:ext cx="10515240" cy="4350960"/>
+            <a:ext cx="10514880" cy="4350600"/>
           </a:xfrm>
           <a:prstGeom prst="rect">
             <a:avLst/>
@@ -8917,8 +8707,14 @@
             <a:noFill/>
           </a:ln>
         </p:spPr>
-        <p:txBody>
-          <a:bodyPr/>
+        <p:style>
+          <a:lnRef idx="0"/>
+          <a:fillRef idx="0"/>
+          <a:effectRef idx="0"/>
+          <a:fontRef idx="minor"/>
+        </p:style>
+        <p:txBody>
+          <a:bodyPr lIns="90000" rIns="90000" tIns="45000" bIns="45000"/>
           <a:p>
             <a:pPr>
               <a:lnSpc>
@@ -8928,7 +8724,7 @@
               <a:buChar char="•"/>
             </a:pPr>
             <a:r>
-              <a:rPr lang="en-US" sz="2800" strike="noStrike">
+              <a:rPr lang="en-GB" sz="2800" strike="noStrike">
                 <a:solidFill>
                   <a:srgbClr val="000000"/>
                 </a:solidFill>
@@ -8947,7 +8743,7 @@
               <a:buChar char="•"/>
             </a:pPr>
             <a:r>
-              <a:rPr lang="en-US" sz="2800" strike="noStrike">
+              <a:rPr lang="en-GB" sz="2800" strike="noStrike">
                 <a:solidFill>
                   <a:srgbClr val="000000"/>
                 </a:solidFill>
@@ -8966,7 +8762,7 @@
               <a:buChar char="•"/>
             </a:pPr>
             <a:r>
-              <a:rPr lang="en-US" sz="2800" strike="noStrike">
+              <a:rPr lang="en-GB" sz="2800" strike="noStrike">
                 <a:solidFill>
                   <a:srgbClr val="000000"/>
                 </a:solidFill>
@@ -8985,7 +8781,7 @@
               <a:buChar char="•"/>
             </a:pPr>
             <a:r>
-              <a:rPr lang="en-US" sz="2800" strike="noStrike">
+              <a:rPr lang="en-GB" sz="2800" strike="noStrike">
                 <a:solidFill>
                   <a:srgbClr val="000000"/>
                 </a:solidFill>
@@ -9012,7 +8808,7 @@
               <a:buChar char="•"/>
             </a:pPr>
             <a:r>
-              <a:rPr lang="en-US" sz="2800" strike="noStrike">
+              <a:rPr lang="en-GB" sz="2800" strike="noStrike">
                 <a:solidFill>
                   <a:srgbClr val="000000"/>
                 </a:solidFill>
@@ -9075,14 +8871,14 @@
       </p:grpSpPr>
       <p:sp>
         <p:nvSpPr>
-          <p:cNvPr id="122" name="TextShape 1"/>
-          <p:cNvSpPr txBox="1"/>
+          <p:cNvPr id="116" name="CustomShape 1"/>
+          <p:cNvSpPr/>
           <p:nvPr/>
         </p:nvSpPr>
         <p:spPr>
           <a:xfrm>
             <a:off x="838080" y="365040"/>
-            <a:ext cx="10515240" cy="1325160"/>
+            <a:ext cx="10514880" cy="1324800"/>
           </a:xfrm>
           <a:prstGeom prst="rect">
             <a:avLst/>
@@ -9092,8 +8888,14 @@
             <a:noFill/>
           </a:ln>
         </p:spPr>
-        <p:txBody>
-          <a:bodyPr anchor="ctr"/>
+        <p:style>
+          <a:lnRef idx="0"/>
+          <a:fillRef idx="0"/>
+          <a:effectRef idx="0"/>
+          <a:fontRef idx="minor"/>
+        </p:style>
+        <p:txBody>
+          <a:bodyPr lIns="90000" rIns="90000" tIns="45000" bIns="45000" anchor="ctr"/>
           <a:p>
             <a:pPr>
               <a:lnSpc>
@@ -9101,7 +8903,7 @@
               </a:lnSpc>
             </a:pPr>
             <a:r>
-              <a:rPr lang="en-US" sz="4400" strike="noStrike">
+              <a:rPr lang="en-GB" sz="4400" strike="noStrike">
                 <a:solidFill>
                   <a:srgbClr val="000000"/>
                 </a:solidFill>
@@ -9115,14 +8917,14 @@
       </p:sp>
       <p:sp>
         <p:nvSpPr>
-          <p:cNvPr id="123" name="TextShape 2"/>
-          <p:cNvSpPr txBox="1"/>
+          <p:cNvPr id="117" name="CustomShape 2"/>
+          <p:cNvSpPr/>
           <p:nvPr/>
         </p:nvSpPr>
         <p:spPr>
           <a:xfrm>
             <a:off x="838080" y="1825560"/>
-            <a:ext cx="10515240" cy="4350960"/>
+            <a:ext cx="10514880" cy="4350600"/>
           </a:xfrm>
           <a:prstGeom prst="rect">
             <a:avLst/>
@@ -9132,8 +8934,14 @@
             <a:noFill/>
           </a:ln>
         </p:spPr>
-        <p:txBody>
-          <a:bodyPr/>
+        <p:style>
+          <a:lnRef idx="0"/>
+          <a:fillRef idx="0"/>
+          <a:effectRef idx="0"/>
+          <a:fontRef idx="minor"/>
+        </p:style>
+        <p:txBody>
+          <a:bodyPr lIns="90000" rIns="90000" tIns="45000" bIns="45000"/>
           <a:p>
             <a:pPr>
               <a:lnSpc>
@@ -9143,7 +8951,7 @@
               <a:buChar char="•"/>
             </a:pPr>
             <a:r>
-              <a:rPr lang="en-US" sz="2800" strike="noStrike">
+              <a:rPr lang="en-GB" sz="2800" strike="noStrike">
                 <a:solidFill>
                   <a:srgbClr val="000000"/>
                 </a:solidFill>
@@ -9162,7 +8970,7 @@
               <a:buChar char="•"/>
             </a:pPr>
             <a:r>
-              <a:rPr lang="en-US" sz="2800" strike="noStrike">
+              <a:rPr lang="en-GB" sz="2800" strike="noStrike">
                 <a:solidFill>
                   <a:srgbClr val="000000"/>
                 </a:solidFill>
@@ -9189,7 +8997,7 @@
               <a:buChar char="•"/>
             </a:pPr>
             <a:r>
-              <a:rPr lang="en-US" sz="2800" strike="noStrike">
+              <a:rPr lang="en-GB" sz="2800" strike="noStrike">
                 <a:solidFill>
                   <a:srgbClr val="000000"/>
                 </a:solidFill>
@@ -9208,7 +9016,7 @@
               <a:buChar char="•"/>
             </a:pPr>
             <a:r>
-              <a:rPr lang="en-US" sz="2800" strike="noStrike">
+              <a:rPr lang="en-GB" sz="2800" strike="noStrike">
                 <a:solidFill>
                   <a:srgbClr val="000000"/>
                 </a:solidFill>
@@ -9227,7 +9035,7 @@
               <a:buChar char="•"/>
             </a:pPr>
             <a:r>
-              <a:rPr lang="en-US" sz="2800" strike="noStrike">
+              <a:rPr lang="en-GB" sz="2800" strike="noStrike">
                 <a:solidFill>
                   <a:srgbClr val="000000"/>
                 </a:solidFill>
@@ -9254,7 +9062,7 @@
               <a:buChar char="•"/>
             </a:pPr>
             <a:r>
-              <a:rPr lang="en-US" sz="2800" strike="noStrike">
+              <a:rPr lang="en-GB" sz="2800" strike="noStrike">
                 <a:solidFill>
                   <a:srgbClr val="000000"/>
                 </a:solidFill>
@@ -9273,7 +9081,7 @@
               <a:buChar char="•"/>
             </a:pPr>
             <a:r>
-              <a:rPr lang="en-US" sz="2800" strike="noStrike">
+              <a:rPr lang="en-GB" sz="2800" strike="noStrike">
                 <a:solidFill>
                   <a:srgbClr val="000000"/>
                 </a:solidFill>
@@ -9292,7 +9100,7 @@
               <a:buChar char="•"/>
             </a:pPr>
             <a:r>
-              <a:rPr lang="en-US" sz="2800" strike="noStrike">
+              <a:rPr lang="en-GB" sz="2800" strike="noStrike">
                 <a:solidFill>
                   <a:srgbClr val="000000"/>
                 </a:solidFill>
@@ -9355,14 +9163,14 @@
       </p:grpSpPr>
       <p:sp>
         <p:nvSpPr>
-          <p:cNvPr id="124" name="TextShape 1"/>
-          <p:cNvSpPr txBox="1"/>
+          <p:cNvPr id="118" name="CustomShape 1"/>
+          <p:cNvSpPr/>
           <p:nvPr/>
         </p:nvSpPr>
         <p:spPr>
           <a:xfrm>
             <a:off x="838080" y="365040"/>
-            <a:ext cx="10515240" cy="1325160"/>
+            <a:ext cx="10514880" cy="1324800"/>
           </a:xfrm>
           <a:prstGeom prst="rect">
             <a:avLst/>
@@ -9372,8 +9180,14 @@
             <a:noFill/>
           </a:ln>
         </p:spPr>
-        <p:txBody>
-          <a:bodyPr anchor="ctr"/>
+        <p:style>
+          <a:lnRef idx="0"/>
+          <a:fillRef idx="0"/>
+          <a:effectRef idx="0"/>
+          <a:fontRef idx="minor"/>
+        </p:style>
+        <p:txBody>
+          <a:bodyPr lIns="90000" rIns="90000" tIns="45000" bIns="45000" anchor="ctr"/>
           <a:p>
             <a:pPr>
               <a:lnSpc>
@@ -9381,7 +9195,7 @@
               </a:lnSpc>
             </a:pPr>
             <a:r>
-              <a:rPr lang="en-US" sz="4400" strike="noStrike">
+              <a:rPr lang="en-GB" sz="4400" strike="noStrike">
                 <a:solidFill>
                   <a:srgbClr val="000000"/>
                 </a:solidFill>
@@ -9395,14 +9209,14 @@
       </p:sp>
       <p:sp>
         <p:nvSpPr>
-          <p:cNvPr id="125" name="TextShape 2"/>
-          <p:cNvSpPr txBox="1"/>
+          <p:cNvPr id="119" name="CustomShape 2"/>
+          <p:cNvSpPr/>
           <p:nvPr/>
         </p:nvSpPr>
         <p:spPr>
           <a:xfrm>
             <a:off x="838080" y="1825560"/>
-            <a:ext cx="10515240" cy="4350960"/>
+            <a:ext cx="10514880" cy="4350600"/>
           </a:xfrm>
           <a:prstGeom prst="rect">
             <a:avLst/>
@@ -9412,8 +9226,14 @@
             <a:noFill/>
           </a:ln>
         </p:spPr>
-        <p:txBody>
-          <a:bodyPr/>
+        <p:style>
+          <a:lnRef idx="0"/>
+          <a:fillRef idx="0"/>
+          <a:effectRef idx="0"/>
+          <a:fontRef idx="minor"/>
+        </p:style>
+        <p:txBody>
+          <a:bodyPr lIns="90000" rIns="90000" tIns="45000" bIns="45000"/>
           <a:p>
             <a:pPr>
               <a:lnSpc>
@@ -9423,7 +9243,7 @@
               <a:buChar char="•"/>
             </a:pPr>
             <a:r>
-              <a:rPr lang="en-US" sz="2800" strike="noStrike">
+              <a:rPr lang="en-GB" sz="2800" strike="noStrike">
                 <a:solidFill>
                   <a:srgbClr val="000000"/>
                 </a:solidFill>
@@ -9442,7 +9262,7 @@
               <a:buChar char="•"/>
             </a:pPr>
             <a:r>
-              <a:rPr lang="en-US" sz="2800" strike="noStrike">
+              <a:rPr lang="en-GB" sz="2800" strike="noStrike">
                 <a:solidFill>
                   <a:srgbClr val="000000"/>
                 </a:solidFill>
@@ -9461,7 +9281,7 @@
               <a:buChar char="•"/>
             </a:pPr>
             <a:r>
-              <a:rPr lang="en-US" sz="2800" strike="noStrike">
+              <a:rPr lang="en-GB" sz="2800" strike="noStrike">
                 <a:solidFill>
                   <a:srgbClr val="000000"/>
                 </a:solidFill>
@@ -9480,7 +9300,7 @@
               <a:buChar char="•"/>
             </a:pPr>
             <a:r>
-              <a:rPr lang="en-US" sz="2800" strike="noStrike">
+              <a:rPr lang="en-GB" sz="2800" strike="noStrike">
                 <a:solidFill>
                   <a:srgbClr val="000000"/>
                 </a:solidFill>
@@ -9499,7 +9319,7 @@
               <a:buChar char="•"/>
             </a:pPr>
             <a:r>
-              <a:rPr lang="en-US" sz="2800" strike="noStrike">
+              <a:rPr lang="en-GB" sz="2800" strike="noStrike">
                 <a:solidFill>
                   <a:srgbClr val="000000"/>
                 </a:solidFill>
@@ -9518,7 +9338,7 @@
               <a:buChar char="•"/>
             </a:pPr>
             <a:r>
-              <a:rPr lang="en-US" sz="2800" strike="noStrike">
+              <a:rPr lang="en-GB" sz="2800" strike="noStrike">
                 <a:solidFill>
                   <a:srgbClr val="000000"/>
                 </a:solidFill>
@@ -9581,14 +9401,14 @@
       </p:grpSpPr>
       <p:sp>
         <p:nvSpPr>
-          <p:cNvPr id="126" name="TextShape 1"/>
-          <p:cNvSpPr txBox="1"/>
+          <p:cNvPr id="120" name="CustomShape 1"/>
+          <p:cNvSpPr/>
           <p:nvPr/>
         </p:nvSpPr>
         <p:spPr>
           <a:xfrm>
             <a:off x="838080" y="365040"/>
-            <a:ext cx="10515240" cy="1325160"/>
+            <a:ext cx="10514880" cy="1324800"/>
           </a:xfrm>
           <a:prstGeom prst="rect">
             <a:avLst/>
@@ -9598,8 +9418,14 @@
             <a:noFill/>
           </a:ln>
         </p:spPr>
-        <p:txBody>
-          <a:bodyPr anchor="ctr"/>
+        <p:style>
+          <a:lnRef idx="0"/>
+          <a:fillRef idx="0"/>
+          <a:effectRef idx="0"/>
+          <a:fontRef idx="minor"/>
+        </p:style>
+        <p:txBody>
+          <a:bodyPr lIns="90000" rIns="90000" tIns="45000" bIns="45000" anchor="ctr"/>
           <a:p>
             <a:pPr>
               <a:lnSpc>
@@ -9607,7 +9433,7 @@
               </a:lnSpc>
             </a:pPr>
             <a:r>
-              <a:rPr lang="en-US" sz="4400" strike="noStrike">
+              <a:rPr lang="en-GB" sz="4400" strike="noStrike">
                 <a:solidFill>
                   <a:srgbClr val="000000"/>
                 </a:solidFill>
@@ -9621,14 +9447,14 @@
       </p:sp>
       <p:sp>
         <p:nvSpPr>
-          <p:cNvPr id="127" name="TextShape 2"/>
-          <p:cNvSpPr txBox="1"/>
+          <p:cNvPr id="121" name="CustomShape 2"/>
+          <p:cNvSpPr/>
           <p:nvPr/>
         </p:nvSpPr>
         <p:spPr>
           <a:xfrm>
             <a:off x="838080" y="1825560"/>
-            <a:ext cx="10515240" cy="4350960"/>
+            <a:ext cx="10514880" cy="4350600"/>
           </a:xfrm>
           <a:prstGeom prst="rect">
             <a:avLst/>
@@ -9638,8 +9464,14 @@
             <a:noFill/>
           </a:ln>
         </p:spPr>
-        <p:txBody>
-          <a:bodyPr/>
+        <p:style>
+          <a:lnRef idx="0"/>
+          <a:fillRef idx="0"/>
+          <a:effectRef idx="0"/>
+          <a:fontRef idx="minor"/>
+        </p:style>
+        <p:txBody>
+          <a:bodyPr lIns="90000" rIns="90000" tIns="45000" bIns="45000"/>
           <a:p>
             <a:pPr>
               <a:lnSpc>
@@ -9649,7 +9481,7 @@
               <a:buChar char="•"/>
             </a:pPr>
             <a:r>
-              <a:rPr lang="en-US" sz="2800" strike="noStrike">
+              <a:rPr lang="en-GB" sz="2800" strike="noStrike">
                 <a:solidFill>
                   <a:srgbClr val="000000"/>
                 </a:solidFill>
@@ -9668,7 +9500,7 @@
               <a:buChar char="•"/>
             </a:pPr>
             <a:r>
-              <a:rPr lang="en-US" sz="2800" strike="noStrike">
+              <a:rPr lang="en-GB" sz="2800" strike="noStrike">
                 <a:solidFill>
                   <a:srgbClr val="000000"/>
                 </a:solidFill>
@@ -9687,7 +9519,7 @@
               <a:buChar char="•"/>
             </a:pPr>
             <a:r>
-              <a:rPr lang="en-US" sz="2800" strike="noStrike">
+              <a:rPr lang="en-GB" sz="2800" strike="noStrike">
                 <a:solidFill>
                   <a:srgbClr val="000000"/>
                 </a:solidFill>
@@ -9706,7 +9538,7 @@
               <a:buChar char="•"/>
             </a:pPr>
             <a:r>
-              <a:rPr lang="en-US" sz="2800" strike="noStrike">
+              <a:rPr lang="en-GB" sz="2800" strike="noStrike">
                 <a:solidFill>
                   <a:srgbClr val="000000"/>
                 </a:solidFill>
@@ -9777,14 +9609,14 @@
       </p:grpSpPr>
       <p:sp>
         <p:nvSpPr>
-          <p:cNvPr id="128" name="TextShape 1"/>
-          <p:cNvSpPr txBox="1"/>
+          <p:cNvPr id="122" name="CustomShape 1"/>
+          <p:cNvSpPr/>
           <p:nvPr/>
         </p:nvSpPr>
         <p:spPr>
           <a:xfrm>
             <a:off x="838080" y="365040"/>
-            <a:ext cx="10515240" cy="1325160"/>
+            <a:ext cx="10514880" cy="1324800"/>
           </a:xfrm>
           <a:prstGeom prst="rect">
             <a:avLst/>
@@ -9794,8 +9626,14 @@
             <a:noFill/>
           </a:ln>
         </p:spPr>
-        <p:txBody>
-          <a:bodyPr anchor="ctr"/>
+        <p:style>
+          <a:lnRef idx="0"/>
+          <a:fillRef idx="0"/>
+          <a:effectRef idx="0"/>
+          <a:fontRef idx="minor"/>
+        </p:style>
+        <p:txBody>
+          <a:bodyPr lIns="90000" rIns="90000" tIns="45000" bIns="45000" anchor="ctr"/>
           <a:p>
             <a:pPr>
               <a:lnSpc>
@@ -9803,7 +9641,7 @@
               </a:lnSpc>
             </a:pPr>
             <a:r>
-              <a:rPr lang="en-US" sz="4400" strike="noStrike">
+              <a:rPr lang="en-GB" sz="4400" strike="noStrike">
                 <a:solidFill>
                   <a:srgbClr val="000000"/>
                 </a:solidFill>
@@ -9817,14 +9655,14 @@
       </p:sp>
       <p:sp>
         <p:nvSpPr>
-          <p:cNvPr id="129" name="TextShape 2"/>
-          <p:cNvSpPr txBox="1"/>
+          <p:cNvPr id="123" name="CustomShape 2"/>
+          <p:cNvSpPr/>
           <p:nvPr/>
         </p:nvSpPr>
         <p:spPr>
           <a:xfrm>
             <a:off x="838080" y="1825560"/>
-            <a:ext cx="10515240" cy="4350960"/>
+            <a:ext cx="10514880" cy="4350600"/>
           </a:xfrm>
           <a:prstGeom prst="rect">
             <a:avLst/>
@@ -9834,12 +9672,12 @@
             <a:noFill/>
           </a:ln>
         </p:spPr>
-        <p:txBody>
-          <a:bodyPr/>
-          <a:p>
-            <a:endParaRPr/>
-          </a:p>
-        </p:txBody>
+        <p:style>
+          <a:lnRef idx="0"/>
+          <a:fillRef idx="0"/>
+          <a:effectRef idx="0"/>
+          <a:fontRef idx="minor"/>
+        </p:style>
       </p:sp>
     </p:spTree>
   </p:cSld>
@@ -9892,14 +9730,14 @@
       </p:grpSpPr>
       <p:sp>
         <p:nvSpPr>
-          <p:cNvPr id="130" name="TextShape 1"/>
-          <p:cNvSpPr txBox="1"/>
+          <p:cNvPr id="124" name="CustomShape 1"/>
+          <p:cNvSpPr/>
           <p:nvPr/>
         </p:nvSpPr>
         <p:spPr>
           <a:xfrm>
             <a:off x="1523880" y="1122480"/>
-            <a:ext cx="9143640" cy="2387160"/>
+            <a:ext cx="9143280" cy="2386800"/>
           </a:xfrm>
           <a:prstGeom prst="rect">
             <a:avLst/>
@@ -9909,16 +9747,17 @@
             <a:noFill/>
           </a:ln>
         </p:spPr>
-        <p:txBody>
-          <a:bodyPr anchor="b"/>
-          <a:p>
-            <a:pPr algn="ctr">
-              <a:lnSpc>
-                <a:spcPct val="100000"/>
-              </a:lnSpc>
-            </a:pPr>
+        <p:style>
+          <a:lnRef idx="0"/>
+          <a:fillRef idx="0"/>
+          <a:effectRef idx="0"/>
+          <a:fontRef idx="minor"/>
+        </p:style>
+        <p:txBody>
+          <a:bodyPr lIns="90000" rIns="90000" tIns="45000" bIns="45000" anchor="b"/>
+          <a:p>
             <a:r>
-              <a:rPr lang="en-US" sz="6000" strike="noStrike">
+              <a:rPr lang="en-GB" sz="6000" strike="noStrike">
                 <a:solidFill>
                   <a:srgbClr val="000000"/>
                 </a:solidFill>
@@ -9926,18 +9765,16 @@
               </a:rPr>
               <a:t>Graphs for floor 1: </a:t>
             </a:r>
+            <a:endParaRPr/>
+          </a:p>
+          <a:p>
+            <a:pPr algn="ctr">
+              <a:lnSpc>
+                <a:spcPct val="100000"/>
+              </a:lnSpc>
+            </a:pPr>
             <a:r>
-              <a:rPr lang="en-US" sz="6000" strike="noStrike">
-                <a:solidFill>
-                  <a:srgbClr val="000000"/>
-                </a:solidFill>
-                <a:latin typeface="Calibri Light"/>
-              </a:rPr>
-              <a:t>
-</a:t>
-            </a:r>
-            <a:r>
-              <a:rPr lang="en-US" sz="6000" strike="noStrike">
+              <a:rPr lang="en-GB" sz="6000" strike="noStrike">
                 <a:solidFill>
                   <a:srgbClr val="000000"/>
                 </a:solidFill>
@@ -9951,14 +9788,14 @@
       </p:sp>
       <p:sp>
         <p:nvSpPr>
-          <p:cNvPr id="131" name="TextShape 2"/>
-          <p:cNvSpPr txBox="1"/>
+          <p:cNvPr id="125" name="CustomShape 2"/>
+          <p:cNvSpPr/>
           <p:nvPr/>
         </p:nvSpPr>
         <p:spPr>
           <a:xfrm>
             <a:off x="1523880" y="3602160"/>
-            <a:ext cx="9143640" cy="1655280"/>
+            <a:ext cx="9143280" cy="1654920"/>
           </a:xfrm>
           <a:prstGeom prst="rect">
             <a:avLst/>
@@ -9968,13 +9805,12 @@
             <a:noFill/>
           </a:ln>
         </p:spPr>
-        <p:txBody>
-          <a:bodyPr/>
-          <a:p>
-            <a:pPr algn="ctr"/>
-            <a:endParaRPr/>
-          </a:p>
-        </p:txBody>
+        <p:style>
+          <a:lnRef idx="0"/>
+          <a:fillRef idx="0"/>
+          <a:effectRef idx="0"/>
+          <a:fontRef idx="minor"/>
+        </p:style>
       </p:sp>
     </p:spTree>
   </p:cSld>

--- a/Presentation.pptx
+++ b/Presentation.pptx
@@ -5,41 +5,42 @@
     <p:sldMasterId id="2147483648" r:id="rId2"/>
     <p:sldMasterId id="2147483661" r:id="rId3"/>
     <p:sldMasterId id="2147483674" r:id="rId4"/>
+    <p:sldMasterId id="2147483687" r:id="rId5"/>
   </p:sldMasterIdLst>
   <p:sldIdLst>
-    <p:sldId id="256" r:id="rId5"/>
-    <p:sldId id="257" r:id="rId6"/>
-    <p:sldId id="258" r:id="rId7"/>
-    <p:sldId id="259" r:id="rId8"/>
-    <p:sldId id="260" r:id="rId9"/>
-    <p:sldId id="261" r:id="rId10"/>
-    <p:sldId id="262" r:id="rId11"/>
-    <p:sldId id="263" r:id="rId12"/>
-    <p:sldId id="264" r:id="rId13"/>
-    <p:sldId id="265" r:id="rId14"/>
-    <p:sldId id="266" r:id="rId15"/>
-    <p:sldId id="267" r:id="rId16"/>
-    <p:sldId id="268" r:id="rId17"/>
-    <p:sldId id="269" r:id="rId18"/>
-    <p:sldId id="270" r:id="rId19"/>
-    <p:sldId id="271" r:id="rId20"/>
-    <p:sldId id="272" r:id="rId21"/>
-    <p:sldId id="273" r:id="rId22"/>
-    <p:sldId id="274" r:id="rId23"/>
-    <p:sldId id="275" r:id="rId24"/>
-    <p:sldId id="276" r:id="rId25"/>
-    <p:sldId id="277" r:id="rId26"/>
-    <p:sldId id="278" r:id="rId27"/>
-    <p:sldId id="279" r:id="rId28"/>
-    <p:sldId id="280" r:id="rId29"/>
-    <p:sldId id="281" r:id="rId30"/>
-    <p:sldId id="282" r:id="rId31"/>
-    <p:sldId id="283" r:id="rId32"/>
-    <p:sldId id="284" r:id="rId33"/>
-    <p:sldId id="285" r:id="rId34"/>
-    <p:sldId id="286" r:id="rId35"/>
-    <p:sldId id="287" r:id="rId36"/>
-    <p:sldId id="288" r:id="rId37"/>
+    <p:sldId id="256" r:id="rId6"/>
+    <p:sldId id="257" r:id="rId7"/>
+    <p:sldId id="258" r:id="rId8"/>
+    <p:sldId id="259" r:id="rId9"/>
+    <p:sldId id="260" r:id="rId10"/>
+    <p:sldId id="261" r:id="rId11"/>
+    <p:sldId id="262" r:id="rId12"/>
+    <p:sldId id="263" r:id="rId13"/>
+    <p:sldId id="264" r:id="rId14"/>
+    <p:sldId id="265" r:id="rId15"/>
+    <p:sldId id="266" r:id="rId16"/>
+    <p:sldId id="267" r:id="rId17"/>
+    <p:sldId id="268" r:id="rId18"/>
+    <p:sldId id="269" r:id="rId19"/>
+    <p:sldId id="270" r:id="rId20"/>
+    <p:sldId id="271" r:id="rId21"/>
+    <p:sldId id="272" r:id="rId22"/>
+    <p:sldId id="273" r:id="rId23"/>
+    <p:sldId id="274" r:id="rId24"/>
+    <p:sldId id="275" r:id="rId25"/>
+    <p:sldId id="276" r:id="rId26"/>
+    <p:sldId id="277" r:id="rId27"/>
+    <p:sldId id="278" r:id="rId28"/>
+    <p:sldId id="279" r:id="rId29"/>
+    <p:sldId id="280" r:id="rId30"/>
+    <p:sldId id="281" r:id="rId31"/>
+    <p:sldId id="282" r:id="rId32"/>
+    <p:sldId id="283" r:id="rId33"/>
+    <p:sldId id="284" r:id="rId34"/>
+    <p:sldId id="285" r:id="rId35"/>
+    <p:sldId id="286" r:id="rId36"/>
+    <p:sldId id="287" r:id="rId37"/>
+    <p:sldId id="288" r:id="rId38"/>
   </p:sldIdLst>
   <p:sldSz cx="12192000" cy="6858000"/>
   <p:notesSz cx="7559675" cy="10691812"/>
@@ -2928,6 +2929,179 @@
 </p:sldLayout>
 </file>
 
+<file path=ppt/slideLayouts/slideLayout37.xml><?xml version="1.0" encoding="utf-8"?>
+<p:sldLayout xmlns:a="http://schemas.openxmlformats.org/drawingml/2006/main" xmlns:p="http://schemas.openxmlformats.org/presentationml/2006/main" xmlns:r="http://schemas.openxmlformats.org/officeDocument/2006/relationships" type="blank" preserve="1">
+  <p:cSld name="Blank Slide">
+    <p:spTree>
+      <p:nvGrpSpPr>
+        <p:cNvPr id="1" name=""/>
+        <p:cNvGrpSpPr/>
+        <p:nvPr/>
+      </p:nvGrpSpPr>
+      <p:grpSpPr>
+        <a:xfrm>
+          <a:off x="0" y="0"/>
+          <a:ext cx="0" cy="0"/>
+          <a:chOff x="0" y="0"/>
+          <a:chExt cx="0" cy="0"/>
+        </a:xfrm>
+      </p:grpSpPr>
+    </p:spTree>
+  </p:cSld>
+</p:sldLayout>
+</file>
+
+<file path=ppt/slideLayouts/slideLayout38.xml><?xml version="1.0" encoding="utf-8"?>
+<p:sldLayout xmlns:a="http://schemas.openxmlformats.org/drawingml/2006/main" xmlns:p="http://schemas.openxmlformats.org/presentationml/2006/main" xmlns:r="http://schemas.openxmlformats.org/officeDocument/2006/relationships" type="tx" preserve="1">
+  <p:cSld name="Title Slide">
+    <p:spTree>
+      <p:nvGrpSpPr>
+        <p:cNvPr id="1" name=""/>
+        <p:cNvGrpSpPr/>
+        <p:nvPr/>
+      </p:nvGrpSpPr>
+      <p:grpSpPr>
+        <a:xfrm>
+          <a:off x="0" y="0"/>
+          <a:ext cx="0" cy="0"/>
+          <a:chOff x="0" y="0"/>
+          <a:chExt cx="0" cy="0"/>
+        </a:xfrm>
+      </p:grpSpPr>
+      <p:sp>
+        <p:nvSpPr>
+          <p:cNvPr id="113" name="PlaceHolder 1"/>
+          <p:cNvSpPr>
+            <a:spLocks noGrp="1"/>
+          </p:cNvSpPr>
+          <p:nvPr>
+            <p:ph type="title"/>
+          </p:nvPr>
+        </p:nvSpPr>
+        <p:spPr>
+          <a:xfrm>
+            <a:off x="609480" y="273600"/>
+            <a:ext cx="10972440" cy="1144800"/>
+          </a:xfrm>
+          <a:prstGeom prst="rect">
+            <a:avLst/>
+          </a:prstGeom>
+        </p:spPr>
+        <p:txBody>
+          <a:bodyPr lIns="0" rIns="0" tIns="0" bIns="0" anchor="ctr"/>
+          <a:p>
+            <a:pPr algn="ctr"/>
+            <a:endParaRPr/>
+          </a:p>
+        </p:txBody>
+      </p:sp>
+      <p:sp>
+        <p:nvSpPr>
+          <p:cNvPr id="114" name="PlaceHolder 2"/>
+          <p:cNvSpPr>
+            <a:spLocks noGrp="1"/>
+          </p:cNvSpPr>
+          <p:nvPr>
+            <p:ph type="subTitle"/>
+          </p:nvPr>
+        </p:nvSpPr>
+        <p:spPr>
+          <a:xfrm>
+            <a:off x="609480" y="1604520"/>
+            <a:ext cx="10972440" cy="3977280"/>
+          </a:xfrm>
+          <a:prstGeom prst="rect">
+            <a:avLst/>
+          </a:prstGeom>
+        </p:spPr>
+        <p:txBody>
+          <a:bodyPr lIns="0" rIns="0" tIns="0" bIns="0" anchor="ctr"/>
+          <a:p>
+            <a:pPr algn="ctr"/>
+            <a:endParaRPr/>
+          </a:p>
+        </p:txBody>
+      </p:sp>
+    </p:spTree>
+  </p:cSld>
+</p:sldLayout>
+</file>
+
+<file path=ppt/slideLayouts/slideLayout39.xml><?xml version="1.0" encoding="utf-8"?>
+<p:sldLayout xmlns:a="http://schemas.openxmlformats.org/drawingml/2006/main" xmlns:p="http://schemas.openxmlformats.org/presentationml/2006/main" xmlns:r="http://schemas.openxmlformats.org/officeDocument/2006/relationships" type="obj" preserve="1">
+  <p:cSld name="Title, Content">
+    <p:spTree>
+      <p:nvGrpSpPr>
+        <p:cNvPr id="1" name=""/>
+        <p:cNvGrpSpPr/>
+        <p:nvPr/>
+      </p:nvGrpSpPr>
+      <p:grpSpPr>
+        <a:xfrm>
+          <a:off x="0" y="0"/>
+          <a:ext cx="0" cy="0"/>
+          <a:chOff x="0" y="0"/>
+          <a:chExt cx="0" cy="0"/>
+        </a:xfrm>
+      </p:grpSpPr>
+      <p:sp>
+        <p:nvSpPr>
+          <p:cNvPr id="115" name="PlaceHolder 1"/>
+          <p:cNvSpPr>
+            <a:spLocks noGrp="1"/>
+          </p:cNvSpPr>
+          <p:nvPr>
+            <p:ph type="title"/>
+          </p:nvPr>
+        </p:nvSpPr>
+        <p:spPr>
+          <a:xfrm>
+            <a:off x="609480" y="273600"/>
+            <a:ext cx="10972440" cy="1144800"/>
+          </a:xfrm>
+          <a:prstGeom prst="rect">
+            <a:avLst/>
+          </a:prstGeom>
+        </p:spPr>
+        <p:txBody>
+          <a:bodyPr lIns="0" rIns="0" tIns="0" bIns="0" anchor="ctr"/>
+          <a:p>
+            <a:pPr algn="ctr"/>
+            <a:endParaRPr/>
+          </a:p>
+        </p:txBody>
+      </p:sp>
+      <p:sp>
+        <p:nvSpPr>
+          <p:cNvPr id="116" name="PlaceHolder 2"/>
+          <p:cNvSpPr>
+            <a:spLocks noGrp="1"/>
+          </p:cNvSpPr>
+          <p:nvPr>
+            <p:ph type="body"/>
+          </p:nvPr>
+        </p:nvSpPr>
+        <p:spPr>
+          <a:xfrm>
+            <a:off x="609480" y="1604520"/>
+            <a:ext cx="10972440" cy="3977280"/>
+          </a:xfrm>
+          <a:prstGeom prst="rect">
+            <a:avLst/>
+          </a:prstGeom>
+        </p:spPr>
+        <p:txBody>
+          <a:bodyPr lIns="0" rIns="0" tIns="0" bIns="0"/>
+          <a:p>
+            <a:endParaRPr/>
+          </a:p>
+        </p:txBody>
+      </p:sp>
+    </p:spTree>
+  </p:cSld>
+</p:sldLayout>
+</file>
+
 <file path=ppt/slideLayouts/slideLayout4.xml><?xml version="1.0" encoding="utf-8"?>
 <p:sldLayout xmlns:a="http://schemas.openxmlformats.org/drawingml/2006/main" xmlns:p="http://schemas.openxmlformats.org/presentationml/2006/main" xmlns:r="http://schemas.openxmlformats.org/officeDocument/2006/relationships" type="twoObj" preserve="1">
   <p:cSld name="Title, 2 Content">
@@ -3024,6 +3198,987 @@
           </a:p>
         </p:txBody>
       </p:sp>
+    </p:spTree>
+  </p:cSld>
+</p:sldLayout>
+</file>
+
+<file path=ppt/slideLayouts/slideLayout40.xml><?xml version="1.0" encoding="utf-8"?>
+<p:sldLayout xmlns:a="http://schemas.openxmlformats.org/drawingml/2006/main" xmlns:p="http://schemas.openxmlformats.org/presentationml/2006/main" xmlns:r="http://schemas.openxmlformats.org/officeDocument/2006/relationships" type="twoObj" preserve="1">
+  <p:cSld name="Title, 2 Content">
+    <p:spTree>
+      <p:nvGrpSpPr>
+        <p:cNvPr id="1" name=""/>
+        <p:cNvGrpSpPr/>
+        <p:nvPr/>
+      </p:nvGrpSpPr>
+      <p:grpSpPr>
+        <a:xfrm>
+          <a:off x="0" y="0"/>
+          <a:ext cx="0" cy="0"/>
+          <a:chOff x="0" y="0"/>
+          <a:chExt cx="0" cy="0"/>
+        </a:xfrm>
+      </p:grpSpPr>
+      <p:sp>
+        <p:nvSpPr>
+          <p:cNvPr id="117" name="PlaceHolder 1"/>
+          <p:cNvSpPr>
+            <a:spLocks noGrp="1"/>
+          </p:cNvSpPr>
+          <p:nvPr>
+            <p:ph type="title"/>
+          </p:nvPr>
+        </p:nvSpPr>
+        <p:spPr>
+          <a:xfrm>
+            <a:off x="609480" y="273600"/>
+            <a:ext cx="10972440" cy="1144800"/>
+          </a:xfrm>
+          <a:prstGeom prst="rect">
+            <a:avLst/>
+          </a:prstGeom>
+        </p:spPr>
+        <p:txBody>
+          <a:bodyPr lIns="0" rIns="0" tIns="0" bIns="0" anchor="ctr"/>
+          <a:p>
+            <a:pPr algn="ctr"/>
+            <a:endParaRPr/>
+          </a:p>
+        </p:txBody>
+      </p:sp>
+      <p:sp>
+        <p:nvSpPr>
+          <p:cNvPr id="118" name="PlaceHolder 2"/>
+          <p:cNvSpPr>
+            <a:spLocks noGrp="1"/>
+          </p:cNvSpPr>
+          <p:nvPr>
+            <p:ph type="body"/>
+          </p:nvPr>
+        </p:nvSpPr>
+        <p:spPr>
+          <a:xfrm>
+            <a:off x="609480" y="1604520"/>
+            <a:ext cx="5354280" cy="3977280"/>
+          </a:xfrm>
+          <a:prstGeom prst="rect">
+            <a:avLst/>
+          </a:prstGeom>
+        </p:spPr>
+        <p:txBody>
+          <a:bodyPr lIns="0" rIns="0" tIns="0" bIns="0"/>
+          <a:p>
+            <a:endParaRPr/>
+          </a:p>
+        </p:txBody>
+      </p:sp>
+      <p:sp>
+        <p:nvSpPr>
+          <p:cNvPr id="119" name="PlaceHolder 3"/>
+          <p:cNvSpPr>
+            <a:spLocks noGrp="1"/>
+          </p:cNvSpPr>
+          <p:nvPr>
+            <p:ph type="body"/>
+          </p:nvPr>
+        </p:nvSpPr>
+        <p:spPr>
+          <a:xfrm>
+            <a:off x="6231960" y="1604520"/>
+            <a:ext cx="5354280" cy="3977280"/>
+          </a:xfrm>
+          <a:prstGeom prst="rect">
+            <a:avLst/>
+          </a:prstGeom>
+        </p:spPr>
+        <p:txBody>
+          <a:bodyPr lIns="0" rIns="0" tIns="0" bIns="0"/>
+          <a:p>
+            <a:endParaRPr/>
+          </a:p>
+        </p:txBody>
+      </p:sp>
+    </p:spTree>
+  </p:cSld>
+</p:sldLayout>
+</file>
+
+<file path=ppt/slideLayouts/slideLayout41.xml><?xml version="1.0" encoding="utf-8"?>
+<p:sldLayout xmlns:a="http://schemas.openxmlformats.org/drawingml/2006/main" xmlns:p="http://schemas.openxmlformats.org/presentationml/2006/main" xmlns:r="http://schemas.openxmlformats.org/officeDocument/2006/relationships" type="titleOnly" preserve="1">
+  <p:cSld name="Title Only">
+    <p:spTree>
+      <p:nvGrpSpPr>
+        <p:cNvPr id="1" name=""/>
+        <p:cNvGrpSpPr/>
+        <p:nvPr/>
+      </p:nvGrpSpPr>
+      <p:grpSpPr>
+        <a:xfrm>
+          <a:off x="0" y="0"/>
+          <a:ext cx="0" cy="0"/>
+          <a:chOff x="0" y="0"/>
+          <a:chExt cx="0" cy="0"/>
+        </a:xfrm>
+      </p:grpSpPr>
+      <p:sp>
+        <p:nvSpPr>
+          <p:cNvPr id="120" name="PlaceHolder 1"/>
+          <p:cNvSpPr>
+            <a:spLocks noGrp="1"/>
+          </p:cNvSpPr>
+          <p:nvPr>
+            <p:ph type="title"/>
+          </p:nvPr>
+        </p:nvSpPr>
+        <p:spPr>
+          <a:xfrm>
+            <a:off x="609480" y="273600"/>
+            <a:ext cx="10972440" cy="1144800"/>
+          </a:xfrm>
+          <a:prstGeom prst="rect">
+            <a:avLst/>
+          </a:prstGeom>
+        </p:spPr>
+        <p:txBody>
+          <a:bodyPr lIns="0" rIns="0" tIns="0" bIns="0" anchor="ctr"/>
+          <a:p>
+            <a:pPr algn="ctr"/>
+            <a:endParaRPr/>
+          </a:p>
+        </p:txBody>
+      </p:sp>
+    </p:spTree>
+  </p:cSld>
+</p:sldLayout>
+</file>
+
+<file path=ppt/slideLayouts/slideLayout42.xml><?xml version="1.0" encoding="utf-8"?>
+<p:sldLayout xmlns:a="http://schemas.openxmlformats.org/drawingml/2006/main" xmlns:p="http://schemas.openxmlformats.org/presentationml/2006/main" xmlns:r="http://schemas.openxmlformats.org/officeDocument/2006/relationships" type="objOnly" preserve="1">
+  <p:cSld name="Centered Text">
+    <p:spTree>
+      <p:nvGrpSpPr>
+        <p:cNvPr id="1" name=""/>
+        <p:cNvGrpSpPr/>
+        <p:nvPr/>
+      </p:nvGrpSpPr>
+      <p:grpSpPr>
+        <a:xfrm>
+          <a:off x="0" y="0"/>
+          <a:ext cx="0" cy="0"/>
+          <a:chOff x="0" y="0"/>
+          <a:chExt cx="0" cy="0"/>
+        </a:xfrm>
+      </p:grpSpPr>
+      <p:sp>
+        <p:nvSpPr>
+          <p:cNvPr id="121" name="PlaceHolder 1"/>
+          <p:cNvSpPr>
+            <a:spLocks noGrp="1"/>
+          </p:cNvSpPr>
+          <p:nvPr>
+            <p:ph type="subTitle"/>
+          </p:nvPr>
+        </p:nvSpPr>
+        <p:spPr>
+          <a:xfrm>
+            <a:off x="609480" y="273600"/>
+            <a:ext cx="10972440" cy="5307840"/>
+          </a:xfrm>
+          <a:prstGeom prst="rect">
+            <a:avLst/>
+          </a:prstGeom>
+        </p:spPr>
+        <p:txBody>
+          <a:bodyPr lIns="0" rIns="0" tIns="0" bIns="0" anchor="ctr"/>
+          <a:p>
+            <a:pPr algn="ctr"/>
+            <a:endParaRPr/>
+          </a:p>
+        </p:txBody>
+      </p:sp>
+    </p:spTree>
+  </p:cSld>
+</p:sldLayout>
+</file>
+
+<file path=ppt/slideLayouts/slideLayout43.xml><?xml version="1.0" encoding="utf-8"?>
+<p:sldLayout xmlns:a="http://schemas.openxmlformats.org/drawingml/2006/main" xmlns:p="http://schemas.openxmlformats.org/presentationml/2006/main" xmlns:r="http://schemas.openxmlformats.org/officeDocument/2006/relationships" type="twoObjAndObj" preserve="1">
+  <p:cSld name="Title, 2 Content and Content">
+    <p:spTree>
+      <p:nvGrpSpPr>
+        <p:cNvPr id="1" name=""/>
+        <p:cNvGrpSpPr/>
+        <p:nvPr/>
+      </p:nvGrpSpPr>
+      <p:grpSpPr>
+        <a:xfrm>
+          <a:off x="0" y="0"/>
+          <a:ext cx="0" cy="0"/>
+          <a:chOff x="0" y="0"/>
+          <a:chExt cx="0" cy="0"/>
+        </a:xfrm>
+      </p:grpSpPr>
+      <p:sp>
+        <p:nvSpPr>
+          <p:cNvPr id="122" name="PlaceHolder 1"/>
+          <p:cNvSpPr>
+            <a:spLocks noGrp="1"/>
+          </p:cNvSpPr>
+          <p:nvPr>
+            <p:ph type="title"/>
+          </p:nvPr>
+        </p:nvSpPr>
+        <p:spPr>
+          <a:xfrm>
+            <a:off x="609480" y="273600"/>
+            <a:ext cx="10972440" cy="1144800"/>
+          </a:xfrm>
+          <a:prstGeom prst="rect">
+            <a:avLst/>
+          </a:prstGeom>
+        </p:spPr>
+        <p:txBody>
+          <a:bodyPr lIns="0" rIns="0" tIns="0" bIns="0" anchor="ctr"/>
+          <a:p>
+            <a:pPr algn="ctr"/>
+            <a:endParaRPr/>
+          </a:p>
+        </p:txBody>
+      </p:sp>
+      <p:sp>
+        <p:nvSpPr>
+          <p:cNvPr id="123" name="PlaceHolder 2"/>
+          <p:cNvSpPr>
+            <a:spLocks noGrp="1"/>
+          </p:cNvSpPr>
+          <p:nvPr>
+            <p:ph type="body"/>
+          </p:nvPr>
+        </p:nvSpPr>
+        <p:spPr>
+          <a:xfrm>
+            <a:off x="609480" y="1604520"/>
+            <a:ext cx="5354280" cy="1896840"/>
+          </a:xfrm>
+          <a:prstGeom prst="rect">
+            <a:avLst/>
+          </a:prstGeom>
+        </p:spPr>
+        <p:txBody>
+          <a:bodyPr lIns="0" rIns="0" tIns="0" bIns="0"/>
+          <a:p>
+            <a:endParaRPr/>
+          </a:p>
+        </p:txBody>
+      </p:sp>
+      <p:sp>
+        <p:nvSpPr>
+          <p:cNvPr id="124" name="PlaceHolder 3"/>
+          <p:cNvSpPr>
+            <a:spLocks noGrp="1"/>
+          </p:cNvSpPr>
+          <p:nvPr>
+            <p:ph type="body"/>
+          </p:nvPr>
+        </p:nvSpPr>
+        <p:spPr>
+          <a:xfrm>
+            <a:off x="609480" y="3682080"/>
+            <a:ext cx="5354280" cy="1896840"/>
+          </a:xfrm>
+          <a:prstGeom prst="rect">
+            <a:avLst/>
+          </a:prstGeom>
+        </p:spPr>
+        <p:txBody>
+          <a:bodyPr lIns="0" rIns="0" tIns="0" bIns="0"/>
+          <a:p>
+            <a:endParaRPr/>
+          </a:p>
+        </p:txBody>
+      </p:sp>
+      <p:sp>
+        <p:nvSpPr>
+          <p:cNvPr id="125" name="PlaceHolder 4"/>
+          <p:cNvSpPr>
+            <a:spLocks noGrp="1"/>
+          </p:cNvSpPr>
+          <p:nvPr>
+            <p:ph type="body"/>
+          </p:nvPr>
+        </p:nvSpPr>
+        <p:spPr>
+          <a:xfrm>
+            <a:off x="6231960" y="1604520"/>
+            <a:ext cx="5354280" cy="3977280"/>
+          </a:xfrm>
+          <a:prstGeom prst="rect">
+            <a:avLst/>
+          </a:prstGeom>
+        </p:spPr>
+        <p:txBody>
+          <a:bodyPr lIns="0" rIns="0" tIns="0" bIns="0"/>
+          <a:p>
+            <a:endParaRPr/>
+          </a:p>
+        </p:txBody>
+      </p:sp>
+    </p:spTree>
+  </p:cSld>
+</p:sldLayout>
+</file>
+
+<file path=ppt/slideLayouts/slideLayout44.xml><?xml version="1.0" encoding="utf-8"?>
+<p:sldLayout xmlns:a="http://schemas.openxmlformats.org/drawingml/2006/main" xmlns:p="http://schemas.openxmlformats.org/presentationml/2006/main" xmlns:r="http://schemas.openxmlformats.org/officeDocument/2006/relationships" type="objAndTwoObj" preserve="1">
+  <p:cSld name="Title Content and 2 Content">
+    <p:spTree>
+      <p:nvGrpSpPr>
+        <p:cNvPr id="1" name=""/>
+        <p:cNvGrpSpPr/>
+        <p:nvPr/>
+      </p:nvGrpSpPr>
+      <p:grpSpPr>
+        <a:xfrm>
+          <a:off x="0" y="0"/>
+          <a:ext cx="0" cy="0"/>
+          <a:chOff x="0" y="0"/>
+          <a:chExt cx="0" cy="0"/>
+        </a:xfrm>
+      </p:grpSpPr>
+      <p:sp>
+        <p:nvSpPr>
+          <p:cNvPr id="126" name="PlaceHolder 1"/>
+          <p:cNvSpPr>
+            <a:spLocks noGrp="1"/>
+          </p:cNvSpPr>
+          <p:nvPr>
+            <p:ph type="title"/>
+          </p:nvPr>
+        </p:nvSpPr>
+        <p:spPr>
+          <a:xfrm>
+            <a:off x="609480" y="273600"/>
+            <a:ext cx="10972440" cy="1144800"/>
+          </a:xfrm>
+          <a:prstGeom prst="rect">
+            <a:avLst/>
+          </a:prstGeom>
+        </p:spPr>
+        <p:txBody>
+          <a:bodyPr lIns="0" rIns="0" tIns="0" bIns="0" anchor="ctr"/>
+          <a:p>
+            <a:pPr algn="ctr"/>
+            <a:endParaRPr/>
+          </a:p>
+        </p:txBody>
+      </p:sp>
+      <p:sp>
+        <p:nvSpPr>
+          <p:cNvPr id="127" name="PlaceHolder 2"/>
+          <p:cNvSpPr>
+            <a:spLocks noGrp="1"/>
+          </p:cNvSpPr>
+          <p:nvPr>
+            <p:ph type="body"/>
+          </p:nvPr>
+        </p:nvSpPr>
+        <p:spPr>
+          <a:xfrm>
+            <a:off x="609480" y="1604520"/>
+            <a:ext cx="5354280" cy="3977280"/>
+          </a:xfrm>
+          <a:prstGeom prst="rect">
+            <a:avLst/>
+          </a:prstGeom>
+        </p:spPr>
+        <p:txBody>
+          <a:bodyPr lIns="0" rIns="0" tIns="0" bIns="0"/>
+          <a:p>
+            <a:endParaRPr/>
+          </a:p>
+        </p:txBody>
+      </p:sp>
+      <p:sp>
+        <p:nvSpPr>
+          <p:cNvPr id="128" name="PlaceHolder 3"/>
+          <p:cNvSpPr>
+            <a:spLocks noGrp="1"/>
+          </p:cNvSpPr>
+          <p:nvPr>
+            <p:ph type="body"/>
+          </p:nvPr>
+        </p:nvSpPr>
+        <p:spPr>
+          <a:xfrm>
+            <a:off x="6231960" y="1604520"/>
+            <a:ext cx="5354280" cy="1896840"/>
+          </a:xfrm>
+          <a:prstGeom prst="rect">
+            <a:avLst/>
+          </a:prstGeom>
+        </p:spPr>
+        <p:txBody>
+          <a:bodyPr lIns="0" rIns="0" tIns="0" bIns="0"/>
+          <a:p>
+            <a:endParaRPr/>
+          </a:p>
+        </p:txBody>
+      </p:sp>
+      <p:sp>
+        <p:nvSpPr>
+          <p:cNvPr id="129" name="PlaceHolder 4"/>
+          <p:cNvSpPr>
+            <a:spLocks noGrp="1"/>
+          </p:cNvSpPr>
+          <p:nvPr>
+            <p:ph type="body"/>
+          </p:nvPr>
+        </p:nvSpPr>
+        <p:spPr>
+          <a:xfrm>
+            <a:off x="6231960" y="3682080"/>
+            <a:ext cx="5354280" cy="1896840"/>
+          </a:xfrm>
+          <a:prstGeom prst="rect">
+            <a:avLst/>
+          </a:prstGeom>
+        </p:spPr>
+        <p:txBody>
+          <a:bodyPr lIns="0" rIns="0" tIns="0" bIns="0"/>
+          <a:p>
+            <a:endParaRPr/>
+          </a:p>
+        </p:txBody>
+      </p:sp>
+    </p:spTree>
+  </p:cSld>
+</p:sldLayout>
+</file>
+
+<file path=ppt/slideLayouts/slideLayout45.xml><?xml version="1.0" encoding="utf-8"?>
+<p:sldLayout xmlns:a="http://schemas.openxmlformats.org/drawingml/2006/main" xmlns:p="http://schemas.openxmlformats.org/presentationml/2006/main" xmlns:r="http://schemas.openxmlformats.org/officeDocument/2006/relationships" type="twoObjOverTx" preserve="1">
+  <p:cSld name="Title, 2 Content over Content">
+    <p:spTree>
+      <p:nvGrpSpPr>
+        <p:cNvPr id="1" name=""/>
+        <p:cNvGrpSpPr/>
+        <p:nvPr/>
+      </p:nvGrpSpPr>
+      <p:grpSpPr>
+        <a:xfrm>
+          <a:off x="0" y="0"/>
+          <a:ext cx="0" cy="0"/>
+          <a:chOff x="0" y="0"/>
+          <a:chExt cx="0" cy="0"/>
+        </a:xfrm>
+      </p:grpSpPr>
+      <p:sp>
+        <p:nvSpPr>
+          <p:cNvPr id="130" name="PlaceHolder 1"/>
+          <p:cNvSpPr>
+            <a:spLocks noGrp="1"/>
+          </p:cNvSpPr>
+          <p:nvPr>
+            <p:ph type="title"/>
+          </p:nvPr>
+        </p:nvSpPr>
+        <p:spPr>
+          <a:xfrm>
+            <a:off x="609480" y="273600"/>
+            <a:ext cx="10972440" cy="1144800"/>
+          </a:xfrm>
+          <a:prstGeom prst="rect">
+            <a:avLst/>
+          </a:prstGeom>
+        </p:spPr>
+        <p:txBody>
+          <a:bodyPr lIns="0" rIns="0" tIns="0" bIns="0" anchor="ctr"/>
+          <a:p>
+            <a:pPr algn="ctr"/>
+            <a:endParaRPr/>
+          </a:p>
+        </p:txBody>
+      </p:sp>
+      <p:sp>
+        <p:nvSpPr>
+          <p:cNvPr id="131" name="PlaceHolder 2"/>
+          <p:cNvSpPr>
+            <a:spLocks noGrp="1"/>
+          </p:cNvSpPr>
+          <p:nvPr>
+            <p:ph type="body"/>
+          </p:nvPr>
+        </p:nvSpPr>
+        <p:spPr>
+          <a:xfrm>
+            <a:off x="609480" y="1604520"/>
+            <a:ext cx="5354280" cy="1896840"/>
+          </a:xfrm>
+          <a:prstGeom prst="rect">
+            <a:avLst/>
+          </a:prstGeom>
+        </p:spPr>
+        <p:txBody>
+          <a:bodyPr lIns="0" rIns="0" tIns="0" bIns="0"/>
+          <a:p>
+            <a:endParaRPr/>
+          </a:p>
+        </p:txBody>
+      </p:sp>
+      <p:sp>
+        <p:nvSpPr>
+          <p:cNvPr id="132" name="PlaceHolder 3"/>
+          <p:cNvSpPr>
+            <a:spLocks noGrp="1"/>
+          </p:cNvSpPr>
+          <p:nvPr>
+            <p:ph type="body"/>
+          </p:nvPr>
+        </p:nvSpPr>
+        <p:spPr>
+          <a:xfrm>
+            <a:off x="6231960" y="1604520"/>
+            <a:ext cx="5354280" cy="1896840"/>
+          </a:xfrm>
+          <a:prstGeom prst="rect">
+            <a:avLst/>
+          </a:prstGeom>
+        </p:spPr>
+        <p:txBody>
+          <a:bodyPr lIns="0" rIns="0" tIns="0" bIns="0"/>
+          <a:p>
+            <a:endParaRPr/>
+          </a:p>
+        </p:txBody>
+      </p:sp>
+      <p:sp>
+        <p:nvSpPr>
+          <p:cNvPr id="133" name="PlaceHolder 4"/>
+          <p:cNvSpPr>
+            <a:spLocks noGrp="1"/>
+          </p:cNvSpPr>
+          <p:nvPr>
+            <p:ph type="body"/>
+          </p:nvPr>
+        </p:nvSpPr>
+        <p:spPr>
+          <a:xfrm>
+            <a:off x="609480" y="3682080"/>
+            <a:ext cx="10972440" cy="1896840"/>
+          </a:xfrm>
+          <a:prstGeom prst="rect">
+            <a:avLst/>
+          </a:prstGeom>
+        </p:spPr>
+        <p:txBody>
+          <a:bodyPr lIns="0" rIns="0" tIns="0" bIns="0"/>
+          <a:p>
+            <a:endParaRPr/>
+          </a:p>
+        </p:txBody>
+      </p:sp>
+    </p:spTree>
+  </p:cSld>
+</p:sldLayout>
+</file>
+
+<file path=ppt/slideLayouts/slideLayout46.xml><?xml version="1.0" encoding="utf-8"?>
+<p:sldLayout xmlns:a="http://schemas.openxmlformats.org/drawingml/2006/main" xmlns:p="http://schemas.openxmlformats.org/presentationml/2006/main" xmlns:r="http://schemas.openxmlformats.org/officeDocument/2006/relationships" type="objOverTx" preserve="1">
+  <p:cSld name="Title, Content over Content">
+    <p:spTree>
+      <p:nvGrpSpPr>
+        <p:cNvPr id="1" name=""/>
+        <p:cNvGrpSpPr/>
+        <p:nvPr/>
+      </p:nvGrpSpPr>
+      <p:grpSpPr>
+        <a:xfrm>
+          <a:off x="0" y="0"/>
+          <a:ext cx="0" cy="0"/>
+          <a:chOff x="0" y="0"/>
+          <a:chExt cx="0" cy="0"/>
+        </a:xfrm>
+      </p:grpSpPr>
+      <p:sp>
+        <p:nvSpPr>
+          <p:cNvPr id="134" name="PlaceHolder 1"/>
+          <p:cNvSpPr>
+            <a:spLocks noGrp="1"/>
+          </p:cNvSpPr>
+          <p:nvPr>
+            <p:ph type="title"/>
+          </p:nvPr>
+        </p:nvSpPr>
+        <p:spPr>
+          <a:xfrm>
+            <a:off x="609480" y="273600"/>
+            <a:ext cx="10972440" cy="1144800"/>
+          </a:xfrm>
+          <a:prstGeom prst="rect">
+            <a:avLst/>
+          </a:prstGeom>
+        </p:spPr>
+        <p:txBody>
+          <a:bodyPr lIns="0" rIns="0" tIns="0" bIns="0" anchor="ctr"/>
+          <a:p>
+            <a:pPr algn="ctr"/>
+            <a:endParaRPr/>
+          </a:p>
+        </p:txBody>
+      </p:sp>
+      <p:sp>
+        <p:nvSpPr>
+          <p:cNvPr id="135" name="PlaceHolder 2"/>
+          <p:cNvSpPr>
+            <a:spLocks noGrp="1"/>
+          </p:cNvSpPr>
+          <p:nvPr>
+            <p:ph type="body"/>
+          </p:nvPr>
+        </p:nvSpPr>
+        <p:spPr>
+          <a:xfrm>
+            <a:off x="609480" y="1604520"/>
+            <a:ext cx="10972440" cy="1896840"/>
+          </a:xfrm>
+          <a:prstGeom prst="rect">
+            <a:avLst/>
+          </a:prstGeom>
+        </p:spPr>
+        <p:txBody>
+          <a:bodyPr lIns="0" rIns="0" tIns="0" bIns="0"/>
+          <a:p>
+            <a:endParaRPr/>
+          </a:p>
+        </p:txBody>
+      </p:sp>
+      <p:sp>
+        <p:nvSpPr>
+          <p:cNvPr id="136" name="PlaceHolder 3"/>
+          <p:cNvSpPr>
+            <a:spLocks noGrp="1"/>
+          </p:cNvSpPr>
+          <p:nvPr>
+            <p:ph type="body"/>
+          </p:nvPr>
+        </p:nvSpPr>
+        <p:spPr>
+          <a:xfrm>
+            <a:off x="609480" y="3682080"/>
+            <a:ext cx="10972440" cy="1896840"/>
+          </a:xfrm>
+          <a:prstGeom prst="rect">
+            <a:avLst/>
+          </a:prstGeom>
+        </p:spPr>
+        <p:txBody>
+          <a:bodyPr lIns="0" rIns="0" tIns="0" bIns="0"/>
+          <a:p>
+            <a:endParaRPr/>
+          </a:p>
+        </p:txBody>
+      </p:sp>
+    </p:spTree>
+  </p:cSld>
+</p:sldLayout>
+</file>
+
+<file path=ppt/slideLayouts/slideLayout47.xml><?xml version="1.0" encoding="utf-8"?>
+<p:sldLayout xmlns:a="http://schemas.openxmlformats.org/drawingml/2006/main" xmlns:p="http://schemas.openxmlformats.org/presentationml/2006/main" xmlns:r="http://schemas.openxmlformats.org/officeDocument/2006/relationships" type="fourObj" preserve="1">
+  <p:cSld name="Title, 4 Content">
+    <p:spTree>
+      <p:nvGrpSpPr>
+        <p:cNvPr id="1" name=""/>
+        <p:cNvGrpSpPr/>
+        <p:nvPr/>
+      </p:nvGrpSpPr>
+      <p:grpSpPr>
+        <a:xfrm>
+          <a:off x="0" y="0"/>
+          <a:ext cx="0" cy="0"/>
+          <a:chOff x="0" y="0"/>
+          <a:chExt cx="0" cy="0"/>
+        </a:xfrm>
+      </p:grpSpPr>
+      <p:sp>
+        <p:nvSpPr>
+          <p:cNvPr id="137" name="PlaceHolder 1"/>
+          <p:cNvSpPr>
+            <a:spLocks noGrp="1"/>
+          </p:cNvSpPr>
+          <p:nvPr>
+            <p:ph type="title"/>
+          </p:nvPr>
+        </p:nvSpPr>
+        <p:spPr>
+          <a:xfrm>
+            <a:off x="609480" y="273600"/>
+            <a:ext cx="10972440" cy="1144800"/>
+          </a:xfrm>
+          <a:prstGeom prst="rect">
+            <a:avLst/>
+          </a:prstGeom>
+        </p:spPr>
+        <p:txBody>
+          <a:bodyPr lIns="0" rIns="0" tIns="0" bIns="0" anchor="ctr"/>
+          <a:p>
+            <a:pPr algn="ctr"/>
+            <a:endParaRPr/>
+          </a:p>
+        </p:txBody>
+      </p:sp>
+      <p:sp>
+        <p:nvSpPr>
+          <p:cNvPr id="138" name="PlaceHolder 2"/>
+          <p:cNvSpPr>
+            <a:spLocks noGrp="1"/>
+          </p:cNvSpPr>
+          <p:nvPr>
+            <p:ph type="body"/>
+          </p:nvPr>
+        </p:nvSpPr>
+        <p:spPr>
+          <a:xfrm>
+            <a:off x="609480" y="1604520"/>
+            <a:ext cx="5354280" cy="1896840"/>
+          </a:xfrm>
+          <a:prstGeom prst="rect">
+            <a:avLst/>
+          </a:prstGeom>
+        </p:spPr>
+        <p:txBody>
+          <a:bodyPr lIns="0" rIns="0" tIns="0" bIns="0"/>
+          <a:p>
+            <a:endParaRPr/>
+          </a:p>
+        </p:txBody>
+      </p:sp>
+      <p:sp>
+        <p:nvSpPr>
+          <p:cNvPr id="139" name="PlaceHolder 3"/>
+          <p:cNvSpPr>
+            <a:spLocks noGrp="1"/>
+          </p:cNvSpPr>
+          <p:nvPr>
+            <p:ph type="body"/>
+          </p:nvPr>
+        </p:nvSpPr>
+        <p:spPr>
+          <a:xfrm>
+            <a:off x="6231960" y="1604520"/>
+            <a:ext cx="5354280" cy="1896840"/>
+          </a:xfrm>
+          <a:prstGeom prst="rect">
+            <a:avLst/>
+          </a:prstGeom>
+        </p:spPr>
+        <p:txBody>
+          <a:bodyPr lIns="0" rIns="0" tIns="0" bIns="0"/>
+          <a:p>
+            <a:endParaRPr/>
+          </a:p>
+        </p:txBody>
+      </p:sp>
+      <p:sp>
+        <p:nvSpPr>
+          <p:cNvPr id="140" name="PlaceHolder 4"/>
+          <p:cNvSpPr>
+            <a:spLocks noGrp="1"/>
+          </p:cNvSpPr>
+          <p:nvPr>
+            <p:ph type="body"/>
+          </p:nvPr>
+        </p:nvSpPr>
+        <p:spPr>
+          <a:xfrm>
+            <a:off x="6231960" y="3682080"/>
+            <a:ext cx="5354280" cy="1896840"/>
+          </a:xfrm>
+          <a:prstGeom prst="rect">
+            <a:avLst/>
+          </a:prstGeom>
+        </p:spPr>
+        <p:txBody>
+          <a:bodyPr lIns="0" rIns="0" tIns="0" bIns="0"/>
+          <a:p>
+            <a:endParaRPr/>
+          </a:p>
+        </p:txBody>
+      </p:sp>
+      <p:sp>
+        <p:nvSpPr>
+          <p:cNvPr id="141" name="PlaceHolder 5"/>
+          <p:cNvSpPr>
+            <a:spLocks noGrp="1"/>
+          </p:cNvSpPr>
+          <p:nvPr>
+            <p:ph type="body"/>
+          </p:nvPr>
+        </p:nvSpPr>
+        <p:spPr>
+          <a:xfrm>
+            <a:off x="609480" y="3682080"/>
+            <a:ext cx="5354280" cy="1896840"/>
+          </a:xfrm>
+          <a:prstGeom prst="rect">
+            <a:avLst/>
+          </a:prstGeom>
+        </p:spPr>
+        <p:txBody>
+          <a:bodyPr lIns="0" rIns="0" tIns="0" bIns="0"/>
+          <a:p>
+            <a:endParaRPr/>
+          </a:p>
+        </p:txBody>
+      </p:sp>
+    </p:spTree>
+  </p:cSld>
+</p:sldLayout>
+</file>
+
+<file path=ppt/slideLayouts/slideLayout48.xml><?xml version="1.0" encoding="utf-8"?>
+<p:sldLayout xmlns:a="http://schemas.openxmlformats.org/drawingml/2006/main" xmlns:p="http://schemas.openxmlformats.org/presentationml/2006/main" xmlns:r="http://schemas.openxmlformats.org/officeDocument/2006/relationships" type="blank" preserve="1">
+  <p:cSld name="Title, 6 Content">
+    <p:spTree>
+      <p:nvGrpSpPr>
+        <p:cNvPr id="1" name=""/>
+        <p:cNvGrpSpPr/>
+        <p:nvPr/>
+      </p:nvGrpSpPr>
+      <p:grpSpPr>
+        <a:xfrm>
+          <a:off x="0" y="0"/>
+          <a:ext cx="0" cy="0"/>
+          <a:chOff x="0" y="0"/>
+          <a:chExt cx="0" cy="0"/>
+        </a:xfrm>
+      </p:grpSpPr>
+      <p:sp>
+        <p:nvSpPr>
+          <p:cNvPr id="142" name="PlaceHolder 1"/>
+          <p:cNvSpPr>
+            <a:spLocks noGrp="1"/>
+          </p:cNvSpPr>
+          <p:nvPr>
+            <p:ph type="title"/>
+          </p:nvPr>
+        </p:nvSpPr>
+        <p:spPr>
+          <a:xfrm>
+            <a:off x="609480" y="273600"/>
+            <a:ext cx="10972440" cy="1144800"/>
+          </a:xfrm>
+          <a:prstGeom prst="rect">
+            <a:avLst/>
+          </a:prstGeom>
+        </p:spPr>
+        <p:txBody>
+          <a:bodyPr lIns="0" rIns="0" tIns="0" bIns="0" anchor="ctr"/>
+          <a:p>
+            <a:pPr algn="ctr"/>
+            <a:endParaRPr/>
+          </a:p>
+        </p:txBody>
+      </p:sp>
+      <p:sp>
+        <p:nvSpPr>
+          <p:cNvPr id="143" name="PlaceHolder 2"/>
+          <p:cNvSpPr>
+            <a:spLocks noGrp="1"/>
+          </p:cNvSpPr>
+          <p:nvPr>
+            <p:ph type="body"/>
+          </p:nvPr>
+        </p:nvSpPr>
+        <p:spPr>
+          <a:xfrm>
+            <a:off x="609480" y="1604520"/>
+            <a:ext cx="10972440" cy="3977280"/>
+          </a:xfrm>
+          <a:prstGeom prst="rect">
+            <a:avLst/>
+          </a:prstGeom>
+        </p:spPr>
+        <p:txBody>
+          <a:bodyPr lIns="0" rIns="0" tIns="0" bIns="0"/>
+          <a:p>
+            <a:endParaRPr/>
+          </a:p>
+        </p:txBody>
+      </p:sp>
+      <p:sp>
+        <p:nvSpPr>
+          <p:cNvPr id="144" name="PlaceHolder 3"/>
+          <p:cNvSpPr>
+            <a:spLocks noGrp="1"/>
+          </p:cNvSpPr>
+          <p:nvPr>
+            <p:ph type="body"/>
+          </p:nvPr>
+        </p:nvSpPr>
+        <p:spPr>
+          <a:xfrm>
+            <a:off x="609480" y="1604520"/>
+            <a:ext cx="10972440" cy="3977280"/>
+          </a:xfrm>
+          <a:prstGeom prst="rect">
+            <a:avLst/>
+          </a:prstGeom>
+        </p:spPr>
+        <p:txBody>
+          <a:bodyPr lIns="0" rIns="0" tIns="0" bIns="0"/>
+          <a:p>
+            <a:endParaRPr/>
+          </a:p>
+        </p:txBody>
+      </p:sp>
+      <p:pic>
+        <p:nvPicPr>
+          <p:cNvPr id="145" name="" descr=""/>
+          <p:cNvPicPr/>
+          <p:nvPr/>
+        </p:nvPicPr>
+        <p:blipFill>
+          <a:blip r:embed="rId2"/>
+          <a:stretch/>
+        </p:blipFill>
+        <p:spPr>
+          <a:xfrm>
+            <a:off x="3602880" y="1604520"/>
+            <a:ext cx="4984920" cy="3977280"/>
+          </a:xfrm>
+          <a:prstGeom prst="rect">
+            <a:avLst/>
+          </a:prstGeom>
+          <a:ln>
+            <a:noFill/>
+          </a:ln>
+        </p:spPr>
+      </p:pic>
+      <p:pic>
+        <p:nvPicPr>
+          <p:cNvPr id="146" name="" descr=""/>
+          <p:cNvPicPr/>
+          <p:nvPr/>
+        </p:nvPicPr>
+        <p:blipFill>
+          <a:blip r:embed="rId3"/>
+          <a:stretch/>
+        </p:blipFill>
+        <p:spPr>
+          <a:xfrm>
+            <a:off x="3602880" y="1604520"/>
+            <a:ext cx="4984920" cy="3977280"/>
+          </a:xfrm>
+          <a:prstGeom prst="rect">
+            <a:avLst/>
+          </a:prstGeom>
+          <a:ln>
+            <a:noFill/>
+          </a:ln>
+        </p:spPr>
+      </p:pic>
     </p:spTree>
   </p:cSld>
 </p:sldLayout>
@@ -3544,8 +4699,8 @@
         </p:nvSpPr>
         <p:spPr>
           <a:xfrm>
-            <a:off x="838080" y="365040"/>
-            <a:ext cx="10514880" cy="1324800"/>
+            <a:off x="609480" y="273600"/>
+            <a:ext cx="10972440" cy="1144800"/>
           </a:xfrm>
           <a:prstGeom prst="rect">
             <a:avLst/>
@@ -3554,8 +4709,9 @@
         <p:txBody>
           <a:bodyPr lIns="0" rIns="0" tIns="0" bIns="0" anchor="ctr"/>
           <a:p>
+            <a:pPr algn="ctr"/>
             <a:r>
-              <a:rPr lang="en-GB">
+              <a:rPr lang="en-GB" sz="4400">
                 <a:latin typeface="Arial"/>
               </a:rPr>
               <a:t>Click to edit the title text format</a:t>
@@ -4101,6 +5257,302 @@
 </p:sldMaster>
 </file>
 
+<file path=ppt/slideMasters/slideMaster4.xml><?xml version="1.0" encoding="utf-8"?>
+<p:sldMaster xmlns:a="http://schemas.openxmlformats.org/drawingml/2006/main" xmlns:p="http://schemas.openxmlformats.org/presentationml/2006/main" xmlns:r="http://schemas.openxmlformats.org/officeDocument/2006/relationships">
+  <p:cSld>
+    <p:bg>
+      <p:bgPr>
+        <a:solidFill>
+          <a:srgbClr val="ffffff"/>
+        </a:solidFill>
+      </p:bgPr>
+    </p:bg>
+    <p:spTree>
+      <p:nvGrpSpPr>
+        <p:cNvPr id="1" name=""/>
+        <p:cNvGrpSpPr/>
+        <p:nvPr/>
+      </p:nvGrpSpPr>
+      <p:grpSpPr>
+        <a:xfrm>
+          <a:off x="0" y="0"/>
+          <a:ext cx="0" cy="0"/>
+          <a:chOff x="0" y="0"/>
+          <a:chExt cx="0" cy="0"/>
+        </a:xfrm>
+      </p:grpSpPr>
+      <p:sp>
+        <p:nvSpPr>
+          <p:cNvPr id="108" name="PlaceHolder 1"/>
+          <p:cNvSpPr>
+            <a:spLocks noGrp="1"/>
+          </p:cNvSpPr>
+          <p:nvPr>
+            <p:ph type="title"/>
+          </p:nvPr>
+        </p:nvSpPr>
+        <p:spPr>
+          <a:xfrm>
+            <a:off x="609480" y="273600"/>
+            <a:ext cx="10972440" cy="1144800"/>
+          </a:xfrm>
+          <a:prstGeom prst="rect">
+            <a:avLst/>
+          </a:prstGeom>
+        </p:spPr>
+        <p:txBody>
+          <a:bodyPr lIns="0" rIns="0" tIns="0" bIns="0" anchor="ctr"/>
+          <a:p>
+            <a:pPr algn="ctr"/>
+            <a:r>
+              <a:rPr lang="en-GB" sz="4400">
+                <a:latin typeface="Arial"/>
+              </a:rPr>
+              <a:t>Click to edit the title text format</a:t>
+            </a:r>
+            <a:endParaRPr/>
+          </a:p>
+        </p:txBody>
+      </p:sp>
+      <p:sp>
+        <p:nvSpPr>
+          <p:cNvPr id="109" name="PlaceHolder 2"/>
+          <p:cNvSpPr>
+            <a:spLocks noGrp="1"/>
+          </p:cNvSpPr>
+          <p:nvPr>
+            <p:ph type="body"/>
+          </p:nvPr>
+        </p:nvSpPr>
+        <p:spPr>
+          <a:xfrm>
+            <a:off x="609480" y="1604520"/>
+            <a:ext cx="10972440" cy="3977280"/>
+          </a:xfrm>
+          <a:prstGeom prst="rect">
+            <a:avLst/>
+          </a:prstGeom>
+        </p:spPr>
+        <p:txBody>
+          <a:bodyPr lIns="0" rIns="0" tIns="0" bIns="0"/>
+          <a:p>
+            <a:pPr>
+              <a:buSzPct val="45000"/>
+              <a:buFont typeface="StarSymbol"/>
+              <a:buChar char=""/>
+            </a:pPr>
+            <a:r>
+              <a:rPr lang="en-GB" sz="3200">
+                <a:latin typeface="Arial"/>
+              </a:rPr>
+              <a:t>Click to edit the outline text format</a:t>
+            </a:r>
+            <a:endParaRPr/>
+          </a:p>
+          <a:p>
+            <a:pPr lvl="1">
+              <a:buSzPct val="75000"/>
+              <a:buFont typeface="StarSymbol"/>
+              <a:buChar char=""/>
+            </a:pPr>
+            <a:r>
+              <a:rPr lang="en-GB" sz="2800">
+                <a:latin typeface="Arial"/>
+              </a:rPr>
+              <a:t>Second Outline Level</a:t>
+            </a:r>
+            <a:endParaRPr/>
+          </a:p>
+          <a:p>
+            <a:pPr lvl="2">
+              <a:buSzPct val="45000"/>
+              <a:buFont typeface="StarSymbol"/>
+              <a:buChar char=""/>
+            </a:pPr>
+            <a:r>
+              <a:rPr lang="en-GB" sz="2400">
+                <a:latin typeface="Arial"/>
+              </a:rPr>
+              <a:t>Third Outline Level</a:t>
+            </a:r>
+            <a:endParaRPr/>
+          </a:p>
+          <a:p>
+            <a:pPr lvl="3">
+              <a:buSzPct val="75000"/>
+              <a:buFont typeface="StarSymbol"/>
+              <a:buChar char=""/>
+            </a:pPr>
+            <a:r>
+              <a:rPr lang="en-GB" sz="2000">
+                <a:latin typeface="Arial"/>
+              </a:rPr>
+              <a:t>Fourth Outline Level</a:t>
+            </a:r>
+            <a:endParaRPr/>
+          </a:p>
+          <a:p>
+            <a:pPr lvl="4">
+              <a:buSzPct val="45000"/>
+              <a:buFont typeface="StarSymbol"/>
+              <a:buChar char=""/>
+            </a:pPr>
+            <a:r>
+              <a:rPr lang="en-GB" sz="2000">
+                <a:latin typeface="Arial"/>
+              </a:rPr>
+              <a:t>Fifth Outline Level</a:t>
+            </a:r>
+            <a:endParaRPr/>
+          </a:p>
+          <a:p>
+            <a:pPr lvl="5">
+              <a:buSzPct val="45000"/>
+              <a:buFont typeface="StarSymbol"/>
+              <a:buChar char=""/>
+            </a:pPr>
+            <a:r>
+              <a:rPr lang="en-GB" sz="2000">
+                <a:latin typeface="Arial"/>
+              </a:rPr>
+              <a:t>Sixth Outline Level</a:t>
+            </a:r>
+            <a:endParaRPr/>
+          </a:p>
+          <a:p>
+            <a:pPr lvl="6">
+              <a:buSzPct val="45000"/>
+              <a:buFont typeface="StarSymbol"/>
+              <a:buChar char=""/>
+            </a:pPr>
+            <a:r>
+              <a:rPr lang="en-GB" sz="2000">
+                <a:latin typeface="Arial"/>
+              </a:rPr>
+              <a:t>Seventh Outline Level</a:t>
+            </a:r>
+            <a:endParaRPr/>
+          </a:p>
+        </p:txBody>
+      </p:sp>
+      <p:sp>
+        <p:nvSpPr>
+          <p:cNvPr id="110" name="PlaceHolder 3"/>
+          <p:cNvSpPr>
+            <a:spLocks noGrp="1"/>
+          </p:cNvSpPr>
+          <p:nvPr>
+            <p:ph type="dt"/>
+          </p:nvPr>
+        </p:nvSpPr>
+        <p:spPr>
+          <a:xfrm>
+            <a:off x="609480" y="6247440"/>
+            <a:ext cx="2840400" cy="472680"/>
+          </a:xfrm>
+          <a:prstGeom prst="rect">
+            <a:avLst/>
+          </a:prstGeom>
+        </p:spPr>
+        <p:txBody>
+          <a:bodyPr lIns="0" rIns="0" tIns="0" bIns="0"/>
+          <a:p>
+            <a:r>
+              <a:rPr lang="en-GB" sz="1400">
+                <a:latin typeface="Times New Roman"/>
+              </a:rPr>
+              <a:t>&lt;date/time&gt;</a:t>
+            </a:r>
+            <a:endParaRPr/>
+          </a:p>
+        </p:txBody>
+      </p:sp>
+      <p:sp>
+        <p:nvSpPr>
+          <p:cNvPr id="111" name="PlaceHolder 4"/>
+          <p:cNvSpPr>
+            <a:spLocks noGrp="1"/>
+          </p:cNvSpPr>
+          <p:nvPr>
+            <p:ph type="ftr"/>
+          </p:nvPr>
+        </p:nvSpPr>
+        <p:spPr>
+          <a:xfrm>
+            <a:off x="4169520" y="6247440"/>
+            <a:ext cx="3864240" cy="472680"/>
+          </a:xfrm>
+          <a:prstGeom prst="rect">
+            <a:avLst/>
+          </a:prstGeom>
+        </p:spPr>
+        <p:txBody>
+          <a:bodyPr lIns="0" rIns="0" tIns="0" bIns="0"/>
+          <a:p>
+            <a:pPr algn="ctr"/>
+            <a:r>
+              <a:rPr lang="en-GB" sz="1400">
+                <a:latin typeface="Times New Roman"/>
+              </a:rPr>
+              <a:t>&lt;footer&gt;</a:t>
+            </a:r>
+            <a:endParaRPr/>
+          </a:p>
+        </p:txBody>
+      </p:sp>
+      <p:sp>
+        <p:nvSpPr>
+          <p:cNvPr id="112" name="PlaceHolder 5"/>
+          <p:cNvSpPr>
+            <a:spLocks noGrp="1"/>
+          </p:cNvSpPr>
+          <p:nvPr>
+            <p:ph type="sldNum"/>
+          </p:nvPr>
+        </p:nvSpPr>
+        <p:spPr>
+          <a:xfrm>
+            <a:off x="8741520" y="6247440"/>
+            <a:ext cx="2840400" cy="472680"/>
+          </a:xfrm>
+          <a:prstGeom prst="rect">
+            <a:avLst/>
+          </a:prstGeom>
+        </p:spPr>
+        <p:txBody>
+          <a:bodyPr lIns="0" rIns="0" tIns="0" bIns="0"/>
+          <a:p>
+            <a:pPr algn="r"/>
+            <a:fld id="{8D172FD4-1958-4BE1-94F7-2EAA8CB746AE}" type="slidenum">
+              <a:rPr lang="en-GB" sz="1400">
+                <a:latin typeface="Times New Roman"/>
+              </a:rPr>
+              <a:t>&lt;number&gt;</a:t>
+            </a:fld>
+            <a:endParaRPr/>
+          </a:p>
+        </p:txBody>
+      </p:sp>
+    </p:spTree>
+  </p:cSld>
+  <p:clrMap bg1="lt1" bg2="lt2" tx1="dk1" tx2="dk2" accent1="accent1" accent2="accent2" accent3="accent3" accent4="accent4" accent5="accent5" accent6="accent6" hlink="hlink" folHlink="folHlink"/>
+  <p:sldLayoutIdLst>
+    <p:sldLayoutId id="2147483688" r:id="rId2"/>
+    <p:sldLayoutId id="2147483689" r:id="rId3"/>
+    <p:sldLayoutId id="2147483690" r:id="rId4"/>
+    <p:sldLayoutId id="2147483691" r:id="rId5"/>
+    <p:sldLayoutId id="2147483692" r:id="rId6"/>
+    <p:sldLayoutId id="2147483693" r:id="rId7"/>
+    <p:sldLayoutId id="2147483694" r:id="rId8"/>
+    <p:sldLayoutId id="2147483695" r:id="rId9"/>
+    <p:sldLayoutId id="2147483696" r:id="rId10"/>
+    <p:sldLayoutId id="2147483697" r:id="rId11"/>
+    <p:sldLayoutId id="2147483698" r:id="rId12"/>
+    <p:sldLayoutId id="2147483699" r:id="rId13"/>
+  </p:sldLayoutIdLst>
+</p:sldMaster>
+</file>
+
 <file path=ppt/slides/slide1.xml><?xml version="1.0" encoding="utf-8"?>
 <p:sld xmlns:a="http://schemas.openxmlformats.org/drawingml/2006/main" xmlns:p="http://schemas.openxmlformats.org/presentationml/2006/main" xmlns:r="http://schemas.openxmlformats.org/officeDocument/2006/relationships">
   <p:cSld>
@@ -4120,14 +5572,14 @@
       </p:grpSpPr>
       <p:sp>
         <p:nvSpPr>
-          <p:cNvPr id="108" name="CustomShape 1"/>
+          <p:cNvPr id="147" name="CustomShape 1"/>
           <p:cNvSpPr/>
           <p:nvPr/>
         </p:nvSpPr>
         <p:spPr>
           <a:xfrm>
             <a:off x="1523880" y="1122480"/>
-            <a:ext cx="9143280" cy="2386800"/>
+            <a:ext cx="9142560" cy="2386080"/>
           </a:xfrm>
           <a:prstGeom prst="rect">
             <a:avLst/>
@@ -4157,6 +5609,7 @@
                   <a:srgbClr val="000000"/>
                 </a:solidFill>
                 <a:latin typeface="Calibri Light"/>
+                <a:ea typeface="DejaVu Sans"/>
               </a:rPr>
               <a:t>Title</a:t>
             </a:r>
@@ -4166,14 +5619,14 @@
       </p:sp>
       <p:sp>
         <p:nvSpPr>
-          <p:cNvPr id="109" name="CustomShape 2"/>
+          <p:cNvPr id="148" name="CustomShape 2"/>
           <p:cNvSpPr/>
           <p:nvPr/>
         </p:nvSpPr>
         <p:spPr>
           <a:xfrm>
             <a:off x="1523880" y="3602160"/>
-            <a:ext cx="9143280" cy="1654920"/>
+            <a:ext cx="9142560" cy="1654200"/>
           </a:xfrm>
           <a:prstGeom prst="rect">
             <a:avLst/>
@@ -4241,7 +5694,7 @@
       </p:grpSpPr>
       <p:pic>
         <p:nvPicPr>
-          <p:cNvPr id="126" name="Content Placeholder 9" descr=""/>
+          <p:cNvPr id="165" name="Content Placeholder 9" descr=""/>
           <p:cNvPicPr/>
           <p:nvPr/>
         </p:nvPicPr>
@@ -4252,7 +5705,7 @@
         <p:spPr>
           <a:xfrm>
             <a:off x="3430080" y="1428840"/>
-            <a:ext cx="5332680" cy="3999240"/>
+            <a:ext cx="5331960" cy="3998520"/>
           </a:xfrm>
           <a:prstGeom prst="rect">
             <a:avLst/>
@@ -4313,7 +5766,7 @@
       </p:grpSpPr>
       <p:pic>
         <p:nvPicPr>
-          <p:cNvPr id="127" name="Content Placeholder 9" descr=""/>
+          <p:cNvPr id="166" name="Content Placeholder 9" descr=""/>
           <p:cNvPicPr/>
           <p:nvPr/>
         </p:nvPicPr>
@@ -4324,7 +5777,7 @@
         <p:spPr>
           <a:xfrm>
             <a:off x="3430080" y="1428840"/>
-            <a:ext cx="5332680" cy="3999240"/>
+            <a:ext cx="5331960" cy="3998520"/>
           </a:xfrm>
           <a:prstGeom prst="rect">
             <a:avLst/>
@@ -4385,7 +5838,7 @@
       </p:grpSpPr>
       <p:pic>
         <p:nvPicPr>
-          <p:cNvPr id="128" name="Content Placeholder 9" descr=""/>
+          <p:cNvPr id="167" name="Content Placeholder 9" descr=""/>
           <p:cNvPicPr/>
           <p:nvPr/>
         </p:nvPicPr>
@@ -4396,7 +5849,7 @@
         <p:spPr>
           <a:xfrm>
             <a:off x="3430080" y="1428840"/>
-            <a:ext cx="5332680" cy="3999240"/>
+            <a:ext cx="5331960" cy="3998520"/>
           </a:xfrm>
           <a:prstGeom prst="rect">
             <a:avLst/>
@@ -4457,7 +5910,7 @@
       </p:grpSpPr>
       <p:pic>
         <p:nvPicPr>
-          <p:cNvPr id="129" name="Content Placeholder 9" descr=""/>
+          <p:cNvPr id="168" name="Content Placeholder 9" descr=""/>
           <p:cNvPicPr/>
           <p:nvPr/>
         </p:nvPicPr>
@@ -4468,7 +5921,7 @@
         <p:spPr>
           <a:xfrm>
             <a:off x="3430080" y="1428840"/>
-            <a:ext cx="5332680" cy="3999240"/>
+            <a:ext cx="5331960" cy="3998520"/>
           </a:xfrm>
           <a:prstGeom prst="rect">
             <a:avLst/>
@@ -4529,7 +5982,7 @@
       </p:grpSpPr>
       <p:pic>
         <p:nvPicPr>
-          <p:cNvPr id="130" name="Content Placeholder 3" descr=""/>
+          <p:cNvPr id="169" name="Content Placeholder 3" descr=""/>
           <p:cNvPicPr/>
           <p:nvPr/>
         </p:nvPicPr>
@@ -4540,7 +5993,7 @@
         <p:spPr>
           <a:xfrm>
             <a:off x="3430080" y="1428840"/>
-            <a:ext cx="5332680" cy="3999240"/>
+            <a:ext cx="5331960" cy="3998520"/>
           </a:xfrm>
           <a:prstGeom prst="rect">
             <a:avLst/>
@@ -4601,14 +6054,14 @@
       </p:grpSpPr>
       <p:sp>
         <p:nvSpPr>
-          <p:cNvPr id="131" name="CustomShape 1"/>
+          <p:cNvPr id="170" name="CustomShape 1"/>
           <p:cNvSpPr/>
           <p:nvPr/>
         </p:nvSpPr>
         <p:spPr>
           <a:xfrm>
             <a:off x="1523880" y="1122480"/>
-            <a:ext cx="9143280" cy="2386800"/>
+            <a:ext cx="9142560" cy="2386080"/>
           </a:xfrm>
           <a:prstGeom prst="rect">
             <a:avLst/>
@@ -4633,6 +6086,7 @@
                   <a:srgbClr val="000000"/>
                 </a:solidFill>
                 <a:latin typeface="Calibri Light"/>
+                <a:ea typeface="DejaVu Sans"/>
               </a:rPr>
               <a:t>Graphs for floor 1: </a:t>
             </a:r>
@@ -4650,6 +6104,7 @@
                   <a:srgbClr val="000000"/>
                 </a:solidFill>
                 <a:latin typeface="Calibri Light"/>
+                <a:ea typeface="DejaVu Sans"/>
               </a:rPr>
               <a:t>Varying damping of building from 0 to 4Nms</a:t>
             </a:r>
@@ -4659,6 +6114,7 @@
                   <a:srgbClr val="000000"/>
                 </a:solidFill>
                 <a:latin typeface="Calibri Light"/>
+                <a:ea typeface="DejaVu Sans"/>
               </a:rPr>
               <a:t>-1</a:t>
             </a:r>
@@ -4668,14 +6124,14 @@
       </p:sp>
       <p:sp>
         <p:nvSpPr>
-          <p:cNvPr id="132" name="CustomShape 2"/>
+          <p:cNvPr id="171" name="CustomShape 2"/>
           <p:cNvSpPr/>
           <p:nvPr/>
         </p:nvSpPr>
         <p:spPr>
           <a:xfrm>
             <a:off x="1523880" y="3602160"/>
-            <a:ext cx="9143280" cy="1654920"/>
+            <a:ext cx="9142560" cy="1654200"/>
           </a:xfrm>
           <a:prstGeom prst="rect">
             <a:avLst/>
@@ -4743,7 +6199,7 @@
       </p:grpSpPr>
       <p:pic>
         <p:nvPicPr>
-          <p:cNvPr id="133" name="Content Placeholder 2" descr=""/>
+          <p:cNvPr id="172" name="Content Placeholder 2" descr=""/>
           <p:cNvPicPr/>
           <p:nvPr/>
         </p:nvPicPr>
@@ -4754,7 +6210,7 @@
         <p:spPr>
           <a:xfrm>
             <a:off x="0" y="11160"/>
-            <a:ext cx="12192120" cy="6846840"/>
+            <a:ext cx="12191400" cy="6846120"/>
           </a:xfrm>
           <a:prstGeom prst="rect">
             <a:avLst/>
@@ -4815,7 +6271,7 @@
       </p:grpSpPr>
       <p:pic>
         <p:nvPicPr>
-          <p:cNvPr id="134" name="Content Placeholder 2" descr=""/>
+          <p:cNvPr id="173" name="Content Placeholder 2" descr=""/>
           <p:cNvPicPr/>
           <p:nvPr/>
         </p:nvPicPr>
@@ -4826,7 +6282,7 @@
         <p:spPr>
           <a:xfrm>
             <a:off x="0" y="11160"/>
-            <a:ext cx="12192120" cy="6846840"/>
+            <a:ext cx="12191400" cy="6846120"/>
           </a:xfrm>
           <a:prstGeom prst="rect">
             <a:avLst/>
@@ -4887,7 +6343,7 @@
       </p:grpSpPr>
       <p:pic>
         <p:nvPicPr>
-          <p:cNvPr id="135" name="Content Placeholder 2" descr=""/>
+          <p:cNvPr id="174" name="Content Placeholder 2" descr=""/>
           <p:cNvPicPr/>
           <p:nvPr/>
         </p:nvPicPr>
@@ -4898,7 +6354,7 @@
         <p:spPr>
           <a:xfrm>
             <a:off x="0" y="11160"/>
-            <a:ext cx="12192120" cy="6846840"/>
+            <a:ext cx="12191400" cy="6846120"/>
           </a:xfrm>
           <a:prstGeom prst="rect">
             <a:avLst/>
@@ -4959,7 +6415,7 @@
       </p:grpSpPr>
       <p:pic>
         <p:nvPicPr>
-          <p:cNvPr id="136" name="Content Placeholder 2" descr=""/>
+          <p:cNvPr id="175" name="Content Placeholder 2" descr=""/>
           <p:cNvPicPr/>
           <p:nvPr/>
         </p:nvPicPr>
@@ -4970,7 +6426,7 @@
         <p:spPr>
           <a:xfrm>
             <a:off x="0" y="11160"/>
-            <a:ext cx="12192120" cy="6846840"/>
+            <a:ext cx="12191400" cy="6846120"/>
           </a:xfrm>
           <a:prstGeom prst="rect">
             <a:avLst/>
@@ -5031,14 +6487,14 @@
       </p:grpSpPr>
       <p:sp>
         <p:nvSpPr>
-          <p:cNvPr id="110" name="CustomShape 1"/>
+          <p:cNvPr id="149" name="CustomShape 1"/>
           <p:cNvSpPr/>
           <p:nvPr/>
         </p:nvSpPr>
         <p:spPr>
           <a:xfrm>
             <a:off x="838080" y="365040"/>
-            <a:ext cx="10514880" cy="1324800"/>
+            <a:ext cx="10514160" cy="1324080"/>
           </a:xfrm>
           <a:prstGeom prst="rect">
             <a:avLst/>
@@ -5068,6 +6524,7 @@
                   <a:srgbClr val="000000"/>
                 </a:solidFill>
                 <a:latin typeface="Calibri Light"/>
+                <a:ea typeface="DejaVu Sans"/>
               </a:rPr>
               <a:t>Aims</a:t>
             </a:r>
@@ -5077,14 +6534,14 @@
       </p:sp>
       <p:sp>
         <p:nvSpPr>
-          <p:cNvPr id="111" name="CustomShape 2"/>
+          <p:cNvPr id="150" name="CustomShape 2"/>
           <p:cNvSpPr/>
           <p:nvPr/>
         </p:nvSpPr>
         <p:spPr>
           <a:xfrm>
             <a:off x="838080" y="1825560"/>
-            <a:ext cx="10514880" cy="4350600"/>
+            <a:ext cx="10514160" cy="4349880"/>
           </a:xfrm>
           <a:prstGeom prst="rect">
             <a:avLst/>
@@ -5116,6 +6573,7 @@
                   <a:srgbClr val="000000"/>
                 </a:solidFill>
                 <a:latin typeface="Calibri"/>
+                <a:ea typeface="DejaVu Sans"/>
               </a:rPr>
               <a:t>Analyse effects of putting absorbers on different floors and tuning to different modes.</a:t>
             </a:r>
@@ -5135,6 +6593,7 @@
                   <a:srgbClr val="000000"/>
                 </a:solidFill>
                 <a:latin typeface="Calibri"/>
+                <a:ea typeface="DejaVu Sans"/>
               </a:rPr>
               <a:t>Generally tuning absorbers to optimise them</a:t>
             </a:r>
@@ -5154,6 +6613,7 @@
                   <a:srgbClr val="000000"/>
                 </a:solidFill>
                 <a:latin typeface="Calibri"/>
+                <a:ea typeface="DejaVu Sans"/>
               </a:rPr>
               <a:t>Create code to automatically tune absorber given measureable characteristics of structure</a:t>
             </a:r>
@@ -5212,7 +6672,7 @@
       </p:grpSpPr>
       <p:pic>
         <p:nvPicPr>
-          <p:cNvPr id="137" name="Content Placeholder 2" descr=""/>
+          <p:cNvPr id="176" name="Content Placeholder 2" descr=""/>
           <p:cNvPicPr/>
           <p:nvPr/>
         </p:nvPicPr>
@@ -5223,7 +6683,7 @@
         <p:spPr>
           <a:xfrm>
             <a:off x="0" y="11160"/>
-            <a:ext cx="12192120" cy="6846840"/>
+            <a:ext cx="12191400" cy="6846120"/>
           </a:xfrm>
           <a:prstGeom prst="rect">
             <a:avLst/>
@@ -5284,7 +6744,7 @@
       </p:grpSpPr>
       <p:pic>
         <p:nvPicPr>
-          <p:cNvPr id="138" name="Content Placeholder 2" descr=""/>
+          <p:cNvPr id="177" name="Content Placeholder 2" descr=""/>
           <p:cNvPicPr/>
           <p:nvPr/>
         </p:nvPicPr>
@@ -5295,7 +6755,7 @@
         <p:spPr>
           <a:xfrm>
             <a:off x="460440" y="742680"/>
-            <a:ext cx="11271960" cy="5371560"/>
+            <a:ext cx="11271240" cy="5370840"/>
           </a:xfrm>
           <a:prstGeom prst="rect">
             <a:avLst/>
@@ -5356,14 +6816,14 @@
       </p:grpSpPr>
       <p:sp>
         <p:nvSpPr>
-          <p:cNvPr id="139" name="CustomShape 1"/>
+          <p:cNvPr id="178" name="CustomShape 1"/>
           <p:cNvSpPr/>
           <p:nvPr/>
         </p:nvSpPr>
         <p:spPr>
           <a:xfrm>
-            <a:off x="1523880" y="1122480"/>
-            <a:ext cx="9143280" cy="2386800"/>
+            <a:off x="838080" y="1825560"/>
+            <a:ext cx="10514160" cy="4349880"/>
           </a:xfrm>
           <a:prstGeom prst="rect">
             <a:avLst/>
@@ -5380,21 +6840,24 @@
           <a:fontRef idx="minor"/>
         </p:style>
         <p:txBody>
-          <a:bodyPr lIns="90000" rIns="90000" tIns="45000" bIns="45000" anchor="b"/>
-          <a:p>
-            <a:pPr algn="ctr">
+          <a:bodyPr lIns="90000" rIns="90000" tIns="45000" bIns="45000"/>
+          <a:p>
+            <a:pPr>
               <a:lnSpc>
-                <a:spcPct val="100000"/>
+                <a:spcPct val="90000"/>
               </a:lnSpc>
+              <a:buFont typeface="Arial"/>
+              <a:buChar char="•"/>
             </a:pPr>
             <a:r>
-              <a:rPr lang="en-GB" sz="6000" strike="noStrike">
+              <a:rPr lang="en-GB" sz="2800" strike="noStrike">
                 <a:solidFill>
                   <a:srgbClr val="000000"/>
                 </a:solidFill>
-                <a:latin typeface="Calibri Light"/>
+                <a:latin typeface="Calibri"/>
+                <a:ea typeface="DejaVu Sans"/>
               </a:rPr>
-              <a:t>Graphs for amplitude of the vibration of different floors.</a:t>
+              <a:t>Note for absorber of mass = 0.4 this is becoming quite close to the equivalent mass of building (3.3kg) so the results produced may not be reliable as mass of absorber will have substantial affect on building</a:t>
             </a:r>
             <a:endParaRPr/>
           </a:p>
@@ -5402,14 +6865,14 @@
       </p:sp>
       <p:sp>
         <p:nvSpPr>
-          <p:cNvPr id="140" name="CustomShape 2"/>
+          <p:cNvPr id="179" name="CustomShape 2"/>
           <p:cNvSpPr/>
           <p:nvPr/>
         </p:nvSpPr>
         <p:spPr>
           <a:xfrm>
-            <a:off x="1523880" y="3602160"/>
-            <a:ext cx="9143280" cy="1654920"/>
+            <a:off x="838080" y="365040"/>
+            <a:ext cx="10514160" cy="1324080"/>
           </a:xfrm>
           <a:prstGeom prst="rect">
             <a:avLst/>
@@ -5475,29 +6938,103 @@
           <a:chExt cx="0" cy="0"/>
         </a:xfrm>
       </p:grpSpPr>
-      <p:pic>
-        <p:nvPicPr>
-          <p:cNvPr id="141" name="Content Placeholder 2" descr=""/>
-          <p:cNvPicPr/>
+      <p:sp>
+        <p:nvSpPr>
+          <p:cNvPr id="180" name="CustomShape 1"/>
+          <p:cNvSpPr/>
           <p:nvPr/>
-        </p:nvPicPr>
-        <p:blipFill>
-          <a:blip r:embed="rId1"/>
-          <a:stretch/>
-        </p:blipFill>
-        <p:spPr>
-          <a:xfrm>
-            <a:off x="0" y="0"/>
-            <a:ext cx="12191760" cy="6857640"/>
-          </a:xfrm>
-          <a:prstGeom prst="rect">
-            <a:avLst/>
-          </a:prstGeom>
+        </p:nvSpPr>
+        <p:spPr>
+          <a:xfrm>
+            <a:off x="1523880" y="1122480"/>
+            <a:ext cx="9142560" cy="2386080"/>
+          </a:xfrm>
+          <a:prstGeom prst="rect">
+            <a:avLst/>
+          </a:prstGeom>
+          <a:noFill/>
           <a:ln>
             <a:noFill/>
           </a:ln>
         </p:spPr>
-      </p:pic>
+        <p:style>
+          <a:lnRef idx="0"/>
+          <a:fillRef idx="0"/>
+          <a:effectRef idx="0"/>
+          <a:fontRef idx="minor"/>
+        </p:style>
+        <p:txBody>
+          <a:bodyPr lIns="90000" rIns="90000" tIns="45000" bIns="45000" anchor="b"/>
+          <a:p>
+            <a:pPr algn="ctr">
+              <a:lnSpc>
+                <a:spcPct val="100000"/>
+              </a:lnSpc>
+            </a:pPr>
+            <a:endParaRPr/>
+          </a:p>
+          <a:p>
+            <a:pPr algn="ctr">
+              <a:lnSpc>
+                <a:spcPct val="100000"/>
+              </a:lnSpc>
+            </a:pPr>
+            <a:endParaRPr/>
+          </a:p>
+          <a:p>
+            <a:pPr algn="ctr">
+              <a:lnSpc>
+                <a:spcPct val="100000"/>
+              </a:lnSpc>
+            </a:pPr>
+            <a:endParaRPr/>
+          </a:p>
+          <a:p>
+            <a:pPr algn="ctr">
+              <a:lnSpc>
+                <a:spcPct val="100000"/>
+              </a:lnSpc>
+            </a:pPr>
+            <a:r>
+              <a:rPr lang="en-GB" sz="6000" strike="noStrike">
+                <a:solidFill>
+                  <a:srgbClr val="000000"/>
+                </a:solidFill>
+                <a:latin typeface="Calibri Light"/>
+                <a:ea typeface="DejaVu Sans"/>
+              </a:rPr>
+              <a:t>Variation in the amplitude of the vibration of different floors.</a:t>
+            </a:r>
+            <a:endParaRPr/>
+          </a:p>
+        </p:txBody>
+      </p:sp>
+      <p:sp>
+        <p:nvSpPr>
+          <p:cNvPr id="181" name="CustomShape 2"/>
+          <p:cNvSpPr/>
+          <p:nvPr/>
+        </p:nvSpPr>
+        <p:spPr>
+          <a:xfrm>
+            <a:off x="1523880" y="3602160"/>
+            <a:ext cx="9142560" cy="1654200"/>
+          </a:xfrm>
+          <a:prstGeom prst="rect">
+            <a:avLst/>
+          </a:prstGeom>
+          <a:noFill/>
+          <a:ln>
+            <a:noFill/>
+          </a:ln>
+        </p:spPr>
+        <p:style>
+          <a:lnRef idx="0"/>
+          <a:fillRef idx="0"/>
+          <a:effectRef idx="0"/>
+          <a:fontRef idx="minor"/>
+        </p:style>
+      </p:sp>
     </p:spTree>
   </p:cSld>
   <p:timing>
@@ -5549,7 +7086,7 @@
       </p:grpSpPr>
       <p:pic>
         <p:nvPicPr>
-          <p:cNvPr id="142" name="Content Placeholder 2" descr=""/>
+          <p:cNvPr id="182" name="Content Placeholder 2" descr=""/>
           <p:cNvPicPr/>
           <p:nvPr/>
         </p:nvPicPr>
@@ -5559,8 +7096,8 @@
         </p:blipFill>
         <p:spPr>
           <a:xfrm>
-            <a:off x="0" y="0"/>
-            <a:ext cx="12191760" cy="6857640"/>
+            <a:off x="2160360" y="1152360"/>
+            <a:ext cx="7871040" cy="4552920"/>
           </a:xfrm>
           <a:prstGeom prst="rect">
             <a:avLst/>
@@ -5621,7 +7158,7 @@
       </p:grpSpPr>
       <p:pic>
         <p:nvPicPr>
-          <p:cNvPr id="143" name="Content Placeholder 2" descr=""/>
+          <p:cNvPr id="183" name="Content Placeholder 2" descr=""/>
           <p:cNvPicPr/>
           <p:nvPr/>
         </p:nvPicPr>
@@ -5631,8 +7168,8 @@
         </p:blipFill>
         <p:spPr>
           <a:xfrm>
-            <a:off x="0" y="0"/>
-            <a:ext cx="12191760" cy="6857640"/>
+            <a:off x="2160360" y="1152360"/>
+            <a:ext cx="7871040" cy="4552920"/>
           </a:xfrm>
           <a:prstGeom prst="rect">
             <a:avLst/>
@@ -5691,6 +7228,29 @@
           <a:chExt cx="0" cy="0"/>
         </a:xfrm>
       </p:grpSpPr>
+      <p:pic>
+        <p:nvPicPr>
+          <p:cNvPr id="184" name="Content Placeholder 2" descr=""/>
+          <p:cNvPicPr/>
+          <p:nvPr/>
+        </p:nvPicPr>
+        <p:blipFill>
+          <a:blip r:embed="rId1"/>
+          <a:stretch/>
+        </p:blipFill>
+        <p:spPr>
+          <a:xfrm>
+            <a:off x="2160360" y="1152360"/>
+            <a:ext cx="7871040" cy="4552920"/>
+          </a:xfrm>
+          <a:prstGeom prst="rect">
+            <a:avLst/>
+          </a:prstGeom>
+          <a:ln>
+            <a:noFill/>
+          </a:ln>
+        </p:spPr>
+      </p:pic>
     </p:spTree>
   </p:cSld>
   <p:timing>
@@ -5740,80 +7300,29 @@
           <a:chExt cx="0" cy="0"/>
         </a:xfrm>
       </p:grpSpPr>
-      <p:sp>
-        <p:nvSpPr>
-          <p:cNvPr id="144" name="CustomShape 1"/>
-          <p:cNvSpPr/>
+      <p:pic>
+        <p:nvPicPr>
+          <p:cNvPr id="185" name="Content Placeholder 2" descr=""/>
+          <p:cNvPicPr/>
           <p:nvPr/>
-        </p:nvSpPr>
-        <p:spPr>
-          <a:xfrm>
-            <a:off x="838080" y="1825560"/>
-            <a:ext cx="10514880" cy="4350600"/>
-          </a:xfrm>
-          <a:prstGeom prst="rect">
-            <a:avLst/>
-          </a:prstGeom>
-          <a:noFill/>
+        </p:nvPicPr>
+        <p:blipFill>
+          <a:blip r:embed="rId1"/>
+          <a:stretch/>
+        </p:blipFill>
+        <p:spPr>
+          <a:xfrm>
+            <a:off x="1620360" y="720000"/>
+            <a:ext cx="8951040" cy="5344920"/>
+          </a:xfrm>
+          <a:prstGeom prst="rect">
+            <a:avLst/>
+          </a:prstGeom>
           <a:ln>
             <a:noFill/>
           </a:ln>
         </p:spPr>
-        <p:style>
-          <a:lnRef idx="0"/>
-          <a:fillRef idx="0"/>
-          <a:effectRef idx="0"/>
-          <a:fontRef idx="minor"/>
-        </p:style>
-        <p:txBody>
-          <a:bodyPr lIns="90000" rIns="90000" tIns="45000" bIns="45000"/>
-          <a:p>
-            <a:pPr>
-              <a:lnSpc>
-                <a:spcPct val="90000"/>
-              </a:lnSpc>
-              <a:buFont typeface="Arial"/>
-              <a:buChar char="•"/>
-            </a:pPr>
-            <a:r>
-              <a:rPr lang="en-GB" sz="2800" strike="noStrike">
-                <a:solidFill>
-                  <a:srgbClr val="000000"/>
-                </a:solidFill>
-                <a:latin typeface="Calibri"/>
-              </a:rPr>
-              <a:t>Note for absorber of mass = 0.4 this is becoming quite close to the equivalent mass of building (3.3kg) so the results produced may not be reliable as mass of absorber will have substantial affect on building</a:t>
-            </a:r>
-            <a:endParaRPr/>
-          </a:p>
-        </p:txBody>
-      </p:sp>
-      <p:sp>
-        <p:nvSpPr>
-          <p:cNvPr id="145" name="CustomShape 2"/>
-          <p:cNvSpPr/>
-          <p:nvPr/>
-        </p:nvSpPr>
-        <p:spPr>
-          <a:xfrm>
-            <a:off x="838080" y="365040"/>
-            <a:ext cx="10514880" cy="1324800"/>
-          </a:xfrm>
-          <a:prstGeom prst="rect">
-            <a:avLst/>
-          </a:prstGeom>
-          <a:noFill/>
-          <a:ln>
-            <a:noFill/>
-          </a:ln>
-        </p:spPr>
-        <p:style>
-          <a:lnRef idx="0"/>
-          <a:fillRef idx="0"/>
-          <a:effectRef idx="0"/>
-          <a:fontRef idx="minor"/>
-        </p:style>
-      </p:sp>
+      </p:pic>
     </p:spTree>
   </p:cSld>
   <p:timing>
@@ -5865,14 +7374,14 @@
       </p:grpSpPr>
       <p:sp>
         <p:nvSpPr>
-          <p:cNvPr id="146" name="CustomShape 1"/>
+          <p:cNvPr id="186" name="CustomShape 1"/>
           <p:cNvSpPr/>
           <p:nvPr/>
         </p:nvSpPr>
         <p:spPr>
           <a:xfrm>
             <a:off x="838080" y="365040"/>
-            <a:ext cx="10514880" cy="1324800"/>
+            <a:ext cx="10514160" cy="1324080"/>
           </a:xfrm>
           <a:prstGeom prst="rect">
             <a:avLst/>
@@ -5902,6 +7411,7 @@
                   <a:srgbClr val="000000"/>
                 </a:solidFill>
                 <a:latin typeface="Calibri Light"/>
+                <a:ea typeface="DejaVu Sans"/>
               </a:rPr>
               <a:t>Conclusions</a:t>
             </a:r>
@@ -5911,14 +7421,14 @@
       </p:sp>
       <p:sp>
         <p:nvSpPr>
-          <p:cNvPr id="147" name="CustomShape 2"/>
+          <p:cNvPr id="187" name="CustomShape 2"/>
           <p:cNvSpPr/>
           <p:nvPr/>
         </p:nvSpPr>
         <p:spPr>
           <a:xfrm>
             <a:off x="838080" y="1825560"/>
-            <a:ext cx="10514880" cy="4350600"/>
+            <a:ext cx="10514160" cy="4349880"/>
           </a:xfrm>
           <a:prstGeom prst="rect">
             <a:avLst/>
@@ -5986,14 +7496,14 @@
       </p:grpSpPr>
       <p:sp>
         <p:nvSpPr>
-          <p:cNvPr id="148" name="CustomShape 1"/>
+          <p:cNvPr id="188" name="CustomShape 1"/>
           <p:cNvSpPr/>
           <p:nvPr/>
         </p:nvSpPr>
         <p:spPr>
           <a:xfrm>
             <a:off x="838080" y="365040"/>
-            <a:ext cx="10514880" cy="1324800"/>
+            <a:ext cx="10514160" cy="1324080"/>
           </a:xfrm>
           <a:prstGeom prst="rect">
             <a:avLst/>
@@ -6023,6 +7533,7 @@
                   <a:srgbClr val="000000"/>
                 </a:solidFill>
                 <a:latin typeface="Calibri Light"/>
+                <a:ea typeface="DejaVu Sans"/>
               </a:rPr>
               <a:t>Further Developments</a:t>
             </a:r>
@@ -6032,14 +7543,14 @@
       </p:sp>
       <p:sp>
         <p:nvSpPr>
-          <p:cNvPr id="149" name="CustomShape 2"/>
+          <p:cNvPr id="189" name="CustomShape 2"/>
           <p:cNvSpPr/>
           <p:nvPr/>
         </p:nvSpPr>
         <p:spPr>
           <a:xfrm>
             <a:off x="838080" y="1825560"/>
-            <a:ext cx="10514880" cy="4350600"/>
+            <a:ext cx="10514160" cy="4349880"/>
           </a:xfrm>
           <a:prstGeom prst="rect">
             <a:avLst/>
@@ -6071,6 +7582,7 @@
                   <a:srgbClr val="000000"/>
                 </a:solidFill>
                 <a:latin typeface="Calibri"/>
+                <a:ea typeface="DejaVu Sans"/>
               </a:rPr>
               <a:t>Check the impulse response for different floors/modes</a:t>
             </a:r>
@@ -6090,6 +7602,7 @@
                   <a:srgbClr val="000000"/>
                 </a:solidFill>
                 <a:latin typeface="Calibri"/>
+                <a:ea typeface="DejaVu Sans"/>
               </a:rPr>
               <a:t>Compare the efficiencies of putting absorber at different floors</a:t>
             </a:r>
@@ -6109,6 +7622,7 @@
                   <a:srgbClr val="000000"/>
                 </a:solidFill>
                 <a:latin typeface="Calibri"/>
+                <a:ea typeface="DejaVu Sans"/>
               </a:rPr>
               <a:t>Mass of absorber</a:t>
             </a:r>
@@ -6128,6 +7642,7 @@
                   <a:srgbClr val="000000"/>
                 </a:solidFill>
                 <a:latin typeface="Calibri"/>
+                <a:ea typeface="DejaVu Sans"/>
               </a:rPr>
               <a:t>Model unsimplified system – check the effects of having multiple absorbers</a:t>
             </a:r>
@@ -6147,6 +7662,7 @@
                   <a:srgbClr val="000000"/>
                 </a:solidFill>
                 <a:latin typeface="Calibri"/>
+                <a:ea typeface="DejaVu Sans"/>
               </a:rPr>
               <a:t>Numerical integration on system – 6 dof</a:t>
             </a:r>
@@ -6166,6 +7682,7 @@
                   <a:srgbClr val="000000"/>
                 </a:solidFill>
                 <a:latin typeface="Calibri"/>
+                <a:ea typeface="DejaVu Sans"/>
               </a:rPr>
               <a:t>Check relative amplitudes of peaks, are reduced peaks still greater than unreduced peaks of other modes/frequencies</a:t>
             </a:r>
@@ -6185,6 +7702,7 @@
                   <a:srgbClr val="000000"/>
                 </a:solidFill>
                 <a:latin typeface="Calibri"/>
+                <a:ea typeface="DejaVu Sans"/>
               </a:rPr>
               <a:t>Compare responses to range of frequencies – rather than having ‘impulse’ of single frequency, try step of all frequencies or some curve around natural frequency.</a:t>
             </a:r>
@@ -6204,6 +7722,7 @@
                   <a:srgbClr val="000000"/>
                 </a:solidFill>
                 <a:latin typeface="Calibri"/>
+                <a:ea typeface="DejaVu Sans"/>
               </a:rPr>
               <a:t>Given actual values of floor lambda for each floor and mode, put these in to give actual optimum values for the actual structure.</a:t>
             </a:r>
@@ -6262,14 +7781,14 @@
       </p:grpSpPr>
       <p:sp>
         <p:nvSpPr>
-          <p:cNvPr id="112" name="CustomShape 1"/>
+          <p:cNvPr id="151" name="CustomShape 1"/>
           <p:cNvSpPr/>
           <p:nvPr/>
         </p:nvSpPr>
         <p:spPr>
           <a:xfrm>
             <a:off x="838080" y="365040"/>
-            <a:ext cx="10514880" cy="1324800"/>
+            <a:ext cx="10514160" cy="1324080"/>
           </a:xfrm>
           <a:prstGeom prst="rect">
             <a:avLst/>
@@ -6299,6 +7818,7 @@
                   <a:srgbClr val="000000"/>
                 </a:solidFill>
                 <a:latin typeface="Calibri Light"/>
+                <a:ea typeface="DejaVu Sans"/>
               </a:rPr>
               <a:t>Definition of terms</a:t>
             </a:r>
@@ -6308,14 +7828,14 @@
       </p:sp>
       <p:sp>
         <p:nvSpPr>
-          <p:cNvPr id="113" name="CustomShape 2"/>
+          <p:cNvPr id="152" name="CustomShape 2"/>
           <p:cNvSpPr/>
           <p:nvPr/>
         </p:nvSpPr>
         <p:spPr>
           <a:xfrm>
             <a:off x="838080" y="1825560"/>
-            <a:ext cx="10514880" cy="4350600"/>
+            <a:ext cx="10514160" cy="4349880"/>
           </a:xfrm>
           <a:prstGeom prst="rect">
             <a:avLst/>
@@ -6347,6 +7867,7 @@
                   <a:srgbClr val="000000"/>
                 </a:solidFill>
                 <a:latin typeface="Calibri"/>
+                <a:ea typeface="DejaVu Sans"/>
               </a:rPr>
               <a:t>Absorber – the extra mass, spring, damper to reduce the max amplitude response of the system</a:t>
             </a:r>
@@ -6366,6 +7887,7 @@
                   <a:srgbClr val="000000"/>
                 </a:solidFill>
                 <a:latin typeface="Calibri"/>
+                <a:ea typeface="DejaVu Sans"/>
               </a:rPr>
               <a:t>Floor damping – the equivalent damping of the structure in the current situation.</a:t>
             </a:r>
@@ -6432,14 +7954,14 @@
       </p:grpSpPr>
       <p:sp>
         <p:nvSpPr>
-          <p:cNvPr id="150" name="CustomShape 1"/>
+          <p:cNvPr id="190" name="CustomShape 1"/>
           <p:cNvSpPr/>
           <p:nvPr/>
         </p:nvSpPr>
         <p:spPr>
           <a:xfrm>
             <a:off x="838080" y="365040"/>
-            <a:ext cx="10514880" cy="1324800"/>
+            <a:ext cx="10514160" cy="1324080"/>
           </a:xfrm>
           <a:prstGeom prst="rect">
             <a:avLst/>
@@ -6469,6 +7991,7 @@
                   <a:srgbClr val="000000"/>
                 </a:solidFill>
                 <a:latin typeface="Calibri Light"/>
+                <a:ea typeface="DejaVu Sans"/>
               </a:rPr>
               <a:t>Equations</a:t>
             </a:r>
@@ -6478,14 +8001,14 @@
       </p:sp>
       <p:sp>
         <p:nvSpPr>
-          <p:cNvPr id="151" name="CustomShape 2"/>
+          <p:cNvPr id="191" name="CustomShape 2"/>
           <p:cNvSpPr/>
           <p:nvPr/>
         </p:nvSpPr>
         <p:spPr>
           <a:xfrm>
             <a:off x="2100240" y="2549160"/>
-            <a:ext cx="52560" cy="274320"/>
+            <a:ext cx="51840" cy="273600"/>
           </a:xfrm>
           <a:prstGeom prst="rect">
             <a:avLst/>
@@ -6525,14 +8048,14 @@
       </p:sp>
       <p:sp>
         <p:nvSpPr>
-          <p:cNvPr id="152" name="CustomShape 3"/>
+          <p:cNvPr id="192" name="CustomShape 3"/>
           <p:cNvSpPr/>
           <p:nvPr/>
         </p:nvSpPr>
         <p:spPr>
           <a:xfrm>
             <a:off x="1001520" y="2549160"/>
-            <a:ext cx="2250000" cy="504000"/>
+            <a:ext cx="2249280" cy="503280"/>
           </a:xfrm>
           <a:prstGeom prst="rect">
             <a:avLst/>
@@ -6540,7 +8063,7 @@
           <a:blipFill>
             <a:blip r:embed="rId1"/>
             <a:stretch>
-              <a:fillRect l="0" t="0" r="0" b="-1125"/>
+              <a:fillRect l="0" t="0" r="0" b="-984"/>
             </a:stretch>
           </a:blipFill>
           <a:ln>
@@ -6577,14 +8100,14 @@
       </p:sp>
       <p:sp>
         <p:nvSpPr>
-          <p:cNvPr id="153" name="CustomShape 4"/>
+          <p:cNvPr id="193" name="CustomShape 4"/>
           <p:cNvSpPr/>
           <p:nvPr/>
         </p:nvSpPr>
         <p:spPr>
           <a:xfrm>
             <a:off x="3778200" y="2662920"/>
-            <a:ext cx="1532520" cy="276120"/>
+            <a:ext cx="1531800" cy="275400"/>
           </a:xfrm>
           <a:prstGeom prst="rect">
             <a:avLst/>
@@ -6603,14 +8126,14 @@
       </p:sp>
       <p:sp>
         <p:nvSpPr>
-          <p:cNvPr id="154" name="CustomShape 5"/>
+          <p:cNvPr id="194" name="CustomShape 5"/>
           <p:cNvSpPr/>
           <p:nvPr/>
         </p:nvSpPr>
         <p:spPr>
           <a:xfrm>
             <a:off x="3778200" y="2662920"/>
-            <a:ext cx="1532520" cy="276120"/>
+            <a:ext cx="1531800" cy="275400"/>
           </a:xfrm>
           <a:prstGeom prst="rect">
             <a:avLst/>
@@ -6618,7 +8141,7 @@
           <a:blipFill>
             <a:blip r:embed="rId2"/>
             <a:stretch>
-              <a:fillRect l="-3548" t="-4318" r="-1167" b="-10909"/>
+              <a:fillRect l="-3503" t="-4090" r="-1122" b="-10681"/>
             </a:stretch>
           </a:blipFill>
           <a:ln>
@@ -6655,14 +8178,14 @@
       </p:sp>
       <p:sp>
         <p:nvSpPr>
-          <p:cNvPr id="155" name="CustomShape 6"/>
+          <p:cNvPr id="195" name="CustomShape 6"/>
           <p:cNvSpPr/>
           <p:nvPr/>
         </p:nvSpPr>
         <p:spPr>
           <a:xfrm>
             <a:off x="6283080" y="2662920"/>
-            <a:ext cx="1669680" cy="276120"/>
+            <a:ext cx="1668960" cy="275400"/>
           </a:xfrm>
           <a:prstGeom prst="rect">
             <a:avLst/>
@@ -6681,14 +8204,14 @@
       </p:sp>
       <p:sp>
         <p:nvSpPr>
-          <p:cNvPr id="156" name="CustomShape 7"/>
+          <p:cNvPr id="196" name="CustomShape 7"/>
           <p:cNvSpPr/>
           <p:nvPr/>
         </p:nvSpPr>
         <p:spPr>
           <a:xfrm>
             <a:off x="6283080" y="2662920"/>
-            <a:ext cx="1669680" cy="276120"/>
+            <a:ext cx="1668960" cy="275400"/>
           </a:xfrm>
           <a:prstGeom prst="rect">
             <a:avLst/>
@@ -6696,7 +8219,7 @@
           <a:blipFill>
             <a:blip r:embed="rId3"/>
             <a:stretch>
-              <a:fillRect l="-2880" t="-4318" r="-1056" b="-10909"/>
+              <a:fillRect l="-2838" t="-4090" r="-1015" b="-10681"/>
             </a:stretch>
           </a:blipFill>
           <a:ln>
@@ -6733,14 +8256,14 @@
       </p:sp>
       <p:sp>
         <p:nvSpPr>
-          <p:cNvPr id="157" name="CustomShape 8"/>
+          <p:cNvPr id="197" name="CustomShape 8"/>
           <p:cNvSpPr/>
           <p:nvPr/>
         </p:nvSpPr>
         <p:spPr>
           <a:xfrm>
             <a:off x="1118880" y="4172040"/>
-            <a:ext cx="964800" cy="572040"/>
+            <a:ext cx="964080" cy="571320"/>
           </a:xfrm>
           <a:prstGeom prst="rect">
             <a:avLst/>
@@ -6759,14 +8282,14 @@
       </p:sp>
       <p:sp>
         <p:nvSpPr>
-          <p:cNvPr id="158" name="CustomShape 9"/>
+          <p:cNvPr id="198" name="CustomShape 9"/>
           <p:cNvSpPr/>
           <p:nvPr/>
         </p:nvSpPr>
         <p:spPr>
           <a:xfrm>
             <a:off x="1118880" y="4172040"/>
-            <a:ext cx="964800" cy="572040"/>
+            <a:ext cx="964080" cy="571320"/>
           </a:xfrm>
           <a:prstGeom prst="rect">
             <a:avLst/>
@@ -6811,14 +8334,14 @@
       </p:sp>
       <p:sp>
         <p:nvSpPr>
-          <p:cNvPr id="159" name="CustomShape 10"/>
+          <p:cNvPr id="199" name="CustomShape 10"/>
           <p:cNvSpPr/>
           <p:nvPr/>
         </p:nvSpPr>
         <p:spPr>
           <a:xfrm>
             <a:off x="3536640" y="4320000"/>
-            <a:ext cx="2518560" cy="314280"/>
+            <a:ext cx="2517840" cy="313560"/>
           </a:xfrm>
           <a:prstGeom prst="rect">
             <a:avLst/>
@@ -6837,14 +8360,14 @@
       </p:sp>
       <p:sp>
         <p:nvSpPr>
-          <p:cNvPr id="160" name="CustomShape 11"/>
+          <p:cNvPr id="200" name="CustomShape 11"/>
           <p:cNvSpPr/>
           <p:nvPr/>
         </p:nvSpPr>
         <p:spPr>
           <a:xfrm>
             <a:off x="3536640" y="4320000"/>
-            <a:ext cx="2518560" cy="314280"/>
+            <a:ext cx="2517840" cy="313560"/>
           </a:xfrm>
           <a:prstGeom prst="rect">
             <a:avLst/>
@@ -6852,7 +8375,7 @@
           <a:blipFill>
             <a:blip r:embed="rId5"/>
             <a:stretch>
-              <a:fillRect l="-1917" t="0" r="-1669" b="-17519"/>
+              <a:fillRect l="-1890" t="0" r="-1641" b="-17322"/>
             </a:stretch>
           </a:blipFill>
           <a:ln>
@@ -6889,14 +8412,14 @@
       </p:sp>
       <p:sp>
         <p:nvSpPr>
-          <p:cNvPr id="161" name="CustomShape 12"/>
+          <p:cNvPr id="201" name="CustomShape 12"/>
           <p:cNvSpPr/>
           <p:nvPr/>
         </p:nvSpPr>
         <p:spPr>
           <a:xfrm>
             <a:off x="7118280" y="4167000"/>
-            <a:ext cx="1236600" cy="577080"/>
+            <a:ext cx="1235880" cy="576360"/>
           </a:xfrm>
           <a:prstGeom prst="rect">
             <a:avLst/>
@@ -6915,14 +8438,14 @@
       </p:sp>
       <p:sp>
         <p:nvSpPr>
-          <p:cNvPr id="162" name="CustomShape 13"/>
+          <p:cNvPr id="202" name="CustomShape 13"/>
           <p:cNvSpPr/>
           <p:nvPr/>
         </p:nvSpPr>
         <p:spPr>
           <a:xfrm>
             <a:off x="7118280" y="4167000"/>
-            <a:ext cx="1236600" cy="577080"/>
+            <a:ext cx="1235880" cy="576360"/>
           </a:xfrm>
           <a:prstGeom prst="rect">
             <a:avLst/>
@@ -6930,7 +8453,7 @@
           <a:blipFill>
             <a:blip r:embed="rId6"/>
             <a:stretch>
-              <a:fillRect l="0" t="0" r="0" b="-995"/>
+              <a:fillRect l="0" t="0" r="0" b="-870"/>
             </a:stretch>
           </a:blipFill>
           <a:ln>
@@ -6967,6 +8490,33 @@
       </p:sp>
     </p:spTree>
   </p:cSld>
+  <p:timing>
+    <p:tnLst>
+      <p:par>
+        <p:cTn id="59" dur="indefinite" restart="never" nodeType="tmRoot">
+          <p:childTnLst>
+            <p:seq>
+              <p:cTn id="60" nodeType="mainSeq"/>
+              <p:prevCondLst>
+                <p:cond delay="0" evt="onPrev">
+                  <p:tgtEl>
+                    <p:sldTgt/>
+                  </p:tgtEl>
+                </p:cond>
+              </p:prevCondLst>
+              <p:nextCondLst>
+                <p:cond delay="0" evt="onNext">
+                  <p:tgtEl>
+                    <p:sldTgt/>
+                  </p:tgtEl>
+                </p:cond>
+              </p:nextCondLst>
+            </p:seq>
+          </p:childTnLst>
+        </p:cTn>
+      </p:par>
+    </p:tnLst>
+  </p:timing>
 </p:sld>
 </file>
 
@@ -6989,14 +8539,14 @@
       </p:grpSpPr>
       <p:sp>
         <p:nvSpPr>
-          <p:cNvPr id="163" name="CustomShape 1"/>
+          <p:cNvPr id="203" name="CustomShape 1"/>
           <p:cNvSpPr/>
           <p:nvPr/>
         </p:nvSpPr>
         <p:spPr>
           <a:xfrm>
             <a:off x="838080" y="365040"/>
-            <a:ext cx="10514880" cy="1324800"/>
+            <a:ext cx="10514160" cy="1324080"/>
           </a:xfrm>
           <a:prstGeom prst="rect">
             <a:avLst/>
@@ -7026,6 +8576,7 @@
                   <a:srgbClr val="000000"/>
                 </a:solidFill>
                 <a:latin typeface="Calibri Light"/>
+                <a:ea typeface="DejaVu Sans"/>
               </a:rPr>
               <a:t>Tabulated Results</a:t>
             </a:r>
@@ -7035,14 +8586,14 @@
       </p:sp>
       <p:sp>
         <p:nvSpPr>
-          <p:cNvPr id="164" name="CustomShape 2"/>
+          <p:cNvPr id="204" name="CustomShape 2"/>
           <p:cNvSpPr/>
           <p:nvPr/>
         </p:nvSpPr>
         <p:spPr>
           <a:xfrm>
             <a:off x="838080" y="1825560"/>
-            <a:ext cx="10514880" cy="4350600"/>
+            <a:ext cx="10514160" cy="4349880"/>
           </a:xfrm>
           <a:prstGeom prst="rect">
             <a:avLst/>
@@ -7074,6 +8625,7 @@
                   <a:srgbClr val="000000"/>
                 </a:solidFill>
                 <a:latin typeface="Calibri"/>
+                <a:ea typeface="DejaVu Sans"/>
               </a:rPr>
               <a:t>results</a:t>
             </a:r>
@@ -7083,7 +8635,7 @@
       </p:sp>
       <p:graphicFrame>
         <p:nvGraphicFramePr>
-          <p:cNvPr id="165" name="Table 3"/>
+          <p:cNvPr id="205" name="Table 3"/>
           <p:cNvGraphicFramePr/>
           <p:nvPr/>
         </p:nvGraphicFramePr>
@@ -7938,7 +9490,7 @@
       </p:graphicFrame>
       <p:graphicFrame>
         <p:nvGraphicFramePr>
-          <p:cNvPr id="166" name="Table 4"/>
+          <p:cNvPr id="206" name="Table 4"/>
           <p:cNvGraphicFramePr/>
           <p:nvPr/>
         </p:nvGraphicFramePr>
@@ -8298,6 +9850,33 @@
       </p:graphicFrame>
     </p:spTree>
   </p:cSld>
+  <p:timing>
+    <p:tnLst>
+      <p:par>
+        <p:cTn id="61" dur="indefinite" restart="never" nodeType="tmRoot">
+          <p:childTnLst>
+            <p:seq>
+              <p:cTn id="62" nodeType="mainSeq"/>
+              <p:prevCondLst>
+                <p:cond delay="0" evt="onPrev">
+                  <p:tgtEl>
+                    <p:sldTgt/>
+                  </p:tgtEl>
+                </p:cond>
+              </p:prevCondLst>
+              <p:nextCondLst>
+                <p:cond delay="0" evt="onNext">
+                  <p:tgtEl>
+                    <p:sldTgt/>
+                  </p:tgtEl>
+                </p:cond>
+              </p:nextCondLst>
+            </p:seq>
+          </p:childTnLst>
+        </p:cTn>
+      </p:par>
+    </p:tnLst>
+  </p:timing>
 </p:sld>
 </file>
 
@@ -8320,14 +9899,14 @@
       </p:grpSpPr>
       <p:sp>
         <p:nvSpPr>
-          <p:cNvPr id="167" name="CustomShape 1"/>
+          <p:cNvPr id="207" name="CustomShape 1"/>
           <p:cNvSpPr/>
           <p:nvPr/>
         </p:nvSpPr>
         <p:spPr>
           <a:xfrm>
             <a:off x="838080" y="365040"/>
-            <a:ext cx="10514880" cy="1324800"/>
+            <a:ext cx="10514160" cy="1324080"/>
           </a:xfrm>
           <a:prstGeom prst="rect">
             <a:avLst/>
@@ -8357,6 +9936,7 @@
                   <a:srgbClr val="000000"/>
                 </a:solidFill>
                 <a:latin typeface="Calibri Light"/>
+                <a:ea typeface="DejaVu Sans"/>
               </a:rPr>
               <a:t>Interesting things noted</a:t>
             </a:r>
@@ -8366,14 +9946,14 @@
       </p:sp>
       <p:sp>
         <p:nvSpPr>
-          <p:cNvPr id="168" name="CustomShape 2"/>
+          <p:cNvPr id="208" name="CustomShape 2"/>
           <p:cNvSpPr/>
           <p:nvPr/>
         </p:nvSpPr>
         <p:spPr>
           <a:xfrm>
             <a:off x="838080" y="1825560"/>
-            <a:ext cx="10514880" cy="4350600"/>
+            <a:ext cx="10514160" cy="4349880"/>
           </a:xfrm>
           <a:prstGeom prst="rect">
             <a:avLst/>
@@ -8405,6 +9985,7 @@
                   <a:srgbClr val="000000"/>
                 </a:solidFill>
                 <a:latin typeface="Calibri"/>
+                <a:ea typeface="DejaVu Sans"/>
               </a:rPr>
               <a:t>Equivalent mass matrix is symmetric about major diagonal (with top floor, first mode in top left)</a:t>
             </a:r>
@@ -8424,6 +10005,7 @@
                   <a:srgbClr val="000000"/>
                 </a:solidFill>
                 <a:latin typeface="Calibri"/>
+                <a:ea typeface="DejaVu Sans"/>
               </a:rPr>
               <a:t>Results of plotting 3d graph of frequency, absorber damping and amplitude not clear, plotting on log scales gives much clearer results and obvious saddle point, this is what we are aiming for with the optimum damper.</a:t>
             </a:r>
@@ -8463,14 +10045,14 @@
       </p:grpSpPr>
       <p:sp>
         <p:nvSpPr>
-          <p:cNvPr id="169" name="CustomShape 1"/>
+          <p:cNvPr id="209" name="CustomShape 1"/>
           <p:cNvSpPr/>
           <p:nvPr/>
         </p:nvSpPr>
         <p:spPr>
           <a:xfrm>
             <a:off x="838080" y="365040"/>
-            <a:ext cx="10514880" cy="1324800"/>
+            <a:ext cx="10514160" cy="1324080"/>
           </a:xfrm>
           <a:prstGeom prst="rect">
             <a:avLst/>
@@ -8500,6 +10082,7 @@
                   <a:srgbClr val="000000"/>
                 </a:solidFill>
                 <a:latin typeface="Calibri Light"/>
+                <a:ea typeface="DejaVu Sans"/>
               </a:rPr>
               <a:t>Sanity Checks</a:t>
             </a:r>
@@ -8509,14 +10092,14 @@
       </p:sp>
       <p:sp>
         <p:nvSpPr>
-          <p:cNvPr id="170" name="CustomShape 2"/>
+          <p:cNvPr id="210" name="CustomShape 2"/>
           <p:cNvSpPr/>
           <p:nvPr/>
         </p:nvSpPr>
         <p:spPr>
           <a:xfrm>
             <a:off x="838080" y="1825560"/>
-            <a:ext cx="10514880" cy="4350600"/>
+            <a:ext cx="10514160" cy="4349880"/>
           </a:xfrm>
           <a:prstGeom prst="rect">
             <a:avLst/>
@@ -8548,6 +10131,7 @@
                   <a:srgbClr val="000000"/>
                 </a:solidFill>
                 <a:latin typeface="Calibri"/>
+                <a:ea typeface="DejaVu Sans"/>
               </a:rPr>
               <a:t>After modelling approximations, checked that the response with:</a:t>
             </a:r>
@@ -8567,6 +10151,7 @@
                   <a:srgbClr val="000000"/>
                 </a:solidFill>
                 <a:latin typeface="Calibri"/>
+                <a:ea typeface="DejaVu Sans"/>
               </a:rPr>
               <a:t>Absorber damping of 0 = two split peaks about resonant frequency</a:t>
             </a:r>
@@ -8586,6 +10171,7 @@
                   <a:srgbClr val="000000"/>
                 </a:solidFill>
                 <a:latin typeface="Calibri"/>
+                <a:ea typeface="DejaVu Sans"/>
               </a:rPr>
               <a:t>Absorber damping high = small dm to system so slight change in resonant frequency but single peak (effectively 1dof system)</a:t>
             </a:r>
@@ -8605,6 +10191,7 @@
                   <a:srgbClr val="000000"/>
                 </a:solidFill>
                 <a:latin typeface="Calibri"/>
+                <a:ea typeface="DejaVu Sans"/>
               </a:rPr>
               <a:t>Plot graph of maximum amplitude for each absorber damping to check expected result.</a:t>
             </a:r>
@@ -8644,14 +10231,14 @@
       </p:grpSpPr>
       <p:sp>
         <p:nvSpPr>
-          <p:cNvPr id="114" name="CustomShape 1"/>
+          <p:cNvPr id="153" name="CustomShape 1"/>
           <p:cNvSpPr/>
           <p:nvPr/>
         </p:nvSpPr>
         <p:spPr>
           <a:xfrm>
             <a:off x="838080" y="365040"/>
-            <a:ext cx="10514880" cy="1324800"/>
+            <a:ext cx="10514160" cy="1324080"/>
           </a:xfrm>
           <a:prstGeom prst="rect">
             <a:avLst/>
@@ -8681,6 +10268,7 @@
                   <a:srgbClr val="000000"/>
                 </a:solidFill>
                 <a:latin typeface="Calibri Light"/>
+                <a:ea typeface="DejaVu Sans"/>
               </a:rPr>
               <a:t>Plan (same as method?)</a:t>
             </a:r>
@@ -8690,14 +10278,14 @@
       </p:sp>
       <p:sp>
         <p:nvSpPr>
-          <p:cNvPr id="115" name="CustomShape 2"/>
+          <p:cNvPr id="154" name="CustomShape 2"/>
           <p:cNvSpPr/>
           <p:nvPr/>
         </p:nvSpPr>
         <p:spPr>
           <a:xfrm>
             <a:off x="838080" y="1825560"/>
-            <a:ext cx="10514880" cy="4350600"/>
+            <a:ext cx="10514160" cy="4349880"/>
           </a:xfrm>
           <a:prstGeom prst="rect">
             <a:avLst/>
@@ -8729,6 +10317,7 @@
                   <a:srgbClr val="000000"/>
                 </a:solidFill>
                 <a:latin typeface="Calibri"/>
+                <a:ea typeface="DejaVu Sans"/>
               </a:rPr>
               <a:t>Start from code to model 3dof system without damping from Moodle</a:t>
             </a:r>
@@ -8748,6 +10337,7 @@
                   <a:srgbClr val="000000"/>
                 </a:solidFill>
                 <a:latin typeface="Calibri"/>
+                <a:ea typeface="DejaVu Sans"/>
               </a:rPr>
               <a:t>Find modeshapes</a:t>
             </a:r>
@@ -8767,6 +10357,7 @@
                   <a:srgbClr val="000000"/>
                 </a:solidFill>
                 <a:latin typeface="Calibri"/>
+                <a:ea typeface="DejaVu Sans"/>
               </a:rPr>
               <a:t>Find equivalent masses</a:t>
             </a:r>
@@ -8786,6 +10377,7 @@
                   <a:srgbClr val="000000"/>
                 </a:solidFill>
                 <a:latin typeface="Calibri"/>
+                <a:ea typeface="DejaVu Sans"/>
               </a:rPr>
               <a:t>Find equivalent spring constants</a:t>
             </a:r>
@@ -8813,6 +10405,7 @@
                   <a:srgbClr val="000000"/>
                 </a:solidFill>
                 <a:latin typeface="Calibri"/>
+                <a:ea typeface="DejaVu Sans"/>
               </a:rPr>
               <a:t>Model the system as 2dof with the absorber and a given floor damping</a:t>
             </a:r>
@@ -8871,14 +10464,14 @@
       </p:grpSpPr>
       <p:sp>
         <p:nvSpPr>
-          <p:cNvPr id="116" name="CustomShape 1"/>
+          <p:cNvPr id="155" name="CustomShape 1"/>
           <p:cNvSpPr/>
           <p:nvPr/>
         </p:nvSpPr>
         <p:spPr>
           <a:xfrm>
             <a:off x="838080" y="365040"/>
-            <a:ext cx="10514880" cy="1324800"/>
+            <a:ext cx="10514160" cy="1324080"/>
           </a:xfrm>
           <a:prstGeom prst="rect">
             <a:avLst/>
@@ -8908,6 +10501,7 @@
                   <a:srgbClr val="000000"/>
                 </a:solidFill>
                 <a:latin typeface="Calibri Light"/>
+                <a:ea typeface="DejaVu Sans"/>
               </a:rPr>
               <a:t>Method</a:t>
             </a:r>
@@ -8917,14 +10511,14 @@
       </p:sp>
       <p:sp>
         <p:nvSpPr>
-          <p:cNvPr id="117" name="CustomShape 2"/>
+          <p:cNvPr id="156" name="CustomShape 2"/>
           <p:cNvSpPr/>
           <p:nvPr/>
         </p:nvSpPr>
         <p:spPr>
           <a:xfrm>
             <a:off x="838080" y="1825560"/>
-            <a:ext cx="10514880" cy="4350600"/>
+            <a:ext cx="10514160" cy="4349880"/>
           </a:xfrm>
           <a:prstGeom prst="rect">
             <a:avLst/>
@@ -8956,6 +10550,7 @@
                   <a:srgbClr val="000000"/>
                 </a:solidFill>
                 <a:latin typeface="Calibri"/>
+                <a:ea typeface="DejaVu Sans"/>
               </a:rPr>
               <a:t>Calculate modeshapes</a:t>
             </a:r>
@@ -8975,6 +10570,7 @@
                   <a:srgbClr val="000000"/>
                 </a:solidFill>
                 <a:latin typeface="Calibri"/>
+                <a:ea typeface="DejaVu Sans"/>
               </a:rPr>
               <a:t>Calculate equivalent masses &amp; stiffnesses</a:t>
             </a:r>
@@ -9002,6 +10598,7 @@
                   <a:srgbClr val="000000"/>
                 </a:solidFill>
                 <a:latin typeface="Calibri"/>
+                <a:ea typeface="DejaVu Sans"/>
               </a:rPr>
               <a:t>Analyse frequency response for range of absorber damping via solving for 2dof system (2d matrix with complex numbers)</a:t>
             </a:r>
@@ -9021,6 +10618,7 @@
                   <a:srgbClr val="000000"/>
                 </a:solidFill>
                 <a:latin typeface="Calibri"/>
+                <a:ea typeface="DejaVu Sans"/>
               </a:rPr>
               <a:t>Find the maximum peak at each absorber damping and plot graph</a:t>
             </a:r>
@@ -9040,6 +10638,7 @@
                   <a:srgbClr val="000000"/>
                 </a:solidFill>
                 <a:latin typeface="Calibri"/>
+                <a:ea typeface="DejaVu Sans"/>
               </a:rPr>
               <a:t>Repeat this for different values of the floor damping</a:t>
             </a:r>
@@ -9067,6 +10666,7 @@
                   <a:srgbClr val="000000"/>
                 </a:solidFill>
                 <a:latin typeface="Calibri"/>
+                <a:ea typeface="DejaVu Sans"/>
               </a:rPr>
               <a:t>Find the optimum absorber damping level</a:t>
             </a:r>
@@ -9086,6 +10686,7 @@
                   <a:srgbClr val="000000"/>
                 </a:solidFill>
                 <a:latin typeface="Calibri"/>
+                <a:ea typeface="DejaVu Sans"/>
               </a:rPr>
               <a:t>Find the reduction in maximum amplitude (efficiency of absorber)</a:t>
             </a:r>
@@ -9105,6 +10706,7 @@
                   <a:srgbClr val="000000"/>
                 </a:solidFill>
                 <a:latin typeface="Calibri"/>
+                <a:ea typeface="DejaVu Sans"/>
               </a:rPr>
               <a:t>Trial for each floor/mode</a:t>
             </a:r>
@@ -9163,14 +10765,14 @@
       </p:grpSpPr>
       <p:sp>
         <p:nvSpPr>
-          <p:cNvPr id="118" name="CustomShape 1"/>
+          <p:cNvPr id="157" name="CustomShape 1"/>
           <p:cNvSpPr/>
           <p:nvPr/>
         </p:nvSpPr>
         <p:spPr>
           <a:xfrm>
             <a:off x="838080" y="365040"/>
-            <a:ext cx="10514880" cy="1324800"/>
+            <a:ext cx="10514160" cy="1324080"/>
           </a:xfrm>
           <a:prstGeom prst="rect">
             <a:avLst/>
@@ -9200,6 +10802,7 @@
                   <a:srgbClr val="000000"/>
                 </a:solidFill>
                 <a:latin typeface="Calibri Light"/>
+                <a:ea typeface="DejaVu Sans"/>
               </a:rPr>
               <a:t>Assumptions / Modelling Approximations</a:t>
             </a:r>
@@ -9209,14 +10812,14 @@
       </p:sp>
       <p:sp>
         <p:nvSpPr>
-          <p:cNvPr id="119" name="CustomShape 2"/>
+          <p:cNvPr id="158" name="CustomShape 2"/>
           <p:cNvSpPr/>
           <p:nvPr/>
         </p:nvSpPr>
         <p:spPr>
           <a:xfrm>
             <a:off x="838080" y="1825560"/>
-            <a:ext cx="10514880" cy="4350600"/>
+            <a:ext cx="10514160" cy="4349880"/>
           </a:xfrm>
           <a:prstGeom prst="rect">
             <a:avLst/>
@@ -9248,6 +10851,7 @@
                   <a:srgbClr val="000000"/>
                 </a:solidFill>
                 <a:latin typeface="Calibri"/>
+                <a:ea typeface="DejaVu Sans"/>
               </a:rPr>
               <a:t>Tested for a range of floor lambdas but over a small range of these values (0-10) the change in optimum absorber damping is small (~5%)</a:t>
             </a:r>
@@ -9267,6 +10871,7 @@
                   <a:srgbClr val="000000"/>
                 </a:solidFill>
                 <a:latin typeface="Calibri"/>
+                <a:ea typeface="DejaVu Sans"/>
               </a:rPr>
               <a:t>Assume that lambda is small</a:t>
             </a:r>
@@ -9286,6 +10891,7 @@
                   <a:srgbClr val="000000"/>
                 </a:solidFill>
                 <a:latin typeface="Calibri"/>
+                <a:ea typeface="DejaVu Sans"/>
               </a:rPr>
               <a:t>Modelling the frequency input as a single frequency</a:t>
             </a:r>
@@ -9305,6 +10911,7 @@
                   <a:srgbClr val="000000"/>
                 </a:solidFill>
                 <a:latin typeface="Calibri"/>
+                <a:ea typeface="DejaVu Sans"/>
               </a:rPr>
               <a:t>Assume perfect system</a:t>
             </a:r>
@@ -9324,6 +10931,7 @@
                   <a:srgbClr val="000000"/>
                 </a:solidFill>
                 <a:latin typeface="Calibri"/>
+                <a:ea typeface="DejaVu Sans"/>
               </a:rPr>
               <a:t>Assume masses and stiffnesses are identical between floors (could be implemented to allow differences though)</a:t>
             </a:r>
@@ -9343,6 +10951,7 @@
                   <a:srgbClr val="000000"/>
                 </a:solidFill>
                 <a:latin typeface="Calibri"/>
+                <a:ea typeface="DejaVu Sans"/>
               </a:rPr>
               <a:t>Modelling the maximum response as that of the maximum response for any frequency and ignoring number/width of those peaks</a:t>
             </a:r>
@@ -9401,14 +11010,14 @@
       </p:grpSpPr>
       <p:sp>
         <p:nvSpPr>
-          <p:cNvPr id="120" name="CustomShape 1"/>
+          <p:cNvPr id="159" name="CustomShape 1"/>
           <p:cNvSpPr/>
           <p:nvPr/>
         </p:nvSpPr>
         <p:spPr>
           <a:xfrm>
             <a:off x="838080" y="365040"/>
-            <a:ext cx="10514880" cy="1324800"/>
+            <a:ext cx="10514160" cy="1324080"/>
           </a:xfrm>
           <a:prstGeom prst="rect">
             <a:avLst/>
@@ -9438,6 +11047,7 @@
                   <a:srgbClr val="000000"/>
                 </a:solidFill>
                 <a:latin typeface="Calibri Light"/>
+                <a:ea typeface="DejaVu Sans"/>
               </a:rPr>
               <a:t>Notes about code</a:t>
             </a:r>
@@ -9447,14 +11057,14 @@
       </p:sp>
       <p:sp>
         <p:nvSpPr>
-          <p:cNvPr id="121" name="CustomShape 2"/>
+          <p:cNvPr id="160" name="CustomShape 2"/>
           <p:cNvSpPr/>
           <p:nvPr/>
         </p:nvSpPr>
         <p:spPr>
           <a:xfrm>
             <a:off x="838080" y="1825560"/>
-            <a:ext cx="10514880" cy="4350600"/>
+            <a:ext cx="10514160" cy="4349880"/>
           </a:xfrm>
           <a:prstGeom prst="rect">
             <a:avLst/>
@@ -9486,6 +11096,7 @@
                   <a:srgbClr val="000000"/>
                 </a:solidFill>
                 <a:latin typeface="Calibri"/>
+                <a:ea typeface="DejaVu Sans"/>
               </a:rPr>
               <a:t>Neat</a:t>
             </a:r>
@@ -9505,6 +11116,7 @@
                   <a:srgbClr val="000000"/>
                 </a:solidFill>
                 <a:latin typeface="Calibri"/>
+                <a:ea typeface="DejaVu Sans"/>
               </a:rPr>
               <a:t>Easy to change variables – e.g the mass of each floor or stiffness etc.</a:t>
             </a:r>
@@ -9524,6 +11136,7 @@
                   <a:srgbClr val="000000"/>
                 </a:solidFill>
                 <a:latin typeface="Calibri"/>
+                <a:ea typeface="DejaVu Sans"/>
               </a:rPr>
               <a:t>Automates finding optimum values</a:t>
             </a:r>
@@ -9543,6 +11156,7 @@
                   <a:srgbClr val="000000"/>
                 </a:solidFill>
                 <a:latin typeface="Calibri"/>
+                <a:ea typeface="DejaVu Sans"/>
               </a:rPr>
               <a:t>Modular files – only need to re-run relevant code when changing variables.</a:t>
             </a:r>
@@ -9609,14 +11223,14 @@
       </p:grpSpPr>
       <p:sp>
         <p:nvSpPr>
-          <p:cNvPr id="122" name="CustomShape 1"/>
+          <p:cNvPr id="161" name="CustomShape 1"/>
           <p:cNvSpPr/>
           <p:nvPr/>
         </p:nvSpPr>
         <p:spPr>
           <a:xfrm>
             <a:off x="838080" y="365040"/>
-            <a:ext cx="10514880" cy="1324800"/>
+            <a:ext cx="10514160" cy="1324080"/>
           </a:xfrm>
           <a:prstGeom prst="rect">
             <a:avLst/>
@@ -9646,6 +11260,7 @@
                   <a:srgbClr val="000000"/>
                 </a:solidFill>
                 <a:latin typeface="Calibri Light"/>
+                <a:ea typeface="DejaVu Sans"/>
               </a:rPr>
               <a:t>Findings</a:t>
             </a:r>
@@ -9655,14 +11270,14 @@
       </p:sp>
       <p:sp>
         <p:nvSpPr>
-          <p:cNvPr id="123" name="CustomShape 2"/>
+          <p:cNvPr id="162" name="CustomShape 2"/>
           <p:cNvSpPr/>
           <p:nvPr/>
         </p:nvSpPr>
         <p:spPr>
           <a:xfrm>
             <a:off x="838080" y="1825560"/>
-            <a:ext cx="10514880" cy="4350600"/>
+            <a:ext cx="10514160" cy="4349880"/>
           </a:xfrm>
           <a:prstGeom prst="rect">
             <a:avLst/>
@@ -9730,14 +11345,14 @@
       </p:grpSpPr>
       <p:sp>
         <p:nvSpPr>
-          <p:cNvPr id="124" name="CustomShape 1"/>
+          <p:cNvPr id="163" name="CustomShape 1"/>
           <p:cNvSpPr/>
           <p:nvPr/>
         </p:nvSpPr>
         <p:spPr>
           <a:xfrm>
             <a:off x="1523880" y="1122480"/>
-            <a:ext cx="9143280" cy="2386800"/>
+            <a:ext cx="9142560" cy="2386080"/>
           </a:xfrm>
           <a:prstGeom prst="rect">
             <a:avLst/>
@@ -9762,6 +11377,7 @@
                   <a:srgbClr val="000000"/>
                 </a:solidFill>
                 <a:latin typeface="Calibri Light"/>
+                <a:ea typeface="DejaVu Sans"/>
               </a:rPr>
               <a:t>Graphs for floor 1: </a:t>
             </a:r>
@@ -9779,6 +11395,7 @@
                   <a:srgbClr val="000000"/>
                 </a:solidFill>
                 <a:latin typeface="Calibri Light"/>
+                <a:ea typeface="DejaVu Sans"/>
               </a:rPr>
               <a:t>Varying absorber mass from 0.05kg to 0.2kg</a:t>
             </a:r>
@@ -9788,14 +11405,14 @@
       </p:sp>
       <p:sp>
         <p:nvSpPr>
-          <p:cNvPr id="125" name="CustomShape 2"/>
+          <p:cNvPr id="164" name="CustomShape 2"/>
           <p:cNvSpPr/>
           <p:nvPr/>
         </p:nvSpPr>
         <p:spPr>
           <a:xfrm>
             <a:off x="1523880" y="3602160"/>
-            <a:ext cx="9143280" cy="1654920"/>
+            <a:ext cx="9142560" cy="1654200"/>
           </a:xfrm>
           <a:prstGeom prst="rect">
             <a:avLst/>
@@ -10511,4 +12128,227 @@
     </a:fmtScheme>
   </a:themeElements>
 </a:theme>
+</file>
+
+<file path=ppt/theme/theme4.xml><?xml version="1.0" encoding="utf-8"?>
+<a:theme xmlns:a="http://schemas.openxmlformats.org/drawingml/2006/main" name="Office Theme">
+  <a:themeElements>
+    <a:clrScheme name="Office">
+      <a:dk1>
+        <a:sysClr val="windowText" lastClr="000000"/>
+      </a:dk1>
+      <a:lt1>
+        <a:sysClr val="window" lastClr="FFFFFF"/>
+      </a:lt1>
+      <a:dk2>
+        <a:srgbClr val="1F497D"/>
+      </a:dk2>
+      <a:lt2>
+        <a:srgbClr val="EEECE1"/>
+      </a:lt2>
+      <a:accent1>
+        <a:srgbClr val="4F81BD"/>
+      </a:accent1>
+      <a:accent2>
+        <a:srgbClr val="C0504D"/>
+      </a:accent2>
+      <a:accent3>
+        <a:srgbClr val="9BBB59"/>
+      </a:accent3>
+      <a:accent4>
+        <a:srgbClr val="8064A2"/>
+      </a:accent4>
+      <a:accent5>
+        <a:srgbClr val="4BACC6"/>
+      </a:accent5>
+      <a:accent6>
+        <a:srgbClr val="F79646"/>
+      </a:accent6>
+      <a:hlink>
+        <a:srgbClr val="0000FF"/>
+      </a:hlink>
+      <a:folHlink>
+        <a:srgbClr val="800080"/>
+      </a:folHlink>
+    </a:clrScheme>
+    <a:fontScheme name="Office">
+      <a:majorFont>
+        <a:latin typeface="Arial"/>
+        <a:ea typeface="DejaVu Sans"/>
+        <a:cs typeface="DejaVu Sans"/>
+      </a:majorFont>
+      <a:minorFont>
+        <a:latin typeface="Arial"/>
+        <a:ea typeface="DejaVu Sans"/>
+        <a:cs typeface="DejaVu Sans"/>
+      </a:minorFont>
+    </a:fontScheme>
+    <a:fmtScheme name="Office">
+      <a:fillStyleLst>
+        <a:solidFill>
+          <a:schemeClr val="phClr"/>
+        </a:solidFill>
+        <a:gradFill rotWithShape="1">
+          <a:gsLst>
+            <a:gs pos="0">
+              <a:schemeClr val="phClr">
+                <a:tint val="50000"/>
+                <a:satMod val="300000"/>
+              </a:schemeClr>
+            </a:gs>
+            <a:gs pos="35000">
+              <a:schemeClr val="phClr">
+                <a:tint val="37000"/>
+                <a:satMod val="300000"/>
+              </a:schemeClr>
+            </a:gs>
+            <a:gs pos="100000">
+              <a:schemeClr val="phClr">
+                <a:tint val="15000"/>
+                <a:satMod val="350000"/>
+              </a:schemeClr>
+            </a:gs>
+          </a:gsLst>
+          <a:lin ang="16200000" scaled="1"/>
+        </a:gradFill>
+        <a:gradFill rotWithShape="1">
+          <a:gsLst>
+            <a:gs pos="0">
+              <a:schemeClr val="phClr">
+                <a:shade val="51000"/>
+                <a:satMod val="130000"/>
+              </a:schemeClr>
+            </a:gs>
+            <a:gs pos="80000">
+              <a:schemeClr val="phClr">
+                <a:shade val="93000"/>
+                <a:satMod val="130000"/>
+              </a:schemeClr>
+            </a:gs>
+            <a:gs pos="100000">
+              <a:schemeClr val="phClr">
+                <a:shade val="94000"/>
+                <a:satMod val="135000"/>
+              </a:schemeClr>
+            </a:gs>
+          </a:gsLst>
+          <a:lin ang="16200000" scaled="0"/>
+        </a:gradFill>
+      </a:fillStyleLst>
+      <a:lnStyleLst>
+        <a:ln w="9525" cap="flat" cmpd="sng" algn="ctr">
+          <a:solidFill>
+            <a:schemeClr val="phClr">
+              <a:shade val="95000"/>
+              <a:satMod val="105000"/>
+            </a:schemeClr>
+          </a:solidFill>
+          <a:prstDash val="solid"/>
+        </a:ln>
+        <a:ln w="25400" cap="flat" cmpd="sng" algn="ctr">
+          <a:solidFill>
+            <a:schemeClr val="phClr"/>
+          </a:solidFill>
+          <a:prstDash val="solid"/>
+        </a:ln>
+        <a:ln w="38100" cap="flat" cmpd="sng" algn="ctr">
+          <a:solidFill>
+            <a:schemeClr val="phClr"/>
+          </a:solidFill>
+          <a:prstDash val="solid"/>
+        </a:ln>
+      </a:lnStyleLst>
+      <a:effectStyleLst>
+        <a:effectStyle>
+          <a:effectLst>
+            <a:outerShdw blurRad="40000" dist="20000" dir="5400000" rotWithShape="0">
+              <a:srgbClr val="000000">
+                <a:alpha val="38000"/>
+              </a:srgbClr>
+            </a:outerShdw>
+          </a:effectLst>
+        </a:effectStyle>
+        <a:effectStyle>
+          <a:effectLst>
+            <a:outerShdw blurRad="40000" dist="23000" dir="5400000" rotWithShape="0">
+              <a:srgbClr val="000000">
+                <a:alpha val="35000"/>
+              </a:srgbClr>
+            </a:outerShdw>
+          </a:effectLst>
+        </a:effectStyle>
+        <a:effectStyle>
+          <a:effectLst>
+            <a:outerShdw blurRad="40000" dist="23000" dir="5400000" rotWithShape="0">
+              <a:srgbClr val="000000">
+                <a:alpha val="35000"/>
+              </a:srgbClr>
+            </a:outerShdw>
+          </a:effectLst>
+          <a:scene3d>
+            <a:camera prst="orthographicFront">
+              <a:rot lat="0" lon="0" rev="0"/>
+            </a:camera>
+            <a:lightRig rig="threePt" dir="t">
+              <a:rot lat="0" lon="0" rev="1200000"/>
+            </a:lightRig>
+          </a:scene3d>
+          <a:sp3d>
+            <a:bevelT w="63500" h="25400"/>
+          </a:sp3d>
+        </a:effectStyle>
+      </a:effectStyleLst>
+      <a:bgFillStyleLst>
+        <a:solidFill>
+          <a:schemeClr val="phClr"/>
+        </a:solidFill>
+        <a:gradFill rotWithShape="1">
+          <a:gsLst>
+            <a:gs pos="0">
+              <a:schemeClr val="phClr">
+                <a:tint val="40000"/>
+                <a:satMod val="350000"/>
+              </a:schemeClr>
+            </a:gs>
+            <a:gs pos="40000">
+              <a:schemeClr val="phClr">
+                <a:tint val="45000"/>
+                <a:shade val="99000"/>
+                <a:satMod val="350000"/>
+              </a:schemeClr>
+            </a:gs>
+            <a:gs pos="100000">
+              <a:schemeClr val="phClr">
+                <a:shade val="20000"/>
+                <a:satMod val="255000"/>
+              </a:schemeClr>
+            </a:gs>
+          </a:gsLst>
+          <a:path path="circle">
+            <a:fillToRect l="50000" t="-80000" r="50000" b="180000"/>
+          </a:path>
+        </a:gradFill>
+        <a:gradFill rotWithShape="1">
+          <a:gsLst>
+            <a:gs pos="0">
+              <a:schemeClr val="phClr">
+                <a:tint val="80000"/>
+                <a:satMod val="300000"/>
+              </a:schemeClr>
+            </a:gs>
+            <a:gs pos="100000">
+              <a:schemeClr val="phClr">
+                <a:shade val="30000"/>
+                <a:satMod val="200000"/>
+              </a:schemeClr>
+            </a:gs>
+          </a:gsLst>
+          <a:path path="circle">
+            <a:fillToRect l="50000" t="50000" r="50000" b="50000"/>
+          </a:path>
+        </a:gradFill>
+      </a:bgFillStyleLst>
+    </a:fmtScheme>
+  </a:themeElements>
+</a:theme>
 </file>